--- a/COMO远程过程调用RPC/COMO远程过程调用RPC原理.pptx
+++ b/COMO远程过程调用RPC/COMO远程过程调用RPC原理.pptx
@@ -367,7 +367,7 @@
                 </a:solidFill>
               </a:rPr>
               <a:pPr/>
-              <a:t>2021/2/23</a:t>
+              <a:t>2021/2/25</a:t>
             </a:fld>
             <a:endParaRPr lang="zh-CN" altLang="en-US">
               <a:solidFill>
@@ -584,7 +584,7 @@
                 </a:solidFill>
               </a:rPr>
               <a:pPr/>
-              <a:t>2021/2/23</a:t>
+              <a:t>2021/2/25</a:t>
             </a:fld>
             <a:endParaRPr lang="zh-CN" altLang="en-US">
               <a:solidFill>
@@ -805,7 +805,7 @@
                 </a:solidFill>
               </a:rPr>
               <a:pPr/>
-              <a:t>2021/2/23</a:t>
+              <a:t>2021/2/25</a:t>
             </a:fld>
             <a:endParaRPr lang="zh-CN" altLang="en-US">
               <a:solidFill>
@@ -1016,7 +1016,7 @@
                 </a:solidFill>
               </a:rPr>
               <a:pPr/>
-              <a:t>2021/2/23</a:t>
+              <a:t>2021/2/25</a:t>
             </a:fld>
             <a:endParaRPr lang="zh-CN" altLang="en-US">
               <a:solidFill>
@@ -1250,7 +1250,7 @@
                 </a:solidFill>
               </a:rPr>
               <a:pPr/>
-              <a:t>2021/2/23</a:t>
+              <a:t>2021/2/25</a:t>
             </a:fld>
             <a:endParaRPr lang="zh-CN" altLang="en-US">
               <a:solidFill>
@@ -1578,7 +1578,7 @@
                 </a:solidFill>
               </a:rPr>
               <a:pPr/>
-              <a:t>2021/2/23</a:t>
+              <a:t>2021/2/25</a:t>
             </a:fld>
             <a:endParaRPr lang="zh-CN" altLang="en-US">
               <a:solidFill>
@@ -2045,7 +2045,7 @@
                 </a:solidFill>
               </a:rPr>
               <a:pPr/>
-              <a:t>2021/2/23</a:t>
+              <a:t>2021/2/25</a:t>
             </a:fld>
             <a:endParaRPr lang="zh-CN" altLang="en-US">
               <a:solidFill>
@@ -2205,7 +2205,7 @@
                 </a:solidFill>
               </a:rPr>
               <a:pPr/>
-              <a:t>2021/2/23</a:t>
+              <a:t>2021/2/25</a:t>
             </a:fld>
             <a:endParaRPr lang="zh-CN" altLang="en-US">
               <a:solidFill>
@@ -2343,7 +2343,7 @@
                 </a:solidFill>
               </a:rPr>
               <a:pPr/>
-              <a:t>2021/2/23</a:t>
+              <a:t>2021/2/25</a:t>
             </a:fld>
             <a:endParaRPr lang="zh-CN" altLang="en-US">
               <a:solidFill>
@@ -2661,7 +2661,7 @@
                 </a:solidFill>
               </a:rPr>
               <a:pPr/>
-              <a:t>2021/2/23</a:t>
+              <a:t>2021/2/25</a:t>
             </a:fld>
             <a:endParaRPr lang="zh-CN" altLang="en-US">
               <a:solidFill>
@@ -2960,7 +2960,7 @@
                 </a:solidFill>
               </a:rPr>
               <a:pPr/>
-              <a:t>2021/2/23</a:t>
+              <a:t>2021/2/25</a:t>
             </a:fld>
             <a:endParaRPr lang="zh-CN" altLang="en-US">
               <a:solidFill>
@@ -3478,7 +3478,7 @@
                 </a:solidFill>
               </a:rPr>
               <a:pPr defTabSz="685800"/>
-              <a:t>2021/2/23</a:t>
+              <a:t>2021/2/25</a:t>
             </a:fld>
             <a:endParaRPr lang="zh-CN" altLang="en-US">
               <a:solidFill>
@@ -4243,7 +4243,7 @@
                 </a:solidFill>
               </a:rPr>
               <a:pPr/>
-              <a:t>2021/2/23</a:t>
+              <a:t>2021/2/25</a:t>
             </a:fld>
             <a:endParaRPr lang="zh-CN" altLang="en-US">
               <a:solidFill>
@@ -4522,7 +4522,7 @@
                 </a:solidFill>
               </a:rPr>
               <a:pPr/>
-              <a:t>2021/2/23</a:t>
+              <a:t>2021/2/25</a:t>
             </a:fld>
             <a:endParaRPr lang="zh-CN" altLang="en-US">
               <a:solidFill>
@@ -4869,7 +4869,7 @@
                 </a:solidFill>
               </a:rPr>
               <a:pPr/>
-              <a:t>2021/2/23</a:t>
+              <a:t>2021/2/25</a:t>
             </a:fld>
             <a:endParaRPr lang="zh-CN" altLang="en-US">
               <a:solidFill>
@@ -5376,7 +5376,7 @@
                 </a:solidFill>
               </a:rPr>
               <a:pPr/>
-              <a:t>2021/2/23</a:t>
+              <a:t>2021/2/25</a:t>
             </a:fld>
             <a:endParaRPr lang="zh-CN" altLang="en-US">
               <a:solidFill>
@@ -5688,6 +5688,120 @@
               </a:rPr>
               <a:t>构造了假的虚表</a:t>
             </a:r>
+          </a:p>
+        </p:txBody>
+      </p:sp>
+      <p:pic>
+        <p:nvPicPr>
+          <p:cNvPr id="11" name="图片 10">
+            <a:extLst>
+              <a:ext uri="{FF2B5EF4-FFF2-40B4-BE49-F238E27FC236}">
+                <a16:creationId xmlns:a16="http://schemas.microsoft.com/office/drawing/2014/main" id="{931D2132-C5B6-4B3B-8D68-C2369B9EED31}"/>
+              </a:ext>
+            </a:extLst>
+          </p:cNvPr>
+          <p:cNvPicPr>
+            <a:picLocks noChangeAspect="1"/>
+          </p:cNvPicPr>
+          <p:nvPr/>
+        </p:nvPicPr>
+        <p:blipFill>
+          <a:blip r:embed="rId5"/>
+          <a:stretch>
+            <a:fillRect/>
+          </a:stretch>
+        </p:blipFill>
+        <p:spPr>
+          <a:xfrm>
+            <a:off x="4780098" y="3147814"/>
+            <a:ext cx="4048299" cy="1392669"/>
+          </a:xfrm>
+          <a:prstGeom prst="rect">
+            <a:avLst/>
+          </a:prstGeom>
+        </p:spPr>
+      </p:pic>
+      <p:cxnSp>
+        <p:nvCxnSpPr>
+          <p:cNvPr id="13" name="连接符: 曲线 12">
+            <a:extLst>
+              <a:ext uri="{FF2B5EF4-FFF2-40B4-BE49-F238E27FC236}">
+                <a16:creationId xmlns:a16="http://schemas.microsoft.com/office/drawing/2014/main" id="{6FAC565E-E21B-4C3B-880E-B5645BB6DB53}"/>
+              </a:ext>
+            </a:extLst>
+          </p:cNvPr>
+          <p:cNvCxnSpPr/>
+          <p:nvPr/>
+        </p:nvCxnSpPr>
+        <p:spPr>
+          <a:xfrm>
+            <a:off x="5652120" y="2715766"/>
+            <a:ext cx="2664296" cy="1656184"/>
+          </a:xfrm>
+          <a:prstGeom prst="curvedConnector3">
+            <a:avLst/>
+          </a:prstGeom>
+          <a:ln w="19050">
+            <a:prstDash val="sysDot"/>
+            <a:headEnd type="triangle"/>
+            <a:tailEnd type="triangle"/>
+          </a:ln>
+        </p:spPr>
+        <p:style>
+          <a:lnRef idx="1">
+            <a:schemeClr val="accent2"/>
+          </a:lnRef>
+          <a:fillRef idx="0">
+            <a:schemeClr val="accent2"/>
+          </a:fillRef>
+          <a:effectRef idx="0">
+            <a:schemeClr val="accent2"/>
+          </a:effectRef>
+          <a:fontRef idx="minor">
+            <a:schemeClr val="tx1"/>
+          </a:fontRef>
+        </p:style>
+      </p:cxnSp>
+      <p:sp>
+        <p:nvSpPr>
+          <p:cNvPr id="14" name="矩形 13">
+            <a:extLst>
+              <a:ext uri="{FF2B5EF4-FFF2-40B4-BE49-F238E27FC236}">
+                <a16:creationId xmlns:a16="http://schemas.microsoft.com/office/drawing/2014/main" id="{C4825E36-8C45-4FD2-9BAA-0AF4B9B92DCA}"/>
+              </a:ext>
+            </a:extLst>
+          </p:cNvPr>
+          <p:cNvSpPr/>
+          <p:nvPr/>
+        </p:nvSpPr>
+        <p:spPr>
+          <a:xfrm>
+            <a:off x="3635896" y="4235424"/>
+            <a:ext cx="2016224" cy="307777"/>
+          </a:xfrm>
+          <a:prstGeom prst="rect">
+            <a:avLst/>
+          </a:prstGeom>
+        </p:spPr>
+        <p:txBody>
+          <a:bodyPr wrap="square">
+            <a:spAutoFit/>
+          </a:bodyPr>
+          <a:lstStyle/>
+          <a:p>
+            <a:r>
+              <a:rPr lang="en-US" altLang="zh-CN" sz="1400"/>
+              <a:t>CProxy</a:t>
+            </a:r>
+            <a:r>
+              <a:rPr lang="zh-CN" altLang="en-US" sz="1400"/>
+              <a:t>.</a:t>
+            </a:r>
+            <a:r>
+              <a:rPr lang="en-US" altLang="zh-CN" sz="1400"/>
+              <a:t>cpp</a:t>
+            </a:r>
+            <a:endParaRPr lang="zh-CN" altLang="en-US" sz="1400"/>
           </a:p>
         </p:txBody>
       </p:sp>
@@ -5823,7 +5937,7 @@
                 </a:solidFill>
               </a:rPr>
               <a:pPr/>
-              <a:t>2021/2/23</a:t>
+              <a:t>2021/2/25</a:t>
             </a:fld>
             <a:endParaRPr lang="zh-CN" altLang="en-US">
               <a:solidFill>
@@ -5993,7 +6107,7 @@
                 </a:solidFill>
               </a:rPr>
               <a:pPr/>
-              <a:t>2021/2/23</a:t>
+              <a:t>2021/2/25</a:t>
             </a:fld>
             <a:endParaRPr lang="zh-CN" altLang="en-US">
               <a:solidFill>
@@ -6425,7 +6539,7 @@
                 </a:solidFill>
               </a:rPr>
               <a:pPr/>
-              <a:t>2021/2/23</a:t>
+              <a:t>2021/2/25</a:t>
             </a:fld>
             <a:endParaRPr lang="zh-CN" altLang="en-US">
               <a:solidFill>
@@ -6890,7 +7004,7 @@
                 </a:solidFill>
               </a:rPr>
               <a:pPr/>
-              <a:t>2021/2/23</a:t>
+              <a:t>2021/2/25</a:t>
             </a:fld>
             <a:endParaRPr lang="zh-CN" altLang="en-US">
               <a:solidFill>
@@ -7384,7 +7498,7 @@
                 </a:solidFill>
               </a:rPr>
               <a:pPr/>
-              <a:t>2021/2/23</a:t>
+              <a:t>2021/2/25</a:t>
             </a:fld>
             <a:endParaRPr lang="zh-CN" altLang="en-US">
               <a:solidFill>
@@ -7776,7 +7890,7 @@
                 </a:solidFill>
               </a:rPr>
               <a:pPr/>
-              <a:t>2021/2/23</a:t>
+              <a:t>2021/2/25</a:t>
             </a:fld>
             <a:endParaRPr lang="zh-CN" altLang="en-US">
               <a:solidFill>
@@ -8209,7 +8323,7 @@
                 </a:solidFill>
               </a:rPr>
               <a:pPr/>
-              <a:t>2021/2/23</a:t>
+              <a:t>2021/2/25</a:t>
             </a:fld>
             <a:endParaRPr lang="zh-CN" altLang="en-US">
               <a:solidFill>
@@ -8591,7 +8705,7 @@
                 </a:solidFill>
               </a:rPr>
               <a:pPr/>
-              <a:t>2021/2/23</a:t>
+              <a:t>2021/2/25</a:t>
             </a:fld>
             <a:endParaRPr lang="zh-CN" altLang="en-US">
               <a:solidFill>
@@ -8761,7 +8875,7 @@
                 </a:solidFill>
               </a:rPr>
               <a:pPr/>
-              <a:t>2021/2/23</a:t>
+              <a:t>2021/2/25</a:t>
             </a:fld>
             <a:endParaRPr lang="zh-CN" altLang="en-US">
               <a:solidFill>
@@ -9218,7 +9332,7 @@
                 </a:solidFill>
               </a:rPr>
               <a:pPr/>
-              <a:t>2021/2/23</a:t>
+              <a:t>2021/2/25</a:t>
             </a:fld>
             <a:endParaRPr lang="zh-CN" altLang="en-US">
               <a:solidFill>
@@ -9601,7 +9715,7 @@
                 </a:solidFill>
               </a:rPr>
               <a:pPr/>
-              <a:t>2021/2/23</a:t>
+              <a:t>2021/2/25</a:t>
             </a:fld>
             <a:endParaRPr lang="zh-CN" altLang="en-US">
               <a:solidFill>
@@ -9778,7 +9892,7 @@
           <a:graphicData uri="http://schemas.openxmlformats.org/presentationml/2006/ole">
             <mc:AlternateContent xmlns:mc="http://schemas.openxmlformats.org/markup-compatibility/2006">
               <mc:Choice xmlns:v="urn:schemas-microsoft-com:vml" Requires="v">
-                <p:oleObj spid="_x0000_s1115" name="Visio" r:id="rId3" imgW="4125485" imgH="1874914" progId="Visio.Drawing.11">
+                <p:oleObj spid="_x0000_s1119" name="Visio" r:id="rId3" imgW="4125485" imgH="1874914" progId="Visio.Drawing.11">
                   <p:embed/>
                 </p:oleObj>
               </mc:Choice>
@@ -10260,7 +10374,7 @@
                 </a:solidFill>
               </a:rPr>
               <a:pPr/>
-              <a:t>2021/2/23</a:t>
+              <a:t>2021/2/25</a:t>
             </a:fld>
             <a:endParaRPr lang="zh-CN" altLang="en-US">
               <a:solidFill>
@@ -10466,7 +10580,7 @@
                 </a:solidFill>
               </a:rPr>
               <a:pPr/>
-              <a:t>2021/2/23</a:t>
+              <a:t>2021/2/25</a:t>
             </a:fld>
             <a:endParaRPr lang="zh-CN" altLang="en-US">
               <a:solidFill>
@@ -10715,7 +10829,7 @@
                 </a:solidFill>
               </a:rPr>
               <a:pPr/>
-              <a:t>2021/2/23</a:t>
+              <a:t>2021/2/25</a:t>
             </a:fld>
             <a:endParaRPr lang="zh-CN" altLang="en-US">
               <a:solidFill>
@@ -10994,7 +11108,7 @@
                 </a:solidFill>
               </a:rPr>
               <a:pPr/>
-              <a:t>2021/2/23</a:t>
+              <a:t>2021/2/25</a:t>
             </a:fld>
             <a:endParaRPr lang="zh-CN" altLang="en-US">
               <a:solidFill>
@@ -11243,7 +11357,7 @@
                 </a:solidFill>
               </a:rPr>
               <a:pPr/>
-              <a:t>2021/2/23</a:t>
+              <a:t>2021/2/25</a:t>
             </a:fld>
             <a:endParaRPr lang="zh-CN" altLang="en-US">
               <a:solidFill>

--- a/COMO远程过程调用RPC/COMO远程过程调用RPC原理.pptx
+++ b/COMO远程过程调用RPC/COMO远程过程调用RPC原理.pptx
@@ -4,6 +4,9 @@
   <p:sldMasterIdLst>
     <p:sldMasterId id="2147483672" r:id="rId1"/>
   </p:sldMasterIdLst>
+  <p:notesMasterIdLst>
+    <p:notesMasterId r:id="rId22"/>
+  </p:notesMasterIdLst>
   <p:sldIdLst>
     <p:sldId id="259" r:id="rId2"/>
     <p:sldId id="300" r:id="rId3"/>
@@ -140,6 +143,832 @@
     </p:ext>
   </p:extLst>
 </p:presentation>
+</file>
+
+<file path=ppt/notesMasters/notesMaster1.xml><?xml version="1.0" encoding="utf-8"?>
+<p:notesMaster xmlns:a="http://schemas.openxmlformats.org/drawingml/2006/main" xmlns:r="http://schemas.openxmlformats.org/officeDocument/2006/relationships" xmlns:p="http://schemas.openxmlformats.org/presentationml/2006/main">
+  <p:cSld>
+    <p:bg>
+      <p:bgRef idx="1001">
+        <a:schemeClr val="bg1"/>
+      </p:bgRef>
+    </p:bg>
+    <p:spTree>
+      <p:nvGrpSpPr>
+        <p:cNvPr id="1" name=""/>
+        <p:cNvGrpSpPr/>
+        <p:nvPr/>
+      </p:nvGrpSpPr>
+      <p:grpSpPr>
+        <a:xfrm>
+          <a:off x="0" y="0"/>
+          <a:ext cx="0" cy="0"/>
+          <a:chOff x="0" y="0"/>
+          <a:chExt cx="0" cy="0"/>
+        </a:xfrm>
+      </p:grpSpPr>
+      <p:sp>
+        <p:nvSpPr>
+          <p:cNvPr id="2" name="页眉占位符 1"/>
+          <p:cNvSpPr>
+            <a:spLocks noGrp="1"/>
+          </p:cNvSpPr>
+          <p:nvPr>
+            <p:ph type="hdr" sz="quarter"/>
+          </p:nvPr>
+        </p:nvSpPr>
+        <p:spPr>
+          <a:xfrm>
+            <a:off x="0" y="0"/>
+            <a:ext cx="2971800" cy="458788"/>
+          </a:xfrm>
+          <a:prstGeom prst="rect">
+            <a:avLst/>
+          </a:prstGeom>
+        </p:spPr>
+        <p:txBody>
+          <a:bodyPr vert="horz" lIns="91440" tIns="45720" rIns="91440" bIns="45720" rtlCol="0"/>
+          <a:lstStyle>
+            <a:lvl1pPr algn="l">
+              <a:defRPr sz="1200"/>
+            </a:lvl1pPr>
+          </a:lstStyle>
+          <a:p>
+            <a:endParaRPr lang="zh-CN" altLang="en-US"/>
+          </a:p>
+        </p:txBody>
+      </p:sp>
+      <p:sp>
+        <p:nvSpPr>
+          <p:cNvPr id="3" name="日期占位符 2"/>
+          <p:cNvSpPr>
+            <a:spLocks noGrp="1"/>
+          </p:cNvSpPr>
+          <p:nvPr>
+            <p:ph type="dt" idx="1"/>
+          </p:nvPr>
+        </p:nvSpPr>
+        <p:spPr>
+          <a:xfrm>
+            <a:off x="3884613" y="0"/>
+            <a:ext cx="2971800" cy="458788"/>
+          </a:xfrm>
+          <a:prstGeom prst="rect">
+            <a:avLst/>
+          </a:prstGeom>
+        </p:spPr>
+        <p:txBody>
+          <a:bodyPr vert="horz" lIns="91440" tIns="45720" rIns="91440" bIns="45720" rtlCol="0"/>
+          <a:lstStyle>
+            <a:lvl1pPr algn="r">
+              <a:defRPr sz="1200"/>
+            </a:lvl1pPr>
+          </a:lstStyle>
+          <a:p>
+            <a:fld id="{DD40F30B-CB11-433D-97B6-C06E2ACA5E41}" type="datetimeFigureOut">
+              <a:rPr lang="zh-CN" altLang="en-US" smtClean="0"/>
+              <a:t>2021/2/25</a:t>
+            </a:fld>
+            <a:endParaRPr lang="zh-CN" altLang="en-US"/>
+          </a:p>
+        </p:txBody>
+      </p:sp>
+      <p:sp>
+        <p:nvSpPr>
+          <p:cNvPr id="4" name="幻灯片图像占位符 3"/>
+          <p:cNvSpPr>
+            <a:spLocks noGrp="1" noRot="1" noChangeAspect="1"/>
+          </p:cNvSpPr>
+          <p:nvPr>
+            <p:ph type="sldImg" idx="2"/>
+          </p:nvPr>
+        </p:nvSpPr>
+        <p:spPr>
+          <a:xfrm>
+            <a:off x="685800" y="1143000"/>
+            <a:ext cx="5486400" cy="3086100"/>
+          </a:xfrm>
+          <a:prstGeom prst="rect">
+            <a:avLst/>
+          </a:prstGeom>
+          <a:noFill/>
+          <a:ln w="12700">
+            <a:solidFill>
+              <a:prstClr val="black"/>
+            </a:solidFill>
+          </a:ln>
+        </p:spPr>
+        <p:txBody>
+          <a:bodyPr vert="horz" lIns="91440" tIns="45720" rIns="91440" bIns="45720" rtlCol="0" anchor="ctr"/>
+          <a:lstStyle/>
+          <a:p>
+            <a:endParaRPr lang="zh-CN" altLang="en-US"/>
+          </a:p>
+        </p:txBody>
+      </p:sp>
+      <p:sp>
+        <p:nvSpPr>
+          <p:cNvPr id="5" name="备注占位符 4"/>
+          <p:cNvSpPr>
+            <a:spLocks noGrp="1"/>
+          </p:cNvSpPr>
+          <p:nvPr>
+            <p:ph type="body" sz="quarter" idx="3"/>
+          </p:nvPr>
+        </p:nvSpPr>
+        <p:spPr>
+          <a:xfrm>
+            <a:off x="685800" y="4400550"/>
+            <a:ext cx="5486400" cy="3600450"/>
+          </a:xfrm>
+          <a:prstGeom prst="rect">
+            <a:avLst/>
+          </a:prstGeom>
+        </p:spPr>
+        <p:txBody>
+          <a:bodyPr vert="horz" lIns="91440" tIns="45720" rIns="91440" bIns="45720" rtlCol="0"/>
+          <a:lstStyle/>
+          <a:p>
+            <a:pPr lvl="0"/>
+            <a:r>
+              <a:rPr lang="zh-CN" altLang="en-US"/>
+              <a:t>编辑母版文本样式</a:t>
+            </a:r>
+          </a:p>
+          <a:p>
+            <a:pPr lvl="1"/>
+            <a:r>
+              <a:rPr lang="zh-CN" altLang="en-US"/>
+              <a:t>第二级</a:t>
+            </a:r>
+          </a:p>
+          <a:p>
+            <a:pPr lvl="2"/>
+            <a:r>
+              <a:rPr lang="zh-CN" altLang="en-US"/>
+              <a:t>第三级</a:t>
+            </a:r>
+          </a:p>
+          <a:p>
+            <a:pPr lvl="3"/>
+            <a:r>
+              <a:rPr lang="zh-CN" altLang="en-US"/>
+              <a:t>第四级</a:t>
+            </a:r>
+          </a:p>
+          <a:p>
+            <a:pPr lvl="4"/>
+            <a:r>
+              <a:rPr lang="zh-CN" altLang="en-US"/>
+              <a:t>第五级</a:t>
+            </a:r>
+          </a:p>
+        </p:txBody>
+      </p:sp>
+      <p:sp>
+        <p:nvSpPr>
+          <p:cNvPr id="6" name="页脚占位符 5"/>
+          <p:cNvSpPr>
+            <a:spLocks noGrp="1"/>
+          </p:cNvSpPr>
+          <p:nvPr>
+            <p:ph type="ftr" sz="quarter" idx="4"/>
+          </p:nvPr>
+        </p:nvSpPr>
+        <p:spPr>
+          <a:xfrm>
+            <a:off x="0" y="8685213"/>
+            <a:ext cx="2971800" cy="458787"/>
+          </a:xfrm>
+          <a:prstGeom prst="rect">
+            <a:avLst/>
+          </a:prstGeom>
+        </p:spPr>
+        <p:txBody>
+          <a:bodyPr vert="horz" lIns="91440" tIns="45720" rIns="91440" bIns="45720" rtlCol="0" anchor="b"/>
+          <a:lstStyle>
+            <a:lvl1pPr algn="l">
+              <a:defRPr sz="1200"/>
+            </a:lvl1pPr>
+          </a:lstStyle>
+          <a:p>
+            <a:endParaRPr lang="zh-CN" altLang="en-US"/>
+          </a:p>
+        </p:txBody>
+      </p:sp>
+      <p:sp>
+        <p:nvSpPr>
+          <p:cNvPr id="7" name="灯片编号占位符 6"/>
+          <p:cNvSpPr>
+            <a:spLocks noGrp="1"/>
+          </p:cNvSpPr>
+          <p:nvPr>
+            <p:ph type="sldNum" sz="quarter" idx="5"/>
+          </p:nvPr>
+        </p:nvSpPr>
+        <p:spPr>
+          <a:xfrm>
+            <a:off x="3884613" y="8685213"/>
+            <a:ext cx="2971800" cy="458787"/>
+          </a:xfrm>
+          <a:prstGeom prst="rect">
+            <a:avLst/>
+          </a:prstGeom>
+        </p:spPr>
+        <p:txBody>
+          <a:bodyPr vert="horz" lIns="91440" tIns="45720" rIns="91440" bIns="45720" rtlCol="0" anchor="b"/>
+          <a:lstStyle>
+            <a:lvl1pPr algn="r">
+              <a:defRPr sz="1200"/>
+            </a:lvl1pPr>
+          </a:lstStyle>
+          <a:p>
+            <a:fld id="{A0A1136C-A583-443F-BFB8-8C44A303D626}" type="slidenum">
+              <a:rPr lang="zh-CN" altLang="en-US" smtClean="0"/>
+              <a:t>‹#›</a:t>
+            </a:fld>
+            <a:endParaRPr lang="zh-CN" altLang="en-US"/>
+          </a:p>
+        </p:txBody>
+      </p:sp>
+    </p:spTree>
+    <p:extLst>
+      <p:ext uri="{BB962C8B-B14F-4D97-AF65-F5344CB8AC3E}">
+        <p14:creationId xmlns:p14="http://schemas.microsoft.com/office/powerpoint/2010/main" val="775980456"/>
+      </p:ext>
+    </p:extLst>
+  </p:cSld>
+  <p:clrMap bg1="lt1" tx1="dk1" bg2="lt2" tx2="dk2" accent1="accent1" accent2="accent2" accent3="accent3" accent4="accent4" accent5="accent5" accent6="accent6" hlink="hlink" folHlink="folHlink"/>
+  <p:notesStyle>
+    <a:lvl1pPr marL="0" algn="l" defTabSz="914400" rtl="0" eaLnBrk="1" latinLnBrk="0" hangingPunct="1">
+      <a:defRPr sz="1200" kern="1200">
+        <a:solidFill>
+          <a:schemeClr val="tx1"/>
+        </a:solidFill>
+        <a:latin typeface="+mn-lt"/>
+        <a:ea typeface="+mn-ea"/>
+        <a:cs typeface="+mn-cs"/>
+      </a:defRPr>
+    </a:lvl1pPr>
+    <a:lvl2pPr marL="457200" algn="l" defTabSz="914400" rtl="0" eaLnBrk="1" latinLnBrk="0" hangingPunct="1">
+      <a:defRPr sz="1200" kern="1200">
+        <a:solidFill>
+          <a:schemeClr val="tx1"/>
+        </a:solidFill>
+        <a:latin typeface="+mn-lt"/>
+        <a:ea typeface="+mn-ea"/>
+        <a:cs typeface="+mn-cs"/>
+      </a:defRPr>
+    </a:lvl2pPr>
+    <a:lvl3pPr marL="914400" algn="l" defTabSz="914400" rtl="0" eaLnBrk="1" latinLnBrk="0" hangingPunct="1">
+      <a:defRPr sz="1200" kern="1200">
+        <a:solidFill>
+          <a:schemeClr val="tx1"/>
+        </a:solidFill>
+        <a:latin typeface="+mn-lt"/>
+        <a:ea typeface="+mn-ea"/>
+        <a:cs typeface="+mn-cs"/>
+      </a:defRPr>
+    </a:lvl3pPr>
+    <a:lvl4pPr marL="1371600" algn="l" defTabSz="914400" rtl="0" eaLnBrk="1" latinLnBrk="0" hangingPunct="1">
+      <a:defRPr sz="1200" kern="1200">
+        <a:solidFill>
+          <a:schemeClr val="tx1"/>
+        </a:solidFill>
+        <a:latin typeface="+mn-lt"/>
+        <a:ea typeface="+mn-ea"/>
+        <a:cs typeface="+mn-cs"/>
+      </a:defRPr>
+    </a:lvl4pPr>
+    <a:lvl5pPr marL="1828800" algn="l" defTabSz="914400" rtl="0" eaLnBrk="1" latinLnBrk="0" hangingPunct="1">
+      <a:defRPr sz="1200" kern="1200">
+        <a:solidFill>
+          <a:schemeClr val="tx1"/>
+        </a:solidFill>
+        <a:latin typeface="+mn-lt"/>
+        <a:ea typeface="+mn-ea"/>
+        <a:cs typeface="+mn-cs"/>
+      </a:defRPr>
+    </a:lvl5pPr>
+    <a:lvl6pPr marL="2286000" algn="l" defTabSz="914400" rtl="0" eaLnBrk="1" latinLnBrk="0" hangingPunct="1">
+      <a:defRPr sz="1200" kern="1200">
+        <a:solidFill>
+          <a:schemeClr val="tx1"/>
+        </a:solidFill>
+        <a:latin typeface="+mn-lt"/>
+        <a:ea typeface="+mn-ea"/>
+        <a:cs typeface="+mn-cs"/>
+      </a:defRPr>
+    </a:lvl6pPr>
+    <a:lvl7pPr marL="2743200" algn="l" defTabSz="914400" rtl="0" eaLnBrk="1" latinLnBrk="0" hangingPunct="1">
+      <a:defRPr sz="1200" kern="1200">
+        <a:solidFill>
+          <a:schemeClr val="tx1"/>
+        </a:solidFill>
+        <a:latin typeface="+mn-lt"/>
+        <a:ea typeface="+mn-ea"/>
+        <a:cs typeface="+mn-cs"/>
+      </a:defRPr>
+    </a:lvl7pPr>
+    <a:lvl8pPr marL="3200400" algn="l" defTabSz="914400" rtl="0" eaLnBrk="1" latinLnBrk="0" hangingPunct="1">
+      <a:defRPr sz="1200" kern="1200">
+        <a:solidFill>
+          <a:schemeClr val="tx1"/>
+        </a:solidFill>
+        <a:latin typeface="+mn-lt"/>
+        <a:ea typeface="+mn-ea"/>
+        <a:cs typeface="+mn-cs"/>
+      </a:defRPr>
+    </a:lvl8pPr>
+    <a:lvl9pPr marL="3657600" algn="l" defTabSz="914400" rtl="0" eaLnBrk="1" latinLnBrk="0" hangingPunct="1">
+      <a:defRPr sz="1200" kern="1200">
+        <a:solidFill>
+          <a:schemeClr val="tx1"/>
+        </a:solidFill>
+        <a:latin typeface="+mn-lt"/>
+        <a:ea typeface="+mn-ea"/>
+        <a:cs typeface="+mn-cs"/>
+      </a:defRPr>
+    </a:lvl9pPr>
+  </p:notesStyle>
+</p:notesMaster>
+</file>
+
+<file path=ppt/notesSlides/notesSlide1.xml><?xml version="1.0" encoding="utf-8"?>
+<p:notes xmlns:a="http://schemas.openxmlformats.org/drawingml/2006/main" xmlns:r="http://schemas.openxmlformats.org/officeDocument/2006/relationships" xmlns:p="http://schemas.openxmlformats.org/presentationml/2006/main">
+  <p:cSld>
+    <p:spTree>
+      <p:nvGrpSpPr>
+        <p:cNvPr id="1" name=""/>
+        <p:cNvGrpSpPr/>
+        <p:nvPr/>
+      </p:nvGrpSpPr>
+      <p:grpSpPr>
+        <a:xfrm>
+          <a:off x="0" y="0"/>
+          <a:ext cx="0" cy="0"/>
+          <a:chOff x="0" y="0"/>
+          <a:chExt cx="0" cy="0"/>
+        </a:xfrm>
+      </p:grpSpPr>
+      <p:sp>
+        <p:nvSpPr>
+          <p:cNvPr id="2" name="幻灯片图像占位符 1"/>
+          <p:cNvSpPr>
+            <a:spLocks noGrp="1" noRot="1" noChangeAspect="1"/>
+          </p:cNvSpPr>
+          <p:nvPr>
+            <p:ph type="sldImg"/>
+          </p:nvPr>
+        </p:nvSpPr>
+        <p:spPr/>
+      </p:sp>
+      <p:sp>
+        <p:nvSpPr>
+          <p:cNvPr id="3" name="备注占位符 2"/>
+          <p:cNvSpPr>
+            <a:spLocks noGrp="1"/>
+          </p:cNvSpPr>
+          <p:nvPr>
+            <p:ph type="body" idx="1"/>
+          </p:nvPr>
+        </p:nvSpPr>
+        <p:spPr/>
+        <p:txBody>
+          <a:bodyPr/>
+          <a:lstStyle/>
+          <a:p>
+            <a:r>
+              <a:rPr lang="en-US" altLang="zh-CN" sz="1200" b="0" i="0" kern="1200">
+                <a:solidFill>
+                  <a:schemeClr val="tx1"/>
+                </a:solidFill>
+                <a:effectLst/>
+                <a:latin typeface="+mn-lt"/>
+                <a:ea typeface="+mn-ea"/>
+                <a:cs typeface="+mn-cs"/>
+              </a:rPr>
+              <a:t>64</a:t>
+            </a:r>
+            <a:r>
+              <a:rPr lang="zh-CN" altLang="en-US" sz="1200" b="0" i="0" kern="1200">
+                <a:solidFill>
+                  <a:schemeClr val="tx1"/>
+                </a:solidFill>
+                <a:effectLst/>
+                <a:latin typeface="+mn-lt"/>
+                <a:ea typeface="+mn-ea"/>
+                <a:cs typeface="+mn-cs"/>
+              </a:rPr>
+              <a:t>位模式下前</a:t>
+            </a:r>
+            <a:r>
+              <a:rPr lang="en-US" altLang="zh-CN" sz="1200" b="0" i="0" kern="1200">
+                <a:solidFill>
+                  <a:schemeClr val="tx1"/>
+                </a:solidFill>
+                <a:effectLst/>
+                <a:latin typeface="+mn-lt"/>
+                <a:ea typeface="+mn-ea"/>
+                <a:cs typeface="+mn-cs"/>
+              </a:rPr>
+              <a:t>6</a:t>
+            </a:r>
+            <a:r>
+              <a:rPr lang="zh-CN" altLang="en-US" sz="1200" b="0" i="0" kern="1200">
+                <a:solidFill>
+                  <a:schemeClr val="tx1"/>
+                </a:solidFill>
+                <a:effectLst/>
+                <a:latin typeface="+mn-lt"/>
+                <a:ea typeface="+mn-ea"/>
+                <a:cs typeface="+mn-cs"/>
+              </a:rPr>
+              <a:t>个参数通过寄存器传参，</a:t>
+            </a:r>
+            <a:r>
+              <a:rPr lang="en-US" altLang="zh-CN" sz="1200" b="0" i="0" kern="1200">
+                <a:solidFill>
+                  <a:schemeClr val="tx1"/>
+                </a:solidFill>
+                <a:effectLst/>
+                <a:latin typeface="+mn-lt"/>
+                <a:ea typeface="+mn-ea"/>
+                <a:cs typeface="+mn-cs"/>
+              </a:rPr>
+              <a:t>6</a:t>
+            </a:r>
+            <a:r>
+              <a:rPr lang="zh-CN" altLang="en-US" sz="1200" b="0" i="0" kern="1200">
+                <a:solidFill>
+                  <a:schemeClr val="tx1"/>
+                </a:solidFill>
+                <a:effectLst/>
+                <a:latin typeface="+mn-lt"/>
+                <a:ea typeface="+mn-ea"/>
+                <a:cs typeface="+mn-cs"/>
+              </a:rPr>
+              <a:t>个以上的参数通过栈传参；</a:t>
+            </a:r>
+            <a:br>
+              <a:rPr lang="zh-CN" altLang="en-US"/>
+            </a:br>
+            <a:r>
+              <a:rPr lang="zh-CN" altLang="en-US" sz="1200" b="0" i="0" kern="1200">
+                <a:solidFill>
+                  <a:schemeClr val="tx1"/>
+                </a:solidFill>
+                <a:effectLst/>
+                <a:latin typeface="+mn-lt"/>
+                <a:ea typeface="+mn-ea"/>
+                <a:cs typeface="+mn-cs"/>
+              </a:rPr>
+              <a:t>寄存器使用的顺序为：</a:t>
+            </a:r>
+            <a:br>
+              <a:rPr lang="zh-CN" altLang="en-US"/>
+            </a:br>
+            <a:r>
+              <a:rPr lang="en-US" altLang="zh-CN" sz="1200" b="0" i="0" kern="1200">
+                <a:solidFill>
+                  <a:schemeClr val="tx1"/>
+                </a:solidFill>
+                <a:effectLst/>
+                <a:latin typeface="+mn-lt"/>
+                <a:ea typeface="+mn-ea"/>
+                <a:cs typeface="+mn-cs"/>
+              </a:rPr>
+              <a:t>%rdi</a:t>
+            </a:r>
+            <a:r>
+              <a:rPr lang="zh-CN" altLang="en-US" sz="1200" b="0" i="0" kern="1200">
+                <a:solidFill>
+                  <a:schemeClr val="tx1"/>
+                </a:solidFill>
+                <a:effectLst/>
+                <a:latin typeface="+mn-lt"/>
+                <a:ea typeface="+mn-ea"/>
+                <a:cs typeface="+mn-cs"/>
+              </a:rPr>
+              <a:t>：第</a:t>
+            </a:r>
+            <a:r>
+              <a:rPr lang="en-US" altLang="zh-CN" sz="1200" b="0" i="0" kern="1200">
+                <a:solidFill>
+                  <a:schemeClr val="tx1"/>
+                </a:solidFill>
+                <a:effectLst/>
+                <a:latin typeface="+mn-lt"/>
+                <a:ea typeface="+mn-ea"/>
+                <a:cs typeface="+mn-cs"/>
+              </a:rPr>
+              <a:t>1</a:t>
+            </a:r>
+            <a:r>
+              <a:rPr lang="zh-CN" altLang="en-US" sz="1200" b="0" i="0" kern="1200">
+                <a:solidFill>
+                  <a:schemeClr val="tx1"/>
+                </a:solidFill>
+                <a:effectLst/>
+                <a:latin typeface="+mn-lt"/>
+                <a:ea typeface="+mn-ea"/>
+                <a:cs typeface="+mn-cs"/>
+              </a:rPr>
+              <a:t>个参数；</a:t>
+            </a:r>
+            <a:br>
+              <a:rPr lang="zh-CN" altLang="en-US"/>
+            </a:br>
+            <a:r>
+              <a:rPr lang="en-US" altLang="zh-CN" sz="1200" b="0" i="0" kern="1200">
+                <a:solidFill>
+                  <a:schemeClr val="tx1"/>
+                </a:solidFill>
+                <a:effectLst/>
+                <a:latin typeface="+mn-lt"/>
+                <a:ea typeface="+mn-ea"/>
+                <a:cs typeface="+mn-cs"/>
+              </a:rPr>
+              <a:t>%rsi</a:t>
+            </a:r>
+            <a:r>
+              <a:rPr lang="zh-CN" altLang="en-US" sz="1200" b="0" i="0" kern="1200">
+                <a:solidFill>
+                  <a:schemeClr val="tx1"/>
+                </a:solidFill>
+                <a:effectLst/>
+                <a:latin typeface="+mn-lt"/>
+                <a:ea typeface="+mn-ea"/>
+                <a:cs typeface="+mn-cs"/>
+              </a:rPr>
+              <a:t>：第</a:t>
+            </a:r>
+            <a:r>
+              <a:rPr lang="en-US" altLang="zh-CN" sz="1200" b="0" i="0" kern="1200">
+                <a:solidFill>
+                  <a:schemeClr val="tx1"/>
+                </a:solidFill>
+                <a:effectLst/>
+                <a:latin typeface="+mn-lt"/>
+                <a:ea typeface="+mn-ea"/>
+                <a:cs typeface="+mn-cs"/>
+              </a:rPr>
+              <a:t>2</a:t>
+            </a:r>
+            <a:r>
+              <a:rPr lang="zh-CN" altLang="en-US" sz="1200" b="0" i="0" kern="1200">
+                <a:solidFill>
+                  <a:schemeClr val="tx1"/>
+                </a:solidFill>
+                <a:effectLst/>
+                <a:latin typeface="+mn-lt"/>
+                <a:ea typeface="+mn-ea"/>
+                <a:cs typeface="+mn-cs"/>
+              </a:rPr>
+              <a:t>个参数；</a:t>
+            </a:r>
+            <a:br>
+              <a:rPr lang="zh-CN" altLang="en-US"/>
+            </a:br>
+            <a:r>
+              <a:rPr lang="en-US" altLang="zh-CN" sz="1200" b="0" i="0" kern="1200">
+                <a:solidFill>
+                  <a:schemeClr val="tx1"/>
+                </a:solidFill>
+                <a:effectLst/>
+                <a:latin typeface="+mn-lt"/>
+                <a:ea typeface="+mn-ea"/>
+                <a:cs typeface="+mn-cs"/>
+              </a:rPr>
+              <a:t>%rdx</a:t>
+            </a:r>
+            <a:r>
+              <a:rPr lang="zh-CN" altLang="en-US" sz="1200" b="0" i="0" kern="1200">
+                <a:solidFill>
+                  <a:schemeClr val="tx1"/>
+                </a:solidFill>
+                <a:effectLst/>
+                <a:latin typeface="+mn-lt"/>
+                <a:ea typeface="+mn-ea"/>
+                <a:cs typeface="+mn-cs"/>
+              </a:rPr>
+              <a:t>：第</a:t>
+            </a:r>
+            <a:r>
+              <a:rPr lang="en-US" altLang="zh-CN" sz="1200" b="0" i="0" kern="1200">
+                <a:solidFill>
+                  <a:schemeClr val="tx1"/>
+                </a:solidFill>
+                <a:effectLst/>
+                <a:latin typeface="+mn-lt"/>
+                <a:ea typeface="+mn-ea"/>
+                <a:cs typeface="+mn-cs"/>
+              </a:rPr>
+              <a:t>3</a:t>
+            </a:r>
+            <a:r>
+              <a:rPr lang="zh-CN" altLang="en-US" sz="1200" b="0" i="0" kern="1200">
+                <a:solidFill>
+                  <a:schemeClr val="tx1"/>
+                </a:solidFill>
+                <a:effectLst/>
+                <a:latin typeface="+mn-lt"/>
+                <a:ea typeface="+mn-ea"/>
+                <a:cs typeface="+mn-cs"/>
+              </a:rPr>
+              <a:t>个参数；</a:t>
+            </a:r>
+            <a:br>
+              <a:rPr lang="zh-CN" altLang="en-US"/>
+            </a:br>
+            <a:r>
+              <a:rPr lang="en-US" altLang="zh-CN" sz="1200" b="0" i="0" kern="1200">
+                <a:solidFill>
+                  <a:schemeClr val="tx1"/>
+                </a:solidFill>
+                <a:effectLst/>
+                <a:latin typeface="+mn-lt"/>
+                <a:ea typeface="+mn-ea"/>
+                <a:cs typeface="+mn-cs"/>
+              </a:rPr>
+              <a:t>%rcx</a:t>
+            </a:r>
+            <a:r>
+              <a:rPr lang="zh-CN" altLang="en-US" sz="1200" b="0" i="0" kern="1200">
+                <a:solidFill>
+                  <a:schemeClr val="tx1"/>
+                </a:solidFill>
+                <a:effectLst/>
+                <a:latin typeface="+mn-lt"/>
+                <a:ea typeface="+mn-ea"/>
+                <a:cs typeface="+mn-cs"/>
+              </a:rPr>
+              <a:t>：第</a:t>
+            </a:r>
+            <a:r>
+              <a:rPr lang="en-US" altLang="zh-CN" sz="1200" b="0" i="0" kern="1200">
+                <a:solidFill>
+                  <a:schemeClr val="tx1"/>
+                </a:solidFill>
+                <a:effectLst/>
+                <a:latin typeface="+mn-lt"/>
+                <a:ea typeface="+mn-ea"/>
+                <a:cs typeface="+mn-cs"/>
+              </a:rPr>
+              <a:t>4</a:t>
+            </a:r>
+            <a:r>
+              <a:rPr lang="zh-CN" altLang="en-US" sz="1200" b="0" i="0" kern="1200">
+                <a:solidFill>
+                  <a:schemeClr val="tx1"/>
+                </a:solidFill>
+                <a:effectLst/>
+                <a:latin typeface="+mn-lt"/>
+                <a:ea typeface="+mn-ea"/>
+                <a:cs typeface="+mn-cs"/>
+              </a:rPr>
+              <a:t>个参数；</a:t>
+            </a:r>
+            <a:br>
+              <a:rPr lang="zh-CN" altLang="en-US"/>
+            </a:br>
+            <a:r>
+              <a:rPr lang="en-US" altLang="zh-CN" sz="1200" b="0" i="0" kern="1200">
+                <a:solidFill>
+                  <a:schemeClr val="tx1"/>
+                </a:solidFill>
+                <a:effectLst/>
+                <a:latin typeface="+mn-lt"/>
+                <a:ea typeface="+mn-ea"/>
+                <a:cs typeface="+mn-cs"/>
+              </a:rPr>
+              <a:t>%r8</a:t>
+            </a:r>
+            <a:r>
+              <a:rPr lang="zh-CN" altLang="en-US" sz="1200" b="0" i="0" kern="1200">
+                <a:solidFill>
+                  <a:schemeClr val="tx1"/>
+                </a:solidFill>
+                <a:effectLst/>
+                <a:latin typeface="+mn-lt"/>
+                <a:ea typeface="+mn-ea"/>
+                <a:cs typeface="+mn-cs"/>
+              </a:rPr>
+              <a:t>：第</a:t>
+            </a:r>
+            <a:r>
+              <a:rPr lang="en-US" altLang="zh-CN" sz="1200" b="0" i="0" kern="1200">
+                <a:solidFill>
+                  <a:schemeClr val="tx1"/>
+                </a:solidFill>
+                <a:effectLst/>
+                <a:latin typeface="+mn-lt"/>
+                <a:ea typeface="+mn-ea"/>
+                <a:cs typeface="+mn-cs"/>
+              </a:rPr>
+              <a:t>5</a:t>
+            </a:r>
+            <a:r>
+              <a:rPr lang="zh-CN" altLang="en-US" sz="1200" b="0" i="0" kern="1200">
+                <a:solidFill>
+                  <a:schemeClr val="tx1"/>
+                </a:solidFill>
+                <a:effectLst/>
+                <a:latin typeface="+mn-lt"/>
+                <a:ea typeface="+mn-ea"/>
+                <a:cs typeface="+mn-cs"/>
+              </a:rPr>
+              <a:t>个参数；</a:t>
+            </a:r>
+            <a:br>
+              <a:rPr lang="zh-CN" altLang="en-US"/>
+            </a:br>
+            <a:r>
+              <a:rPr lang="en-US" altLang="zh-CN" sz="1200" b="0" i="0" kern="1200">
+                <a:solidFill>
+                  <a:schemeClr val="tx1"/>
+                </a:solidFill>
+                <a:effectLst/>
+                <a:latin typeface="+mn-lt"/>
+                <a:ea typeface="+mn-ea"/>
+                <a:cs typeface="+mn-cs"/>
+              </a:rPr>
+              <a:t>%r9</a:t>
+            </a:r>
+            <a:r>
+              <a:rPr lang="zh-CN" altLang="en-US" sz="1200" b="0" i="0" kern="1200">
+                <a:solidFill>
+                  <a:schemeClr val="tx1"/>
+                </a:solidFill>
+                <a:effectLst/>
+                <a:latin typeface="+mn-lt"/>
+                <a:ea typeface="+mn-ea"/>
+                <a:cs typeface="+mn-cs"/>
+              </a:rPr>
+              <a:t>：第</a:t>
+            </a:r>
+            <a:r>
+              <a:rPr lang="en-US" altLang="zh-CN" sz="1200" b="0" i="0" kern="1200">
+                <a:solidFill>
+                  <a:schemeClr val="tx1"/>
+                </a:solidFill>
+                <a:effectLst/>
+                <a:latin typeface="+mn-lt"/>
+                <a:ea typeface="+mn-ea"/>
+                <a:cs typeface="+mn-cs"/>
+              </a:rPr>
+              <a:t>6</a:t>
+            </a:r>
+            <a:r>
+              <a:rPr lang="zh-CN" altLang="en-US" sz="1200" b="0" i="0" kern="1200">
+                <a:solidFill>
+                  <a:schemeClr val="tx1"/>
+                </a:solidFill>
+                <a:effectLst/>
+                <a:latin typeface="+mn-lt"/>
+                <a:ea typeface="+mn-ea"/>
+                <a:cs typeface="+mn-cs"/>
+              </a:rPr>
+              <a:t>个参数</a:t>
+            </a:r>
+            <a:endParaRPr lang="zh-CN" altLang="en-US"/>
+          </a:p>
+        </p:txBody>
+      </p:sp>
+      <p:sp>
+        <p:nvSpPr>
+          <p:cNvPr id="4" name="灯片编号占位符 3"/>
+          <p:cNvSpPr>
+            <a:spLocks noGrp="1"/>
+          </p:cNvSpPr>
+          <p:nvPr>
+            <p:ph type="sldNum" sz="quarter" idx="5"/>
+          </p:nvPr>
+        </p:nvSpPr>
+        <p:spPr/>
+        <p:txBody>
+          <a:bodyPr/>
+          <a:lstStyle/>
+          <a:p>
+            <a:fld id="{A0A1136C-A583-443F-BFB8-8C44A303D626}" type="slidenum">
+              <a:rPr lang="zh-CN" altLang="en-US" smtClean="0"/>
+              <a:t>12</a:t>
+            </a:fld>
+            <a:endParaRPr lang="zh-CN" altLang="en-US"/>
+          </a:p>
+        </p:txBody>
+      </p:sp>
+    </p:spTree>
+    <p:extLst>
+      <p:ext uri="{BB962C8B-B14F-4D97-AF65-F5344CB8AC3E}">
+        <p14:creationId xmlns:p14="http://schemas.microsoft.com/office/powerpoint/2010/main" val="878438597"/>
+      </p:ext>
+    </p:extLst>
+  </p:cSld>
+  <p:clrMapOvr>
+    <a:masterClrMapping/>
+  </p:clrMapOvr>
+</p:notes>
 </file>
 
 <file path=ppt/slideLayouts/slideLayout1.xml><?xml version="1.0" encoding="utf-8"?>
@@ -5471,7 +6300,7 @@
           <p:nvPr/>
         </p:nvPicPr>
         <p:blipFill>
-          <a:blip r:embed="rId2"/>
+          <a:blip r:embed="rId3"/>
           <a:stretch>
             <a:fillRect/>
           </a:stretch>
@@ -5501,7 +6330,7 @@
           <p:nvPr/>
         </p:nvPicPr>
         <p:blipFill>
-          <a:blip r:embed="rId3"/>
+          <a:blip r:embed="rId4"/>
           <a:stretch>
             <a:fillRect/>
           </a:stretch>
@@ -5569,7 +6398,7 @@
           <p:nvPr/>
         </p:nvPicPr>
         <p:blipFill>
-          <a:blip r:embed="rId4"/>
+          <a:blip r:embed="rId5"/>
           <a:stretch>
             <a:fillRect/>
           </a:stretch>
@@ -5598,8 +6427,8 @@
         </p:nvSpPr>
         <p:spPr>
           <a:xfrm>
-            <a:off x="6804248" y="1651374"/>
-            <a:ext cx="2016224" cy="1200329"/>
+            <a:off x="6804247" y="1303026"/>
+            <a:ext cx="2016224" cy="1569660"/>
           </a:xfrm>
           <a:prstGeom prst="rect">
             <a:avLst/>
@@ -5687,6 +6516,72 @@
                 <a:ea typeface="等线" panose="02010600030101010101" pitchFamily="2" charset="-122"/>
               </a:rPr>
               <a:t>构造了假的虚表</a:t>
+            </a:r>
+            <a:endParaRPr lang="en-US" altLang="zh-CN" sz="1200">
+              <a:latin typeface="等线" panose="02010600030101010101" pitchFamily="2" charset="-122"/>
+              <a:ea typeface="等线" panose="02010600030101010101" pitchFamily="2" charset="-122"/>
+            </a:endParaRPr>
+          </a:p>
+          <a:p>
+            <a:pPr marL="171450" indent="-171450">
+              <a:buFont typeface="Arial" panose="020B0604020202020204" pitchFamily="34" charset="0"/>
+              <a:buChar char="•"/>
+            </a:pPr>
+            <a:r>
+              <a:rPr lang="en-US" altLang="zh-CN" sz="1200">
+                <a:latin typeface="等线" panose="02010600030101010101" pitchFamily="2" charset="-122"/>
+                <a:ea typeface="等线" panose="02010600030101010101" pitchFamily="2" charset="-122"/>
+              </a:rPr>
+              <a:t>x64</a:t>
+            </a:r>
+            <a:r>
+              <a:rPr lang="zh-CN" altLang="en-US" sz="1200">
+                <a:latin typeface="等线" panose="02010600030101010101" pitchFamily="2" charset="-122"/>
+                <a:ea typeface="等线" panose="02010600030101010101" pitchFamily="2" charset="-122"/>
+              </a:rPr>
+              <a:t>传参</a:t>
+            </a:r>
+            <a:r>
+              <a:rPr lang="en-US" altLang="zh-CN" sz="1200">
+                <a:latin typeface="等线" panose="02010600030101010101" pitchFamily="2" charset="-122"/>
+                <a:ea typeface="等线" panose="02010600030101010101" pitchFamily="2" charset="-122"/>
+              </a:rPr>
+              <a:t>ABI</a:t>
+            </a:r>
+            <a:r>
+              <a:rPr lang="zh-CN" altLang="en-US" sz="1200">
+                <a:latin typeface="等线" panose="02010600030101010101" pitchFamily="2" charset="-122"/>
+                <a:ea typeface="等线" panose="02010600030101010101" pitchFamily="2" charset="-122"/>
+              </a:rPr>
+              <a:t>：</a:t>
+            </a:r>
+            <a:r>
+              <a:rPr lang="en-US" altLang="zh-CN" sz="1200">
+                <a:latin typeface="等线" panose="02010600030101010101" pitchFamily="2" charset="-122"/>
+                <a:ea typeface="等线" panose="02010600030101010101" pitchFamily="2" charset="-122"/>
+              </a:rPr>
+              <a:t>%rdi</a:t>
+            </a:r>
+            <a:r>
+              <a:rPr lang="zh-CN" altLang="en-US" sz="1200">
+                <a:latin typeface="等线" panose="02010600030101010101" pitchFamily="2" charset="-122"/>
+                <a:ea typeface="等线" panose="02010600030101010101" pitchFamily="2" charset="-122"/>
+              </a:rPr>
+              <a:t>，第</a:t>
+            </a:r>
+            <a:r>
+              <a:rPr lang="en-US" altLang="zh-CN" sz="1200">
+                <a:latin typeface="等线" panose="02010600030101010101" pitchFamily="2" charset="-122"/>
+                <a:ea typeface="等线" panose="02010600030101010101" pitchFamily="2" charset="-122"/>
+              </a:rPr>
+              <a:t>1</a:t>
+            </a:r>
+            <a:r>
+              <a:rPr lang="zh-CN" altLang="en-US" sz="1200">
+                <a:latin typeface="等线" panose="02010600030101010101" pitchFamily="2" charset="-122"/>
+                <a:ea typeface="等线" panose="02010600030101010101" pitchFamily="2" charset="-122"/>
+              </a:rPr>
+              <a:t>个参数</a:t>
             </a:r>
           </a:p>
         </p:txBody>
@@ -5706,7 +6601,7 @@
           <p:nvPr/>
         </p:nvPicPr>
         <p:blipFill>
-          <a:blip r:embed="rId5"/>
+          <a:blip r:embed="rId6"/>
           <a:stretch>
             <a:fillRect/>
           </a:stretch>
@@ -5805,6 +6700,50 @@
           </a:p>
         </p:txBody>
       </p:sp>
+      <p:cxnSp>
+        <p:nvCxnSpPr>
+          <p:cNvPr id="15" name="连接符: 曲线 14">
+            <a:extLst>
+              <a:ext uri="{FF2B5EF4-FFF2-40B4-BE49-F238E27FC236}">
+                <a16:creationId xmlns:a16="http://schemas.microsoft.com/office/drawing/2014/main" id="{FF8EE9AD-4F2F-4650-ADE9-2AFD0B059FA3}"/>
+              </a:ext>
+            </a:extLst>
+          </p:cNvPr>
+          <p:cNvCxnSpPr/>
+          <p:nvPr/>
+        </p:nvCxnSpPr>
+        <p:spPr>
+          <a:xfrm>
+            <a:off x="6156176" y="3036369"/>
+            <a:ext cx="720080" cy="399477"/>
+          </a:xfrm>
+          <a:prstGeom prst="curvedConnector3">
+            <a:avLst/>
+          </a:prstGeom>
+          <a:ln w="12700">
+            <a:solidFill>
+              <a:srgbClr val="FF0000"/>
+            </a:solidFill>
+            <a:prstDash val="sysDash"/>
+            <a:headEnd type="triangle"/>
+            <a:tailEnd type="triangle"/>
+          </a:ln>
+        </p:spPr>
+        <p:style>
+          <a:lnRef idx="1">
+            <a:schemeClr val="accent1"/>
+          </a:lnRef>
+          <a:fillRef idx="0">
+            <a:schemeClr val="accent1"/>
+          </a:fillRef>
+          <a:effectRef idx="0">
+            <a:schemeClr val="accent1"/>
+          </a:effectRef>
+          <a:fontRef idx="minor">
+            <a:schemeClr val="tx1"/>
+          </a:fontRef>
+        </p:style>
+      </p:cxnSp>
     </p:spTree>
     <p:extLst>
       <p:ext uri="{BB962C8B-B14F-4D97-AF65-F5344CB8AC3E}">
@@ -9892,7 +10831,7 @@
           <a:graphicData uri="http://schemas.openxmlformats.org/presentationml/2006/ole">
             <mc:AlternateContent xmlns:mc="http://schemas.openxmlformats.org/markup-compatibility/2006">
               <mc:Choice xmlns:v="urn:schemas-microsoft-com:vml" Requires="v">
-                <p:oleObj spid="_x0000_s1119" name="Visio" r:id="rId3" imgW="4125485" imgH="1874914" progId="Visio.Drawing.11">
+                <p:oleObj spid="_x0000_s1120" name="Visio" r:id="rId3" imgW="4125485" imgH="1874914" progId="Visio.Drawing.11">
                   <p:embed/>
                 </p:oleObj>
               </mc:Choice>
@@ -12108,4 +13047,299 @@
     </a:ext>
   </a:extLst>
 </a:theme>
+</file>
+
+<file path=ppt/theme/theme2.xml><?xml version="1.0" encoding="utf-8"?>
+<a:theme xmlns:a="http://schemas.openxmlformats.org/drawingml/2006/main" name="Office 主题​​">
+  <a:themeElements>
+    <a:clrScheme name="Office">
+      <a:dk1>
+        <a:sysClr val="windowText" lastClr="000000"/>
+      </a:dk1>
+      <a:lt1>
+        <a:sysClr val="window" lastClr="FFFFFF"/>
+      </a:lt1>
+      <a:dk2>
+        <a:srgbClr val="44546A"/>
+      </a:dk2>
+      <a:lt2>
+        <a:srgbClr val="E7E6E6"/>
+      </a:lt2>
+      <a:accent1>
+        <a:srgbClr val="4472C4"/>
+      </a:accent1>
+      <a:accent2>
+        <a:srgbClr val="ED7D31"/>
+      </a:accent2>
+      <a:accent3>
+        <a:srgbClr val="A5A5A5"/>
+      </a:accent3>
+      <a:accent4>
+        <a:srgbClr val="FFC000"/>
+      </a:accent4>
+      <a:accent5>
+        <a:srgbClr val="5B9BD5"/>
+      </a:accent5>
+      <a:accent6>
+        <a:srgbClr val="70AD47"/>
+      </a:accent6>
+      <a:hlink>
+        <a:srgbClr val="0563C1"/>
+      </a:hlink>
+      <a:folHlink>
+        <a:srgbClr val="954F72"/>
+      </a:folHlink>
+    </a:clrScheme>
+    <a:fontScheme name="Office">
+      <a:majorFont>
+        <a:latin typeface="等线 Light" panose="020F0302020204030204"/>
+        <a:ea typeface=""/>
+        <a:cs typeface=""/>
+        <a:font script="Jpan" typeface="游ゴシック Light"/>
+        <a:font script="Hang" typeface="맑은 고딕"/>
+        <a:font script="Hans" typeface="等线 Light"/>
+        <a:font script="Hant" typeface="新細明體"/>
+        <a:font script="Arab" typeface="Times New Roman"/>
+        <a:font script="Hebr" typeface="Times New Roman"/>
+        <a:font script="Thai" typeface="Angsana New"/>
+        <a:font script="Ethi" typeface="Nyala"/>
+        <a:font script="Beng" typeface="Vrinda"/>
+        <a:font script="Gujr" typeface="Shruti"/>
+        <a:font script="Khmr" typeface="MoolBoran"/>
+        <a:font script="Knda" typeface="Tunga"/>
+        <a:font script="Guru" typeface="Raavi"/>
+        <a:font script="Cans" typeface="Euphemia"/>
+        <a:font script="Cher" typeface="Plantagenet Cherokee"/>
+        <a:font script="Yiii" typeface="Microsoft Yi Baiti"/>
+        <a:font script="Tibt" typeface="Microsoft Himalaya"/>
+        <a:font script="Thaa" typeface="MV Boli"/>
+        <a:font script="Deva" typeface="Mangal"/>
+        <a:font script="Telu" typeface="Gautami"/>
+        <a:font script="Taml" typeface="Latha"/>
+        <a:font script="Syrc" typeface="Estrangelo Edessa"/>
+        <a:font script="Orya" typeface="Kalinga"/>
+        <a:font script="Mlym" typeface="Kartika"/>
+        <a:font script="Laoo" typeface="DokChampa"/>
+        <a:font script="Sinh" typeface="Iskoola Pota"/>
+        <a:font script="Mong" typeface="Mongolian Baiti"/>
+        <a:font script="Viet" typeface="Times New Roman"/>
+        <a:font script="Uigh" typeface="Microsoft Uighur"/>
+        <a:font script="Geor" typeface="Sylfaen"/>
+        <a:font script="Armn" typeface="Arial"/>
+        <a:font script="Bugi" typeface="Leelawadee UI"/>
+        <a:font script="Bopo" typeface="Microsoft JhengHei"/>
+        <a:font script="Java" typeface="Javanese Text"/>
+        <a:font script="Lisu" typeface="Segoe UI"/>
+        <a:font script="Mymr" typeface="Myanmar Text"/>
+        <a:font script="Nkoo" typeface="Ebrima"/>
+        <a:font script="Olck" typeface="Nirmala UI"/>
+        <a:font script="Osma" typeface="Ebrima"/>
+        <a:font script="Phag" typeface="Phagspa"/>
+        <a:font script="Syrn" typeface="Estrangelo Edessa"/>
+        <a:font script="Syrj" typeface="Estrangelo Edessa"/>
+        <a:font script="Syre" typeface="Estrangelo Edessa"/>
+        <a:font script="Sora" typeface="Nirmala UI"/>
+        <a:font script="Tale" typeface="Microsoft Tai Le"/>
+        <a:font script="Talu" typeface="Microsoft New Tai Lue"/>
+        <a:font script="Tfng" typeface="Ebrima"/>
+      </a:majorFont>
+      <a:minorFont>
+        <a:latin typeface="等线" panose="020F0502020204030204"/>
+        <a:ea typeface=""/>
+        <a:cs typeface=""/>
+        <a:font script="Jpan" typeface="游ゴシック"/>
+        <a:font script="Hang" typeface="맑은 고딕"/>
+        <a:font script="Hans" typeface="等线"/>
+        <a:font script="Hant" typeface="新細明體"/>
+        <a:font script="Arab" typeface="Arial"/>
+        <a:font script="Hebr" typeface="Arial"/>
+        <a:font script="Thai" typeface="Cordia New"/>
+        <a:font script="Ethi" typeface="Nyala"/>
+        <a:font script="Beng" typeface="Vrinda"/>
+        <a:font script="Gujr" typeface="Shruti"/>
+        <a:font script="Khmr" typeface="DaunPenh"/>
+        <a:font script="Knda" typeface="Tunga"/>
+        <a:font script="Guru" typeface="Raavi"/>
+        <a:font script="Cans" typeface="Euphemia"/>
+        <a:font script="Cher" typeface="Plantagenet Cherokee"/>
+        <a:font script="Yiii" typeface="Microsoft Yi Baiti"/>
+        <a:font script="Tibt" typeface="Microsoft Himalaya"/>
+        <a:font script="Thaa" typeface="MV Boli"/>
+        <a:font script="Deva" typeface="Mangal"/>
+        <a:font script="Telu" typeface="Gautami"/>
+        <a:font script="Taml" typeface="Latha"/>
+        <a:font script="Syrc" typeface="Estrangelo Edessa"/>
+        <a:font script="Orya" typeface="Kalinga"/>
+        <a:font script="Mlym" typeface="Kartika"/>
+        <a:font script="Laoo" typeface="DokChampa"/>
+        <a:font script="Sinh" typeface="Iskoola Pota"/>
+        <a:font script="Mong" typeface="Mongolian Baiti"/>
+        <a:font script="Viet" typeface="Arial"/>
+        <a:font script="Uigh" typeface="Microsoft Uighur"/>
+        <a:font script="Geor" typeface="Sylfaen"/>
+        <a:font script="Armn" typeface="Arial"/>
+        <a:font script="Bugi" typeface="Leelawadee UI"/>
+        <a:font script="Bopo" typeface="Microsoft JhengHei"/>
+        <a:font script="Java" typeface="Javanese Text"/>
+        <a:font script="Lisu" typeface="Segoe UI"/>
+        <a:font script="Mymr" typeface="Myanmar Text"/>
+        <a:font script="Nkoo" typeface="Ebrima"/>
+        <a:font script="Olck" typeface="Nirmala UI"/>
+        <a:font script="Osma" typeface="Ebrima"/>
+        <a:font script="Phag" typeface="Phagspa"/>
+        <a:font script="Syrn" typeface="Estrangelo Edessa"/>
+        <a:font script="Syrj" typeface="Estrangelo Edessa"/>
+        <a:font script="Syre" typeface="Estrangelo Edessa"/>
+        <a:font script="Sora" typeface="Nirmala UI"/>
+        <a:font script="Tale" typeface="Microsoft Tai Le"/>
+        <a:font script="Talu" typeface="Microsoft New Tai Lue"/>
+        <a:font script="Tfng" typeface="Ebrima"/>
+      </a:minorFont>
+    </a:fontScheme>
+    <a:fmtScheme name="Office">
+      <a:fillStyleLst>
+        <a:solidFill>
+          <a:schemeClr val="phClr"/>
+        </a:solidFill>
+        <a:gradFill rotWithShape="1">
+          <a:gsLst>
+            <a:gs pos="0">
+              <a:schemeClr val="phClr">
+                <a:lumMod val="110000"/>
+                <a:satMod val="105000"/>
+                <a:tint val="67000"/>
+              </a:schemeClr>
+            </a:gs>
+            <a:gs pos="50000">
+              <a:schemeClr val="phClr">
+                <a:lumMod val="105000"/>
+                <a:satMod val="103000"/>
+                <a:tint val="73000"/>
+              </a:schemeClr>
+            </a:gs>
+            <a:gs pos="100000">
+              <a:schemeClr val="phClr">
+                <a:lumMod val="105000"/>
+                <a:satMod val="109000"/>
+                <a:tint val="81000"/>
+              </a:schemeClr>
+            </a:gs>
+          </a:gsLst>
+          <a:lin ang="5400000" scaled="0"/>
+        </a:gradFill>
+        <a:gradFill rotWithShape="1">
+          <a:gsLst>
+            <a:gs pos="0">
+              <a:schemeClr val="phClr">
+                <a:satMod val="103000"/>
+                <a:lumMod val="102000"/>
+                <a:tint val="94000"/>
+              </a:schemeClr>
+            </a:gs>
+            <a:gs pos="50000">
+              <a:schemeClr val="phClr">
+                <a:satMod val="110000"/>
+                <a:lumMod val="100000"/>
+                <a:shade val="100000"/>
+              </a:schemeClr>
+            </a:gs>
+            <a:gs pos="100000">
+              <a:schemeClr val="phClr">
+                <a:lumMod val="99000"/>
+                <a:satMod val="120000"/>
+                <a:shade val="78000"/>
+              </a:schemeClr>
+            </a:gs>
+          </a:gsLst>
+          <a:lin ang="5400000" scaled="0"/>
+        </a:gradFill>
+      </a:fillStyleLst>
+      <a:lnStyleLst>
+        <a:ln w="6350" cap="flat" cmpd="sng" algn="ctr">
+          <a:solidFill>
+            <a:schemeClr val="phClr"/>
+          </a:solidFill>
+          <a:prstDash val="solid"/>
+          <a:miter lim="800000"/>
+        </a:ln>
+        <a:ln w="12700" cap="flat" cmpd="sng" algn="ctr">
+          <a:solidFill>
+            <a:schemeClr val="phClr"/>
+          </a:solidFill>
+          <a:prstDash val="solid"/>
+          <a:miter lim="800000"/>
+        </a:ln>
+        <a:ln w="19050" cap="flat" cmpd="sng" algn="ctr">
+          <a:solidFill>
+            <a:schemeClr val="phClr"/>
+          </a:solidFill>
+          <a:prstDash val="solid"/>
+          <a:miter lim="800000"/>
+        </a:ln>
+      </a:lnStyleLst>
+      <a:effectStyleLst>
+        <a:effectStyle>
+          <a:effectLst/>
+        </a:effectStyle>
+        <a:effectStyle>
+          <a:effectLst/>
+        </a:effectStyle>
+        <a:effectStyle>
+          <a:effectLst>
+            <a:outerShdw blurRad="57150" dist="19050" dir="5400000" algn="ctr" rotWithShape="0">
+              <a:srgbClr val="000000">
+                <a:alpha val="63000"/>
+              </a:srgbClr>
+            </a:outerShdw>
+          </a:effectLst>
+        </a:effectStyle>
+      </a:effectStyleLst>
+      <a:bgFillStyleLst>
+        <a:solidFill>
+          <a:schemeClr val="phClr"/>
+        </a:solidFill>
+        <a:solidFill>
+          <a:schemeClr val="phClr">
+            <a:tint val="95000"/>
+            <a:satMod val="170000"/>
+          </a:schemeClr>
+        </a:solidFill>
+        <a:gradFill rotWithShape="1">
+          <a:gsLst>
+            <a:gs pos="0">
+              <a:schemeClr val="phClr">
+                <a:tint val="93000"/>
+                <a:satMod val="150000"/>
+                <a:shade val="98000"/>
+                <a:lumMod val="102000"/>
+              </a:schemeClr>
+            </a:gs>
+            <a:gs pos="50000">
+              <a:schemeClr val="phClr">
+                <a:tint val="98000"/>
+                <a:satMod val="130000"/>
+                <a:shade val="90000"/>
+                <a:lumMod val="103000"/>
+              </a:schemeClr>
+            </a:gs>
+            <a:gs pos="100000">
+              <a:schemeClr val="phClr">
+                <a:shade val="63000"/>
+                <a:satMod val="120000"/>
+              </a:schemeClr>
+            </a:gs>
+          </a:gsLst>
+          <a:lin ang="5400000" scaled="0"/>
+        </a:gradFill>
+      </a:bgFillStyleLst>
+    </a:fmtScheme>
+  </a:themeElements>
+  <a:objectDefaults/>
+  <a:extraClrSchemeLst/>
+  <a:extLst>
+    <a:ext uri="{05A4C25C-085E-4340-85A3-A5531E510DB2}">
+      <thm15:themeFamily xmlns:thm15="http://schemas.microsoft.com/office/thememl/2012/main" name="Office Theme" id="{62F939B6-93AF-4DB8-9C6B-D6C7DFDC589F}" vid="{4A3C46E8-61CC-4603-A589-7422A47A8E4A}"/>
+    </a:ext>
+  </a:extLst>
+</a:theme>
 </file>
--- a/COMO远程过程调用RPC/COMO远程过程调用RPC原理.pptx
+++ b/COMO远程过程调用RPC/COMO远程过程调用RPC原理.pptx
@@ -5,7 +5,7 @@
     <p:sldMasterId id="2147483672" r:id="rId1"/>
   </p:sldMasterIdLst>
   <p:notesMasterIdLst>
-    <p:notesMasterId r:id="rId22"/>
+    <p:notesMasterId r:id="rId23"/>
   </p:notesMasterIdLst>
   <p:sldIdLst>
     <p:sldId id="259" r:id="rId2"/>
@@ -20,14 +20,15 @@
     <p:sldId id="292" r:id="rId11"/>
     <p:sldId id="288" r:id="rId12"/>
     <p:sldId id="296" r:id="rId13"/>
-    <p:sldId id="295" r:id="rId14"/>
-    <p:sldId id="299" r:id="rId15"/>
-    <p:sldId id="303" r:id="rId16"/>
-    <p:sldId id="302" r:id="rId17"/>
-    <p:sldId id="304" r:id="rId18"/>
-    <p:sldId id="301" r:id="rId19"/>
-    <p:sldId id="305" r:id="rId20"/>
-    <p:sldId id="298" r:id="rId21"/>
+    <p:sldId id="306" r:id="rId14"/>
+    <p:sldId id="295" r:id="rId15"/>
+    <p:sldId id="299" r:id="rId16"/>
+    <p:sldId id="303" r:id="rId17"/>
+    <p:sldId id="302" r:id="rId18"/>
+    <p:sldId id="304" r:id="rId19"/>
+    <p:sldId id="301" r:id="rId20"/>
+    <p:sldId id="305" r:id="rId21"/>
+    <p:sldId id="298" r:id="rId22"/>
   </p:sldIdLst>
   <p:sldSz cx="9144000" cy="5143500" type="screen16x9"/>
   <p:notesSz cx="6858000" cy="9144000"/>
@@ -962,6 +963,483 @@
     <p:extLst>
       <p:ext uri="{BB962C8B-B14F-4D97-AF65-F5344CB8AC3E}">
         <p14:creationId xmlns:p14="http://schemas.microsoft.com/office/powerpoint/2010/main" val="878438597"/>
+      </p:ext>
+    </p:extLst>
+  </p:cSld>
+  <p:clrMapOvr>
+    <a:masterClrMapping/>
+  </p:clrMapOvr>
+</p:notes>
+</file>
+
+<file path=ppt/notesSlides/notesSlide2.xml><?xml version="1.0" encoding="utf-8"?>
+<p:notes xmlns:a="http://schemas.openxmlformats.org/drawingml/2006/main" xmlns:r="http://schemas.openxmlformats.org/officeDocument/2006/relationships" xmlns:p="http://schemas.openxmlformats.org/presentationml/2006/main">
+  <p:cSld>
+    <p:spTree>
+      <p:nvGrpSpPr>
+        <p:cNvPr id="1" name=""/>
+        <p:cNvGrpSpPr/>
+        <p:nvPr/>
+      </p:nvGrpSpPr>
+      <p:grpSpPr>
+        <a:xfrm>
+          <a:off x="0" y="0"/>
+          <a:ext cx="0" cy="0"/>
+          <a:chOff x="0" y="0"/>
+          <a:chExt cx="0" cy="0"/>
+        </a:xfrm>
+      </p:grpSpPr>
+      <p:sp>
+        <p:nvSpPr>
+          <p:cNvPr id="2" name="幻灯片图像占位符 1"/>
+          <p:cNvSpPr>
+            <a:spLocks noGrp="1" noRot="1" noChangeAspect="1"/>
+          </p:cNvSpPr>
+          <p:nvPr>
+            <p:ph type="sldImg"/>
+          </p:nvPr>
+        </p:nvSpPr>
+        <p:spPr/>
+      </p:sp>
+      <p:sp>
+        <p:nvSpPr>
+          <p:cNvPr id="3" name="备注占位符 2"/>
+          <p:cNvSpPr>
+            <a:spLocks noGrp="1"/>
+          </p:cNvSpPr>
+          <p:nvPr>
+            <p:ph type="body" idx="1"/>
+          </p:nvPr>
+        </p:nvSpPr>
+        <p:spPr/>
+        <p:txBody>
+          <a:bodyPr/>
+          <a:lstStyle/>
+          <a:p>
+            <a:r>
+              <a:rPr lang="en-US" altLang="zh-CN" sz="1200" b="0" i="0" kern="1200">
+                <a:solidFill>
+                  <a:schemeClr val="tx1"/>
+                </a:solidFill>
+                <a:effectLst/>
+                <a:latin typeface="+mn-lt"/>
+                <a:ea typeface="+mn-ea"/>
+                <a:cs typeface="+mn-cs"/>
+              </a:rPr>
+              <a:t>64</a:t>
+            </a:r>
+            <a:r>
+              <a:rPr lang="zh-CN" altLang="en-US" sz="1200" b="0" i="0" kern="1200">
+                <a:solidFill>
+                  <a:schemeClr val="tx1"/>
+                </a:solidFill>
+                <a:effectLst/>
+                <a:latin typeface="+mn-lt"/>
+                <a:ea typeface="+mn-ea"/>
+                <a:cs typeface="+mn-cs"/>
+              </a:rPr>
+              <a:t>位模式下前</a:t>
+            </a:r>
+            <a:r>
+              <a:rPr lang="en-US" altLang="zh-CN" sz="1200" b="0" i="0" kern="1200">
+                <a:solidFill>
+                  <a:schemeClr val="tx1"/>
+                </a:solidFill>
+                <a:effectLst/>
+                <a:latin typeface="+mn-lt"/>
+                <a:ea typeface="+mn-ea"/>
+                <a:cs typeface="+mn-cs"/>
+              </a:rPr>
+              <a:t>6</a:t>
+            </a:r>
+            <a:r>
+              <a:rPr lang="zh-CN" altLang="en-US" sz="1200" b="0" i="0" kern="1200">
+                <a:solidFill>
+                  <a:schemeClr val="tx1"/>
+                </a:solidFill>
+                <a:effectLst/>
+                <a:latin typeface="+mn-lt"/>
+                <a:ea typeface="+mn-ea"/>
+                <a:cs typeface="+mn-cs"/>
+              </a:rPr>
+              <a:t>个参数通过寄存器传参，</a:t>
+            </a:r>
+            <a:r>
+              <a:rPr lang="en-US" altLang="zh-CN" sz="1200" b="0" i="0" kern="1200">
+                <a:solidFill>
+                  <a:schemeClr val="tx1"/>
+                </a:solidFill>
+                <a:effectLst/>
+                <a:latin typeface="+mn-lt"/>
+                <a:ea typeface="+mn-ea"/>
+                <a:cs typeface="+mn-cs"/>
+              </a:rPr>
+              <a:t>6</a:t>
+            </a:r>
+            <a:r>
+              <a:rPr lang="zh-CN" altLang="en-US" sz="1200" b="0" i="0" kern="1200">
+                <a:solidFill>
+                  <a:schemeClr val="tx1"/>
+                </a:solidFill>
+                <a:effectLst/>
+                <a:latin typeface="+mn-lt"/>
+                <a:ea typeface="+mn-ea"/>
+                <a:cs typeface="+mn-cs"/>
+              </a:rPr>
+              <a:t>个以上的参数通过栈传参；</a:t>
+            </a:r>
+            <a:br>
+              <a:rPr lang="zh-CN" altLang="en-US"/>
+            </a:br>
+            <a:r>
+              <a:rPr lang="zh-CN" altLang="en-US" sz="1200" b="0" i="0" kern="1200">
+                <a:solidFill>
+                  <a:schemeClr val="tx1"/>
+                </a:solidFill>
+                <a:effectLst/>
+                <a:latin typeface="+mn-lt"/>
+                <a:ea typeface="+mn-ea"/>
+                <a:cs typeface="+mn-cs"/>
+              </a:rPr>
+              <a:t>寄存器使用的顺序为：</a:t>
+            </a:r>
+            <a:br>
+              <a:rPr lang="zh-CN" altLang="en-US"/>
+            </a:br>
+            <a:r>
+              <a:rPr lang="en-US" altLang="zh-CN" sz="1200" b="0" i="0" kern="1200">
+                <a:solidFill>
+                  <a:schemeClr val="tx1"/>
+                </a:solidFill>
+                <a:effectLst/>
+                <a:latin typeface="+mn-lt"/>
+                <a:ea typeface="+mn-ea"/>
+                <a:cs typeface="+mn-cs"/>
+              </a:rPr>
+              <a:t>%rdi</a:t>
+            </a:r>
+            <a:r>
+              <a:rPr lang="zh-CN" altLang="en-US" sz="1200" b="0" i="0" kern="1200">
+                <a:solidFill>
+                  <a:schemeClr val="tx1"/>
+                </a:solidFill>
+                <a:effectLst/>
+                <a:latin typeface="+mn-lt"/>
+                <a:ea typeface="+mn-ea"/>
+                <a:cs typeface="+mn-cs"/>
+              </a:rPr>
+              <a:t>：第</a:t>
+            </a:r>
+            <a:r>
+              <a:rPr lang="en-US" altLang="zh-CN" sz="1200" b="0" i="0" kern="1200">
+                <a:solidFill>
+                  <a:schemeClr val="tx1"/>
+                </a:solidFill>
+                <a:effectLst/>
+                <a:latin typeface="+mn-lt"/>
+                <a:ea typeface="+mn-ea"/>
+                <a:cs typeface="+mn-cs"/>
+              </a:rPr>
+              <a:t>1</a:t>
+            </a:r>
+            <a:r>
+              <a:rPr lang="zh-CN" altLang="en-US" sz="1200" b="0" i="0" kern="1200">
+                <a:solidFill>
+                  <a:schemeClr val="tx1"/>
+                </a:solidFill>
+                <a:effectLst/>
+                <a:latin typeface="+mn-lt"/>
+                <a:ea typeface="+mn-ea"/>
+                <a:cs typeface="+mn-cs"/>
+              </a:rPr>
+              <a:t>个参数；</a:t>
+            </a:r>
+            <a:br>
+              <a:rPr lang="zh-CN" altLang="en-US"/>
+            </a:br>
+            <a:r>
+              <a:rPr lang="en-US" altLang="zh-CN" sz="1200" b="0" i="0" kern="1200">
+                <a:solidFill>
+                  <a:schemeClr val="tx1"/>
+                </a:solidFill>
+                <a:effectLst/>
+                <a:latin typeface="+mn-lt"/>
+                <a:ea typeface="+mn-ea"/>
+                <a:cs typeface="+mn-cs"/>
+              </a:rPr>
+              <a:t>%rsi</a:t>
+            </a:r>
+            <a:r>
+              <a:rPr lang="zh-CN" altLang="en-US" sz="1200" b="0" i="0" kern="1200">
+                <a:solidFill>
+                  <a:schemeClr val="tx1"/>
+                </a:solidFill>
+                <a:effectLst/>
+                <a:latin typeface="+mn-lt"/>
+                <a:ea typeface="+mn-ea"/>
+                <a:cs typeface="+mn-cs"/>
+              </a:rPr>
+              <a:t>：第</a:t>
+            </a:r>
+            <a:r>
+              <a:rPr lang="en-US" altLang="zh-CN" sz="1200" b="0" i="0" kern="1200">
+                <a:solidFill>
+                  <a:schemeClr val="tx1"/>
+                </a:solidFill>
+                <a:effectLst/>
+                <a:latin typeface="+mn-lt"/>
+                <a:ea typeface="+mn-ea"/>
+                <a:cs typeface="+mn-cs"/>
+              </a:rPr>
+              <a:t>2</a:t>
+            </a:r>
+            <a:r>
+              <a:rPr lang="zh-CN" altLang="en-US" sz="1200" b="0" i="0" kern="1200">
+                <a:solidFill>
+                  <a:schemeClr val="tx1"/>
+                </a:solidFill>
+                <a:effectLst/>
+                <a:latin typeface="+mn-lt"/>
+                <a:ea typeface="+mn-ea"/>
+                <a:cs typeface="+mn-cs"/>
+              </a:rPr>
+              <a:t>个参数；</a:t>
+            </a:r>
+            <a:br>
+              <a:rPr lang="zh-CN" altLang="en-US"/>
+            </a:br>
+            <a:r>
+              <a:rPr lang="en-US" altLang="zh-CN" sz="1200" b="0" i="0" kern="1200">
+                <a:solidFill>
+                  <a:schemeClr val="tx1"/>
+                </a:solidFill>
+                <a:effectLst/>
+                <a:latin typeface="+mn-lt"/>
+                <a:ea typeface="+mn-ea"/>
+                <a:cs typeface="+mn-cs"/>
+              </a:rPr>
+              <a:t>%rdx</a:t>
+            </a:r>
+            <a:r>
+              <a:rPr lang="zh-CN" altLang="en-US" sz="1200" b="0" i="0" kern="1200">
+                <a:solidFill>
+                  <a:schemeClr val="tx1"/>
+                </a:solidFill>
+                <a:effectLst/>
+                <a:latin typeface="+mn-lt"/>
+                <a:ea typeface="+mn-ea"/>
+                <a:cs typeface="+mn-cs"/>
+              </a:rPr>
+              <a:t>：第</a:t>
+            </a:r>
+            <a:r>
+              <a:rPr lang="en-US" altLang="zh-CN" sz="1200" b="0" i="0" kern="1200">
+                <a:solidFill>
+                  <a:schemeClr val="tx1"/>
+                </a:solidFill>
+                <a:effectLst/>
+                <a:latin typeface="+mn-lt"/>
+                <a:ea typeface="+mn-ea"/>
+                <a:cs typeface="+mn-cs"/>
+              </a:rPr>
+              <a:t>3</a:t>
+            </a:r>
+            <a:r>
+              <a:rPr lang="zh-CN" altLang="en-US" sz="1200" b="0" i="0" kern="1200">
+                <a:solidFill>
+                  <a:schemeClr val="tx1"/>
+                </a:solidFill>
+                <a:effectLst/>
+                <a:latin typeface="+mn-lt"/>
+                <a:ea typeface="+mn-ea"/>
+                <a:cs typeface="+mn-cs"/>
+              </a:rPr>
+              <a:t>个参数；</a:t>
+            </a:r>
+            <a:br>
+              <a:rPr lang="zh-CN" altLang="en-US"/>
+            </a:br>
+            <a:r>
+              <a:rPr lang="en-US" altLang="zh-CN" sz="1200" b="0" i="0" kern="1200">
+                <a:solidFill>
+                  <a:schemeClr val="tx1"/>
+                </a:solidFill>
+                <a:effectLst/>
+                <a:latin typeface="+mn-lt"/>
+                <a:ea typeface="+mn-ea"/>
+                <a:cs typeface="+mn-cs"/>
+              </a:rPr>
+              <a:t>%rcx</a:t>
+            </a:r>
+            <a:r>
+              <a:rPr lang="zh-CN" altLang="en-US" sz="1200" b="0" i="0" kern="1200">
+                <a:solidFill>
+                  <a:schemeClr val="tx1"/>
+                </a:solidFill>
+                <a:effectLst/>
+                <a:latin typeface="+mn-lt"/>
+                <a:ea typeface="+mn-ea"/>
+                <a:cs typeface="+mn-cs"/>
+              </a:rPr>
+              <a:t>：第</a:t>
+            </a:r>
+            <a:r>
+              <a:rPr lang="en-US" altLang="zh-CN" sz="1200" b="0" i="0" kern="1200">
+                <a:solidFill>
+                  <a:schemeClr val="tx1"/>
+                </a:solidFill>
+                <a:effectLst/>
+                <a:latin typeface="+mn-lt"/>
+                <a:ea typeface="+mn-ea"/>
+                <a:cs typeface="+mn-cs"/>
+              </a:rPr>
+              <a:t>4</a:t>
+            </a:r>
+            <a:r>
+              <a:rPr lang="zh-CN" altLang="en-US" sz="1200" b="0" i="0" kern="1200">
+                <a:solidFill>
+                  <a:schemeClr val="tx1"/>
+                </a:solidFill>
+                <a:effectLst/>
+                <a:latin typeface="+mn-lt"/>
+                <a:ea typeface="+mn-ea"/>
+                <a:cs typeface="+mn-cs"/>
+              </a:rPr>
+              <a:t>个参数；</a:t>
+            </a:r>
+            <a:br>
+              <a:rPr lang="zh-CN" altLang="en-US"/>
+            </a:br>
+            <a:r>
+              <a:rPr lang="en-US" altLang="zh-CN" sz="1200" b="0" i="0" kern="1200">
+                <a:solidFill>
+                  <a:schemeClr val="tx1"/>
+                </a:solidFill>
+                <a:effectLst/>
+                <a:latin typeface="+mn-lt"/>
+                <a:ea typeface="+mn-ea"/>
+                <a:cs typeface="+mn-cs"/>
+              </a:rPr>
+              <a:t>%r8</a:t>
+            </a:r>
+            <a:r>
+              <a:rPr lang="zh-CN" altLang="en-US" sz="1200" b="0" i="0" kern="1200">
+                <a:solidFill>
+                  <a:schemeClr val="tx1"/>
+                </a:solidFill>
+                <a:effectLst/>
+                <a:latin typeface="+mn-lt"/>
+                <a:ea typeface="+mn-ea"/>
+                <a:cs typeface="+mn-cs"/>
+              </a:rPr>
+              <a:t>：第</a:t>
+            </a:r>
+            <a:r>
+              <a:rPr lang="en-US" altLang="zh-CN" sz="1200" b="0" i="0" kern="1200">
+                <a:solidFill>
+                  <a:schemeClr val="tx1"/>
+                </a:solidFill>
+                <a:effectLst/>
+                <a:latin typeface="+mn-lt"/>
+                <a:ea typeface="+mn-ea"/>
+                <a:cs typeface="+mn-cs"/>
+              </a:rPr>
+              <a:t>5</a:t>
+            </a:r>
+            <a:r>
+              <a:rPr lang="zh-CN" altLang="en-US" sz="1200" b="0" i="0" kern="1200">
+                <a:solidFill>
+                  <a:schemeClr val="tx1"/>
+                </a:solidFill>
+                <a:effectLst/>
+                <a:latin typeface="+mn-lt"/>
+                <a:ea typeface="+mn-ea"/>
+                <a:cs typeface="+mn-cs"/>
+              </a:rPr>
+              <a:t>个参数；</a:t>
+            </a:r>
+            <a:br>
+              <a:rPr lang="zh-CN" altLang="en-US"/>
+            </a:br>
+            <a:r>
+              <a:rPr lang="en-US" altLang="zh-CN" sz="1200" b="0" i="0" kern="1200">
+                <a:solidFill>
+                  <a:schemeClr val="tx1"/>
+                </a:solidFill>
+                <a:effectLst/>
+                <a:latin typeface="+mn-lt"/>
+                <a:ea typeface="+mn-ea"/>
+                <a:cs typeface="+mn-cs"/>
+              </a:rPr>
+              <a:t>%r9</a:t>
+            </a:r>
+            <a:r>
+              <a:rPr lang="zh-CN" altLang="en-US" sz="1200" b="0" i="0" kern="1200">
+                <a:solidFill>
+                  <a:schemeClr val="tx1"/>
+                </a:solidFill>
+                <a:effectLst/>
+                <a:latin typeface="+mn-lt"/>
+                <a:ea typeface="+mn-ea"/>
+                <a:cs typeface="+mn-cs"/>
+              </a:rPr>
+              <a:t>：第</a:t>
+            </a:r>
+            <a:r>
+              <a:rPr lang="en-US" altLang="zh-CN" sz="1200" b="0" i="0" kern="1200">
+                <a:solidFill>
+                  <a:schemeClr val="tx1"/>
+                </a:solidFill>
+                <a:effectLst/>
+                <a:latin typeface="+mn-lt"/>
+                <a:ea typeface="+mn-ea"/>
+                <a:cs typeface="+mn-cs"/>
+              </a:rPr>
+              <a:t>6</a:t>
+            </a:r>
+            <a:r>
+              <a:rPr lang="zh-CN" altLang="en-US" sz="1200" b="0" i="0" kern="1200">
+                <a:solidFill>
+                  <a:schemeClr val="tx1"/>
+                </a:solidFill>
+                <a:effectLst/>
+                <a:latin typeface="+mn-lt"/>
+                <a:ea typeface="+mn-ea"/>
+                <a:cs typeface="+mn-cs"/>
+              </a:rPr>
+              <a:t>个参数</a:t>
+            </a:r>
+            <a:endParaRPr lang="zh-CN" altLang="en-US"/>
+          </a:p>
+        </p:txBody>
+      </p:sp>
+      <p:sp>
+        <p:nvSpPr>
+          <p:cNvPr id="4" name="灯片编号占位符 3"/>
+          <p:cNvSpPr>
+            <a:spLocks noGrp="1"/>
+          </p:cNvSpPr>
+          <p:nvPr>
+            <p:ph type="sldNum" sz="quarter" idx="5"/>
+          </p:nvPr>
+        </p:nvSpPr>
+        <p:spPr/>
+        <p:txBody>
+          <a:bodyPr/>
+          <a:lstStyle/>
+          <a:p>
+            <a:fld id="{A0A1136C-A583-443F-BFB8-8C44A303D626}" type="slidenum">
+              <a:rPr lang="zh-CN" altLang="en-US" smtClean="0"/>
+              <a:t>13</a:t>
+            </a:fld>
+            <a:endParaRPr lang="zh-CN" altLang="en-US"/>
+          </a:p>
+        </p:txBody>
+      </p:sp>
+    </p:spTree>
+    <p:extLst>
+      <p:ext uri="{BB962C8B-B14F-4D97-AF65-F5344CB8AC3E}">
+        <p14:creationId xmlns:p14="http://schemas.microsoft.com/office/powerpoint/2010/main" val="857760873"/>
       </p:ext>
     </p:extLst>
   </p:cSld>
@@ -6779,7 +7257,7 @@
           <p:cNvPr id="2" name="标题 1">
             <a:extLst>
               <a:ext uri="{FF2B5EF4-FFF2-40B4-BE49-F238E27FC236}">
-                <a16:creationId xmlns:a16="http://schemas.microsoft.com/office/drawing/2014/main" id="{1130B7D0-43F1-4891-984E-E93FB2B8B6AC}"/>
+                <a16:creationId xmlns:a16="http://schemas.microsoft.com/office/drawing/2014/main" id="{CF5797E1-D9A1-45A3-AB86-E788FE2A5073}"/>
               </a:ext>
             </a:extLst>
           </p:cNvPr>
@@ -6787,7 +7265,7 @@
             <a:spLocks noGrp="1"/>
           </p:cNvSpPr>
           <p:nvPr>
-            <p:ph type="ctrTitle"/>
+            <p:ph type="title"/>
           </p:nvPr>
         </p:nvSpPr>
         <p:spPr/>
@@ -6797,22 +7275,29 @@
           <a:p>
             <a:r>
               <a:rPr lang="zh-CN" altLang="en-US"/>
-              <a:t>服务器端</a:t>
+              <a:t>关于</a:t>
             </a:r>
             <a:r>
               <a:rPr lang="en-US" altLang="zh-CN"/>
-              <a:t>Server -- Stub</a:t>
-            </a:r>
-            <a:endParaRPr lang="zh-CN" altLang="en-US"/>
-          </a:p>
-        </p:txBody>
-      </p:sp>
-      <p:sp>
-        <p:nvSpPr>
-          <p:cNvPr id="3" name="副标题 2">
-            <a:extLst>
-              <a:ext uri="{FF2B5EF4-FFF2-40B4-BE49-F238E27FC236}">
-                <a16:creationId xmlns:a16="http://schemas.microsoft.com/office/drawing/2014/main" id="{F90B2864-7D68-4272-A432-32715ECB79FE}"/>
+              <a:t>ABI</a:t>
+            </a:r>
+            <a:br>
+              <a:rPr lang="en-US" altLang="zh-CN"/>
+            </a:br>
+            <a:r>
+              <a:rPr lang="en-US" altLang="zh-CN" sz="1800"/>
+              <a:t>EXTERN_C void __entry();</a:t>
+            </a:r>
+            <a:endParaRPr lang="zh-CN" altLang="en-US" sz="1800"/>
+          </a:p>
+        </p:txBody>
+      </p:sp>
+      <p:sp>
+        <p:nvSpPr>
+          <p:cNvPr id="3" name="日期占位符 2">
+            <a:extLst>
+              <a:ext uri="{FF2B5EF4-FFF2-40B4-BE49-F238E27FC236}">
+                <a16:creationId xmlns:a16="http://schemas.microsoft.com/office/drawing/2014/main" id="{1813D8DD-8069-4D6C-B98C-5C7B374EA456}"/>
               </a:ext>
             </a:extLst>
           </p:cNvPr>
@@ -6820,56 +7305,15 @@
             <a:spLocks noGrp="1"/>
           </p:cNvSpPr>
           <p:nvPr>
-            <p:ph type="subTitle" idx="1"/>
-          </p:nvPr>
-        </p:nvSpPr>
-        <p:spPr>
-          <a:xfrm>
-            <a:off x="685800" y="2571750"/>
-            <a:ext cx="7772400" cy="1200150"/>
-          </a:xfrm>
-        </p:spPr>
+            <p:ph type="dt" sz="half" idx="10"/>
+          </p:nvPr>
+        </p:nvSpPr>
+        <p:spPr/>
         <p:txBody>
           <a:bodyPr/>
           <a:lstStyle/>
           <a:p>
-            <a:r>
-              <a:rPr lang="zh-CN" altLang="en-US"/>
-              <a:t>服务器端是真正实施</a:t>
-            </a:r>
-            <a:r>
-              <a:rPr lang="en-US" altLang="zh-CN"/>
-              <a:t>COMO</a:t>
-            </a:r>
-            <a:r>
-              <a:rPr lang="zh-CN" altLang="en-US"/>
-              <a:t>构件运行时服务的，也就是程序的逻辑功能是在这里执行的。</a:t>
-            </a:r>
-          </a:p>
-        </p:txBody>
-      </p:sp>
-      <p:sp>
-        <p:nvSpPr>
-          <p:cNvPr id="4" name="日期占位符 3">
-            <a:extLst>
-              <a:ext uri="{FF2B5EF4-FFF2-40B4-BE49-F238E27FC236}">
-                <a16:creationId xmlns:a16="http://schemas.microsoft.com/office/drawing/2014/main" id="{F87EAC34-1706-4D07-88E0-69B8253B3F94}"/>
-              </a:ext>
-            </a:extLst>
-          </p:cNvPr>
-          <p:cNvSpPr>
-            <a:spLocks noGrp="1"/>
-          </p:cNvSpPr>
-          <p:nvPr>
-            <p:ph type="dt" sz="half" idx="10"/>
-          </p:nvPr>
-        </p:nvSpPr>
-        <p:spPr/>
-        <p:txBody>
-          <a:bodyPr/>
-          <a:lstStyle/>
-          <a:p>
-            <a:fld id="{12D1B8E7-F47C-47D8-B811-1B6D096B8720}" type="datetime1">
+            <a:fld id="{C8218E9C-D97C-46B7-9115-F8A90873817C}" type="datetime1">
               <a:rPr lang="zh-CN" altLang="en-US" smtClean="0">
                 <a:solidFill>
                   <a:srgbClr val="000000"/>
@@ -6888,10 +7332,10 @@
       </p:sp>
       <p:sp>
         <p:nvSpPr>
-          <p:cNvPr id="5" name="页脚占位符 4">
-            <a:extLst>
-              <a:ext uri="{FF2B5EF4-FFF2-40B4-BE49-F238E27FC236}">
-                <a16:creationId xmlns:a16="http://schemas.microsoft.com/office/drawing/2014/main" id="{D5E6CA98-2203-4F89-B6B1-F6AC23519BE7}"/>
+          <p:cNvPr id="4" name="页脚占位符 3">
+            <a:extLst>
+              <a:ext uri="{FF2B5EF4-FFF2-40B4-BE49-F238E27FC236}">
+                <a16:creationId xmlns:a16="http://schemas.microsoft.com/office/drawing/2014/main" id="{B4CD7D01-0575-454E-B2F2-B73C97D84A91}"/>
               </a:ext>
             </a:extLst>
           </p:cNvPr>
@@ -6920,10 +7364,10 @@
       </p:sp>
       <p:sp>
         <p:nvSpPr>
-          <p:cNvPr id="6" name="灯片编号占位符 5">
-            <a:extLst>
-              <a:ext uri="{FF2B5EF4-FFF2-40B4-BE49-F238E27FC236}">
-                <a16:creationId xmlns:a16="http://schemas.microsoft.com/office/drawing/2014/main" id="{21E11E3C-D4A1-42A8-97EE-A4D070E14C84}"/>
+          <p:cNvPr id="5" name="灯片编号占位符 4">
+            <a:extLst>
+              <a:ext uri="{FF2B5EF4-FFF2-40B4-BE49-F238E27FC236}">
+                <a16:creationId xmlns:a16="http://schemas.microsoft.com/office/drawing/2014/main" id="{7F784729-57B4-4AAB-9E31-C734875AAAEE}"/>
               </a:ext>
             </a:extLst>
           </p:cNvPr>
@@ -6956,10 +7400,480 @@
           </a:p>
         </p:txBody>
       </p:sp>
+      <p:pic>
+        <p:nvPicPr>
+          <p:cNvPr id="9" name="图片 8">
+            <a:extLst>
+              <a:ext uri="{FF2B5EF4-FFF2-40B4-BE49-F238E27FC236}">
+                <a16:creationId xmlns:a16="http://schemas.microsoft.com/office/drawing/2014/main" id="{0EC06AC1-C92C-42FC-A6CE-2EA547AEEDE2}"/>
+              </a:ext>
+            </a:extLst>
+          </p:cNvPr>
+          <p:cNvPicPr>
+            <a:picLocks noChangeAspect="1"/>
+          </p:cNvPicPr>
+          <p:nvPr/>
+        </p:nvPicPr>
+        <p:blipFill>
+          <a:blip r:embed="rId3"/>
+          <a:stretch>
+            <a:fillRect/>
+          </a:stretch>
+        </p:blipFill>
+        <p:spPr>
+          <a:xfrm>
+            <a:off x="607931" y="1303026"/>
+            <a:ext cx="2345524" cy="2751236"/>
+          </a:xfrm>
+          <a:prstGeom prst="rect">
+            <a:avLst/>
+          </a:prstGeom>
+        </p:spPr>
+      </p:pic>
+      <p:sp>
+        <p:nvSpPr>
+          <p:cNvPr id="10" name="矩形 9">
+            <a:extLst>
+              <a:ext uri="{FF2B5EF4-FFF2-40B4-BE49-F238E27FC236}">
+                <a16:creationId xmlns:a16="http://schemas.microsoft.com/office/drawing/2014/main" id="{15CB50AA-3A0B-4879-98E1-FB7BA10334AC}"/>
+              </a:ext>
+            </a:extLst>
+          </p:cNvPr>
+          <p:cNvSpPr/>
+          <p:nvPr/>
+        </p:nvSpPr>
+        <p:spPr>
+          <a:xfrm>
+            <a:off x="3059832" y="1303026"/>
+            <a:ext cx="5760639" cy="1569660"/>
+          </a:xfrm>
+          <a:prstGeom prst="rect">
+            <a:avLst/>
+          </a:prstGeom>
+        </p:spPr>
+        <p:txBody>
+          <a:bodyPr wrap="square">
+            <a:spAutoFit/>
+          </a:bodyPr>
+          <a:lstStyle/>
+          <a:p>
+            <a:pPr marL="171450" indent="-171450">
+              <a:buFont typeface="Arial" panose="020B0604020202020204" pitchFamily="34" charset="0"/>
+              <a:buChar char="•"/>
+            </a:pPr>
+            <a:r>
+              <a:rPr lang="en-US" altLang="zh-CN" sz="1200">
+                <a:latin typeface="等线" panose="02010600030101010101" pitchFamily="2" charset="-122"/>
+                <a:ea typeface="等线" panose="02010600030101010101" pitchFamily="2" charset="-122"/>
+              </a:rPr>
+              <a:t>X64</a:t>
+            </a:r>
+            <a:r>
+              <a:rPr lang="zh-CN" altLang="en-US" sz="1200">
+                <a:latin typeface="等线" panose="02010600030101010101" pitchFamily="2" charset="-122"/>
+                <a:ea typeface="等线" panose="02010600030101010101" pitchFamily="2" charset="-122"/>
+              </a:rPr>
+              <a:t>。在调用</a:t>
+            </a:r>
+            <a:r>
+              <a:rPr lang="en-US" altLang="zh-CN" sz="1200">
+                <a:latin typeface="等线" panose="02010600030101010101" pitchFamily="2" charset="-122"/>
+                <a:ea typeface="等线" panose="02010600030101010101" pitchFamily="2" charset="-122"/>
+              </a:rPr>
+              <a:t>C++</a:t>
+            </a:r>
+            <a:r>
+              <a:rPr lang="zh-CN" altLang="en-US" sz="1200">
+                <a:latin typeface="等线" panose="02010600030101010101" pitchFamily="2" charset="-122"/>
+                <a:ea typeface="等线" panose="02010600030101010101" pitchFamily="2" charset="-122"/>
+              </a:rPr>
+              <a:t>非静态成员函数时使用此约定。基于所使用的编译器和函数是否使用可变参数，有两个主流版本的</a:t>
+            </a:r>
+            <a:r>
+              <a:rPr lang="en-US" altLang="zh-CN" sz="1200">
+                <a:latin typeface="等线" panose="02010600030101010101" pitchFamily="2" charset="-122"/>
+                <a:ea typeface="等线" panose="02010600030101010101" pitchFamily="2" charset="-122"/>
+              </a:rPr>
+              <a:t>thiscall</a:t>
+            </a:r>
+            <a:r>
+              <a:rPr lang="zh-CN" altLang="en-US" sz="1200">
+                <a:latin typeface="等线" panose="02010600030101010101" pitchFamily="2" charset="-122"/>
+                <a:ea typeface="等线" panose="02010600030101010101" pitchFamily="2" charset="-122"/>
+              </a:rPr>
+              <a:t>。 对于</a:t>
+            </a:r>
+            <a:r>
+              <a:rPr lang="en-US" altLang="zh-CN" sz="1200">
+                <a:latin typeface="等线" panose="02010600030101010101" pitchFamily="2" charset="-122"/>
+                <a:ea typeface="等线" panose="02010600030101010101" pitchFamily="2" charset="-122"/>
+              </a:rPr>
+              <a:t>GCC</a:t>
+            </a:r>
+            <a:r>
+              <a:rPr lang="zh-CN" altLang="en-US" sz="1200">
+                <a:latin typeface="等线" panose="02010600030101010101" pitchFamily="2" charset="-122"/>
+                <a:ea typeface="等线" panose="02010600030101010101" pitchFamily="2" charset="-122"/>
+              </a:rPr>
+              <a:t>编译器，</a:t>
+            </a:r>
+            <a:r>
+              <a:rPr lang="en-US" altLang="zh-CN" sz="1200">
+                <a:latin typeface="等线" panose="02010600030101010101" pitchFamily="2" charset="-122"/>
+                <a:ea typeface="等线" panose="02010600030101010101" pitchFamily="2" charset="-122"/>
+              </a:rPr>
+              <a:t>thiscall</a:t>
+            </a:r>
+            <a:r>
+              <a:rPr lang="zh-CN" altLang="en-US" sz="1200">
+                <a:latin typeface="等线" panose="02010600030101010101" pitchFamily="2" charset="-122"/>
+                <a:ea typeface="等线" panose="02010600030101010101" pitchFamily="2" charset="-122"/>
+              </a:rPr>
+              <a:t>几乎与</a:t>
+            </a:r>
+            <a:r>
+              <a:rPr lang="en-US" altLang="zh-CN" sz="1200">
+                <a:latin typeface="等线" panose="02010600030101010101" pitchFamily="2" charset="-122"/>
+                <a:ea typeface="等线" panose="02010600030101010101" pitchFamily="2" charset="-122"/>
+              </a:rPr>
+              <a:t>cdecl</a:t>
+            </a:r>
+            <a:r>
+              <a:rPr lang="zh-CN" altLang="en-US" sz="1200">
+                <a:latin typeface="等线" panose="02010600030101010101" pitchFamily="2" charset="-122"/>
+                <a:ea typeface="等线" panose="02010600030101010101" pitchFamily="2" charset="-122"/>
+              </a:rPr>
+              <a:t>等同：调用者清理堆栈，参数从右到左传递。差别在于</a:t>
+            </a:r>
+            <a:r>
+              <a:rPr lang="en-US" altLang="zh-CN" sz="1200">
+                <a:latin typeface="等线" panose="02010600030101010101" pitchFamily="2" charset="-122"/>
+                <a:ea typeface="等线" panose="02010600030101010101" pitchFamily="2" charset="-122"/>
+              </a:rPr>
+              <a:t>this</a:t>
+            </a:r>
+            <a:r>
+              <a:rPr lang="zh-CN" altLang="en-US" sz="1200">
+                <a:latin typeface="等线" panose="02010600030101010101" pitchFamily="2" charset="-122"/>
+                <a:ea typeface="等线" panose="02010600030101010101" pitchFamily="2" charset="-122"/>
+              </a:rPr>
+              <a:t>指针，</a:t>
+            </a:r>
+            <a:r>
+              <a:rPr lang="en-US" altLang="zh-CN" sz="1200">
+                <a:latin typeface="等线" panose="02010600030101010101" pitchFamily="2" charset="-122"/>
+                <a:ea typeface="等线" panose="02010600030101010101" pitchFamily="2" charset="-122"/>
+              </a:rPr>
+              <a:t>thiscall</a:t>
+            </a:r>
+            <a:r>
+              <a:rPr lang="zh-CN" altLang="en-US" sz="1200">
+                <a:latin typeface="等线" panose="02010600030101010101" pitchFamily="2" charset="-122"/>
+                <a:ea typeface="等线" panose="02010600030101010101" pitchFamily="2" charset="-122"/>
+              </a:rPr>
+              <a:t>会在最后把</a:t>
+            </a:r>
+            <a:r>
+              <a:rPr lang="en-US" altLang="zh-CN" sz="1200">
+                <a:latin typeface="等线" panose="02010600030101010101" pitchFamily="2" charset="-122"/>
+                <a:ea typeface="等线" panose="02010600030101010101" pitchFamily="2" charset="-122"/>
+              </a:rPr>
+              <a:t>this</a:t>
+            </a:r>
+            <a:r>
+              <a:rPr lang="zh-CN" altLang="en-US" sz="1200">
+                <a:latin typeface="等线" panose="02010600030101010101" pitchFamily="2" charset="-122"/>
+                <a:ea typeface="等线" panose="02010600030101010101" pitchFamily="2" charset="-122"/>
+              </a:rPr>
+              <a:t>指针推入栈中，即相当于在函数原型中是隐式的左数第一个参数。 </a:t>
+            </a:r>
+            <a:r>
+              <a:rPr lang="en-US" altLang="zh-CN" sz="1200">
+                <a:latin typeface="等线" panose="02010600030101010101" pitchFamily="2" charset="-122"/>
+                <a:ea typeface="等线" panose="02010600030101010101" pitchFamily="2" charset="-122"/>
+                <a:hlinkClick r:id="rId4"/>
+              </a:rPr>
+              <a:t>https://zh.wikipedia.org/wiki/X86%E8%B0%83%E7%94%A8%E7%BA%A6%E5%AE%9A</a:t>
+            </a:r>
+            <a:r>
+              <a:rPr lang="en-US" altLang="zh-CN" sz="1200">
+                <a:latin typeface="等线" panose="02010600030101010101" pitchFamily="2" charset="-122"/>
+                <a:ea typeface="等线" panose="02010600030101010101" pitchFamily="2" charset="-122"/>
+              </a:rPr>
+              <a:t> </a:t>
+            </a:r>
+          </a:p>
+          <a:p>
+            <a:pPr marL="171450" indent="-171450">
+              <a:buFont typeface="Arial" panose="020B0604020202020204" pitchFamily="34" charset="0"/>
+              <a:buChar char="•"/>
+            </a:pPr>
+            <a:endParaRPr lang="en-US" altLang="zh-CN" sz="1200">
+              <a:latin typeface="等线" panose="02010600030101010101" pitchFamily="2" charset="-122"/>
+              <a:ea typeface="等线" panose="02010600030101010101" pitchFamily="2" charset="-122"/>
+            </a:endParaRPr>
+          </a:p>
+          <a:p>
+            <a:pPr marL="171450" indent="-171450">
+              <a:buFont typeface="Arial" panose="020B0604020202020204" pitchFamily="34" charset="0"/>
+              <a:buChar char="•"/>
+            </a:pPr>
+            <a:r>
+              <a:rPr lang="en-US" altLang="zh-CN" sz="1200">
+                <a:latin typeface="等线" panose="02010600030101010101" pitchFamily="2" charset="-122"/>
+                <a:ea typeface="等线" panose="02010600030101010101" pitchFamily="2" charset="-122"/>
+              </a:rPr>
+              <a:t>ARM64 ABI </a:t>
+            </a:r>
+            <a:r>
+              <a:rPr lang="zh-CN" altLang="en-US" sz="1200">
+                <a:latin typeface="等线" panose="02010600030101010101" pitchFamily="2" charset="-122"/>
+                <a:ea typeface="等线" panose="02010600030101010101" pitchFamily="2" charset="-122"/>
+              </a:rPr>
+              <a:t>约定概述 </a:t>
+            </a:r>
+            <a:r>
+              <a:rPr lang="en-US" altLang="zh-CN" sz="1200">
+                <a:latin typeface="等线" panose="02010600030101010101" pitchFamily="2" charset="-122"/>
+                <a:ea typeface="等线" panose="02010600030101010101" pitchFamily="2" charset="-122"/>
+                <a:hlinkClick r:id="rId5"/>
+              </a:rPr>
+              <a:t>https://docs.microsoft.com/zh-cn/cpp/build/arm64-windows-abi-conventions?view=msvc-160</a:t>
+            </a:r>
+            <a:r>
+              <a:rPr lang="en-US" altLang="zh-CN" sz="1200">
+                <a:latin typeface="等线" panose="02010600030101010101" pitchFamily="2" charset="-122"/>
+                <a:ea typeface="等线" panose="02010600030101010101" pitchFamily="2" charset="-122"/>
+              </a:rPr>
+              <a:t> </a:t>
+            </a:r>
+            <a:endParaRPr lang="zh-CN" altLang="en-US" sz="1200">
+              <a:latin typeface="等线" panose="02010600030101010101" pitchFamily="2" charset="-122"/>
+              <a:ea typeface="等线" panose="02010600030101010101" pitchFamily="2" charset="-122"/>
+            </a:endParaRPr>
+          </a:p>
+        </p:txBody>
+      </p:sp>
+      <p:sp>
+        <p:nvSpPr>
+          <p:cNvPr id="12" name="文本框 11">
+            <a:extLst>
+              <a:ext uri="{FF2B5EF4-FFF2-40B4-BE49-F238E27FC236}">
+                <a16:creationId xmlns:a16="http://schemas.microsoft.com/office/drawing/2014/main" id="{3ABDE137-8DCD-4FB3-B075-A84DFB35838B}"/>
+              </a:ext>
+            </a:extLst>
+          </p:cNvPr>
+          <p:cNvSpPr txBox="1"/>
+          <p:nvPr/>
+        </p:nvSpPr>
+        <p:spPr>
+          <a:xfrm>
+            <a:off x="3059832" y="3035092"/>
+            <a:ext cx="5256584" cy="1200329"/>
+          </a:xfrm>
+          <a:prstGeom prst="rect">
+            <a:avLst/>
+          </a:prstGeom>
+          <a:noFill/>
+        </p:spPr>
+        <p:txBody>
+          <a:bodyPr wrap="square" rtlCol="0">
+            <a:spAutoFit/>
+          </a:bodyPr>
+          <a:lstStyle/>
+          <a:p>
+            <a:r>
+              <a:rPr lang="zh-CN" altLang="en-US" sz="1200">
+                <a:latin typeface="等线" panose="02010600030101010101" pitchFamily="2" charset="-122"/>
+                <a:ea typeface="等线" panose="02010600030101010101" pitchFamily="2" charset="-122"/>
+              </a:rPr>
+              <a:t>用</a:t>
+            </a:r>
+            <a:r>
+              <a:rPr lang="en-US" altLang="zh-CN" sz="1200">
+                <a:latin typeface="等线" panose="02010600030101010101" pitchFamily="2" charset="-122"/>
+                <a:ea typeface="等线" panose="02010600030101010101" pitchFamily="2" charset="-122"/>
+              </a:rPr>
+              <a:t>InterfaceProxy</a:t>
+            </a:r>
+            <a:r>
+              <a:rPr lang="zh-CN" altLang="en-US" sz="1200">
+                <a:latin typeface="等线" panose="02010600030101010101" pitchFamily="2" charset="-122"/>
+                <a:ea typeface="等线" panose="02010600030101010101" pitchFamily="2" charset="-122"/>
+              </a:rPr>
+              <a:t>伪造任意远程访问对象，把对</a:t>
+            </a:r>
+            <a:r>
+              <a:rPr lang="en-US" altLang="zh-CN" sz="1200">
+                <a:latin typeface="等线" panose="02010600030101010101" pitchFamily="2" charset="-122"/>
+                <a:ea typeface="等线" panose="02010600030101010101" pitchFamily="2" charset="-122"/>
+              </a:rPr>
+              <a:t>InterfaceProxy</a:t>
+            </a:r>
+            <a:r>
+              <a:rPr lang="zh-CN" altLang="en-US" sz="1200">
+                <a:latin typeface="等线" panose="02010600030101010101" pitchFamily="2" charset="-122"/>
+                <a:ea typeface="等线" panose="02010600030101010101" pitchFamily="2" charset="-122"/>
+              </a:rPr>
+              <a:t>虚函数的访问，全转向对</a:t>
+            </a:r>
+            <a:r>
+              <a:rPr lang="en-US" altLang="zh-CN" sz="1200">
+                <a:latin typeface="等线" panose="02010600030101010101" pitchFamily="2" charset="-122"/>
+                <a:ea typeface="等线" panose="02010600030101010101" pitchFamily="2" charset="-122"/>
+              </a:rPr>
+              <a:t>InterfaceProxy::ProxyEntry()</a:t>
+            </a:r>
+            <a:r>
+              <a:rPr lang="zh-CN" altLang="en-US" sz="1200">
+                <a:latin typeface="等线" panose="02010600030101010101" pitchFamily="2" charset="-122"/>
+                <a:ea typeface="等线" panose="02010600030101010101" pitchFamily="2" charset="-122"/>
+              </a:rPr>
+              <a:t>的访问。按平台上</a:t>
+            </a:r>
+            <a:r>
+              <a:rPr lang="en-US" altLang="zh-CN" sz="1200">
+                <a:latin typeface="等线" panose="02010600030101010101" pitchFamily="2" charset="-122"/>
+                <a:ea typeface="等线" panose="02010600030101010101" pitchFamily="2" charset="-122"/>
+              </a:rPr>
+              <a:t>ABI</a:t>
+            </a:r>
+            <a:r>
+              <a:rPr lang="zh-CN" altLang="en-US" sz="1200">
+                <a:latin typeface="等线" panose="02010600030101010101" pitchFamily="2" charset="-122"/>
+                <a:ea typeface="等线" panose="02010600030101010101" pitchFamily="2" charset="-122"/>
+              </a:rPr>
+              <a:t>的约定得到函数参数，把参数转向</a:t>
+            </a:r>
+            <a:r>
+              <a:rPr lang="en-US" altLang="zh-CN" sz="1200">
+                <a:latin typeface="等线" panose="02010600030101010101" pitchFamily="2" charset="-122"/>
+                <a:ea typeface="等线" panose="02010600030101010101" pitchFamily="2" charset="-122"/>
+              </a:rPr>
+              <a:t>ABI</a:t>
+            </a:r>
+            <a:r>
+              <a:rPr lang="zh-CN" altLang="en-US" sz="1200">
+                <a:latin typeface="等线" panose="02010600030101010101" pitchFamily="2" charset="-122"/>
+                <a:ea typeface="等线" panose="02010600030101010101" pitchFamily="2" charset="-122"/>
+              </a:rPr>
+              <a:t>规范的</a:t>
+            </a:r>
+            <a:r>
+              <a:rPr lang="en-US" altLang="zh-CN" sz="1200">
+                <a:latin typeface="等线" panose="02010600030101010101" pitchFamily="2" charset="-122"/>
+                <a:ea typeface="等线" panose="02010600030101010101" pitchFamily="2" charset="-122"/>
+              </a:rPr>
+              <a:t>InterfaceProxy::ProxyEntry()</a:t>
+            </a:r>
+            <a:r>
+              <a:rPr lang="zh-CN" altLang="en-US" sz="1200">
+                <a:latin typeface="等线" panose="02010600030101010101" pitchFamily="2" charset="-122"/>
+                <a:ea typeface="等线" panose="02010600030101010101" pitchFamily="2" charset="-122"/>
+              </a:rPr>
+              <a:t>需要的参数的样子，然后调用</a:t>
+            </a:r>
+            <a:r>
+              <a:rPr lang="en-US" altLang="zh-CN" sz="1200">
+                <a:latin typeface="等线" panose="02010600030101010101" pitchFamily="2" charset="-122"/>
+                <a:ea typeface="等线" panose="02010600030101010101" pitchFamily="2" charset="-122"/>
+              </a:rPr>
+              <a:t>InterfaceProxy::ProxyEntry()</a:t>
+            </a:r>
+            <a:r>
+              <a:rPr lang="zh-CN" altLang="en-US" sz="1200">
+                <a:latin typeface="等线" panose="02010600030101010101" pitchFamily="2" charset="-122"/>
+                <a:ea typeface="等线" panose="02010600030101010101" pitchFamily="2" charset="-122"/>
+              </a:rPr>
+              <a:t>。</a:t>
+            </a:r>
+            <a:endParaRPr lang="en-US" altLang="zh-CN" sz="1200">
+              <a:latin typeface="等线" panose="02010600030101010101" pitchFamily="2" charset="-122"/>
+              <a:ea typeface="等线" panose="02010600030101010101" pitchFamily="2" charset="-122"/>
+            </a:endParaRPr>
+          </a:p>
+          <a:p>
+            <a:r>
+              <a:rPr lang="zh-CN" altLang="en-US" sz="1200">
+                <a:latin typeface="等线" panose="02010600030101010101" pitchFamily="2" charset="-122"/>
+                <a:ea typeface="等线" panose="02010600030101010101" pitchFamily="2" charset="-122"/>
+              </a:rPr>
+              <a:t>利用这个伪造的机制，得到你想访问的函数</a:t>
+            </a:r>
+            <a:r>
+              <a:rPr lang="en-US" altLang="zh-CN" sz="1200">
+                <a:latin typeface="等线" panose="02010600030101010101" pitchFamily="2" charset="-122"/>
+                <a:ea typeface="等线" panose="02010600030101010101" pitchFamily="2" charset="-122"/>
+              </a:rPr>
+              <a:t>(</a:t>
+            </a:r>
+            <a:r>
+              <a:rPr lang="zh-CN" altLang="en-US" sz="1200">
+                <a:latin typeface="等线" panose="02010600030101010101" pitchFamily="2" charset="-122"/>
+                <a:ea typeface="等线" panose="02010600030101010101" pitchFamily="2" charset="-122"/>
+              </a:rPr>
+              <a:t>方法</a:t>
+            </a:r>
+            <a:r>
+              <a:rPr lang="en-US" altLang="zh-CN" sz="1200">
+                <a:latin typeface="等线" panose="02010600030101010101" pitchFamily="2" charset="-122"/>
+                <a:ea typeface="等线" panose="02010600030101010101" pitchFamily="2" charset="-122"/>
+              </a:rPr>
+              <a:t>)</a:t>
+            </a:r>
+            <a:r>
+              <a:rPr lang="zh-CN" altLang="en-US" sz="1200">
+                <a:latin typeface="等线" panose="02010600030101010101" pitchFamily="2" charset="-122"/>
+                <a:ea typeface="等线" panose="02010600030101010101" pitchFamily="2" charset="-122"/>
+              </a:rPr>
+              <a:t>的信息</a:t>
+            </a:r>
+            <a:r>
+              <a:rPr lang="en-US" altLang="zh-CN" sz="1200">
+                <a:latin typeface="等线" panose="02010600030101010101" pitchFamily="2" charset="-122"/>
+                <a:ea typeface="等线" panose="02010600030101010101" pitchFamily="2" charset="-122"/>
+              </a:rPr>
+              <a:t>(methodIndex)</a:t>
+            </a:r>
+            <a:r>
+              <a:rPr lang="zh-CN" altLang="en-US" sz="1200">
+                <a:latin typeface="等线" panose="02010600030101010101" pitchFamily="2" charset="-122"/>
+                <a:ea typeface="等线" panose="02010600030101010101" pitchFamily="2" charset="-122"/>
+              </a:rPr>
+              <a:t>，用户访问虚函数时，我们不可能要求用户告诉我们它要访问哪个函数</a:t>
+            </a:r>
+            <a:r>
+              <a:rPr lang="en-US" altLang="zh-CN" sz="1200">
+                <a:latin typeface="等线" panose="02010600030101010101" pitchFamily="2" charset="-122"/>
+                <a:ea typeface="等线" panose="02010600030101010101" pitchFamily="2" charset="-122"/>
+              </a:rPr>
+              <a:t>(</a:t>
+            </a:r>
+            <a:r>
+              <a:rPr lang="zh-CN" altLang="en-US" sz="1200">
+                <a:latin typeface="等线" panose="02010600030101010101" pitchFamily="2" charset="-122"/>
+                <a:ea typeface="等线" panose="02010600030101010101" pitchFamily="2" charset="-122"/>
+              </a:rPr>
+              <a:t>方法</a:t>
+            </a:r>
+            <a:r>
+              <a:rPr lang="en-US" altLang="zh-CN" sz="1200">
+                <a:latin typeface="等线" panose="02010600030101010101" pitchFamily="2" charset="-122"/>
+                <a:ea typeface="等线" panose="02010600030101010101" pitchFamily="2" charset="-122"/>
+              </a:rPr>
+              <a:t>)</a:t>
+            </a:r>
+            <a:endParaRPr lang="zh-CN" altLang="en-US" sz="1200">
+              <a:latin typeface="等线" panose="02010600030101010101" pitchFamily="2" charset="-122"/>
+              <a:ea typeface="等线" panose="02010600030101010101" pitchFamily="2" charset="-122"/>
+            </a:endParaRPr>
+          </a:p>
+        </p:txBody>
+      </p:sp>
     </p:spTree>
     <p:extLst>
       <p:ext uri="{BB962C8B-B14F-4D97-AF65-F5344CB8AC3E}">
-        <p14:creationId xmlns:p14="http://schemas.microsoft.com/office/powerpoint/2010/main" val="3530001779"/>
+        <p14:creationId xmlns:p14="http://schemas.microsoft.com/office/powerpoint/2010/main" val="840497045"/>
       </p:ext>
     </p:extLst>
   </p:cSld>
@@ -6991,7 +7905,7 @@
           <p:cNvPr id="2" name="标题 1">
             <a:extLst>
               <a:ext uri="{FF2B5EF4-FFF2-40B4-BE49-F238E27FC236}">
-                <a16:creationId xmlns:a16="http://schemas.microsoft.com/office/drawing/2014/main" id="{308A463E-16DA-409E-B7E9-A66FFE1EFDE1}"/>
+                <a16:creationId xmlns:a16="http://schemas.microsoft.com/office/drawing/2014/main" id="{1130B7D0-43F1-4891-984E-E93FB2B8B6AC}"/>
               </a:ext>
             </a:extLst>
           </p:cNvPr>
@@ -6999,7 +7913,7 @@
             <a:spLocks noGrp="1"/>
           </p:cNvSpPr>
           <p:nvPr>
-            <p:ph type="title"/>
+            <p:ph type="ctrTitle"/>
           </p:nvPr>
         </p:nvSpPr>
         <p:spPr/>
@@ -7008,22 +7922,64 @@
           <a:lstStyle/>
           <a:p>
             <a:r>
+              <a:rPr lang="zh-CN" altLang="en-US"/>
+              <a:t>服务器端</a:t>
+            </a:r>
+            <a:r>
               <a:rPr lang="en-US" altLang="zh-CN"/>
-              <a:t>Server</a:t>
-            </a:r>
+              <a:t>Server -- Stub</a:t>
+            </a:r>
+            <a:endParaRPr lang="zh-CN" altLang="en-US"/>
+          </a:p>
+        </p:txBody>
+      </p:sp>
+      <p:sp>
+        <p:nvSpPr>
+          <p:cNvPr id="3" name="副标题 2">
+            <a:extLst>
+              <a:ext uri="{FF2B5EF4-FFF2-40B4-BE49-F238E27FC236}">
+                <a16:creationId xmlns:a16="http://schemas.microsoft.com/office/drawing/2014/main" id="{F90B2864-7D68-4272-A432-32715ECB79FE}"/>
+              </a:ext>
+            </a:extLst>
+          </p:cNvPr>
+          <p:cNvSpPr>
+            <a:spLocks noGrp="1"/>
+          </p:cNvSpPr>
+          <p:nvPr>
+            <p:ph type="subTitle" idx="1"/>
+          </p:nvPr>
+        </p:nvSpPr>
+        <p:spPr>
+          <a:xfrm>
+            <a:off x="685800" y="2571750"/>
+            <a:ext cx="7772400" cy="1200150"/>
+          </a:xfrm>
+        </p:spPr>
+        <p:txBody>
+          <a:bodyPr/>
+          <a:lstStyle/>
+          <a:p>
             <a:r>
               <a:rPr lang="zh-CN" altLang="en-US"/>
-              <a:t>端注册服务对象</a:t>
-            </a:r>
-          </a:p>
-        </p:txBody>
-      </p:sp>
-      <p:sp>
-        <p:nvSpPr>
-          <p:cNvPr id="3" name="日期占位符 2">
-            <a:extLst>
-              <a:ext uri="{FF2B5EF4-FFF2-40B4-BE49-F238E27FC236}">
-                <a16:creationId xmlns:a16="http://schemas.microsoft.com/office/drawing/2014/main" id="{09E2A2C3-7CC6-4888-A546-F72733702928}"/>
+              <a:t>服务器端是真正实施</a:t>
+            </a:r>
+            <a:r>
+              <a:rPr lang="en-US" altLang="zh-CN"/>
+              <a:t>COMO</a:t>
+            </a:r>
+            <a:r>
+              <a:rPr lang="zh-CN" altLang="en-US"/>
+              <a:t>构件运行时服务的，也就是程序的逻辑功能是在这里执行的。</a:t>
+            </a:r>
+          </a:p>
+        </p:txBody>
+      </p:sp>
+      <p:sp>
+        <p:nvSpPr>
+          <p:cNvPr id="4" name="日期占位符 3">
+            <a:extLst>
+              <a:ext uri="{FF2B5EF4-FFF2-40B4-BE49-F238E27FC236}">
+                <a16:creationId xmlns:a16="http://schemas.microsoft.com/office/drawing/2014/main" id="{F87EAC34-1706-4D07-88E0-69B8253B3F94}"/>
               </a:ext>
             </a:extLst>
           </p:cNvPr>
@@ -7039,7 +7995,7 @@
           <a:bodyPr/>
           <a:lstStyle/>
           <a:p>
-            <a:fld id="{C8218E9C-D97C-46B7-9115-F8A90873817C}" type="datetime1">
+            <a:fld id="{12D1B8E7-F47C-47D8-B811-1B6D096B8720}" type="datetime1">
               <a:rPr lang="zh-CN" altLang="en-US" smtClean="0">
                 <a:solidFill>
                   <a:srgbClr val="000000"/>
@@ -7058,10 +8014,10 @@
       </p:sp>
       <p:sp>
         <p:nvSpPr>
-          <p:cNvPr id="4" name="页脚占位符 3">
-            <a:extLst>
-              <a:ext uri="{FF2B5EF4-FFF2-40B4-BE49-F238E27FC236}">
-                <a16:creationId xmlns:a16="http://schemas.microsoft.com/office/drawing/2014/main" id="{3D946B75-A3C8-4D97-A1B1-F2A48D7FFB35}"/>
+          <p:cNvPr id="5" name="页脚占位符 4">
+            <a:extLst>
+              <a:ext uri="{FF2B5EF4-FFF2-40B4-BE49-F238E27FC236}">
+                <a16:creationId xmlns:a16="http://schemas.microsoft.com/office/drawing/2014/main" id="{D5E6CA98-2203-4F89-B6B1-F6AC23519BE7}"/>
               </a:ext>
             </a:extLst>
           </p:cNvPr>
@@ -7090,10 +8046,10 @@
       </p:sp>
       <p:sp>
         <p:nvSpPr>
-          <p:cNvPr id="5" name="灯片编号占位符 4">
-            <a:extLst>
-              <a:ext uri="{FF2B5EF4-FFF2-40B4-BE49-F238E27FC236}">
-                <a16:creationId xmlns:a16="http://schemas.microsoft.com/office/drawing/2014/main" id="{C4E8C0B9-D056-4FB4-8A4B-E5923CE77176}"/>
+          <p:cNvPr id="6" name="灯片编号占位符 5">
+            <a:extLst>
+              <a:ext uri="{FF2B5EF4-FFF2-40B4-BE49-F238E27FC236}">
+                <a16:creationId xmlns:a16="http://schemas.microsoft.com/office/drawing/2014/main" id="{21E11E3C-D4A1-42A8-97EE-A4D070E14C84}"/>
               </a:ext>
             </a:extLst>
           </p:cNvPr>
@@ -7126,264 +8082,10 @@
           </a:p>
         </p:txBody>
       </p:sp>
-      <p:sp>
-        <p:nvSpPr>
-          <p:cNvPr id="6" name="矩形 5">
-            <a:extLst>
-              <a:ext uri="{FF2B5EF4-FFF2-40B4-BE49-F238E27FC236}">
-                <a16:creationId xmlns:a16="http://schemas.microsoft.com/office/drawing/2014/main" id="{8FC93572-56DD-4A55-9311-D810CF88AA8C}"/>
-              </a:ext>
-            </a:extLst>
-          </p:cNvPr>
-          <p:cNvSpPr/>
-          <p:nvPr/>
-        </p:nvSpPr>
-        <p:spPr>
-          <a:xfrm>
-            <a:off x="574675" y="1347614"/>
-            <a:ext cx="4572000" cy="276999"/>
-          </a:xfrm>
-          <a:prstGeom prst="rect">
-            <a:avLst/>
-          </a:prstGeom>
-        </p:spPr>
-        <p:txBody>
-          <a:bodyPr>
-            <a:spAutoFit/>
-          </a:bodyPr>
-          <a:lstStyle/>
-          <a:p>
-            <a:pPr marL="352425" indent="-352425" fontAlgn="base">
-              <a:spcBef>
-                <a:spcPct val="20000"/>
-              </a:spcBef>
-              <a:spcAft>
-                <a:spcPct val="0"/>
-              </a:spcAft>
-              <a:buClr>
-                <a:schemeClr val="accent2"/>
-              </a:buClr>
-              <a:buFont typeface="Wingdings" panose="05000000000000000000" pitchFamily="2" charset="2"/>
-              <a:buChar char="o"/>
-            </a:pPr>
-            <a:r>
-              <a:rPr lang="zh-CN" altLang="en-US" sz="1200"/>
-              <a:t>/como/como/test/runtime/rpc/service/main.cpp</a:t>
-            </a:r>
-          </a:p>
-        </p:txBody>
-      </p:sp>
-      <p:pic>
-        <p:nvPicPr>
-          <p:cNvPr id="7" name="图片 6">
-            <a:extLst>
-              <a:ext uri="{FF2B5EF4-FFF2-40B4-BE49-F238E27FC236}">
-                <a16:creationId xmlns:a16="http://schemas.microsoft.com/office/drawing/2014/main" id="{C2027168-EEE9-4354-A34C-626B803A0B86}"/>
-              </a:ext>
-            </a:extLst>
-          </p:cNvPr>
-          <p:cNvPicPr>
-            <a:picLocks noChangeAspect="1"/>
-          </p:cNvPicPr>
-          <p:nvPr/>
-        </p:nvPicPr>
-        <p:blipFill>
-          <a:blip r:embed="rId2"/>
-          <a:stretch>
-            <a:fillRect/>
-          </a:stretch>
-        </p:blipFill>
-        <p:spPr>
-          <a:xfrm>
-            <a:off x="682670" y="1570683"/>
-            <a:ext cx="4034578" cy="3017291"/>
-          </a:xfrm>
-          <a:prstGeom prst="rect">
-            <a:avLst/>
-          </a:prstGeom>
-        </p:spPr>
-      </p:pic>
-      <p:sp>
-        <p:nvSpPr>
-          <p:cNvPr id="8" name="矩形 7">
-            <a:extLst>
-              <a:ext uri="{FF2B5EF4-FFF2-40B4-BE49-F238E27FC236}">
-                <a16:creationId xmlns:a16="http://schemas.microsoft.com/office/drawing/2014/main" id="{44F94CC5-0A7D-4A2B-B021-E2FF1728F44C}"/>
-              </a:ext>
-            </a:extLst>
-          </p:cNvPr>
-          <p:cNvSpPr/>
-          <p:nvPr/>
-        </p:nvSpPr>
-        <p:spPr>
-          <a:xfrm>
-            <a:off x="4932040" y="1624613"/>
-            <a:ext cx="2016224" cy="276999"/>
-          </a:xfrm>
-          <a:prstGeom prst="rect">
-            <a:avLst/>
-          </a:prstGeom>
-        </p:spPr>
-        <p:txBody>
-          <a:bodyPr wrap="square">
-            <a:spAutoFit/>
-          </a:bodyPr>
-          <a:lstStyle/>
-          <a:p>
-            <a:pPr marL="171450" indent="-171450">
-              <a:buFont typeface="Arial" panose="020B0604020202020204" pitchFamily="34" charset="0"/>
-              <a:buChar char="•"/>
-            </a:pPr>
-            <a:r>
-              <a:rPr lang="en-US" altLang="zh-CN" sz="1200">
-                <a:latin typeface="等线" panose="02010600030101010101" pitchFamily="2" charset="-122"/>
-                <a:ea typeface="等线" panose="02010600030101010101" pitchFamily="2" charset="-122"/>
-              </a:rPr>
-              <a:t>COMO</a:t>
-            </a:r>
-            <a:r>
-              <a:rPr lang="zh-CN" altLang="en-US" sz="1200">
-                <a:latin typeface="等线" panose="02010600030101010101" pitchFamily="2" charset="-122"/>
-                <a:ea typeface="等线" panose="02010600030101010101" pitchFamily="2" charset="-122"/>
-              </a:rPr>
-              <a:t>机制</a:t>
-            </a:r>
-            <a:r>
-              <a:rPr lang="en-US" altLang="zh-CN" sz="1200">
-                <a:latin typeface="等线" panose="02010600030101010101" pitchFamily="2" charset="-122"/>
-                <a:ea typeface="等线" panose="02010600030101010101" pitchFamily="2" charset="-122"/>
-              </a:rPr>
-              <a:t>New</a:t>
-            </a:r>
-            <a:r>
-              <a:rPr lang="zh-CN" altLang="en-US" sz="1200">
-                <a:latin typeface="等线" panose="02010600030101010101" pitchFamily="2" charset="-122"/>
-                <a:ea typeface="等线" panose="02010600030101010101" pitchFamily="2" charset="-122"/>
-              </a:rPr>
-              <a:t>出对象</a:t>
-            </a:r>
-          </a:p>
-        </p:txBody>
-      </p:sp>
-      <p:sp>
-        <p:nvSpPr>
-          <p:cNvPr id="9" name="矩形 8">
-            <a:extLst>
-              <a:ext uri="{FF2B5EF4-FFF2-40B4-BE49-F238E27FC236}">
-                <a16:creationId xmlns:a16="http://schemas.microsoft.com/office/drawing/2014/main" id="{56CC2B2A-A38A-4800-9DCC-942F3B5F014F}"/>
-              </a:ext>
-            </a:extLst>
-          </p:cNvPr>
-          <p:cNvSpPr/>
-          <p:nvPr/>
-        </p:nvSpPr>
-        <p:spPr>
-          <a:xfrm>
-            <a:off x="4932040" y="3251443"/>
-            <a:ext cx="1799980" cy="276999"/>
-          </a:xfrm>
-          <a:prstGeom prst="rect">
-            <a:avLst/>
-          </a:prstGeom>
-        </p:spPr>
-        <p:txBody>
-          <a:bodyPr wrap="none">
-            <a:spAutoFit/>
-          </a:bodyPr>
-          <a:lstStyle/>
-          <a:p>
-            <a:pPr marL="352425" indent="-352425" fontAlgn="base">
-              <a:spcBef>
-                <a:spcPct val="20000"/>
-              </a:spcBef>
-              <a:spcAft>
-                <a:spcPct val="0"/>
-              </a:spcAft>
-              <a:buClr>
-                <a:schemeClr val="accent2"/>
-              </a:buClr>
-              <a:buFont typeface="Wingdings" panose="05000000000000000000" pitchFamily="2" charset="2"/>
-              <a:buChar char="o"/>
-            </a:pPr>
-            <a:r>
-              <a:rPr lang="zh-CN" altLang="en-US" sz="1200"/>
-              <a:t>RPCTestUnit.cpp</a:t>
-            </a:r>
-          </a:p>
-        </p:txBody>
-      </p:sp>
-      <p:pic>
-        <p:nvPicPr>
-          <p:cNvPr id="10" name="图片 9">
-            <a:extLst>
-              <a:ext uri="{FF2B5EF4-FFF2-40B4-BE49-F238E27FC236}">
-                <a16:creationId xmlns:a16="http://schemas.microsoft.com/office/drawing/2014/main" id="{919F8D39-E196-4FB2-819B-D7115F0D5F43}"/>
-              </a:ext>
-            </a:extLst>
-          </p:cNvPr>
-          <p:cNvPicPr>
-            <a:picLocks noChangeAspect="1"/>
-          </p:cNvPicPr>
-          <p:nvPr/>
-        </p:nvPicPr>
-        <p:blipFill>
-          <a:blip r:embed="rId3"/>
-          <a:stretch>
-            <a:fillRect/>
-          </a:stretch>
-        </p:blipFill>
-        <p:spPr>
-          <a:xfrm>
-            <a:off x="4967815" y="3713108"/>
-            <a:ext cx="4187620" cy="874866"/>
-          </a:xfrm>
-          <a:prstGeom prst="rect">
-            <a:avLst/>
-          </a:prstGeom>
-        </p:spPr>
-      </p:pic>
-      <p:sp>
-        <p:nvSpPr>
-          <p:cNvPr id="11" name="矩形 10">
-            <a:extLst>
-              <a:ext uri="{FF2B5EF4-FFF2-40B4-BE49-F238E27FC236}">
-                <a16:creationId xmlns:a16="http://schemas.microsoft.com/office/drawing/2014/main" id="{203F1A4C-7037-4E06-8EC1-500AC01002F0}"/>
-              </a:ext>
-            </a:extLst>
-          </p:cNvPr>
-          <p:cNvSpPr/>
-          <p:nvPr/>
-        </p:nvSpPr>
-        <p:spPr>
-          <a:xfrm>
-            <a:off x="6553200" y="3066777"/>
-            <a:ext cx="2484685" cy="646331"/>
-          </a:xfrm>
-          <a:prstGeom prst="rect">
-            <a:avLst/>
-          </a:prstGeom>
-        </p:spPr>
-        <p:txBody>
-          <a:bodyPr wrap="square">
-            <a:spAutoFit/>
-          </a:bodyPr>
-          <a:lstStyle/>
-          <a:p>
-            <a:r>
-              <a:rPr lang="zh-CN" altLang="en-US">
-                <a:solidFill>
-                  <a:srgbClr val="FF0000"/>
-                </a:solidFill>
-              </a:rPr>
-              <a:t>COMO的New与C++的new是不同的</a:t>
-            </a:r>
-          </a:p>
-        </p:txBody>
-      </p:sp>
     </p:spTree>
     <p:extLst>
       <p:ext uri="{BB962C8B-B14F-4D97-AF65-F5344CB8AC3E}">
-        <p14:creationId xmlns:p14="http://schemas.microsoft.com/office/powerpoint/2010/main" val="989620971"/>
+        <p14:creationId xmlns:p14="http://schemas.microsoft.com/office/powerpoint/2010/main" val="3530001779"/>
       </p:ext>
     </p:extLst>
   </p:cSld>
@@ -7439,14 +8141,6 @@
               <a:rPr lang="zh-CN" altLang="en-US"/>
               <a:t>端注册服务对象</a:t>
             </a:r>
-            <a:br>
-              <a:rPr lang="en-US" altLang="zh-CN"/>
-            </a:br>
-            <a:r>
-              <a:rPr lang="en-US" altLang="zh-CN" sz="1800"/>
-              <a:t>ServiceManager::AddService</a:t>
-            </a:r>
-            <a:endParaRPr lang="zh-CN" altLang="en-US" sz="1800"/>
           </a:p>
         </p:txBody>
       </p:sp>
@@ -7549,6 +8243,438 @@
               </a:rPr>
               <a:pPr/>
               <a:t>15</a:t>
+            </a:fld>
+            <a:endParaRPr lang="zh-CN" altLang="en-US">
+              <a:solidFill>
+                <a:srgbClr val="000000"/>
+              </a:solidFill>
+            </a:endParaRPr>
+          </a:p>
+        </p:txBody>
+      </p:sp>
+      <p:sp>
+        <p:nvSpPr>
+          <p:cNvPr id="6" name="矩形 5">
+            <a:extLst>
+              <a:ext uri="{FF2B5EF4-FFF2-40B4-BE49-F238E27FC236}">
+                <a16:creationId xmlns:a16="http://schemas.microsoft.com/office/drawing/2014/main" id="{8FC93572-56DD-4A55-9311-D810CF88AA8C}"/>
+              </a:ext>
+            </a:extLst>
+          </p:cNvPr>
+          <p:cNvSpPr/>
+          <p:nvPr/>
+        </p:nvSpPr>
+        <p:spPr>
+          <a:xfrm>
+            <a:off x="574675" y="1347614"/>
+            <a:ext cx="4572000" cy="276999"/>
+          </a:xfrm>
+          <a:prstGeom prst="rect">
+            <a:avLst/>
+          </a:prstGeom>
+        </p:spPr>
+        <p:txBody>
+          <a:bodyPr>
+            <a:spAutoFit/>
+          </a:bodyPr>
+          <a:lstStyle/>
+          <a:p>
+            <a:pPr marL="352425" indent="-352425" fontAlgn="base">
+              <a:spcBef>
+                <a:spcPct val="20000"/>
+              </a:spcBef>
+              <a:spcAft>
+                <a:spcPct val="0"/>
+              </a:spcAft>
+              <a:buClr>
+                <a:schemeClr val="accent2"/>
+              </a:buClr>
+              <a:buFont typeface="Wingdings" panose="05000000000000000000" pitchFamily="2" charset="2"/>
+              <a:buChar char="o"/>
+            </a:pPr>
+            <a:r>
+              <a:rPr lang="zh-CN" altLang="en-US" sz="1200"/>
+              <a:t>/como/como/test/runtime/rpc/service/main.cpp</a:t>
+            </a:r>
+          </a:p>
+        </p:txBody>
+      </p:sp>
+      <p:pic>
+        <p:nvPicPr>
+          <p:cNvPr id="7" name="图片 6">
+            <a:extLst>
+              <a:ext uri="{FF2B5EF4-FFF2-40B4-BE49-F238E27FC236}">
+                <a16:creationId xmlns:a16="http://schemas.microsoft.com/office/drawing/2014/main" id="{C2027168-EEE9-4354-A34C-626B803A0B86}"/>
+              </a:ext>
+            </a:extLst>
+          </p:cNvPr>
+          <p:cNvPicPr>
+            <a:picLocks noChangeAspect="1"/>
+          </p:cNvPicPr>
+          <p:nvPr/>
+        </p:nvPicPr>
+        <p:blipFill>
+          <a:blip r:embed="rId2"/>
+          <a:stretch>
+            <a:fillRect/>
+          </a:stretch>
+        </p:blipFill>
+        <p:spPr>
+          <a:xfrm>
+            <a:off x="682670" y="1570683"/>
+            <a:ext cx="4034578" cy="3017291"/>
+          </a:xfrm>
+          <a:prstGeom prst="rect">
+            <a:avLst/>
+          </a:prstGeom>
+        </p:spPr>
+      </p:pic>
+      <p:sp>
+        <p:nvSpPr>
+          <p:cNvPr id="8" name="矩形 7">
+            <a:extLst>
+              <a:ext uri="{FF2B5EF4-FFF2-40B4-BE49-F238E27FC236}">
+                <a16:creationId xmlns:a16="http://schemas.microsoft.com/office/drawing/2014/main" id="{44F94CC5-0A7D-4A2B-B021-E2FF1728F44C}"/>
+              </a:ext>
+            </a:extLst>
+          </p:cNvPr>
+          <p:cNvSpPr/>
+          <p:nvPr/>
+        </p:nvSpPr>
+        <p:spPr>
+          <a:xfrm>
+            <a:off x="4932040" y="1624613"/>
+            <a:ext cx="2016224" cy="276999"/>
+          </a:xfrm>
+          <a:prstGeom prst="rect">
+            <a:avLst/>
+          </a:prstGeom>
+        </p:spPr>
+        <p:txBody>
+          <a:bodyPr wrap="square">
+            <a:spAutoFit/>
+          </a:bodyPr>
+          <a:lstStyle/>
+          <a:p>
+            <a:pPr marL="171450" indent="-171450">
+              <a:buFont typeface="Arial" panose="020B0604020202020204" pitchFamily="34" charset="0"/>
+              <a:buChar char="•"/>
+            </a:pPr>
+            <a:r>
+              <a:rPr lang="en-US" altLang="zh-CN" sz="1200">
+                <a:latin typeface="等线" panose="02010600030101010101" pitchFamily="2" charset="-122"/>
+                <a:ea typeface="等线" panose="02010600030101010101" pitchFamily="2" charset="-122"/>
+              </a:rPr>
+              <a:t>COMO</a:t>
+            </a:r>
+            <a:r>
+              <a:rPr lang="zh-CN" altLang="en-US" sz="1200">
+                <a:latin typeface="等线" panose="02010600030101010101" pitchFamily="2" charset="-122"/>
+                <a:ea typeface="等线" panose="02010600030101010101" pitchFamily="2" charset="-122"/>
+              </a:rPr>
+              <a:t>机制</a:t>
+            </a:r>
+            <a:r>
+              <a:rPr lang="en-US" altLang="zh-CN" sz="1200">
+                <a:latin typeface="等线" panose="02010600030101010101" pitchFamily="2" charset="-122"/>
+                <a:ea typeface="等线" panose="02010600030101010101" pitchFamily="2" charset="-122"/>
+              </a:rPr>
+              <a:t>New</a:t>
+            </a:r>
+            <a:r>
+              <a:rPr lang="zh-CN" altLang="en-US" sz="1200">
+                <a:latin typeface="等线" panose="02010600030101010101" pitchFamily="2" charset="-122"/>
+                <a:ea typeface="等线" panose="02010600030101010101" pitchFamily="2" charset="-122"/>
+              </a:rPr>
+              <a:t>出对象</a:t>
+            </a:r>
+          </a:p>
+        </p:txBody>
+      </p:sp>
+      <p:sp>
+        <p:nvSpPr>
+          <p:cNvPr id="9" name="矩形 8">
+            <a:extLst>
+              <a:ext uri="{FF2B5EF4-FFF2-40B4-BE49-F238E27FC236}">
+                <a16:creationId xmlns:a16="http://schemas.microsoft.com/office/drawing/2014/main" id="{56CC2B2A-A38A-4800-9DCC-942F3B5F014F}"/>
+              </a:ext>
+            </a:extLst>
+          </p:cNvPr>
+          <p:cNvSpPr/>
+          <p:nvPr/>
+        </p:nvSpPr>
+        <p:spPr>
+          <a:xfrm>
+            <a:off x="4932040" y="3251443"/>
+            <a:ext cx="1799980" cy="276999"/>
+          </a:xfrm>
+          <a:prstGeom prst="rect">
+            <a:avLst/>
+          </a:prstGeom>
+        </p:spPr>
+        <p:txBody>
+          <a:bodyPr wrap="none">
+            <a:spAutoFit/>
+          </a:bodyPr>
+          <a:lstStyle/>
+          <a:p>
+            <a:pPr marL="352425" indent="-352425" fontAlgn="base">
+              <a:spcBef>
+                <a:spcPct val="20000"/>
+              </a:spcBef>
+              <a:spcAft>
+                <a:spcPct val="0"/>
+              </a:spcAft>
+              <a:buClr>
+                <a:schemeClr val="accent2"/>
+              </a:buClr>
+              <a:buFont typeface="Wingdings" panose="05000000000000000000" pitchFamily="2" charset="2"/>
+              <a:buChar char="o"/>
+            </a:pPr>
+            <a:r>
+              <a:rPr lang="zh-CN" altLang="en-US" sz="1200"/>
+              <a:t>RPCTestUnit.cpp</a:t>
+            </a:r>
+          </a:p>
+        </p:txBody>
+      </p:sp>
+      <p:pic>
+        <p:nvPicPr>
+          <p:cNvPr id="10" name="图片 9">
+            <a:extLst>
+              <a:ext uri="{FF2B5EF4-FFF2-40B4-BE49-F238E27FC236}">
+                <a16:creationId xmlns:a16="http://schemas.microsoft.com/office/drawing/2014/main" id="{919F8D39-E196-4FB2-819B-D7115F0D5F43}"/>
+              </a:ext>
+            </a:extLst>
+          </p:cNvPr>
+          <p:cNvPicPr>
+            <a:picLocks noChangeAspect="1"/>
+          </p:cNvPicPr>
+          <p:nvPr/>
+        </p:nvPicPr>
+        <p:blipFill>
+          <a:blip r:embed="rId3"/>
+          <a:stretch>
+            <a:fillRect/>
+          </a:stretch>
+        </p:blipFill>
+        <p:spPr>
+          <a:xfrm>
+            <a:off x="4967815" y="3713108"/>
+            <a:ext cx="4187620" cy="874866"/>
+          </a:xfrm>
+          <a:prstGeom prst="rect">
+            <a:avLst/>
+          </a:prstGeom>
+        </p:spPr>
+      </p:pic>
+      <p:sp>
+        <p:nvSpPr>
+          <p:cNvPr id="11" name="矩形 10">
+            <a:extLst>
+              <a:ext uri="{FF2B5EF4-FFF2-40B4-BE49-F238E27FC236}">
+                <a16:creationId xmlns:a16="http://schemas.microsoft.com/office/drawing/2014/main" id="{203F1A4C-7037-4E06-8EC1-500AC01002F0}"/>
+              </a:ext>
+            </a:extLst>
+          </p:cNvPr>
+          <p:cNvSpPr/>
+          <p:nvPr/>
+        </p:nvSpPr>
+        <p:spPr>
+          <a:xfrm>
+            <a:off x="6553200" y="3066777"/>
+            <a:ext cx="2484685" cy="646331"/>
+          </a:xfrm>
+          <a:prstGeom prst="rect">
+            <a:avLst/>
+          </a:prstGeom>
+        </p:spPr>
+        <p:txBody>
+          <a:bodyPr wrap="square">
+            <a:spAutoFit/>
+          </a:bodyPr>
+          <a:lstStyle/>
+          <a:p>
+            <a:r>
+              <a:rPr lang="zh-CN" altLang="en-US">
+                <a:solidFill>
+                  <a:srgbClr val="FF0000"/>
+                </a:solidFill>
+              </a:rPr>
+              <a:t>COMO的New与C++的new是不同的</a:t>
+            </a:r>
+          </a:p>
+        </p:txBody>
+      </p:sp>
+    </p:spTree>
+    <p:extLst>
+      <p:ext uri="{BB962C8B-B14F-4D97-AF65-F5344CB8AC3E}">
+        <p14:creationId xmlns:p14="http://schemas.microsoft.com/office/powerpoint/2010/main" val="989620971"/>
+      </p:ext>
+    </p:extLst>
+  </p:cSld>
+  <p:clrMapOvr>
+    <a:masterClrMapping/>
+  </p:clrMapOvr>
+</p:sld>
+</file>
+
+<file path=ppt/slides/slide16.xml><?xml version="1.0" encoding="utf-8"?>
+<p:sld xmlns:a="http://schemas.openxmlformats.org/drawingml/2006/main" xmlns:r="http://schemas.openxmlformats.org/officeDocument/2006/relationships" xmlns:p="http://schemas.openxmlformats.org/presentationml/2006/main">
+  <p:cSld>
+    <p:spTree>
+      <p:nvGrpSpPr>
+        <p:cNvPr id="1" name=""/>
+        <p:cNvGrpSpPr/>
+        <p:nvPr/>
+      </p:nvGrpSpPr>
+      <p:grpSpPr>
+        <a:xfrm>
+          <a:off x="0" y="0"/>
+          <a:ext cx="0" cy="0"/>
+          <a:chOff x="0" y="0"/>
+          <a:chExt cx="0" cy="0"/>
+        </a:xfrm>
+      </p:grpSpPr>
+      <p:sp>
+        <p:nvSpPr>
+          <p:cNvPr id="2" name="标题 1">
+            <a:extLst>
+              <a:ext uri="{FF2B5EF4-FFF2-40B4-BE49-F238E27FC236}">
+                <a16:creationId xmlns:a16="http://schemas.microsoft.com/office/drawing/2014/main" id="{308A463E-16DA-409E-B7E9-A66FFE1EFDE1}"/>
+              </a:ext>
+            </a:extLst>
+          </p:cNvPr>
+          <p:cNvSpPr>
+            <a:spLocks noGrp="1"/>
+          </p:cNvSpPr>
+          <p:nvPr>
+            <p:ph type="title"/>
+          </p:nvPr>
+        </p:nvSpPr>
+        <p:spPr/>
+        <p:txBody>
+          <a:bodyPr/>
+          <a:lstStyle/>
+          <a:p>
+            <a:r>
+              <a:rPr lang="en-US" altLang="zh-CN"/>
+              <a:t>Server</a:t>
+            </a:r>
+            <a:r>
+              <a:rPr lang="zh-CN" altLang="en-US"/>
+              <a:t>端注册服务对象</a:t>
+            </a:r>
+            <a:br>
+              <a:rPr lang="en-US" altLang="zh-CN"/>
+            </a:br>
+            <a:r>
+              <a:rPr lang="en-US" altLang="zh-CN" sz="1800"/>
+              <a:t>ServiceManager::AddService</a:t>
+            </a:r>
+            <a:endParaRPr lang="zh-CN" altLang="en-US" sz="1800"/>
+          </a:p>
+        </p:txBody>
+      </p:sp>
+      <p:sp>
+        <p:nvSpPr>
+          <p:cNvPr id="3" name="日期占位符 2">
+            <a:extLst>
+              <a:ext uri="{FF2B5EF4-FFF2-40B4-BE49-F238E27FC236}">
+                <a16:creationId xmlns:a16="http://schemas.microsoft.com/office/drawing/2014/main" id="{09E2A2C3-7CC6-4888-A546-F72733702928}"/>
+              </a:ext>
+            </a:extLst>
+          </p:cNvPr>
+          <p:cNvSpPr>
+            <a:spLocks noGrp="1"/>
+          </p:cNvSpPr>
+          <p:nvPr>
+            <p:ph type="dt" sz="half" idx="10"/>
+          </p:nvPr>
+        </p:nvSpPr>
+        <p:spPr/>
+        <p:txBody>
+          <a:bodyPr/>
+          <a:lstStyle/>
+          <a:p>
+            <a:fld id="{C8218E9C-D97C-46B7-9115-F8A90873817C}" type="datetime1">
+              <a:rPr lang="zh-CN" altLang="en-US" smtClean="0">
+                <a:solidFill>
+                  <a:srgbClr val="000000"/>
+                </a:solidFill>
+              </a:rPr>
+              <a:pPr/>
+              <a:t>2021/2/25</a:t>
+            </a:fld>
+            <a:endParaRPr lang="zh-CN" altLang="en-US">
+              <a:solidFill>
+                <a:srgbClr val="000000"/>
+              </a:solidFill>
+            </a:endParaRPr>
+          </a:p>
+        </p:txBody>
+      </p:sp>
+      <p:sp>
+        <p:nvSpPr>
+          <p:cNvPr id="4" name="页脚占位符 3">
+            <a:extLst>
+              <a:ext uri="{FF2B5EF4-FFF2-40B4-BE49-F238E27FC236}">
+                <a16:creationId xmlns:a16="http://schemas.microsoft.com/office/drawing/2014/main" id="{3D946B75-A3C8-4D97-A1B1-F2A48D7FFB35}"/>
+              </a:ext>
+            </a:extLst>
+          </p:cNvPr>
+          <p:cNvSpPr>
+            <a:spLocks noGrp="1"/>
+          </p:cNvSpPr>
+          <p:nvPr>
+            <p:ph type="ftr" sz="quarter" idx="11"/>
+          </p:nvPr>
+        </p:nvSpPr>
+        <p:spPr/>
+        <p:txBody>
+          <a:bodyPr/>
+          <a:lstStyle/>
+          <a:p>
+            <a:r>
+              <a:rPr lang="zh-CN" altLang="en-US">
+                <a:solidFill>
+                  <a:srgbClr val="000000"/>
+                </a:solidFill>
+              </a:rPr>
+              <a:t>同济大学电子与信息工程学院 裴喜龙</a:t>
+            </a:r>
+          </a:p>
+        </p:txBody>
+      </p:sp>
+      <p:sp>
+        <p:nvSpPr>
+          <p:cNvPr id="5" name="灯片编号占位符 4">
+            <a:extLst>
+              <a:ext uri="{FF2B5EF4-FFF2-40B4-BE49-F238E27FC236}">
+                <a16:creationId xmlns:a16="http://schemas.microsoft.com/office/drawing/2014/main" id="{C4E8C0B9-D056-4FB4-8A4B-E5923CE77176}"/>
+              </a:ext>
+            </a:extLst>
+          </p:cNvPr>
+          <p:cNvSpPr>
+            <a:spLocks noGrp="1"/>
+          </p:cNvSpPr>
+          <p:nvPr>
+            <p:ph type="sldNum" sz="quarter" idx="12"/>
+          </p:nvPr>
+        </p:nvSpPr>
+        <p:spPr/>
+        <p:txBody>
+          <a:bodyPr/>
+          <a:lstStyle/>
+          <a:p>
+            <a:fld id="{C3E0ADDA-F6F8-47AE-B57D-5BE0E215DE8A}" type="slidenum">
+              <a:rPr lang="zh-CN" altLang="en-US" smtClean="0">
+                <a:solidFill>
+                  <a:srgbClr val="000000"/>
+                </a:solidFill>
+              </a:rPr>
+              <a:pPr/>
+              <a:t>16</a:t>
             </a:fld>
             <a:endParaRPr lang="zh-CN" altLang="en-US">
               <a:solidFill>
@@ -7858,7 +8984,7 @@
 </p:sld>
 </file>
 
-<file path=ppt/slides/slide16.xml><?xml version="1.0" encoding="utf-8"?>
+<file path=ppt/slides/slide17.xml><?xml version="1.0" encoding="utf-8"?>
 <p:sld xmlns:a="http://schemas.openxmlformats.org/drawingml/2006/main" xmlns:r="http://schemas.openxmlformats.org/officeDocument/2006/relationships" xmlns:p="http://schemas.openxmlformats.org/presentationml/2006/main">
   <p:cSld>
     <p:spTree>
@@ -8013,7 +9139,7 @@
                 </a:solidFill>
               </a:rPr>
               <a:pPr/>
-              <a:t>16</a:t>
+              <a:t>17</a:t>
             </a:fld>
             <a:endParaRPr lang="zh-CN" altLang="en-US">
               <a:solidFill>
@@ -8352,7 +9478,7 @@
 </p:sld>
 </file>
 
-<file path=ppt/slides/slide17.xml><?xml version="1.0" encoding="utf-8"?>
+<file path=ppt/slides/slide18.xml><?xml version="1.0" encoding="utf-8"?>
 <p:sld xmlns:a="http://schemas.openxmlformats.org/drawingml/2006/main" xmlns:r="http://schemas.openxmlformats.org/officeDocument/2006/relationships" xmlns:p="http://schemas.openxmlformats.org/presentationml/2006/main">
   <p:cSld>
     <p:spTree>
@@ -8507,7 +9633,7 @@
                 </a:solidFill>
               </a:rPr>
               <a:pPr/>
-              <a:t>17</a:t>
+              <a:t>18</a:t>
             </a:fld>
             <a:endParaRPr lang="zh-CN" altLang="en-US">
               <a:solidFill>
@@ -8752,7 +9878,7 @@
 </p:sld>
 </file>
 
-<file path=ppt/slides/slide18.xml><?xml version="1.0" encoding="utf-8"?>
+<file path=ppt/slides/slide19.xml><?xml version="1.0" encoding="utf-8"?>
 <p:sld xmlns:a="http://schemas.openxmlformats.org/drawingml/2006/main" xmlns:r="http://schemas.openxmlformats.org/officeDocument/2006/relationships" xmlns:p="http://schemas.openxmlformats.org/presentationml/2006/main">
   <p:cSld>
     <p:spTree>
@@ -8899,7 +10025,7 @@
                 </a:solidFill>
               </a:rPr>
               <a:pPr/>
-              <a:t>18</a:t>
+              <a:t>19</a:t>
             </a:fld>
             <a:endParaRPr lang="zh-CN" altLang="en-US">
               <a:solidFill>
@@ -9184,7 +10310,7 @@
 </p:sld>
 </file>
 
-<file path=ppt/slides/slide19.xml><?xml version="1.0" encoding="utf-8"?>
+<file path=ppt/slides/slide2.xml><?xml version="1.0" encoding="utf-8"?>
 <p:sld xmlns:a="http://schemas.openxmlformats.org/drawingml/2006/main" xmlns:r="http://schemas.openxmlformats.org/officeDocument/2006/relationships" xmlns:p="http://schemas.openxmlformats.org/presentationml/2006/main">
   <p:cSld>
     <p:spTree>
@@ -9206,7 +10332,7 @@
           <p:cNvPr id="2" name="标题 1">
             <a:extLst>
               <a:ext uri="{FF2B5EF4-FFF2-40B4-BE49-F238E27FC236}">
-                <a16:creationId xmlns:a16="http://schemas.microsoft.com/office/drawing/2014/main" id="{308A463E-16DA-409E-B7E9-A66FFE1EFDE1}"/>
+                <a16:creationId xmlns:a16="http://schemas.microsoft.com/office/drawing/2014/main" id="{23966930-23FF-4A27-A296-A18578C11D77}"/>
               </a:ext>
             </a:extLst>
           </p:cNvPr>
@@ -9223,23 +10349,89 @@
           <a:lstStyle/>
           <a:p>
             <a:r>
+              <a:rPr lang="en-US" altLang="zh-CN"/>
+              <a:t>COMO RPC</a:t>
+            </a:r>
+            <a:r>
               <a:rPr lang="zh-CN" altLang="en-US"/>
-              <a:t>服务管理</a:t>
+              <a:t>程序组成</a:t>
+            </a:r>
+          </a:p>
+        </p:txBody>
+      </p:sp>
+      <p:sp>
+        <p:nvSpPr>
+          <p:cNvPr id="3" name="内容占位符 2">
+            <a:extLst>
+              <a:ext uri="{FF2B5EF4-FFF2-40B4-BE49-F238E27FC236}">
+                <a16:creationId xmlns:a16="http://schemas.microsoft.com/office/drawing/2014/main" id="{EA0EE893-32A9-44AE-B9B5-F1AF0D99B5F0}"/>
+              </a:ext>
+            </a:extLst>
+          </p:cNvPr>
+          <p:cNvSpPr>
+            <a:spLocks noGrp="1"/>
+          </p:cNvSpPr>
+          <p:nvPr>
+            <p:ph idx="1"/>
+          </p:nvPr>
+        </p:nvSpPr>
+        <p:spPr/>
+        <p:txBody>
+          <a:bodyPr/>
+          <a:lstStyle/>
+          <a:p>
+            <a:r>
+              <a:rPr lang="zh-CN" altLang="en-US"/>
+              <a:t>客户端</a:t>
+            </a:r>
+            <a:r>
+              <a:rPr lang="en-US" altLang="zh-CN"/>
+              <a:t>Client ---- Proxy</a:t>
+            </a:r>
+          </a:p>
+          <a:p>
+            <a:r>
+              <a:rPr lang="zh-CN" altLang="en-US"/>
+              <a:t>服务器端</a:t>
+            </a:r>
+            <a:r>
+              <a:rPr lang="en-US" altLang="zh-CN"/>
+              <a:t>Server ---- Stub</a:t>
+            </a:r>
+          </a:p>
+          <a:p>
+            <a:r>
+              <a:rPr lang="en-US" altLang="zh-CN"/>
+              <a:t>COMO</a:t>
+            </a:r>
+            <a:r>
+              <a:rPr lang="zh-CN" altLang="en-US"/>
+              <a:t>远程对象服务管理</a:t>
             </a:r>
             <a:r>
               <a:rPr lang="en-US" altLang="zh-CN"/>
               <a:t>ServiceManager</a:t>
             </a:r>
-            <a:endParaRPr lang="zh-CN" altLang="en-US" sz="1800"/>
-          </a:p>
-        </p:txBody>
-      </p:sp>
-      <p:sp>
-        <p:nvSpPr>
-          <p:cNvPr id="3" name="日期占位符 2">
-            <a:extLst>
-              <a:ext uri="{FF2B5EF4-FFF2-40B4-BE49-F238E27FC236}">
-                <a16:creationId xmlns:a16="http://schemas.microsoft.com/office/drawing/2014/main" id="{09E2A2C3-7CC6-4888-A546-F72733702928}"/>
+          </a:p>
+          <a:p>
+            <a:r>
+              <a:rPr lang="zh-CN" altLang="en-US"/>
+              <a:t>操作系统内核支持</a:t>
+            </a:r>
+            <a:r>
+              <a:rPr lang="en-US" altLang="zh-CN"/>
+              <a:t>D-Bbus/IBinder</a:t>
+            </a:r>
+            <a:endParaRPr lang="zh-CN" altLang="en-US"/>
+          </a:p>
+        </p:txBody>
+      </p:sp>
+      <p:sp>
+        <p:nvSpPr>
+          <p:cNvPr id="4" name="日期占位符 3">
+            <a:extLst>
+              <a:ext uri="{FF2B5EF4-FFF2-40B4-BE49-F238E27FC236}">
+                <a16:creationId xmlns:a16="http://schemas.microsoft.com/office/drawing/2014/main" id="{A57320C8-9841-495E-96EE-8A91041FF8E2}"/>
               </a:ext>
             </a:extLst>
           </p:cNvPr>
@@ -9255,7 +10447,7 @@
           <a:bodyPr/>
           <a:lstStyle/>
           <a:p>
-            <a:fld id="{C8218E9C-D97C-46B7-9115-F8A90873817C}" type="datetime1">
+            <a:fld id="{A058C3EE-7F92-4C34-8E4D-F4AB6C7888FF}" type="datetime1">
               <a:rPr lang="zh-CN" altLang="en-US" smtClean="0">
                 <a:solidFill>
                   <a:srgbClr val="000000"/>
@@ -9274,10 +10466,10 @@
       </p:sp>
       <p:sp>
         <p:nvSpPr>
-          <p:cNvPr id="4" name="页脚占位符 3">
-            <a:extLst>
-              <a:ext uri="{FF2B5EF4-FFF2-40B4-BE49-F238E27FC236}">
-                <a16:creationId xmlns:a16="http://schemas.microsoft.com/office/drawing/2014/main" id="{3D946B75-A3C8-4D97-A1B1-F2A48D7FFB35}"/>
+          <p:cNvPr id="5" name="页脚占位符 4">
+            <a:extLst>
+              <a:ext uri="{FF2B5EF4-FFF2-40B4-BE49-F238E27FC236}">
+                <a16:creationId xmlns:a16="http://schemas.microsoft.com/office/drawing/2014/main" id="{FC9C306A-BED4-4631-9B0C-B434B6E11883}"/>
               </a:ext>
             </a:extLst>
           </p:cNvPr>
@@ -9306,10 +10498,10 @@
       </p:sp>
       <p:sp>
         <p:nvSpPr>
-          <p:cNvPr id="5" name="灯片编号占位符 4">
-            <a:extLst>
-              <a:ext uri="{FF2B5EF4-FFF2-40B4-BE49-F238E27FC236}">
-                <a16:creationId xmlns:a16="http://schemas.microsoft.com/office/drawing/2014/main" id="{C4E8C0B9-D056-4FB4-8A4B-E5923CE77176}"/>
+          <p:cNvPr id="6" name="灯片编号占位符 5">
+            <a:extLst>
+              <a:ext uri="{FF2B5EF4-FFF2-40B4-BE49-F238E27FC236}">
+                <a16:creationId xmlns:a16="http://schemas.microsoft.com/office/drawing/2014/main" id="{8D877B59-43DA-4D12-B0B0-0443D5732105}"/>
               </a:ext>
             </a:extLst>
           </p:cNvPr>
@@ -9332,7 +10524,178 @@
                 </a:solidFill>
               </a:rPr>
               <a:pPr/>
-              <a:t>19</a:t>
+              <a:t>2</a:t>
+            </a:fld>
+            <a:endParaRPr lang="zh-CN" altLang="en-US">
+              <a:solidFill>
+                <a:srgbClr val="000000"/>
+              </a:solidFill>
+            </a:endParaRPr>
+          </a:p>
+        </p:txBody>
+      </p:sp>
+    </p:spTree>
+    <p:extLst>
+      <p:ext uri="{BB962C8B-B14F-4D97-AF65-F5344CB8AC3E}">
+        <p14:creationId xmlns:p14="http://schemas.microsoft.com/office/powerpoint/2010/main" val="988917412"/>
+      </p:ext>
+    </p:extLst>
+  </p:cSld>
+  <p:clrMapOvr>
+    <a:masterClrMapping/>
+  </p:clrMapOvr>
+</p:sld>
+</file>
+
+<file path=ppt/slides/slide20.xml><?xml version="1.0" encoding="utf-8"?>
+<p:sld xmlns:a="http://schemas.openxmlformats.org/drawingml/2006/main" xmlns:r="http://schemas.openxmlformats.org/officeDocument/2006/relationships" xmlns:p="http://schemas.openxmlformats.org/presentationml/2006/main">
+  <p:cSld>
+    <p:spTree>
+      <p:nvGrpSpPr>
+        <p:cNvPr id="1" name=""/>
+        <p:cNvGrpSpPr/>
+        <p:nvPr/>
+      </p:nvGrpSpPr>
+      <p:grpSpPr>
+        <a:xfrm>
+          <a:off x="0" y="0"/>
+          <a:ext cx="0" cy="0"/>
+          <a:chOff x="0" y="0"/>
+          <a:chExt cx="0" cy="0"/>
+        </a:xfrm>
+      </p:grpSpPr>
+      <p:sp>
+        <p:nvSpPr>
+          <p:cNvPr id="2" name="标题 1">
+            <a:extLst>
+              <a:ext uri="{FF2B5EF4-FFF2-40B4-BE49-F238E27FC236}">
+                <a16:creationId xmlns:a16="http://schemas.microsoft.com/office/drawing/2014/main" id="{308A463E-16DA-409E-B7E9-A66FFE1EFDE1}"/>
+              </a:ext>
+            </a:extLst>
+          </p:cNvPr>
+          <p:cNvSpPr>
+            <a:spLocks noGrp="1"/>
+          </p:cNvSpPr>
+          <p:nvPr>
+            <p:ph type="title"/>
+          </p:nvPr>
+        </p:nvSpPr>
+        <p:spPr/>
+        <p:txBody>
+          <a:bodyPr/>
+          <a:lstStyle/>
+          <a:p>
+            <a:r>
+              <a:rPr lang="zh-CN" altLang="en-US"/>
+              <a:t>服务管理</a:t>
+            </a:r>
+            <a:r>
+              <a:rPr lang="en-US" altLang="zh-CN"/>
+              <a:t>ServiceManager</a:t>
+            </a:r>
+            <a:endParaRPr lang="zh-CN" altLang="en-US" sz="1800"/>
+          </a:p>
+        </p:txBody>
+      </p:sp>
+      <p:sp>
+        <p:nvSpPr>
+          <p:cNvPr id="3" name="日期占位符 2">
+            <a:extLst>
+              <a:ext uri="{FF2B5EF4-FFF2-40B4-BE49-F238E27FC236}">
+                <a16:creationId xmlns:a16="http://schemas.microsoft.com/office/drawing/2014/main" id="{09E2A2C3-7CC6-4888-A546-F72733702928}"/>
+              </a:ext>
+            </a:extLst>
+          </p:cNvPr>
+          <p:cNvSpPr>
+            <a:spLocks noGrp="1"/>
+          </p:cNvSpPr>
+          <p:nvPr>
+            <p:ph type="dt" sz="half" idx="10"/>
+          </p:nvPr>
+        </p:nvSpPr>
+        <p:spPr/>
+        <p:txBody>
+          <a:bodyPr/>
+          <a:lstStyle/>
+          <a:p>
+            <a:fld id="{C8218E9C-D97C-46B7-9115-F8A90873817C}" type="datetime1">
+              <a:rPr lang="zh-CN" altLang="en-US" smtClean="0">
+                <a:solidFill>
+                  <a:srgbClr val="000000"/>
+                </a:solidFill>
+              </a:rPr>
+              <a:pPr/>
+              <a:t>2021/2/25</a:t>
+            </a:fld>
+            <a:endParaRPr lang="zh-CN" altLang="en-US">
+              <a:solidFill>
+                <a:srgbClr val="000000"/>
+              </a:solidFill>
+            </a:endParaRPr>
+          </a:p>
+        </p:txBody>
+      </p:sp>
+      <p:sp>
+        <p:nvSpPr>
+          <p:cNvPr id="4" name="页脚占位符 3">
+            <a:extLst>
+              <a:ext uri="{FF2B5EF4-FFF2-40B4-BE49-F238E27FC236}">
+                <a16:creationId xmlns:a16="http://schemas.microsoft.com/office/drawing/2014/main" id="{3D946B75-A3C8-4D97-A1B1-F2A48D7FFB35}"/>
+              </a:ext>
+            </a:extLst>
+          </p:cNvPr>
+          <p:cNvSpPr>
+            <a:spLocks noGrp="1"/>
+          </p:cNvSpPr>
+          <p:nvPr>
+            <p:ph type="ftr" sz="quarter" idx="11"/>
+          </p:nvPr>
+        </p:nvSpPr>
+        <p:spPr/>
+        <p:txBody>
+          <a:bodyPr/>
+          <a:lstStyle/>
+          <a:p>
+            <a:r>
+              <a:rPr lang="zh-CN" altLang="en-US">
+                <a:solidFill>
+                  <a:srgbClr val="000000"/>
+                </a:solidFill>
+              </a:rPr>
+              <a:t>同济大学电子与信息工程学院 裴喜龙</a:t>
+            </a:r>
+          </a:p>
+        </p:txBody>
+      </p:sp>
+      <p:sp>
+        <p:nvSpPr>
+          <p:cNvPr id="5" name="灯片编号占位符 4">
+            <a:extLst>
+              <a:ext uri="{FF2B5EF4-FFF2-40B4-BE49-F238E27FC236}">
+                <a16:creationId xmlns:a16="http://schemas.microsoft.com/office/drawing/2014/main" id="{C4E8C0B9-D056-4FB4-8A4B-E5923CE77176}"/>
+              </a:ext>
+            </a:extLst>
+          </p:cNvPr>
+          <p:cNvSpPr>
+            <a:spLocks noGrp="1"/>
+          </p:cNvSpPr>
+          <p:nvPr>
+            <p:ph type="sldNum" sz="quarter" idx="12"/>
+          </p:nvPr>
+        </p:nvSpPr>
+        <p:spPr/>
+        <p:txBody>
+          <a:bodyPr/>
+          <a:lstStyle/>
+          <a:p>
+            <a:fld id="{C3E0ADDA-F6F8-47AE-B57D-5BE0E215DE8A}" type="slidenum">
+              <a:rPr lang="zh-CN" altLang="en-US" smtClean="0">
+                <a:solidFill>
+                  <a:srgbClr val="000000"/>
+                </a:solidFill>
+              </a:rPr>
+              <a:pPr/>
+              <a:t>20</a:t>
             </a:fld>
             <a:endParaRPr lang="zh-CN" altLang="en-US">
               <a:solidFill>
@@ -9500,7 +10863,7 @@
 </p:sld>
 </file>
 
-<file path=ppt/slides/slide2.xml><?xml version="1.0" encoding="utf-8"?>
+<file path=ppt/slides/slide21.xml><?xml version="1.0" encoding="utf-8"?>
 <p:sld xmlns:a="http://schemas.openxmlformats.org/drawingml/2006/main" xmlns:r="http://schemas.openxmlformats.org/officeDocument/2006/relationships" xmlns:p="http://schemas.openxmlformats.org/presentationml/2006/main">
   <p:cSld>
     <p:spTree>
@@ -9522,7 +10885,7 @@
           <p:cNvPr id="2" name="标题 1">
             <a:extLst>
               <a:ext uri="{FF2B5EF4-FFF2-40B4-BE49-F238E27FC236}">
-                <a16:creationId xmlns:a16="http://schemas.microsoft.com/office/drawing/2014/main" id="{23966930-23FF-4A27-A296-A18578C11D77}"/>
+                <a16:creationId xmlns:a16="http://schemas.microsoft.com/office/drawing/2014/main" id="{830ABB8D-9A32-4DB4-8880-FE025AF2EA63}"/>
               </a:ext>
             </a:extLst>
           </p:cNvPr>
@@ -9540,21 +10903,21 @@
           <a:p>
             <a:r>
               <a:rPr lang="en-US" altLang="zh-CN"/>
-              <a:t>COMO RPC</a:t>
+              <a:t>D-Bus/IBinder RPC</a:t>
             </a:r>
             <a:r>
               <a:rPr lang="zh-CN" altLang="en-US"/>
-              <a:t>程序组成</a:t>
-            </a:r>
-          </a:p>
-        </p:txBody>
-      </p:sp>
-      <p:sp>
-        <p:nvSpPr>
-          <p:cNvPr id="3" name="内容占位符 2">
-            <a:extLst>
-              <a:ext uri="{FF2B5EF4-FFF2-40B4-BE49-F238E27FC236}">
-                <a16:creationId xmlns:a16="http://schemas.microsoft.com/office/drawing/2014/main" id="{EA0EE893-32A9-44AE-B9B5-F1AF0D99B5F0}"/>
+              <a:t>机制简介</a:t>
+            </a:r>
+          </a:p>
+        </p:txBody>
+      </p:sp>
+      <p:sp>
+        <p:nvSpPr>
+          <p:cNvPr id="3" name="日期占位符 2">
+            <a:extLst>
+              <a:ext uri="{FF2B5EF4-FFF2-40B4-BE49-F238E27FC236}">
+                <a16:creationId xmlns:a16="http://schemas.microsoft.com/office/drawing/2014/main" id="{02542E93-90EC-49A7-8A2F-BCFE86776715}"/>
               </a:ext>
             </a:extLst>
           </p:cNvPr>
@@ -9562,7 +10925,7 @@
             <a:spLocks noGrp="1"/>
           </p:cNvSpPr>
           <p:nvPr>
-            <p:ph idx="1"/>
+            <p:ph type="dt" sz="half" idx="10"/>
           </p:nvPr>
         </p:nvSpPr>
         <p:spPr/>
@@ -9570,74 +10933,7 @@
           <a:bodyPr/>
           <a:lstStyle/>
           <a:p>
-            <a:r>
-              <a:rPr lang="zh-CN" altLang="en-US"/>
-              <a:t>客户端</a:t>
-            </a:r>
-            <a:r>
-              <a:rPr lang="en-US" altLang="zh-CN"/>
-              <a:t>Client ---- Proxy</a:t>
-            </a:r>
-          </a:p>
-          <a:p>
-            <a:r>
-              <a:rPr lang="zh-CN" altLang="en-US"/>
-              <a:t>服务器端</a:t>
-            </a:r>
-            <a:r>
-              <a:rPr lang="en-US" altLang="zh-CN"/>
-              <a:t>Server ---- Stub</a:t>
-            </a:r>
-          </a:p>
-          <a:p>
-            <a:r>
-              <a:rPr lang="en-US" altLang="zh-CN"/>
-              <a:t>COMO</a:t>
-            </a:r>
-            <a:r>
-              <a:rPr lang="zh-CN" altLang="en-US"/>
-              <a:t>远程对象服务管理</a:t>
-            </a:r>
-            <a:r>
-              <a:rPr lang="en-US" altLang="zh-CN"/>
-              <a:t>ServiceManager</a:t>
-            </a:r>
-          </a:p>
-          <a:p>
-            <a:r>
-              <a:rPr lang="zh-CN" altLang="en-US"/>
-              <a:t>操作系统内核支持</a:t>
-            </a:r>
-            <a:r>
-              <a:rPr lang="en-US" altLang="zh-CN"/>
-              <a:t>D-Bbus/IBinder</a:t>
-            </a:r>
-            <a:endParaRPr lang="zh-CN" altLang="en-US"/>
-          </a:p>
-        </p:txBody>
-      </p:sp>
-      <p:sp>
-        <p:nvSpPr>
-          <p:cNvPr id="4" name="日期占位符 3">
-            <a:extLst>
-              <a:ext uri="{FF2B5EF4-FFF2-40B4-BE49-F238E27FC236}">
-                <a16:creationId xmlns:a16="http://schemas.microsoft.com/office/drawing/2014/main" id="{A57320C8-9841-495E-96EE-8A91041FF8E2}"/>
-              </a:ext>
-            </a:extLst>
-          </p:cNvPr>
-          <p:cNvSpPr>
-            <a:spLocks noGrp="1"/>
-          </p:cNvSpPr>
-          <p:nvPr>
-            <p:ph type="dt" sz="half" idx="10"/>
-          </p:nvPr>
-        </p:nvSpPr>
-        <p:spPr/>
-        <p:txBody>
-          <a:bodyPr/>
-          <a:lstStyle/>
-          <a:p>
-            <a:fld id="{A058C3EE-7F92-4C34-8E4D-F4AB6C7888FF}" type="datetime1">
+            <a:fld id="{C8218E9C-D97C-46B7-9115-F8A90873817C}" type="datetime1">
               <a:rPr lang="zh-CN" altLang="en-US" smtClean="0">
                 <a:solidFill>
                   <a:srgbClr val="000000"/>
@@ -9656,10 +10952,10 @@
       </p:sp>
       <p:sp>
         <p:nvSpPr>
-          <p:cNvPr id="5" name="页脚占位符 4">
-            <a:extLst>
-              <a:ext uri="{FF2B5EF4-FFF2-40B4-BE49-F238E27FC236}">
-                <a16:creationId xmlns:a16="http://schemas.microsoft.com/office/drawing/2014/main" id="{FC9C306A-BED4-4631-9B0C-B434B6E11883}"/>
+          <p:cNvPr id="4" name="页脚占位符 3">
+            <a:extLst>
+              <a:ext uri="{FF2B5EF4-FFF2-40B4-BE49-F238E27FC236}">
+                <a16:creationId xmlns:a16="http://schemas.microsoft.com/office/drawing/2014/main" id="{C59335BE-7D47-47CE-8C29-3B1B0116A2E2}"/>
               </a:ext>
             </a:extLst>
           </p:cNvPr>
@@ -9688,10 +10984,10 @@
       </p:sp>
       <p:sp>
         <p:nvSpPr>
-          <p:cNvPr id="6" name="灯片编号占位符 5">
-            <a:extLst>
-              <a:ext uri="{FF2B5EF4-FFF2-40B4-BE49-F238E27FC236}">
-                <a16:creationId xmlns:a16="http://schemas.microsoft.com/office/drawing/2014/main" id="{8D877B59-43DA-4D12-B0B0-0443D5732105}"/>
+          <p:cNvPr id="5" name="灯片编号占位符 4">
+            <a:extLst>
+              <a:ext uri="{FF2B5EF4-FFF2-40B4-BE49-F238E27FC236}">
+                <a16:creationId xmlns:a16="http://schemas.microsoft.com/office/drawing/2014/main" id="{8B95508A-BD5D-4836-A2B6-76E5719427FC}"/>
               </a:ext>
             </a:extLst>
           </p:cNvPr>
@@ -9714,177 +11010,7 @@
                 </a:solidFill>
               </a:rPr>
               <a:pPr/>
-              <a:t>2</a:t>
-            </a:fld>
-            <a:endParaRPr lang="zh-CN" altLang="en-US">
-              <a:solidFill>
-                <a:srgbClr val="000000"/>
-              </a:solidFill>
-            </a:endParaRPr>
-          </a:p>
-        </p:txBody>
-      </p:sp>
-    </p:spTree>
-    <p:extLst>
-      <p:ext uri="{BB962C8B-B14F-4D97-AF65-F5344CB8AC3E}">
-        <p14:creationId xmlns:p14="http://schemas.microsoft.com/office/powerpoint/2010/main" val="988917412"/>
-      </p:ext>
-    </p:extLst>
-  </p:cSld>
-  <p:clrMapOvr>
-    <a:masterClrMapping/>
-  </p:clrMapOvr>
-</p:sld>
-</file>
-
-<file path=ppt/slides/slide20.xml><?xml version="1.0" encoding="utf-8"?>
-<p:sld xmlns:a="http://schemas.openxmlformats.org/drawingml/2006/main" xmlns:r="http://schemas.openxmlformats.org/officeDocument/2006/relationships" xmlns:p="http://schemas.openxmlformats.org/presentationml/2006/main">
-  <p:cSld>
-    <p:spTree>
-      <p:nvGrpSpPr>
-        <p:cNvPr id="1" name=""/>
-        <p:cNvGrpSpPr/>
-        <p:nvPr/>
-      </p:nvGrpSpPr>
-      <p:grpSpPr>
-        <a:xfrm>
-          <a:off x="0" y="0"/>
-          <a:ext cx="0" cy="0"/>
-          <a:chOff x="0" y="0"/>
-          <a:chExt cx="0" cy="0"/>
-        </a:xfrm>
-      </p:grpSpPr>
-      <p:sp>
-        <p:nvSpPr>
-          <p:cNvPr id="2" name="标题 1">
-            <a:extLst>
-              <a:ext uri="{FF2B5EF4-FFF2-40B4-BE49-F238E27FC236}">
-                <a16:creationId xmlns:a16="http://schemas.microsoft.com/office/drawing/2014/main" id="{830ABB8D-9A32-4DB4-8880-FE025AF2EA63}"/>
-              </a:ext>
-            </a:extLst>
-          </p:cNvPr>
-          <p:cNvSpPr>
-            <a:spLocks noGrp="1"/>
-          </p:cNvSpPr>
-          <p:nvPr>
-            <p:ph type="title"/>
-          </p:nvPr>
-        </p:nvSpPr>
-        <p:spPr/>
-        <p:txBody>
-          <a:bodyPr/>
-          <a:lstStyle/>
-          <a:p>
-            <a:r>
-              <a:rPr lang="en-US" altLang="zh-CN"/>
-              <a:t>D-Bus/IBinder RPC</a:t>
-            </a:r>
-            <a:r>
-              <a:rPr lang="zh-CN" altLang="en-US"/>
-              <a:t>机制简介</a:t>
-            </a:r>
-          </a:p>
-        </p:txBody>
-      </p:sp>
-      <p:sp>
-        <p:nvSpPr>
-          <p:cNvPr id="3" name="日期占位符 2">
-            <a:extLst>
-              <a:ext uri="{FF2B5EF4-FFF2-40B4-BE49-F238E27FC236}">
-                <a16:creationId xmlns:a16="http://schemas.microsoft.com/office/drawing/2014/main" id="{02542E93-90EC-49A7-8A2F-BCFE86776715}"/>
-              </a:ext>
-            </a:extLst>
-          </p:cNvPr>
-          <p:cNvSpPr>
-            <a:spLocks noGrp="1"/>
-          </p:cNvSpPr>
-          <p:nvPr>
-            <p:ph type="dt" sz="half" idx="10"/>
-          </p:nvPr>
-        </p:nvSpPr>
-        <p:spPr/>
-        <p:txBody>
-          <a:bodyPr/>
-          <a:lstStyle/>
-          <a:p>
-            <a:fld id="{C8218E9C-D97C-46B7-9115-F8A90873817C}" type="datetime1">
-              <a:rPr lang="zh-CN" altLang="en-US" smtClean="0">
-                <a:solidFill>
-                  <a:srgbClr val="000000"/>
-                </a:solidFill>
-              </a:rPr>
-              <a:pPr/>
-              <a:t>2021/2/25</a:t>
-            </a:fld>
-            <a:endParaRPr lang="zh-CN" altLang="en-US">
-              <a:solidFill>
-                <a:srgbClr val="000000"/>
-              </a:solidFill>
-            </a:endParaRPr>
-          </a:p>
-        </p:txBody>
-      </p:sp>
-      <p:sp>
-        <p:nvSpPr>
-          <p:cNvPr id="4" name="页脚占位符 3">
-            <a:extLst>
-              <a:ext uri="{FF2B5EF4-FFF2-40B4-BE49-F238E27FC236}">
-                <a16:creationId xmlns:a16="http://schemas.microsoft.com/office/drawing/2014/main" id="{C59335BE-7D47-47CE-8C29-3B1B0116A2E2}"/>
-              </a:ext>
-            </a:extLst>
-          </p:cNvPr>
-          <p:cNvSpPr>
-            <a:spLocks noGrp="1"/>
-          </p:cNvSpPr>
-          <p:nvPr>
-            <p:ph type="ftr" sz="quarter" idx="11"/>
-          </p:nvPr>
-        </p:nvSpPr>
-        <p:spPr/>
-        <p:txBody>
-          <a:bodyPr/>
-          <a:lstStyle/>
-          <a:p>
-            <a:r>
-              <a:rPr lang="zh-CN" altLang="en-US">
-                <a:solidFill>
-                  <a:srgbClr val="000000"/>
-                </a:solidFill>
-              </a:rPr>
-              <a:t>同济大学电子与信息工程学院 裴喜龙</a:t>
-            </a:r>
-          </a:p>
-        </p:txBody>
-      </p:sp>
-      <p:sp>
-        <p:nvSpPr>
-          <p:cNvPr id="5" name="灯片编号占位符 4">
-            <a:extLst>
-              <a:ext uri="{FF2B5EF4-FFF2-40B4-BE49-F238E27FC236}">
-                <a16:creationId xmlns:a16="http://schemas.microsoft.com/office/drawing/2014/main" id="{8B95508A-BD5D-4836-A2B6-76E5719427FC}"/>
-              </a:ext>
-            </a:extLst>
-          </p:cNvPr>
-          <p:cNvSpPr>
-            <a:spLocks noGrp="1"/>
-          </p:cNvSpPr>
-          <p:nvPr>
-            <p:ph type="sldNum" sz="quarter" idx="12"/>
-          </p:nvPr>
-        </p:nvSpPr>
-        <p:spPr/>
-        <p:txBody>
-          <a:bodyPr/>
-          <a:lstStyle/>
-          <a:p>
-            <a:fld id="{C3E0ADDA-F6F8-47AE-B57D-5BE0E215DE8A}" type="slidenum">
-              <a:rPr lang="zh-CN" altLang="en-US" smtClean="0">
-                <a:solidFill>
-                  <a:srgbClr val="000000"/>
-                </a:solidFill>
-              </a:rPr>
-              <a:pPr/>
-              <a:t>20</a:t>
+              <a:t>21</a:t>
             </a:fld>
             <a:endParaRPr lang="zh-CN" altLang="en-US">
               <a:solidFill>
@@ -10831,7 +11957,7 @@
           <a:graphicData uri="http://schemas.openxmlformats.org/presentationml/2006/ole">
             <mc:AlternateContent xmlns:mc="http://schemas.openxmlformats.org/markup-compatibility/2006">
               <mc:Choice xmlns:v="urn:schemas-microsoft-com:vml" Requires="v">
-                <p:oleObj spid="_x0000_s1120" name="Visio" r:id="rId3" imgW="4125485" imgH="1874914" progId="Visio.Drawing.11">
+                <p:oleObj spid="_x0000_s1126" name="Visio" r:id="rId3" imgW="4125485" imgH="1874914" progId="Visio.Drawing.11">
                   <p:embed/>
                 </p:oleObj>
               </mc:Choice>

--- a/COMO远程过程调用RPC/COMO远程过程调用RPC原理.pptx
+++ b/COMO远程过程调用RPC/COMO远程过程调用RPC原理.pptx
@@ -5,7 +5,7 @@
     <p:sldMasterId id="2147483672" r:id="rId1"/>
   </p:sldMasterIdLst>
   <p:notesMasterIdLst>
-    <p:notesMasterId r:id="rId23"/>
+    <p:notesMasterId r:id="rId25"/>
   </p:notesMasterIdLst>
   <p:sldIdLst>
     <p:sldId id="259" r:id="rId2"/>
@@ -29,6 +29,8 @@
     <p:sldId id="301" r:id="rId20"/>
     <p:sldId id="305" r:id="rId21"/>
     <p:sldId id="298" r:id="rId22"/>
+    <p:sldId id="307" r:id="rId23"/>
+    <p:sldId id="308" r:id="rId24"/>
   </p:sldIdLst>
   <p:sldSz cx="9144000" cy="5143500" type="screen16x9"/>
   <p:notesSz cx="6858000" cy="9144000"/>
@@ -228,7 +230,7 @@
           <a:p>
             <a:fld id="{DD40F30B-CB11-433D-97B6-C06E2ACA5E41}" type="datetimeFigureOut">
               <a:rPr lang="zh-CN" altLang="en-US" smtClean="0"/>
-              <a:t>2021/2/25</a:t>
+              <a:t>2021/2/26</a:t>
             </a:fld>
             <a:endParaRPr lang="zh-CN" altLang="en-US"/>
           </a:p>
@@ -1449,6 +1451,174 @@
 </p:notes>
 </file>
 
+<file path=ppt/notesSlides/notesSlide3.xml><?xml version="1.0" encoding="utf-8"?>
+<p:notes xmlns:a="http://schemas.openxmlformats.org/drawingml/2006/main" xmlns:r="http://schemas.openxmlformats.org/officeDocument/2006/relationships" xmlns:p="http://schemas.openxmlformats.org/presentationml/2006/main">
+  <p:cSld>
+    <p:spTree>
+      <p:nvGrpSpPr>
+        <p:cNvPr id="1" name=""/>
+        <p:cNvGrpSpPr/>
+        <p:nvPr/>
+      </p:nvGrpSpPr>
+      <p:grpSpPr>
+        <a:xfrm>
+          <a:off x="0" y="0"/>
+          <a:ext cx="0" cy="0"/>
+          <a:chOff x="0" y="0"/>
+          <a:chExt cx="0" cy="0"/>
+        </a:xfrm>
+      </p:grpSpPr>
+      <p:sp>
+        <p:nvSpPr>
+          <p:cNvPr id="2" name="幻灯片图像占位符 1"/>
+          <p:cNvSpPr>
+            <a:spLocks noGrp="1" noRot="1" noChangeAspect="1"/>
+          </p:cNvSpPr>
+          <p:nvPr>
+            <p:ph type="sldImg"/>
+          </p:nvPr>
+        </p:nvSpPr>
+        <p:spPr/>
+      </p:sp>
+      <p:sp>
+        <p:nvSpPr>
+          <p:cNvPr id="3" name="备注占位符 2"/>
+          <p:cNvSpPr>
+            <a:spLocks noGrp="1"/>
+          </p:cNvSpPr>
+          <p:nvPr>
+            <p:ph type="body" idx="1"/>
+          </p:nvPr>
+        </p:nvSpPr>
+        <p:spPr/>
+        <p:txBody>
+          <a:bodyPr/>
+          <a:lstStyle/>
+          <a:p>
+            <a:endParaRPr lang="zh-CN" altLang="en-US"/>
+          </a:p>
+        </p:txBody>
+      </p:sp>
+      <p:sp>
+        <p:nvSpPr>
+          <p:cNvPr id="4" name="灯片编号占位符 3"/>
+          <p:cNvSpPr>
+            <a:spLocks noGrp="1"/>
+          </p:cNvSpPr>
+          <p:nvPr>
+            <p:ph type="sldNum" sz="quarter" idx="5"/>
+          </p:nvPr>
+        </p:nvSpPr>
+        <p:spPr/>
+        <p:txBody>
+          <a:bodyPr/>
+          <a:lstStyle/>
+          <a:p>
+            <a:fld id="{A0A1136C-A583-443F-BFB8-8C44A303D626}" type="slidenum">
+              <a:rPr lang="zh-CN" altLang="en-US" smtClean="0"/>
+              <a:t>22</a:t>
+            </a:fld>
+            <a:endParaRPr lang="zh-CN" altLang="en-US"/>
+          </a:p>
+        </p:txBody>
+      </p:sp>
+    </p:spTree>
+    <p:extLst>
+      <p:ext uri="{BB962C8B-B14F-4D97-AF65-F5344CB8AC3E}">
+        <p14:creationId xmlns:p14="http://schemas.microsoft.com/office/powerpoint/2010/main" val="1105706114"/>
+      </p:ext>
+    </p:extLst>
+  </p:cSld>
+  <p:clrMapOvr>
+    <a:masterClrMapping/>
+  </p:clrMapOvr>
+</p:notes>
+</file>
+
+<file path=ppt/notesSlides/notesSlide4.xml><?xml version="1.0" encoding="utf-8"?>
+<p:notes xmlns:a="http://schemas.openxmlformats.org/drawingml/2006/main" xmlns:r="http://schemas.openxmlformats.org/officeDocument/2006/relationships" xmlns:p="http://schemas.openxmlformats.org/presentationml/2006/main">
+  <p:cSld>
+    <p:spTree>
+      <p:nvGrpSpPr>
+        <p:cNvPr id="1" name=""/>
+        <p:cNvGrpSpPr/>
+        <p:nvPr/>
+      </p:nvGrpSpPr>
+      <p:grpSpPr>
+        <a:xfrm>
+          <a:off x="0" y="0"/>
+          <a:ext cx="0" cy="0"/>
+          <a:chOff x="0" y="0"/>
+          <a:chExt cx="0" cy="0"/>
+        </a:xfrm>
+      </p:grpSpPr>
+      <p:sp>
+        <p:nvSpPr>
+          <p:cNvPr id="2" name="幻灯片图像占位符 1"/>
+          <p:cNvSpPr>
+            <a:spLocks noGrp="1" noRot="1" noChangeAspect="1"/>
+          </p:cNvSpPr>
+          <p:nvPr>
+            <p:ph type="sldImg"/>
+          </p:nvPr>
+        </p:nvSpPr>
+        <p:spPr/>
+      </p:sp>
+      <p:sp>
+        <p:nvSpPr>
+          <p:cNvPr id="3" name="备注占位符 2"/>
+          <p:cNvSpPr>
+            <a:spLocks noGrp="1"/>
+          </p:cNvSpPr>
+          <p:nvPr>
+            <p:ph type="body" idx="1"/>
+          </p:nvPr>
+        </p:nvSpPr>
+        <p:spPr/>
+        <p:txBody>
+          <a:bodyPr/>
+          <a:lstStyle/>
+          <a:p>
+            <a:endParaRPr lang="zh-CN" altLang="en-US"/>
+          </a:p>
+        </p:txBody>
+      </p:sp>
+      <p:sp>
+        <p:nvSpPr>
+          <p:cNvPr id="4" name="灯片编号占位符 3"/>
+          <p:cNvSpPr>
+            <a:spLocks noGrp="1"/>
+          </p:cNvSpPr>
+          <p:nvPr>
+            <p:ph type="sldNum" sz="quarter" idx="5"/>
+          </p:nvPr>
+        </p:nvSpPr>
+        <p:spPr/>
+        <p:txBody>
+          <a:bodyPr/>
+          <a:lstStyle/>
+          <a:p>
+            <a:fld id="{A0A1136C-A583-443F-BFB8-8C44A303D626}" type="slidenum">
+              <a:rPr lang="zh-CN" altLang="en-US" smtClean="0"/>
+              <a:t>23</a:t>
+            </a:fld>
+            <a:endParaRPr lang="zh-CN" altLang="en-US"/>
+          </a:p>
+        </p:txBody>
+      </p:sp>
+    </p:spTree>
+    <p:extLst>
+      <p:ext uri="{BB962C8B-B14F-4D97-AF65-F5344CB8AC3E}">
+        <p14:creationId xmlns:p14="http://schemas.microsoft.com/office/powerpoint/2010/main" val="264648851"/>
+      </p:ext>
+    </p:extLst>
+  </p:cSld>
+  <p:clrMapOvr>
+    <a:masterClrMapping/>
+  </p:clrMapOvr>
+</p:notes>
+</file>
+
 <file path=ppt/slideLayouts/slideLayout1.xml><?xml version="1.0" encoding="utf-8"?>
 <p:sldLayout xmlns:a="http://schemas.openxmlformats.org/drawingml/2006/main" xmlns:r="http://schemas.openxmlformats.org/officeDocument/2006/relationships" xmlns:p="http://schemas.openxmlformats.org/presentationml/2006/main" showMasterSp="0" type="title" preserve="1">
   <p:cSld name="标题幻灯片">
@@ -1674,7 +1844,7 @@
                 </a:solidFill>
               </a:rPr>
               <a:pPr/>
-              <a:t>2021/2/25</a:t>
+              <a:t>2021/2/26</a:t>
             </a:fld>
             <a:endParaRPr lang="zh-CN" altLang="en-US">
               <a:solidFill>
@@ -1891,7 +2061,7 @@
                 </a:solidFill>
               </a:rPr>
               <a:pPr/>
-              <a:t>2021/2/25</a:t>
+              <a:t>2021/2/26</a:t>
             </a:fld>
             <a:endParaRPr lang="zh-CN" altLang="en-US">
               <a:solidFill>
@@ -2112,7 +2282,7 @@
                 </a:solidFill>
               </a:rPr>
               <a:pPr/>
-              <a:t>2021/2/25</a:t>
+              <a:t>2021/2/26</a:t>
             </a:fld>
             <a:endParaRPr lang="zh-CN" altLang="en-US">
               <a:solidFill>
@@ -2323,7 +2493,7 @@
                 </a:solidFill>
               </a:rPr>
               <a:pPr/>
-              <a:t>2021/2/25</a:t>
+              <a:t>2021/2/26</a:t>
             </a:fld>
             <a:endParaRPr lang="zh-CN" altLang="en-US">
               <a:solidFill>
@@ -2557,7 +2727,7 @@
                 </a:solidFill>
               </a:rPr>
               <a:pPr/>
-              <a:t>2021/2/25</a:t>
+              <a:t>2021/2/26</a:t>
             </a:fld>
             <a:endParaRPr lang="zh-CN" altLang="en-US">
               <a:solidFill>
@@ -2885,7 +3055,7 @@
                 </a:solidFill>
               </a:rPr>
               <a:pPr/>
-              <a:t>2021/2/25</a:t>
+              <a:t>2021/2/26</a:t>
             </a:fld>
             <a:endParaRPr lang="zh-CN" altLang="en-US">
               <a:solidFill>
@@ -3352,7 +3522,7 @@
                 </a:solidFill>
               </a:rPr>
               <a:pPr/>
-              <a:t>2021/2/25</a:t>
+              <a:t>2021/2/26</a:t>
             </a:fld>
             <a:endParaRPr lang="zh-CN" altLang="en-US">
               <a:solidFill>
@@ -3512,7 +3682,7 @@
                 </a:solidFill>
               </a:rPr>
               <a:pPr/>
-              <a:t>2021/2/25</a:t>
+              <a:t>2021/2/26</a:t>
             </a:fld>
             <a:endParaRPr lang="zh-CN" altLang="en-US">
               <a:solidFill>
@@ -3650,7 +3820,7 @@
                 </a:solidFill>
               </a:rPr>
               <a:pPr/>
-              <a:t>2021/2/25</a:t>
+              <a:t>2021/2/26</a:t>
             </a:fld>
             <a:endParaRPr lang="zh-CN" altLang="en-US">
               <a:solidFill>
@@ -3968,7 +4138,7 @@
                 </a:solidFill>
               </a:rPr>
               <a:pPr/>
-              <a:t>2021/2/25</a:t>
+              <a:t>2021/2/26</a:t>
             </a:fld>
             <a:endParaRPr lang="zh-CN" altLang="en-US">
               <a:solidFill>
@@ -4267,7 +4437,7 @@
                 </a:solidFill>
               </a:rPr>
               <a:pPr/>
-              <a:t>2021/2/25</a:t>
+              <a:t>2021/2/26</a:t>
             </a:fld>
             <a:endParaRPr lang="zh-CN" altLang="en-US">
               <a:solidFill>
@@ -4785,7 +4955,7 @@
                 </a:solidFill>
               </a:rPr>
               <a:pPr defTabSz="685800"/>
-              <a:t>2021/2/25</a:t>
+              <a:t>2021/2/26</a:t>
             </a:fld>
             <a:endParaRPr lang="zh-CN" altLang="en-US">
               <a:solidFill>
@@ -5550,7 +5720,7 @@
                 </a:solidFill>
               </a:rPr>
               <a:pPr/>
-              <a:t>2021/2/25</a:t>
+              <a:t>2021/2/26</a:t>
             </a:fld>
             <a:endParaRPr lang="zh-CN" altLang="en-US">
               <a:solidFill>
@@ -5829,7 +5999,7 @@
                 </a:solidFill>
               </a:rPr>
               <a:pPr/>
-              <a:t>2021/2/25</a:t>
+              <a:t>2021/2/26</a:t>
             </a:fld>
             <a:endParaRPr lang="zh-CN" altLang="en-US">
               <a:solidFill>
@@ -6176,7 +6346,7 @@
                 </a:solidFill>
               </a:rPr>
               <a:pPr/>
-              <a:t>2021/2/25</a:t>
+              <a:t>2021/2/26</a:t>
             </a:fld>
             <a:endParaRPr lang="zh-CN" altLang="en-US">
               <a:solidFill>
@@ -6683,7 +6853,7 @@
                 </a:solidFill>
               </a:rPr>
               <a:pPr/>
-              <a:t>2021/2/25</a:t>
+              <a:t>2021/2/26</a:t>
             </a:fld>
             <a:endParaRPr lang="zh-CN" altLang="en-US">
               <a:solidFill>
@@ -7320,7 +7490,7 @@
                 </a:solidFill>
               </a:rPr>
               <a:pPr/>
-              <a:t>2021/2/25</a:t>
+              <a:t>2021/2/26</a:t>
             </a:fld>
             <a:endParaRPr lang="zh-CN" altLang="en-US">
               <a:solidFill>
@@ -8002,7 +8172,7 @@
                 </a:solidFill>
               </a:rPr>
               <a:pPr/>
-              <a:t>2021/2/25</a:t>
+              <a:t>2021/2/26</a:t>
             </a:fld>
             <a:endParaRPr lang="zh-CN" altLang="en-US">
               <a:solidFill>
@@ -8172,7 +8342,7 @@
                 </a:solidFill>
               </a:rPr>
               <a:pPr/>
-              <a:t>2021/2/25</a:t>
+              <a:t>2021/2/26</a:t>
             </a:fld>
             <a:endParaRPr lang="zh-CN" altLang="en-US">
               <a:solidFill>
@@ -8604,7 +8774,7 @@
                 </a:solidFill>
               </a:rPr>
               <a:pPr/>
-              <a:t>2021/2/25</a:t>
+              <a:t>2021/2/26</a:t>
             </a:fld>
             <a:endParaRPr lang="zh-CN" altLang="en-US">
               <a:solidFill>
@@ -9069,7 +9239,7 @@
                 </a:solidFill>
               </a:rPr>
               <a:pPr/>
-              <a:t>2021/2/25</a:t>
+              <a:t>2021/2/26</a:t>
             </a:fld>
             <a:endParaRPr lang="zh-CN" altLang="en-US">
               <a:solidFill>
@@ -9563,7 +9733,7 @@
                 </a:solidFill>
               </a:rPr>
               <a:pPr/>
-              <a:t>2021/2/25</a:t>
+              <a:t>2021/2/26</a:t>
             </a:fld>
             <a:endParaRPr lang="zh-CN" altLang="en-US">
               <a:solidFill>
@@ -9955,7 +10125,7 @@
                 </a:solidFill>
               </a:rPr>
               <a:pPr/>
-              <a:t>2021/2/25</a:t>
+              <a:t>2021/2/26</a:t>
             </a:fld>
             <a:endParaRPr lang="zh-CN" altLang="en-US">
               <a:solidFill>
@@ -10454,7 +10624,7 @@
                 </a:solidFill>
               </a:rPr>
               <a:pPr/>
-              <a:t>2021/2/25</a:t>
+              <a:t>2021/2/26</a:t>
             </a:fld>
             <a:endParaRPr lang="zh-CN" altLang="en-US">
               <a:solidFill>
@@ -10625,7 +10795,7 @@
                 </a:solidFill>
               </a:rPr>
               <a:pPr/>
-              <a:t>2021/2/25</a:t>
+              <a:t>2021/2/26</a:t>
             </a:fld>
             <a:endParaRPr lang="zh-CN" altLang="en-US">
               <a:solidFill>
@@ -10940,7 +11110,7 @@
                 </a:solidFill>
               </a:rPr>
               <a:pPr/>
-              <a:t>2021/2/25</a:t>
+              <a:t>2021/2/26</a:t>
             </a:fld>
             <a:endParaRPr lang="zh-CN" altLang="en-US">
               <a:solidFill>
@@ -11302,6 +11472,876 @@
     <p:extLst>
       <p:ext uri="{BB962C8B-B14F-4D97-AF65-F5344CB8AC3E}">
         <p14:creationId xmlns:p14="http://schemas.microsoft.com/office/powerpoint/2010/main" val="2068468542"/>
+      </p:ext>
+    </p:extLst>
+  </p:cSld>
+  <p:clrMapOvr>
+    <a:masterClrMapping/>
+  </p:clrMapOvr>
+</p:sld>
+</file>
+
+<file path=ppt/slides/slide22.xml><?xml version="1.0" encoding="utf-8"?>
+<p:sld xmlns:a="http://schemas.openxmlformats.org/drawingml/2006/main" xmlns:r="http://schemas.openxmlformats.org/officeDocument/2006/relationships" xmlns:p="http://schemas.openxmlformats.org/presentationml/2006/main">
+  <p:cSld>
+    <p:spTree>
+      <p:nvGrpSpPr>
+        <p:cNvPr id="1" name=""/>
+        <p:cNvGrpSpPr/>
+        <p:nvPr/>
+      </p:nvGrpSpPr>
+      <p:grpSpPr>
+        <a:xfrm>
+          <a:off x="0" y="0"/>
+          <a:ext cx="0" cy="0"/>
+          <a:chOff x="0" y="0"/>
+          <a:chExt cx="0" cy="0"/>
+        </a:xfrm>
+      </p:grpSpPr>
+      <p:sp>
+        <p:nvSpPr>
+          <p:cNvPr id="2" name="标题 1">
+            <a:extLst>
+              <a:ext uri="{FF2B5EF4-FFF2-40B4-BE49-F238E27FC236}">
+                <a16:creationId xmlns:a16="http://schemas.microsoft.com/office/drawing/2014/main" id="{830ABB8D-9A32-4DB4-8880-FE025AF2EA63}"/>
+              </a:ext>
+            </a:extLst>
+          </p:cNvPr>
+          <p:cNvSpPr>
+            <a:spLocks noGrp="1"/>
+          </p:cNvSpPr>
+          <p:nvPr>
+            <p:ph type="title"/>
+          </p:nvPr>
+        </p:nvSpPr>
+        <p:spPr/>
+        <p:txBody>
+          <a:bodyPr/>
+          <a:lstStyle/>
+          <a:p>
+            <a:r>
+              <a:rPr lang="en-US" altLang="zh-CN"/>
+              <a:t>COMO RPC</a:t>
+            </a:r>
+            <a:r>
+              <a:rPr lang="zh-CN" altLang="en-US"/>
+              <a:t>实验</a:t>
+            </a:r>
+            <a:br>
+              <a:rPr lang="en-US" altLang="zh-CN"/>
+            </a:br>
+            <a:r>
+              <a:rPr lang="en-US" altLang="zh-CN" sz="1800"/>
+              <a:t>src:$/como/test/runtime/rpc</a:t>
+            </a:r>
+            <a:endParaRPr lang="zh-CN" altLang="en-US" sz="1800"/>
+          </a:p>
+        </p:txBody>
+      </p:sp>
+      <p:sp>
+        <p:nvSpPr>
+          <p:cNvPr id="3" name="日期占位符 2">
+            <a:extLst>
+              <a:ext uri="{FF2B5EF4-FFF2-40B4-BE49-F238E27FC236}">
+                <a16:creationId xmlns:a16="http://schemas.microsoft.com/office/drawing/2014/main" id="{02542E93-90EC-49A7-8A2F-BCFE86776715}"/>
+              </a:ext>
+            </a:extLst>
+          </p:cNvPr>
+          <p:cNvSpPr>
+            <a:spLocks noGrp="1"/>
+          </p:cNvSpPr>
+          <p:nvPr>
+            <p:ph type="dt" sz="half" idx="10"/>
+          </p:nvPr>
+        </p:nvSpPr>
+        <p:spPr/>
+        <p:txBody>
+          <a:bodyPr/>
+          <a:lstStyle/>
+          <a:p>
+            <a:fld id="{C8218E9C-D97C-46B7-9115-F8A90873817C}" type="datetime1">
+              <a:rPr lang="zh-CN" altLang="en-US" smtClean="0">
+                <a:solidFill>
+                  <a:srgbClr val="000000"/>
+                </a:solidFill>
+              </a:rPr>
+              <a:pPr/>
+              <a:t>2021/2/26</a:t>
+            </a:fld>
+            <a:endParaRPr lang="zh-CN" altLang="en-US">
+              <a:solidFill>
+                <a:srgbClr val="000000"/>
+              </a:solidFill>
+            </a:endParaRPr>
+          </a:p>
+        </p:txBody>
+      </p:sp>
+      <p:sp>
+        <p:nvSpPr>
+          <p:cNvPr id="4" name="页脚占位符 3">
+            <a:extLst>
+              <a:ext uri="{FF2B5EF4-FFF2-40B4-BE49-F238E27FC236}">
+                <a16:creationId xmlns:a16="http://schemas.microsoft.com/office/drawing/2014/main" id="{C59335BE-7D47-47CE-8C29-3B1B0116A2E2}"/>
+              </a:ext>
+            </a:extLst>
+          </p:cNvPr>
+          <p:cNvSpPr>
+            <a:spLocks noGrp="1"/>
+          </p:cNvSpPr>
+          <p:nvPr>
+            <p:ph type="ftr" sz="quarter" idx="11"/>
+          </p:nvPr>
+        </p:nvSpPr>
+        <p:spPr/>
+        <p:txBody>
+          <a:bodyPr/>
+          <a:lstStyle/>
+          <a:p>
+            <a:r>
+              <a:rPr lang="zh-CN" altLang="en-US">
+                <a:solidFill>
+                  <a:srgbClr val="000000"/>
+                </a:solidFill>
+              </a:rPr>
+              <a:t>同济大学电子与信息工程学院 裴喜龙</a:t>
+            </a:r>
+          </a:p>
+        </p:txBody>
+      </p:sp>
+      <p:sp>
+        <p:nvSpPr>
+          <p:cNvPr id="5" name="灯片编号占位符 4">
+            <a:extLst>
+              <a:ext uri="{FF2B5EF4-FFF2-40B4-BE49-F238E27FC236}">
+                <a16:creationId xmlns:a16="http://schemas.microsoft.com/office/drawing/2014/main" id="{8B95508A-BD5D-4836-A2B6-76E5719427FC}"/>
+              </a:ext>
+            </a:extLst>
+          </p:cNvPr>
+          <p:cNvSpPr>
+            <a:spLocks noGrp="1"/>
+          </p:cNvSpPr>
+          <p:nvPr>
+            <p:ph type="sldNum" sz="quarter" idx="12"/>
+          </p:nvPr>
+        </p:nvSpPr>
+        <p:spPr/>
+        <p:txBody>
+          <a:bodyPr/>
+          <a:lstStyle/>
+          <a:p>
+            <a:fld id="{C3E0ADDA-F6F8-47AE-B57D-5BE0E215DE8A}" type="slidenum">
+              <a:rPr lang="zh-CN" altLang="en-US" smtClean="0">
+                <a:solidFill>
+                  <a:srgbClr val="000000"/>
+                </a:solidFill>
+              </a:rPr>
+              <a:pPr/>
+              <a:t>22</a:t>
+            </a:fld>
+            <a:endParaRPr lang="zh-CN" altLang="en-US">
+              <a:solidFill>
+                <a:srgbClr val="000000"/>
+              </a:solidFill>
+            </a:endParaRPr>
+          </a:p>
+        </p:txBody>
+      </p:sp>
+      <p:sp>
+        <p:nvSpPr>
+          <p:cNvPr id="6" name="矩形 5">
+            <a:extLst>
+              <a:ext uri="{FF2B5EF4-FFF2-40B4-BE49-F238E27FC236}">
+                <a16:creationId xmlns:a16="http://schemas.microsoft.com/office/drawing/2014/main" id="{27F3234A-40B9-4DE2-BA23-FDCBFB90FC4D}"/>
+              </a:ext>
+            </a:extLst>
+          </p:cNvPr>
+          <p:cNvSpPr/>
+          <p:nvPr/>
+        </p:nvSpPr>
+        <p:spPr>
+          <a:xfrm>
+            <a:off x="568325" y="1272166"/>
+            <a:ext cx="8257181" cy="830997"/>
+          </a:xfrm>
+          <a:prstGeom prst="rect">
+            <a:avLst/>
+          </a:prstGeom>
+        </p:spPr>
+        <p:txBody>
+          <a:bodyPr wrap="square">
+            <a:spAutoFit/>
+          </a:bodyPr>
+          <a:lstStyle/>
+          <a:p>
+            <a:r>
+              <a:rPr lang="zh-CN" altLang="en-US" sz="1600">
+                <a:latin typeface="等线" panose="02010600030101010101" pitchFamily="2" charset="-122"/>
+                <a:ea typeface="等线" panose="02010600030101010101" pitchFamily="2" charset="-122"/>
+              </a:rPr>
+              <a:t>先起</a:t>
+            </a:r>
+            <a:r>
+              <a:rPr lang="en-US" altLang="zh-CN" sz="1600">
+                <a:latin typeface="等线" panose="02010600030101010101" pitchFamily="2" charset="-122"/>
+                <a:ea typeface="等线" panose="02010600030101010101" pitchFamily="2" charset="-122"/>
+              </a:rPr>
+              <a:t>ServiceManager</a:t>
+            </a:r>
+            <a:r>
+              <a:rPr lang="zh-CN" altLang="en-US" sz="1600">
+                <a:latin typeface="等线" panose="02010600030101010101" pitchFamily="2" charset="-122"/>
+                <a:ea typeface="等线" panose="02010600030101010101" pitchFamily="2" charset="-122"/>
+              </a:rPr>
+              <a:t>程序，然后创建服务对象，并把服务注册，最后访问这些服务对象。</a:t>
+            </a:r>
+            <a:endParaRPr lang="en-US" altLang="zh-CN" sz="1600">
+              <a:latin typeface="等线" panose="02010600030101010101" pitchFamily="2" charset="-122"/>
+              <a:ea typeface="等线" panose="02010600030101010101" pitchFamily="2" charset="-122"/>
+            </a:endParaRPr>
+          </a:p>
+          <a:p>
+            <a:r>
+              <a:rPr lang="zh-CN" altLang="en-US" sz="1600">
+                <a:latin typeface="等线" panose="02010600030101010101" pitchFamily="2" charset="-122"/>
+                <a:ea typeface="等线" panose="02010600030101010101" pitchFamily="2" charset="-122"/>
+              </a:rPr>
+              <a:t>假如当前目录：</a:t>
+            </a:r>
+            <a:r>
+              <a:rPr lang="en-US" altLang="zh-CN" sz="1600">
+                <a:latin typeface="等线" panose="02010600030101010101" pitchFamily="2" charset="-122"/>
+                <a:ea typeface="等线" panose="02010600030101010101" pitchFamily="2" charset="-122"/>
+              </a:rPr>
+              <a:t>~/como/out/target/como.linux.x64.rls</a:t>
+            </a:r>
+          </a:p>
+          <a:p>
+            <a:r>
+              <a:rPr lang="zh-CN" altLang="en-US" sz="1600">
+                <a:latin typeface="等线" panose="02010600030101010101" pitchFamily="2" charset="-122"/>
+                <a:ea typeface="等线" panose="02010600030101010101" pitchFamily="2" charset="-122"/>
+              </a:rPr>
+              <a:t>（</a:t>
+            </a:r>
+            <a:r>
+              <a:rPr lang="en-US" altLang="zh-CN" sz="1600">
+                <a:latin typeface="等线" panose="02010600030101010101" pitchFamily="2" charset="-122"/>
+                <a:ea typeface="等线" panose="02010600030101010101" pitchFamily="2" charset="-122"/>
+              </a:rPr>
+              <a:t>”Linux on x64”</a:t>
+            </a:r>
+            <a:r>
+              <a:rPr lang="zh-CN" altLang="en-US" sz="1600">
+                <a:latin typeface="等线" panose="02010600030101010101" pitchFamily="2" charset="-122"/>
+                <a:ea typeface="等线" panose="02010600030101010101" pitchFamily="2" charset="-122"/>
+              </a:rPr>
+              <a:t>环境可以通过 </a:t>
+            </a:r>
+            <a:r>
+              <a:rPr lang="en-US" altLang="zh-CN" sz="1600">
+                <a:latin typeface="等线" panose="02010600030101010101" pitchFamily="2" charset="-122"/>
+                <a:ea typeface="等线" panose="02010600030101010101" pitchFamily="2" charset="-122"/>
+              </a:rPr>
+              <a:t>como_linux_x64 </a:t>
+            </a:r>
+            <a:r>
+              <a:rPr lang="zh-CN" altLang="en-US" sz="1600">
+                <a:latin typeface="等线" panose="02010600030101010101" pitchFamily="2" charset="-122"/>
+                <a:ea typeface="等线" panose="02010600030101010101" pitchFamily="2" charset="-122"/>
+              </a:rPr>
+              <a:t>进入，</a:t>
+            </a:r>
+            <a:r>
+              <a:rPr lang="en-US" altLang="zh-CN" sz="1600">
+                <a:latin typeface="等线" panose="02010600030101010101" pitchFamily="2" charset="-122"/>
+                <a:ea typeface="等线" panose="02010600030101010101" pitchFamily="2" charset="-122"/>
+              </a:rPr>
+              <a:t>aarch64</a:t>
+            </a:r>
+            <a:r>
+              <a:rPr lang="zh-CN" altLang="en-US" sz="1600">
+                <a:latin typeface="等线" panose="02010600030101010101" pitchFamily="2" charset="-122"/>
+                <a:ea typeface="等线" panose="02010600030101010101" pitchFamily="2" charset="-122"/>
+              </a:rPr>
+              <a:t>、</a:t>
+            </a:r>
+            <a:r>
+              <a:rPr lang="en-US" altLang="zh-CN" sz="1600">
+                <a:latin typeface="等线" panose="02010600030101010101" pitchFamily="2" charset="-122"/>
+                <a:ea typeface="等线" panose="02010600030101010101" pitchFamily="2" charset="-122"/>
+              </a:rPr>
+              <a:t>riscv64</a:t>
+            </a:r>
+            <a:r>
+              <a:rPr lang="zh-CN" altLang="en-US" sz="1600">
+                <a:latin typeface="等线" panose="02010600030101010101" pitchFamily="2" charset="-122"/>
+                <a:ea typeface="等线" panose="02010600030101010101" pitchFamily="2" charset="-122"/>
+              </a:rPr>
+              <a:t>同理）</a:t>
+            </a:r>
+            <a:endParaRPr lang="en-US" altLang="zh-CN" sz="1600">
+              <a:latin typeface="等线" panose="02010600030101010101" pitchFamily="2" charset="-122"/>
+              <a:ea typeface="等线" panose="02010600030101010101" pitchFamily="2" charset="-122"/>
+            </a:endParaRPr>
+          </a:p>
+        </p:txBody>
+      </p:sp>
+      <p:graphicFrame>
+        <p:nvGraphicFramePr>
+          <p:cNvPr id="9" name="表格 8">
+            <a:extLst>
+              <a:ext uri="{FF2B5EF4-FFF2-40B4-BE49-F238E27FC236}">
+                <a16:creationId xmlns:a16="http://schemas.microsoft.com/office/drawing/2014/main" id="{F8B17C9B-09FB-4A4D-87C5-35FD9F9DA573}"/>
+              </a:ext>
+            </a:extLst>
+          </p:cNvPr>
+          <p:cNvGraphicFramePr>
+            <a:graphicFrameLocks noGrp="1"/>
+          </p:cNvGraphicFramePr>
+          <p:nvPr>
+            <p:extLst>
+              <p:ext uri="{D42A27DB-BD31-4B8C-83A1-F6EECF244321}">
+                <p14:modId xmlns:p14="http://schemas.microsoft.com/office/powerpoint/2010/main" val="3260970577"/>
+              </p:ext>
+            </p:extLst>
+          </p:nvPr>
+        </p:nvGraphicFramePr>
+        <p:xfrm>
+          <a:off x="690963" y="2205990"/>
+          <a:ext cx="8134543" cy="640080"/>
+        </p:xfrm>
+        <a:graphic>
+          <a:graphicData uri="http://schemas.openxmlformats.org/drawingml/2006/table">
+            <a:tbl>
+              <a:tblPr firstRow="1" bandRow="1">
+                <a:tableStyleId>{7DF18680-E054-41AD-8BC1-D1AEF772440D}</a:tableStyleId>
+              </a:tblPr>
+              <a:tblGrid>
+                <a:gridCol w="8134543">
+                  <a:extLst>
+                    <a:ext uri="{9D8B030D-6E8A-4147-A177-3AD203B41FA5}">
+                      <a16:colId xmlns:a16="http://schemas.microsoft.com/office/drawing/2014/main" val="4209988738"/>
+                    </a:ext>
+                  </a:extLst>
+                </a:gridCol>
+              </a:tblGrid>
+              <a:tr h="370840">
+                <a:tc>
+                  <a:txBody>
+                    <a:bodyPr/>
+                    <a:lstStyle/>
+                    <a:p>
+                      <a:pPr marL="0" algn="l" defTabSz="685800" rtl="0" eaLnBrk="1" latinLnBrk="0" hangingPunct="1"/>
+                      <a:r>
+                        <a:rPr lang="en-US" altLang="zh-CN" sz="1200" b="0" kern="1200">
+                          <a:solidFill>
+                            <a:schemeClr val="lt1"/>
+                          </a:solidFill>
+                          <a:latin typeface="Lucida Console" panose="020B0609040504020204" pitchFamily="49" charset="0"/>
+                          <a:ea typeface="+mn-ea"/>
+                          <a:cs typeface="Times New Roman" panose="02020603050405020304" pitchFamily="18" charset="0"/>
+                        </a:rPr>
+                        <a:t>./servicemanager/exe/linux/servicemanager</a:t>
+                      </a:r>
+                    </a:p>
+                    <a:p>
+                      <a:pPr marL="0" algn="l" defTabSz="685800" rtl="0" eaLnBrk="1" latinLnBrk="0" hangingPunct="1"/>
+                      <a:r>
+                        <a:rPr lang="en-US" altLang="zh-CN" sz="1200" b="0" kern="1200">
+                          <a:solidFill>
+                            <a:schemeClr val="lt1"/>
+                          </a:solidFill>
+                          <a:latin typeface="Lucida Console" panose="020B0609040504020204" pitchFamily="49" charset="0"/>
+                          <a:ea typeface="+mn-ea"/>
+                          <a:cs typeface="Times New Roman" panose="02020603050405020304" pitchFamily="18" charset="0"/>
+                        </a:rPr>
+                        <a:t>./test/runtime/rpc/service/testRPCSrv</a:t>
+                      </a:r>
+                    </a:p>
+                    <a:p>
+                      <a:pPr marL="0" algn="l" defTabSz="685800" rtl="0" eaLnBrk="1" latinLnBrk="0" hangingPunct="1"/>
+                      <a:r>
+                        <a:rPr lang="en-US" altLang="zh-CN" sz="1200" b="0" kern="1200">
+                          <a:solidFill>
+                            <a:schemeClr val="lt1"/>
+                          </a:solidFill>
+                          <a:latin typeface="Lucida Console" panose="020B0609040504020204" pitchFamily="49" charset="0"/>
+                          <a:ea typeface="+mn-ea"/>
+                          <a:cs typeface="Times New Roman" panose="02020603050405020304" pitchFamily="18" charset="0"/>
+                        </a:rPr>
+                        <a:t>./test/runtime/rpc/client/testRPCCli</a:t>
+                      </a:r>
+                    </a:p>
+                  </a:txBody>
+                  <a:tcPr/>
+                </a:tc>
+                <a:extLst>
+                  <a:ext uri="{0D108BD9-81ED-4DB2-BD59-A6C34878D82A}">
+                    <a16:rowId xmlns:a16="http://schemas.microsoft.com/office/drawing/2014/main" val="2175940703"/>
+                  </a:ext>
+                </a:extLst>
+              </a:tr>
+            </a:tbl>
+          </a:graphicData>
+        </a:graphic>
+      </p:graphicFrame>
+      <p:graphicFrame>
+        <p:nvGraphicFramePr>
+          <p:cNvPr id="10" name="表格 9">
+            <a:extLst>
+              <a:ext uri="{FF2B5EF4-FFF2-40B4-BE49-F238E27FC236}">
+                <a16:creationId xmlns:a16="http://schemas.microsoft.com/office/drawing/2014/main" id="{445879F8-8D26-4435-8704-36118150278D}"/>
+              </a:ext>
+            </a:extLst>
+          </p:cNvPr>
+          <p:cNvGraphicFramePr>
+            <a:graphicFrameLocks noGrp="1"/>
+          </p:cNvGraphicFramePr>
+          <p:nvPr>
+            <p:extLst>
+              <p:ext uri="{D42A27DB-BD31-4B8C-83A1-F6EECF244321}">
+                <p14:modId xmlns:p14="http://schemas.microsoft.com/office/powerpoint/2010/main" val="1359979501"/>
+              </p:ext>
+            </p:extLst>
+          </p:nvPr>
+        </p:nvGraphicFramePr>
+        <p:xfrm>
+          <a:off x="690963" y="3871334"/>
+          <a:ext cx="8134544" cy="487680"/>
+        </p:xfrm>
+        <a:graphic>
+          <a:graphicData uri="http://schemas.openxmlformats.org/drawingml/2006/table">
+            <a:tbl>
+              <a:tblPr firstRow="1" bandRow="1">
+                <a:tableStyleId>{7DF18680-E054-41AD-8BC1-D1AEF772440D}</a:tableStyleId>
+              </a:tblPr>
+              <a:tblGrid>
+                <a:gridCol w="8134544">
+                  <a:extLst>
+                    <a:ext uri="{9D8B030D-6E8A-4147-A177-3AD203B41FA5}">
+                      <a16:colId xmlns:a16="http://schemas.microsoft.com/office/drawing/2014/main" val="3683319711"/>
+                    </a:ext>
+                  </a:extLst>
+                </a:gridCol>
+              </a:tblGrid>
+              <a:tr h="370840">
+                <a:tc>
+                  <a:txBody>
+                    <a:bodyPr/>
+                    <a:lstStyle/>
+                    <a:p>
+                      <a:pPr marL="0" marR="0" lvl="0" indent="0" algn="l" defTabSz="685800" rtl="0" eaLnBrk="1" fontAlgn="auto" latinLnBrk="0" hangingPunct="1">
+                        <a:lnSpc>
+                          <a:spcPct val="100000"/>
+                        </a:lnSpc>
+                        <a:spcBef>
+                          <a:spcPts val="0"/>
+                        </a:spcBef>
+                        <a:spcAft>
+                          <a:spcPts val="0"/>
+                        </a:spcAft>
+                        <a:buClrTx/>
+                        <a:buSzTx/>
+                        <a:buFontTx/>
+                        <a:buNone/>
+                        <a:tabLst/>
+                        <a:defRPr/>
+                      </a:pPr>
+                      <a:r>
+                        <a:rPr lang="en-US" altLang="zh-CN" sz="1200" b="0" kern="1200">
+                          <a:solidFill>
+                            <a:schemeClr val="lt1"/>
+                          </a:solidFill>
+                          <a:latin typeface="Lucida Console" panose="020B0609040504020204" pitchFamily="49" charset="0"/>
+                          <a:ea typeface="+mn-ea"/>
+                          <a:cs typeface="Times New Roman" panose="02020603050405020304" pitchFamily="18" charset="0"/>
+                        </a:rPr>
+                        <a:t>export LIB_PATH=$/como/como/out/target/como.linux.x64.dbg/./test/runtime/rpc/component</a:t>
+                      </a:r>
+                      <a:endParaRPr lang="zh-CN" altLang="en-US" sz="1200" b="0" kern="1200">
+                        <a:solidFill>
+                          <a:schemeClr val="lt1"/>
+                        </a:solidFill>
+                        <a:latin typeface="Lucida Console" panose="020B0609040504020204" pitchFamily="49" charset="0"/>
+                        <a:ea typeface="+mn-ea"/>
+                        <a:cs typeface="Times New Roman" panose="02020603050405020304" pitchFamily="18" charset="0"/>
+                      </a:endParaRPr>
+                    </a:p>
+                    <a:p>
+                      <a:endParaRPr lang="zh-CN" altLang="en-US"/>
+                    </a:p>
+                  </a:txBody>
+                  <a:tcPr/>
+                </a:tc>
+                <a:extLst>
+                  <a:ext uri="{0D108BD9-81ED-4DB2-BD59-A6C34878D82A}">
+                    <a16:rowId xmlns:a16="http://schemas.microsoft.com/office/drawing/2014/main" val="334683120"/>
+                  </a:ext>
+                </a:extLst>
+              </a:tr>
+            </a:tbl>
+          </a:graphicData>
+        </a:graphic>
+      </p:graphicFrame>
+      <p:sp>
+        <p:nvSpPr>
+          <p:cNvPr id="11" name="矩形 10">
+            <a:extLst>
+              <a:ext uri="{FF2B5EF4-FFF2-40B4-BE49-F238E27FC236}">
+                <a16:creationId xmlns:a16="http://schemas.microsoft.com/office/drawing/2014/main" id="{50AA6F3C-AFC3-471F-BFA4-C1A31DF53E75}"/>
+              </a:ext>
+            </a:extLst>
+          </p:cNvPr>
+          <p:cNvSpPr/>
+          <p:nvPr/>
+        </p:nvSpPr>
+        <p:spPr>
+          <a:xfrm>
+            <a:off x="568325" y="3014000"/>
+            <a:ext cx="8257181" cy="830997"/>
+          </a:xfrm>
+          <a:prstGeom prst="rect">
+            <a:avLst/>
+          </a:prstGeom>
+        </p:spPr>
+        <p:txBody>
+          <a:bodyPr wrap="square">
+            <a:spAutoFit/>
+          </a:bodyPr>
+          <a:lstStyle/>
+          <a:p>
+            <a:r>
+              <a:rPr lang="zh-CN" altLang="en-US" sz="1600">
+                <a:latin typeface="等线" panose="02010600030101010101" pitchFamily="2" charset="-122"/>
+                <a:ea typeface="等线" panose="02010600030101010101" pitchFamily="2" charset="-122"/>
+              </a:rPr>
+              <a:t>起动创建服务对象程序</a:t>
+            </a:r>
+            <a:r>
+              <a:rPr lang="en-US" altLang="zh-CN" sz="1600"/>
+              <a:t>testRPCSrv</a:t>
+            </a:r>
+            <a:r>
+              <a:rPr lang="zh-CN" altLang="en-US" sz="1600">
+                <a:latin typeface="等线" panose="02010600030101010101" pitchFamily="2" charset="-122"/>
+                <a:ea typeface="等线" panose="02010600030101010101" pitchFamily="2" charset="-122"/>
+              </a:rPr>
+              <a:t> 和 起动测试程序</a:t>
+            </a:r>
+            <a:r>
+              <a:rPr lang="en-US" altLang="zh-CN" sz="1600"/>
+              <a:t>testRPCCli</a:t>
+            </a:r>
+            <a:r>
+              <a:rPr lang="zh-CN" altLang="en-US" sz="1600"/>
+              <a:t>前，要把相应的</a:t>
+            </a:r>
+            <a:r>
+              <a:rPr lang="en-US" altLang="zh-CN" sz="1600"/>
+              <a:t>COMO</a:t>
+            </a:r>
+            <a:r>
+              <a:rPr lang="zh-CN" altLang="en-US" sz="1600"/>
+              <a:t>构件编译结果（</a:t>
+            </a:r>
+            <a:r>
+              <a:rPr lang="en-US" altLang="zh-CN" sz="1600"/>
+              <a:t>.so</a:t>
+            </a:r>
+            <a:r>
+              <a:rPr lang="zh-CN" altLang="en-US" sz="1600"/>
+              <a:t>文件）放到系统的动态链接库搜索路径中，或者通过环境变量</a:t>
+            </a:r>
+            <a:r>
+              <a:rPr lang="en-US" altLang="zh-CN" sz="1600"/>
+              <a:t>LIB_PATH</a:t>
+            </a:r>
+            <a:r>
+              <a:rPr lang="zh-CN" altLang="en-US" sz="1600"/>
+              <a:t>告诉</a:t>
+            </a:r>
+            <a:r>
+              <a:rPr lang="en-US" altLang="zh-CN" sz="1600"/>
+              <a:t>COMO</a:t>
+            </a:r>
+            <a:r>
+              <a:rPr lang="zh-CN" altLang="en-US" sz="1600"/>
+              <a:t>运行时到哪里去找</a:t>
+            </a:r>
+            <a:r>
+              <a:rPr lang="en-US" altLang="zh-CN" sz="1600"/>
+              <a:t>COMO</a:t>
+            </a:r>
+            <a:r>
+              <a:rPr lang="zh-CN" altLang="en-US" sz="1600"/>
+              <a:t>构件</a:t>
+            </a:r>
+            <a:r>
+              <a:rPr lang="zh-CN" altLang="en-US" sz="1600">
+                <a:latin typeface="等线" panose="02010600030101010101" pitchFamily="2" charset="-122"/>
+                <a:ea typeface="等线" panose="02010600030101010101" pitchFamily="2" charset="-122"/>
+              </a:rPr>
+              <a:t>。</a:t>
+            </a:r>
+            <a:endParaRPr lang="en-US" altLang="zh-CN" sz="1600">
+              <a:latin typeface="等线" panose="02010600030101010101" pitchFamily="2" charset="-122"/>
+              <a:ea typeface="等线" panose="02010600030101010101" pitchFamily="2" charset="-122"/>
+            </a:endParaRPr>
+          </a:p>
+        </p:txBody>
+      </p:sp>
+    </p:spTree>
+    <p:extLst>
+      <p:ext uri="{BB962C8B-B14F-4D97-AF65-F5344CB8AC3E}">
+        <p14:creationId xmlns:p14="http://schemas.microsoft.com/office/powerpoint/2010/main" val="4043787369"/>
+      </p:ext>
+    </p:extLst>
+  </p:cSld>
+  <p:clrMapOvr>
+    <a:masterClrMapping/>
+  </p:clrMapOvr>
+</p:sld>
+</file>
+
+<file path=ppt/slides/slide23.xml><?xml version="1.0" encoding="utf-8"?>
+<p:sld xmlns:a="http://schemas.openxmlformats.org/drawingml/2006/main" xmlns:r="http://schemas.openxmlformats.org/officeDocument/2006/relationships" xmlns:p="http://schemas.openxmlformats.org/presentationml/2006/main">
+  <p:cSld>
+    <p:spTree>
+      <p:nvGrpSpPr>
+        <p:cNvPr id="1" name=""/>
+        <p:cNvGrpSpPr/>
+        <p:nvPr/>
+      </p:nvGrpSpPr>
+      <p:grpSpPr>
+        <a:xfrm>
+          <a:off x="0" y="0"/>
+          <a:ext cx="0" cy="0"/>
+          <a:chOff x="0" y="0"/>
+          <a:chExt cx="0" cy="0"/>
+        </a:xfrm>
+      </p:grpSpPr>
+      <p:sp>
+        <p:nvSpPr>
+          <p:cNvPr id="2" name="标题 1">
+            <a:extLst>
+              <a:ext uri="{FF2B5EF4-FFF2-40B4-BE49-F238E27FC236}">
+                <a16:creationId xmlns:a16="http://schemas.microsoft.com/office/drawing/2014/main" id="{830ABB8D-9A32-4DB4-8880-FE025AF2EA63}"/>
+              </a:ext>
+            </a:extLst>
+          </p:cNvPr>
+          <p:cNvSpPr>
+            <a:spLocks noGrp="1"/>
+          </p:cNvSpPr>
+          <p:nvPr>
+            <p:ph type="title"/>
+          </p:nvPr>
+        </p:nvSpPr>
+        <p:spPr/>
+        <p:txBody>
+          <a:bodyPr/>
+          <a:lstStyle/>
+          <a:p>
+            <a:r>
+              <a:rPr lang="en-US" altLang="zh-CN"/>
+              <a:t>COMO RPC</a:t>
+            </a:r>
+            <a:r>
+              <a:rPr lang="zh-CN" altLang="en-US"/>
+              <a:t>实验</a:t>
+            </a:r>
+            <a:br>
+              <a:rPr lang="en-US" altLang="zh-CN"/>
+            </a:br>
+            <a:r>
+              <a:rPr lang="en-US" altLang="zh-CN" sz="1800"/>
+              <a:t>src:$/como/test/runtime/rpc</a:t>
+            </a:r>
+            <a:endParaRPr lang="zh-CN" altLang="en-US" sz="1800"/>
+          </a:p>
+        </p:txBody>
+      </p:sp>
+      <p:sp>
+        <p:nvSpPr>
+          <p:cNvPr id="3" name="日期占位符 2">
+            <a:extLst>
+              <a:ext uri="{FF2B5EF4-FFF2-40B4-BE49-F238E27FC236}">
+                <a16:creationId xmlns:a16="http://schemas.microsoft.com/office/drawing/2014/main" id="{02542E93-90EC-49A7-8A2F-BCFE86776715}"/>
+              </a:ext>
+            </a:extLst>
+          </p:cNvPr>
+          <p:cNvSpPr>
+            <a:spLocks noGrp="1"/>
+          </p:cNvSpPr>
+          <p:nvPr>
+            <p:ph type="dt" sz="half" idx="10"/>
+          </p:nvPr>
+        </p:nvSpPr>
+        <p:spPr/>
+        <p:txBody>
+          <a:bodyPr/>
+          <a:lstStyle/>
+          <a:p>
+            <a:fld id="{C8218E9C-D97C-46B7-9115-F8A90873817C}" type="datetime1">
+              <a:rPr lang="zh-CN" altLang="en-US" smtClean="0">
+                <a:solidFill>
+                  <a:srgbClr val="000000"/>
+                </a:solidFill>
+              </a:rPr>
+              <a:pPr/>
+              <a:t>2021/2/26</a:t>
+            </a:fld>
+            <a:endParaRPr lang="zh-CN" altLang="en-US">
+              <a:solidFill>
+                <a:srgbClr val="000000"/>
+              </a:solidFill>
+            </a:endParaRPr>
+          </a:p>
+        </p:txBody>
+      </p:sp>
+      <p:sp>
+        <p:nvSpPr>
+          <p:cNvPr id="4" name="页脚占位符 3">
+            <a:extLst>
+              <a:ext uri="{FF2B5EF4-FFF2-40B4-BE49-F238E27FC236}">
+                <a16:creationId xmlns:a16="http://schemas.microsoft.com/office/drawing/2014/main" id="{C59335BE-7D47-47CE-8C29-3B1B0116A2E2}"/>
+              </a:ext>
+            </a:extLst>
+          </p:cNvPr>
+          <p:cNvSpPr>
+            <a:spLocks noGrp="1"/>
+          </p:cNvSpPr>
+          <p:nvPr>
+            <p:ph type="ftr" sz="quarter" idx="11"/>
+          </p:nvPr>
+        </p:nvSpPr>
+        <p:spPr/>
+        <p:txBody>
+          <a:bodyPr/>
+          <a:lstStyle/>
+          <a:p>
+            <a:r>
+              <a:rPr lang="zh-CN" altLang="en-US">
+                <a:solidFill>
+                  <a:srgbClr val="000000"/>
+                </a:solidFill>
+              </a:rPr>
+              <a:t>同济大学电子与信息工程学院 裴喜龙</a:t>
+            </a:r>
+          </a:p>
+        </p:txBody>
+      </p:sp>
+      <p:sp>
+        <p:nvSpPr>
+          <p:cNvPr id="5" name="灯片编号占位符 4">
+            <a:extLst>
+              <a:ext uri="{FF2B5EF4-FFF2-40B4-BE49-F238E27FC236}">
+                <a16:creationId xmlns:a16="http://schemas.microsoft.com/office/drawing/2014/main" id="{8B95508A-BD5D-4836-A2B6-76E5719427FC}"/>
+              </a:ext>
+            </a:extLst>
+          </p:cNvPr>
+          <p:cNvSpPr>
+            <a:spLocks noGrp="1"/>
+          </p:cNvSpPr>
+          <p:nvPr>
+            <p:ph type="sldNum" sz="quarter" idx="12"/>
+          </p:nvPr>
+        </p:nvSpPr>
+        <p:spPr/>
+        <p:txBody>
+          <a:bodyPr/>
+          <a:lstStyle/>
+          <a:p>
+            <a:fld id="{C3E0ADDA-F6F8-47AE-B57D-5BE0E215DE8A}" type="slidenum">
+              <a:rPr lang="zh-CN" altLang="en-US" smtClean="0">
+                <a:solidFill>
+                  <a:srgbClr val="000000"/>
+                </a:solidFill>
+              </a:rPr>
+              <a:pPr/>
+              <a:t>23</a:t>
+            </a:fld>
+            <a:endParaRPr lang="zh-CN" altLang="en-US">
+              <a:solidFill>
+                <a:srgbClr val="000000"/>
+              </a:solidFill>
+            </a:endParaRPr>
+          </a:p>
+        </p:txBody>
+      </p:sp>
+      <p:pic>
+        <p:nvPicPr>
+          <p:cNvPr id="8" name="图片 7">
+            <a:extLst>
+              <a:ext uri="{FF2B5EF4-FFF2-40B4-BE49-F238E27FC236}">
+                <a16:creationId xmlns:a16="http://schemas.microsoft.com/office/drawing/2014/main" id="{28D61EDB-9EBF-4C5B-91A8-AE1C0F34EF57}"/>
+              </a:ext>
+            </a:extLst>
+          </p:cNvPr>
+          <p:cNvPicPr>
+            <a:picLocks noChangeAspect="1"/>
+          </p:cNvPicPr>
+          <p:nvPr/>
+        </p:nvPicPr>
+        <p:blipFill>
+          <a:blip r:embed="rId3">
+            <a:extLst>
+              <a:ext uri="{28A0092B-C50C-407E-A947-70E740481C1C}">
+                <a14:useLocalDpi xmlns:a14="http://schemas.microsoft.com/office/drawing/2010/main" val="0"/>
+              </a:ext>
+            </a:extLst>
+          </a:blip>
+          <a:stretch>
+            <a:fillRect/>
+          </a:stretch>
+        </p:blipFill>
+        <p:spPr>
+          <a:xfrm>
+            <a:off x="945122" y="1707654"/>
+            <a:ext cx="6608500" cy="2804018"/>
+          </a:xfrm>
+          <a:prstGeom prst="rect">
+            <a:avLst/>
+          </a:prstGeom>
+        </p:spPr>
+      </p:pic>
+      <p:sp>
+        <p:nvSpPr>
+          <p:cNvPr id="12" name="矩形 11">
+            <a:extLst>
+              <a:ext uri="{FF2B5EF4-FFF2-40B4-BE49-F238E27FC236}">
+                <a16:creationId xmlns:a16="http://schemas.microsoft.com/office/drawing/2014/main" id="{D73A543F-BCB8-49B2-BFA8-AE91CF2B4562}"/>
+              </a:ext>
+            </a:extLst>
+          </p:cNvPr>
+          <p:cNvSpPr/>
+          <p:nvPr/>
+        </p:nvSpPr>
+        <p:spPr>
+          <a:xfrm>
+            <a:off x="574675" y="1312867"/>
+            <a:ext cx="1107996" cy="369332"/>
+          </a:xfrm>
+          <a:prstGeom prst="rect">
+            <a:avLst/>
+          </a:prstGeom>
+        </p:spPr>
+        <p:txBody>
+          <a:bodyPr wrap="none">
+            <a:spAutoFit/>
+          </a:bodyPr>
+          <a:lstStyle/>
+          <a:p>
+            <a:r>
+              <a:rPr lang="zh-CN" altLang="en-US"/>
+              <a:t>运行结果</a:t>
+            </a:r>
+          </a:p>
+        </p:txBody>
+      </p:sp>
+    </p:spTree>
+    <p:extLst>
+      <p:ext uri="{BB962C8B-B14F-4D97-AF65-F5344CB8AC3E}">
+        <p14:creationId xmlns:p14="http://schemas.microsoft.com/office/powerpoint/2010/main" val="137109513"/>
       </p:ext>
     </p:extLst>
   </p:cSld>
@@ -11397,7 +12437,7 @@
                 </a:solidFill>
               </a:rPr>
               <a:pPr/>
-              <a:t>2021/2/25</a:t>
+              <a:t>2021/2/26</a:t>
             </a:fld>
             <a:endParaRPr lang="zh-CN" altLang="en-US">
               <a:solidFill>
@@ -11780,7 +12820,7 @@
                 </a:solidFill>
               </a:rPr>
               <a:pPr/>
-              <a:t>2021/2/25</a:t>
+              <a:t>2021/2/26</a:t>
             </a:fld>
             <a:endParaRPr lang="zh-CN" altLang="en-US">
               <a:solidFill>
@@ -11957,7 +12997,7 @@
           <a:graphicData uri="http://schemas.openxmlformats.org/presentationml/2006/ole">
             <mc:AlternateContent xmlns:mc="http://schemas.openxmlformats.org/markup-compatibility/2006">
               <mc:Choice xmlns:v="urn:schemas-microsoft-com:vml" Requires="v">
-                <p:oleObj spid="_x0000_s1126" name="Visio" r:id="rId3" imgW="4125485" imgH="1874914" progId="Visio.Drawing.11">
+                <p:oleObj spid="_x0000_s1133" name="Visio" r:id="rId3" imgW="4125485" imgH="1874914" progId="Visio.Drawing.11">
                   <p:embed/>
                 </p:oleObj>
               </mc:Choice>
@@ -12439,7 +13479,7 @@
                 </a:solidFill>
               </a:rPr>
               <a:pPr/>
-              <a:t>2021/2/25</a:t>
+              <a:t>2021/2/26</a:t>
             </a:fld>
             <a:endParaRPr lang="zh-CN" altLang="en-US">
               <a:solidFill>
@@ -12645,7 +13685,7 @@
                 </a:solidFill>
               </a:rPr>
               <a:pPr/>
-              <a:t>2021/2/25</a:t>
+              <a:t>2021/2/26</a:t>
             </a:fld>
             <a:endParaRPr lang="zh-CN" altLang="en-US">
               <a:solidFill>
@@ -12894,7 +13934,7 @@
                 </a:solidFill>
               </a:rPr>
               <a:pPr/>
-              <a:t>2021/2/25</a:t>
+              <a:t>2021/2/26</a:t>
             </a:fld>
             <a:endParaRPr lang="zh-CN" altLang="en-US">
               <a:solidFill>
@@ -13173,7 +14213,7 @@
                 </a:solidFill>
               </a:rPr>
               <a:pPr/>
-              <a:t>2021/2/25</a:t>
+              <a:t>2021/2/26</a:t>
             </a:fld>
             <a:endParaRPr lang="zh-CN" altLang="en-US">
               <a:solidFill>
@@ -13422,7 +14462,7 @@
                 </a:solidFill>
               </a:rPr>
               <a:pPr/>
-              <a:t>2021/2/25</a:t>
+              <a:t>2021/2/26</a:t>
             </a:fld>
             <a:endParaRPr lang="zh-CN" altLang="en-US">
               <a:solidFill>

--- a/COMO远程过程调用RPC/COMO远程过程调用RPC原理.pptx
+++ b/COMO远程过程调用RPC/COMO远程过程调用RPC原理.pptx
@@ -5,32 +5,33 @@
     <p:sldMasterId id="2147483672" r:id="rId1"/>
   </p:sldMasterIdLst>
   <p:notesMasterIdLst>
-    <p:notesMasterId r:id="rId25"/>
+    <p:notesMasterId r:id="rId26"/>
   </p:notesMasterIdLst>
   <p:sldIdLst>
     <p:sldId id="259" r:id="rId2"/>
     <p:sldId id="300" r:id="rId3"/>
     <p:sldId id="291" r:id="rId4"/>
     <p:sldId id="293" r:id="rId5"/>
-    <p:sldId id="294" r:id="rId6"/>
-    <p:sldId id="286" r:id="rId7"/>
-    <p:sldId id="287" r:id="rId8"/>
-    <p:sldId id="289" r:id="rId9"/>
-    <p:sldId id="290" r:id="rId10"/>
-    <p:sldId id="292" r:id="rId11"/>
-    <p:sldId id="288" r:id="rId12"/>
-    <p:sldId id="296" r:id="rId13"/>
-    <p:sldId id="306" r:id="rId14"/>
-    <p:sldId id="295" r:id="rId15"/>
-    <p:sldId id="299" r:id="rId16"/>
-    <p:sldId id="303" r:id="rId17"/>
-    <p:sldId id="302" r:id="rId18"/>
-    <p:sldId id="304" r:id="rId19"/>
-    <p:sldId id="301" r:id="rId20"/>
-    <p:sldId id="305" r:id="rId21"/>
-    <p:sldId id="298" r:id="rId22"/>
-    <p:sldId id="307" r:id="rId23"/>
-    <p:sldId id="308" r:id="rId24"/>
+    <p:sldId id="309" r:id="rId6"/>
+    <p:sldId id="294" r:id="rId7"/>
+    <p:sldId id="286" r:id="rId8"/>
+    <p:sldId id="287" r:id="rId9"/>
+    <p:sldId id="289" r:id="rId10"/>
+    <p:sldId id="290" r:id="rId11"/>
+    <p:sldId id="292" r:id="rId12"/>
+    <p:sldId id="288" r:id="rId13"/>
+    <p:sldId id="296" r:id="rId14"/>
+    <p:sldId id="306" r:id="rId15"/>
+    <p:sldId id="295" r:id="rId16"/>
+    <p:sldId id="299" r:id="rId17"/>
+    <p:sldId id="303" r:id="rId18"/>
+    <p:sldId id="302" r:id="rId19"/>
+    <p:sldId id="304" r:id="rId20"/>
+    <p:sldId id="301" r:id="rId21"/>
+    <p:sldId id="305" r:id="rId22"/>
+    <p:sldId id="298" r:id="rId23"/>
+    <p:sldId id="307" r:id="rId24"/>
+    <p:sldId id="308" r:id="rId25"/>
   </p:sldIdLst>
   <p:sldSz cx="9144000" cy="5143500" type="screen16x9"/>
   <p:notesSz cx="6858000" cy="9144000"/>
@@ -230,7 +231,7 @@
           <a:p>
             <a:fld id="{DD40F30B-CB11-433D-97B6-C06E2ACA5E41}" type="datetimeFigureOut">
               <a:rPr lang="zh-CN" altLang="en-US" smtClean="0"/>
-              <a:t>2021/2/26</a:t>
+              <a:t>2022/4/7</a:t>
             </a:fld>
             <a:endParaRPr lang="zh-CN" altLang="en-US"/>
           </a:p>
@@ -955,7 +956,7 @@
           <a:p>
             <a:fld id="{A0A1136C-A583-443F-BFB8-8C44A303D626}" type="slidenum">
               <a:rPr lang="zh-CN" altLang="en-US" smtClean="0"/>
-              <a:t>12</a:t>
+              <a:t>13</a:t>
             </a:fld>
             <a:endParaRPr lang="zh-CN" altLang="en-US"/>
           </a:p>
@@ -1432,7 +1433,7 @@
           <a:p>
             <a:fld id="{A0A1136C-A583-443F-BFB8-8C44A303D626}" type="slidenum">
               <a:rPr lang="zh-CN" altLang="en-US" smtClean="0"/>
-              <a:t>13</a:t>
+              <a:t>14</a:t>
             </a:fld>
             <a:endParaRPr lang="zh-CN" altLang="en-US"/>
           </a:p>
@@ -1516,7 +1517,7 @@
           <a:p>
             <a:fld id="{A0A1136C-A583-443F-BFB8-8C44A303D626}" type="slidenum">
               <a:rPr lang="zh-CN" altLang="en-US" smtClean="0"/>
-              <a:t>22</a:t>
+              <a:t>23</a:t>
             </a:fld>
             <a:endParaRPr lang="zh-CN" altLang="en-US"/>
           </a:p>
@@ -1600,7 +1601,7 @@
           <a:p>
             <a:fld id="{A0A1136C-A583-443F-BFB8-8C44A303D626}" type="slidenum">
               <a:rPr lang="zh-CN" altLang="en-US" smtClean="0"/>
-              <a:t>23</a:t>
+              <a:t>24</a:t>
             </a:fld>
             <a:endParaRPr lang="zh-CN" altLang="en-US"/>
           </a:p>
@@ -1844,7 +1845,7 @@
                 </a:solidFill>
               </a:rPr>
               <a:pPr/>
-              <a:t>2021/2/26</a:t>
+              <a:t>2022/4/7</a:t>
             </a:fld>
             <a:endParaRPr lang="zh-CN" altLang="en-US">
               <a:solidFill>
@@ -2061,7 +2062,7 @@
                 </a:solidFill>
               </a:rPr>
               <a:pPr/>
-              <a:t>2021/2/26</a:t>
+              <a:t>2022/4/7</a:t>
             </a:fld>
             <a:endParaRPr lang="zh-CN" altLang="en-US">
               <a:solidFill>
@@ -2282,7 +2283,7 @@
                 </a:solidFill>
               </a:rPr>
               <a:pPr/>
-              <a:t>2021/2/26</a:t>
+              <a:t>2022/4/7</a:t>
             </a:fld>
             <a:endParaRPr lang="zh-CN" altLang="en-US">
               <a:solidFill>
@@ -2493,7 +2494,7 @@
                 </a:solidFill>
               </a:rPr>
               <a:pPr/>
-              <a:t>2021/2/26</a:t>
+              <a:t>2022/4/7</a:t>
             </a:fld>
             <a:endParaRPr lang="zh-CN" altLang="en-US">
               <a:solidFill>
@@ -2727,7 +2728,7 @@
                 </a:solidFill>
               </a:rPr>
               <a:pPr/>
-              <a:t>2021/2/26</a:t>
+              <a:t>2022/4/7</a:t>
             </a:fld>
             <a:endParaRPr lang="zh-CN" altLang="en-US">
               <a:solidFill>
@@ -3055,7 +3056,7 @@
                 </a:solidFill>
               </a:rPr>
               <a:pPr/>
-              <a:t>2021/2/26</a:t>
+              <a:t>2022/4/7</a:t>
             </a:fld>
             <a:endParaRPr lang="zh-CN" altLang="en-US">
               <a:solidFill>
@@ -3522,7 +3523,7 @@
                 </a:solidFill>
               </a:rPr>
               <a:pPr/>
-              <a:t>2021/2/26</a:t>
+              <a:t>2022/4/7</a:t>
             </a:fld>
             <a:endParaRPr lang="zh-CN" altLang="en-US">
               <a:solidFill>
@@ -3682,7 +3683,7 @@
                 </a:solidFill>
               </a:rPr>
               <a:pPr/>
-              <a:t>2021/2/26</a:t>
+              <a:t>2022/4/7</a:t>
             </a:fld>
             <a:endParaRPr lang="zh-CN" altLang="en-US">
               <a:solidFill>
@@ -3820,7 +3821,7 @@
                 </a:solidFill>
               </a:rPr>
               <a:pPr/>
-              <a:t>2021/2/26</a:t>
+              <a:t>2022/4/7</a:t>
             </a:fld>
             <a:endParaRPr lang="zh-CN" altLang="en-US">
               <a:solidFill>
@@ -4138,7 +4139,7 @@
                 </a:solidFill>
               </a:rPr>
               <a:pPr/>
-              <a:t>2021/2/26</a:t>
+              <a:t>2022/4/7</a:t>
             </a:fld>
             <a:endParaRPr lang="zh-CN" altLang="en-US">
               <a:solidFill>
@@ -4437,7 +4438,7 @@
                 </a:solidFill>
               </a:rPr>
               <a:pPr/>
-              <a:t>2021/2/26</a:t>
+              <a:t>2022/4/7</a:t>
             </a:fld>
             <a:endParaRPr lang="zh-CN" altLang="en-US">
               <a:solidFill>
@@ -4955,7 +4956,7 @@
                 </a:solidFill>
               </a:rPr>
               <a:pPr defTabSz="685800"/>
-              <a:t>2021/2/26</a:t>
+              <a:t>2022/4/7</a:t>
             </a:fld>
             <a:endParaRPr lang="zh-CN" altLang="en-US">
               <a:solidFill>
@@ -5720,7 +5721,7 @@
                 </a:solidFill>
               </a:rPr>
               <a:pPr/>
-              <a:t>2021/2/26</a:t>
+              <a:t>2022/4/7</a:t>
             </a:fld>
             <a:endParaRPr lang="zh-CN" altLang="en-US">
               <a:solidFill>
@@ -5924,7 +5925,7 @@
             </a:br>
             <a:r>
               <a:rPr lang="en-US" altLang="zh-CN" sz="1800"/>
-              <a:t>CoCreateProxy ()</a:t>
+              <a:t>UnmarshalInterface()</a:t>
             </a:r>
             <a:endParaRPr lang="zh-CN" altLang="en-US" sz="1800"/>
           </a:p>
@@ -5957,15 +5958,7 @@
             </a:r>
             <a:r>
               <a:rPr lang="pt-BR" altLang="zh-CN" sz="1200"/>
-              <a:t>/como/como/runtime/rpc</a:t>
-            </a:r>
-            <a:r>
-              <a:rPr lang="en-US" altLang="zh-CN" sz="1200"/>
-              <a:t>/</a:t>
-            </a:r>
-            <a:r>
-              <a:rPr lang="pt-BR" altLang="zh-CN" sz="1200"/>
-              <a:t>comorpc.cpp</a:t>
+              <a:t>/como/como/como/runtime/rpc/dbus/CDBusChannelFactory.cpp</a:t>
             </a:r>
             <a:endParaRPr lang="zh-CN" altLang="en-US"/>
           </a:p>
@@ -5999,7 +5992,7 @@
                 </a:solidFill>
               </a:rPr>
               <a:pPr/>
-              <a:t>2021/2/26</a:t>
+              <a:t>2022/4/7</a:t>
             </a:fld>
             <a:endParaRPr lang="zh-CN" altLang="en-US">
               <a:solidFill>
@@ -6070,6 +6063,293 @@
               </a:rPr>
               <a:pPr/>
               <a:t>10</a:t>
+            </a:fld>
+            <a:endParaRPr lang="zh-CN" altLang="en-US">
+              <a:solidFill>
+                <a:srgbClr val="000000"/>
+              </a:solidFill>
+            </a:endParaRPr>
+          </a:p>
+        </p:txBody>
+      </p:sp>
+      <p:pic>
+        <p:nvPicPr>
+          <p:cNvPr id="7" name="图片 6">
+            <a:extLst>
+              <a:ext uri="{FF2B5EF4-FFF2-40B4-BE49-F238E27FC236}">
+                <a16:creationId xmlns:a16="http://schemas.microsoft.com/office/drawing/2014/main" id="{C1629205-5FA1-4DC4-9658-D2E699C83436}"/>
+              </a:ext>
+            </a:extLst>
+          </p:cNvPr>
+          <p:cNvPicPr>
+            <a:picLocks noChangeAspect="1"/>
+          </p:cNvPicPr>
+          <p:nvPr/>
+        </p:nvPicPr>
+        <p:blipFill>
+          <a:blip r:embed="rId2"/>
+          <a:stretch>
+            <a:fillRect/>
+          </a:stretch>
+        </p:blipFill>
+        <p:spPr>
+          <a:xfrm>
+            <a:off x="614879" y="1635646"/>
+            <a:ext cx="4495775" cy="603673"/>
+          </a:xfrm>
+          <a:prstGeom prst="rect">
+            <a:avLst/>
+          </a:prstGeom>
+        </p:spPr>
+      </p:pic>
+      <p:pic>
+        <p:nvPicPr>
+          <p:cNvPr id="8" name="图片 7">
+            <a:extLst>
+              <a:ext uri="{FF2B5EF4-FFF2-40B4-BE49-F238E27FC236}">
+                <a16:creationId xmlns:a16="http://schemas.microsoft.com/office/drawing/2014/main" id="{13BBB6AC-E0E9-453E-94EC-43880623C8FA}"/>
+              </a:ext>
+            </a:extLst>
+          </p:cNvPr>
+          <p:cNvPicPr>
+            <a:picLocks noChangeAspect="1"/>
+          </p:cNvPicPr>
+          <p:nvPr/>
+        </p:nvPicPr>
+        <p:blipFill>
+          <a:blip r:embed="rId3"/>
+          <a:stretch>
+            <a:fillRect/>
+          </a:stretch>
+        </p:blipFill>
+        <p:spPr>
+          <a:xfrm>
+            <a:off x="5110654" y="1625971"/>
+            <a:ext cx="3973850" cy="2973413"/>
+          </a:xfrm>
+          <a:prstGeom prst="rect">
+            <a:avLst/>
+          </a:prstGeom>
+        </p:spPr>
+      </p:pic>
+    </p:spTree>
+    <p:extLst>
+      <p:ext uri="{BB962C8B-B14F-4D97-AF65-F5344CB8AC3E}">
+        <p14:creationId xmlns:p14="http://schemas.microsoft.com/office/powerpoint/2010/main" val="720592719"/>
+      </p:ext>
+    </p:extLst>
+  </p:cSld>
+  <p:clrMapOvr>
+    <a:masterClrMapping/>
+  </p:clrMapOvr>
+</p:sld>
+</file>
+
+<file path=ppt/slides/slide11.xml><?xml version="1.0" encoding="utf-8"?>
+<p:sld xmlns:a="http://schemas.openxmlformats.org/drawingml/2006/main" xmlns:r="http://schemas.openxmlformats.org/officeDocument/2006/relationships" xmlns:p="http://schemas.openxmlformats.org/presentationml/2006/main">
+  <p:cSld>
+    <p:spTree>
+      <p:nvGrpSpPr>
+        <p:cNvPr id="1" name=""/>
+        <p:cNvGrpSpPr/>
+        <p:nvPr/>
+      </p:nvGrpSpPr>
+      <p:grpSpPr>
+        <a:xfrm>
+          <a:off x="0" y="0"/>
+          <a:ext cx="0" cy="0"/>
+          <a:chOff x="0" y="0"/>
+          <a:chExt cx="0" cy="0"/>
+        </a:xfrm>
+      </p:grpSpPr>
+      <p:sp>
+        <p:nvSpPr>
+          <p:cNvPr id="2" name="标题 1">
+            <a:extLst>
+              <a:ext uri="{FF2B5EF4-FFF2-40B4-BE49-F238E27FC236}">
+                <a16:creationId xmlns:a16="http://schemas.microsoft.com/office/drawing/2014/main" id="{C37E8559-87F4-4870-90AC-F2C5EF694579}"/>
+              </a:ext>
+            </a:extLst>
+          </p:cNvPr>
+          <p:cNvSpPr>
+            <a:spLocks noGrp="1"/>
+          </p:cNvSpPr>
+          <p:nvPr>
+            <p:ph type="title"/>
+          </p:nvPr>
+        </p:nvSpPr>
+        <p:spPr/>
+        <p:txBody>
+          <a:bodyPr/>
+          <a:lstStyle/>
+          <a:p>
+            <a:r>
+              <a:rPr lang="en-US" altLang="zh-CN"/>
+              <a:t>GetService</a:t>
+            </a:r>
+            <a:r>
+              <a:rPr lang="zh-CN" altLang="en-US"/>
+              <a:t>中的</a:t>
+            </a:r>
+            <a:r>
+              <a:rPr lang="en-US" altLang="zh-CN"/>
+              <a:t>obj</a:t>
+            </a:r>
+            <a:r>
+              <a:rPr lang="zh-CN" altLang="en-US"/>
+              <a:t>哪里来的？</a:t>
+            </a:r>
+            <a:br>
+              <a:rPr lang="en-US" altLang="zh-CN"/>
+            </a:br>
+            <a:r>
+              <a:rPr lang="en-US" altLang="zh-CN" sz="1800"/>
+              <a:t>CoCreateProxy ()</a:t>
+            </a:r>
+            <a:endParaRPr lang="zh-CN" altLang="en-US" sz="1800"/>
+          </a:p>
+        </p:txBody>
+      </p:sp>
+      <p:sp>
+        <p:nvSpPr>
+          <p:cNvPr id="3" name="内容占位符 2">
+            <a:extLst>
+              <a:ext uri="{FF2B5EF4-FFF2-40B4-BE49-F238E27FC236}">
+                <a16:creationId xmlns:a16="http://schemas.microsoft.com/office/drawing/2014/main" id="{FAF4651B-EAC9-4A97-94EF-2F99C11A4A31}"/>
+              </a:ext>
+            </a:extLst>
+          </p:cNvPr>
+          <p:cNvSpPr>
+            <a:spLocks noGrp="1"/>
+          </p:cNvSpPr>
+          <p:nvPr>
+            <p:ph idx="1"/>
+          </p:nvPr>
+        </p:nvSpPr>
+        <p:spPr/>
+        <p:txBody>
+          <a:bodyPr/>
+          <a:lstStyle/>
+          <a:p>
+            <a:r>
+              <a:rPr lang="zh-CN" altLang="en-US" sz="1200"/>
+              <a:t>源码：</a:t>
+            </a:r>
+            <a:r>
+              <a:rPr lang="pt-BR" altLang="zh-CN" sz="1200"/>
+              <a:t>/como/como/runtime/rpc</a:t>
+            </a:r>
+            <a:r>
+              <a:rPr lang="en-US" altLang="zh-CN" sz="1200"/>
+              <a:t>/</a:t>
+            </a:r>
+            <a:r>
+              <a:rPr lang="pt-BR" altLang="zh-CN" sz="1200"/>
+              <a:t>comorpc.cpp</a:t>
+            </a:r>
+            <a:endParaRPr lang="zh-CN" altLang="en-US"/>
+          </a:p>
+        </p:txBody>
+      </p:sp>
+      <p:sp>
+        <p:nvSpPr>
+          <p:cNvPr id="4" name="日期占位符 3">
+            <a:extLst>
+              <a:ext uri="{FF2B5EF4-FFF2-40B4-BE49-F238E27FC236}">
+                <a16:creationId xmlns:a16="http://schemas.microsoft.com/office/drawing/2014/main" id="{93827E35-D2B1-4ABA-9FCC-3F6BE0532941}"/>
+              </a:ext>
+            </a:extLst>
+          </p:cNvPr>
+          <p:cNvSpPr>
+            <a:spLocks noGrp="1"/>
+          </p:cNvSpPr>
+          <p:nvPr>
+            <p:ph type="dt" sz="half" idx="10"/>
+          </p:nvPr>
+        </p:nvSpPr>
+        <p:spPr/>
+        <p:txBody>
+          <a:bodyPr/>
+          <a:lstStyle/>
+          <a:p>
+            <a:fld id="{A058C3EE-7F92-4C34-8E4D-F4AB6C7888FF}" type="datetime1">
+              <a:rPr lang="zh-CN" altLang="en-US" smtClean="0">
+                <a:solidFill>
+                  <a:srgbClr val="000000"/>
+                </a:solidFill>
+              </a:rPr>
+              <a:pPr/>
+              <a:t>2022/4/7</a:t>
+            </a:fld>
+            <a:endParaRPr lang="zh-CN" altLang="en-US">
+              <a:solidFill>
+                <a:srgbClr val="000000"/>
+              </a:solidFill>
+            </a:endParaRPr>
+          </a:p>
+        </p:txBody>
+      </p:sp>
+      <p:sp>
+        <p:nvSpPr>
+          <p:cNvPr id="5" name="页脚占位符 4">
+            <a:extLst>
+              <a:ext uri="{FF2B5EF4-FFF2-40B4-BE49-F238E27FC236}">
+                <a16:creationId xmlns:a16="http://schemas.microsoft.com/office/drawing/2014/main" id="{399BFAC3-DF7B-478C-9F01-BFDF6BF6D69C}"/>
+              </a:ext>
+            </a:extLst>
+          </p:cNvPr>
+          <p:cNvSpPr>
+            <a:spLocks noGrp="1"/>
+          </p:cNvSpPr>
+          <p:nvPr>
+            <p:ph type="ftr" sz="quarter" idx="11"/>
+          </p:nvPr>
+        </p:nvSpPr>
+        <p:spPr/>
+        <p:txBody>
+          <a:bodyPr/>
+          <a:lstStyle/>
+          <a:p>
+            <a:r>
+              <a:rPr lang="zh-CN" altLang="en-US">
+                <a:solidFill>
+                  <a:srgbClr val="000000"/>
+                </a:solidFill>
+              </a:rPr>
+              <a:t>同济大学电子与信息工程学院 裴喜龙</a:t>
+            </a:r>
+          </a:p>
+        </p:txBody>
+      </p:sp>
+      <p:sp>
+        <p:nvSpPr>
+          <p:cNvPr id="6" name="灯片编号占位符 5">
+            <a:extLst>
+              <a:ext uri="{FF2B5EF4-FFF2-40B4-BE49-F238E27FC236}">
+                <a16:creationId xmlns:a16="http://schemas.microsoft.com/office/drawing/2014/main" id="{18F7491C-7BC6-4873-B436-7D1E2B637B8D}"/>
+              </a:ext>
+            </a:extLst>
+          </p:cNvPr>
+          <p:cNvSpPr>
+            <a:spLocks noGrp="1"/>
+          </p:cNvSpPr>
+          <p:nvPr>
+            <p:ph type="sldNum" sz="quarter" idx="12"/>
+          </p:nvPr>
+        </p:nvSpPr>
+        <p:spPr/>
+        <p:txBody>
+          <a:bodyPr/>
+          <a:lstStyle/>
+          <a:p>
+            <a:fld id="{C3E0ADDA-F6F8-47AE-B57D-5BE0E215DE8A}" type="slidenum">
+              <a:rPr lang="zh-CN" altLang="en-US" smtClean="0">
+                <a:solidFill>
+                  <a:srgbClr val="000000"/>
+                </a:solidFill>
+              </a:rPr>
+              <a:pPr/>
+              <a:t>11</a:t>
             </a:fld>
             <a:endParaRPr lang="zh-CN" altLang="en-US">
               <a:solidFill>
@@ -6242,7 +6522,7 @@
 </p:sld>
 </file>
 
-<file path=ppt/slides/slide11.xml><?xml version="1.0" encoding="utf-8"?>
+<file path=ppt/slides/slide12.xml><?xml version="1.0" encoding="utf-8"?>
 <p:sld xmlns:a="http://schemas.openxmlformats.org/drawingml/2006/main" xmlns:r="http://schemas.openxmlformats.org/officeDocument/2006/relationships" xmlns:p="http://schemas.openxmlformats.org/presentationml/2006/main">
   <p:cSld>
     <p:spTree>
@@ -6346,7 +6626,7 @@
                 </a:solidFill>
               </a:rPr>
               <a:pPr/>
-              <a:t>2021/2/26</a:t>
+              <a:t>2022/4/7</a:t>
             </a:fld>
             <a:endParaRPr lang="zh-CN" altLang="en-US">
               <a:solidFill>
@@ -6416,7 +6696,7 @@
                 </a:solidFill>
               </a:rPr>
               <a:pPr/>
-              <a:t>11</a:t>
+              <a:t>12</a:t>
             </a:fld>
             <a:endParaRPr lang="zh-CN" altLang="en-US">
               <a:solidFill>
@@ -6772,7 +7052,7 @@
 </p:sld>
 </file>
 
-<file path=ppt/slides/slide12.xml><?xml version="1.0" encoding="utf-8"?>
+<file path=ppt/slides/slide13.xml><?xml version="1.0" encoding="utf-8"?>
 <p:sld xmlns:a="http://schemas.openxmlformats.org/drawingml/2006/main" xmlns:r="http://schemas.openxmlformats.org/officeDocument/2006/relationships" xmlns:p="http://schemas.openxmlformats.org/presentationml/2006/main">
   <p:cSld>
     <p:spTree>
@@ -6853,7 +7133,7 @@
                 </a:solidFill>
               </a:rPr>
               <a:pPr/>
-              <a:t>2021/2/26</a:t>
+              <a:t>2022/4/7</a:t>
             </a:fld>
             <a:endParaRPr lang="zh-CN" altLang="en-US">
               <a:solidFill>
@@ -6923,7 +7203,7 @@
                 </a:solidFill>
               </a:rPr>
               <a:pPr/>
-              <a:t>12</a:t>
+              <a:t>13</a:t>
             </a:fld>
             <a:endParaRPr lang="zh-CN" altLang="en-US">
               <a:solidFill>
@@ -7405,7 +7685,7 @@
 </p:sld>
 </file>
 
-<file path=ppt/slides/slide13.xml><?xml version="1.0" encoding="utf-8"?>
+<file path=ppt/slides/slide14.xml><?xml version="1.0" encoding="utf-8"?>
 <p:sld xmlns:a="http://schemas.openxmlformats.org/drawingml/2006/main" xmlns:r="http://schemas.openxmlformats.org/officeDocument/2006/relationships" xmlns:p="http://schemas.openxmlformats.org/presentationml/2006/main">
   <p:cSld>
     <p:spTree>
@@ -7490,7 +7770,7 @@
                 </a:solidFill>
               </a:rPr>
               <a:pPr/>
-              <a:t>2021/2/26</a:t>
+              <a:t>2022/4/7</a:t>
             </a:fld>
             <a:endParaRPr lang="zh-CN" altLang="en-US">
               <a:solidFill>
@@ -7560,7 +7840,7 @@
                 </a:solidFill>
               </a:rPr>
               <a:pPr/>
-              <a:t>13</a:t>
+              <a:t>14</a:t>
             </a:fld>
             <a:endParaRPr lang="zh-CN" altLang="en-US">
               <a:solidFill>
@@ -8044,218 +8324,6 @@
     <p:extLst>
       <p:ext uri="{BB962C8B-B14F-4D97-AF65-F5344CB8AC3E}">
         <p14:creationId xmlns:p14="http://schemas.microsoft.com/office/powerpoint/2010/main" val="840497045"/>
-      </p:ext>
-    </p:extLst>
-  </p:cSld>
-  <p:clrMapOvr>
-    <a:masterClrMapping/>
-  </p:clrMapOvr>
-</p:sld>
-</file>
-
-<file path=ppt/slides/slide14.xml><?xml version="1.0" encoding="utf-8"?>
-<p:sld xmlns:a="http://schemas.openxmlformats.org/drawingml/2006/main" xmlns:r="http://schemas.openxmlformats.org/officeDocument/2006/relationships" xmlns:p="http://schemas.openxmlformats.org/presentationml/2006/main">
-  <p:cSld>
-    <p:spTree>
-      <p:nvGrpSpPr>
-        <p:cNvPr id="1" name=""/>
-        <p:cNvGrpSpPr/>
-        <p:nvPr/>
-      </p:nvGrpSpPr>
-      <p:grpSpPr>
-        <a:xfrm>
-          <a:off x="0" y="0"/>
-          <a:ext cx="0" cy="0"/>
-          <a:chOff x="0" y="0"/>
-          <a:chExt cx="0" cy="0"/>
-        </a:xfrm>
-      </p:grpSpPr>
-      <p:sp>
-        <p:nvSpPr>
-          <p:cNvPr id="2" name="标题 1">
-            <a:extLst>
-              <a:ext uri="{FF2B5EF4-FFF2-40B4-BE49-F238E27FC236}">
-                <a16:creationId xmlns:a16="http://schemas.microsoft.com/office/drawing/2014/main" id="{1130B7D0-43F1-4891-984E-E93FB2B8B6AC}"/>
-              </a:ext>
-            </a:extLst>
-          </p:cNvPr>
-          <p:cNvSpPr>
-            <a:spLocks noGrp="1"/>
-          </p:cNvSpPr>
-          <p:nvPr>
-            <p:ph type="ctrTitle"/>
-          </p:nvPr>
-        </p:nvSpPr>
-        <p:spPr/>
-        <p:txBody>
-          <a:bodyPr/>
-          <a:lstStyle/>
-          <a:p>
-            <a:r>
-              <a:rPr lang="zh-CN" altLang="en-US"/>
-              <a:t>服务器端</a:t>
-            </a:r>
-            <a:r>
-              <a:rPr lang="en-US" altLang="zh-CN"/>
-              <a:t>Server -- Stub</a:t>
-            </a:r>
-            <a:endParaRPr lang="zh-CN" altLang="en-US"/>
-          </a:p>
-        </p:txBody>
-      </p:sp>
-      <p:sp>
-        <p:nvSpPr>
-          <p:cNvPr id="3" name="副标题 2">
-            <a:extLst>
-              <a:ext uri="{FF2B5EF4-FFF2-40B4-BE49-F238E27FC236}">
-                <a16:creationId xmlns:a16="http://schemas.microsoft.com/office/drawing/2014/main" id="{F90B2864-7D68-4272-A432-32715ECB79FE}"/>
-              </a:ext>
-            </a:extLst>
-          </p:cNvPr>
-          <p:cNvSpPr>
-            <a:spLocks noGrp="1"/>
-          </p:cNvSpPr>
-          <p:nvPr>
-            <p:ph type="subTitle" idx="1"/>
-          </p:nvPr>
-        </p:nvSpPr>
-        <p:spPr>
-          <a:xfrm>
-            <a:off x="685800" y="2571750"/>
-            <a:ext cx="7772400" cy="1200150"/>
-          </a:xfrm>
-        </p:spPr>
-        <p:txBody>
-          <a:bodyPr/>
-          <a:lstStyle/>
-          <a:p>
-            <a:r>
-              <a:rPr lang="zh-CN" altLang="en-US"/>
-              <a:t>服务器端是真正实施</a:t>
-            </a:r>
-            <a:r>
-              <a:rPr lang="en-US" altLang="zh-CN"/>
-              <a:t>COMO</a:t>
-            </a:r>
-            <a:r>
-              <a:rPr lang="zh-CN" altLang="en-US"/>
-              <a:t>构件运行时服务的，也就是程序的逻辑功能是在这里执行的。</a:t>
-            </a:r>
-          </a:p>
-        </p:txBody>
-      </p:sp>
-      <p:sp>
-        <p:nvSpPr>
-          <p:cNvPr id="4" name="日期占位符 3">
-            <a:extLst>
-              <a:ext uri="{FF2B5EF4-FFF2-40B4-BE49-F238E27FC236}">
-                <a16:creationId xmlns:a16="http://schemas.microsoft.com/office/drawing/2014/main" id="{F87EAC34-1706-4D07-88E0-69B8253B3F94}"/>
-              </a:ext>
-            </a:extLst>
-          </p:cNvPr>
-          <p:cNvSpPr>
-            <a:spLocks noGrp="1"/>
-          </p:cNvSpPr>
-          <p:nvPr>
-            <p:ph type="dt" sz="half" idx="10"/>
-          </p:nvPr>
-        </p:nvSpPr>
-        <p:spPr/>
-        <p:txBody>
-          <a:bodyPr/>
-          <a:lstStyle/>
-          <a:p>
-            <a:fld id="{12D1B8E7-F47C-47D8-B811-1B6D096B8720}" type="datetime1">
-              <a:rPr lang="zh-CN" altLang="en-US" smtClean="0">
-                <a:solidFill>
-                  <a:srgbClr val="000000"/>
-                </a:solidFill>
-              </a:rPr>
-              <a:pPr/>
-              <a:t>2021/2/26</a:t>
-            </a:fld>
-            <a:endParaRPr lang="zh-CN" altLang="en-US">
-              <a:solidFill>
-                <a:srgbClr val="000000"/>
-              </a:solidFill>
-            </a:endParaRPr>
-          </a:p>
-        </p:txBody>
-      </p:sp>
-      <p:sp>
-        <p:nvSpPr>
-          <p:cNvPr id="5" name="页脚占位符 4">
-            <a:extLst>
-              <a:ext uri="{FF2B5EF4-FFF2-40B4-BE49-F238E27FC236}">
-                <a16:creationId xmlns:a16="http://schemas.microsoft.com/office/drawing/2014/main" id="{D5E6CA98-2203-4F89-B6B1-F6AC23519BE7}"/>
-              </a:ext>
-            </a:extLst>
-          </p:cNvPr>
-          <p:cNvSpPr>
-            <a:spLocks noGrp="1"/>
-          </p:cNvSpPr>
-          <p:nvPr>
-            <p:ph type="ftr" sz="quarter" idx="11"/>
-          </p:nvPr>
-        </p:nvSpPr>
-        <p:spPr/>
-        <p:txBody>
-          <a:bodyPr/>
-          <a:lstStyle/>
-          <a:p>
-            <a:r>
-              <a:rPr lang="zh-CN" altLang="en-US">
-                <a:solidFill>
-                  <a:srgbClr val="000000"/>
-                </a:solidFill>
-              </a:rPr>
-              <a:t>同济大学电子与信息工程学院 裴喜龙</a:t>
-            </a:r>
-          </a:p>
-        </p:txBody>
-      </p:sp>
-      <p:sp>
-        <p:nvSpPr>
-          <p:cNvPr id="6" name="灯片编号占位符 5">
-            <a:extLst>
-              <a:ext uri="{FF2B5EF4-FFF2-40B4-BE49-F238E27FC236}">
-                <a16:creationId xmlns:a16="http://schemas.microsoft.com/office/drawing/2014/main" id="{21E11E3C-D4A1-42A8-97EE-A4D070E14C84}"/>
-              </a:ext>
-            </a:extLst>
-          </p:cNvPr>
-          <p:cNvSpPr>
-            <a:spLocks noGrp="1"/>
-          </p:cNvSpPr>
-          <p:nvPr>
-            <p:ph type="sldNum" sz="quarter" idx="12"/>
-          </p:nvPr>
-        </p:nvSpPr>
-        <p:spPr/>
-        <p:txBody>
-          <a:bodyPr/>
-          <a:lstStyle/>
-          <a:p>
-            <a:fld id="{C3E0ADDA-F6F8-47AE-B57D-5BE0E215DE8A}" type="slidenum">
-              <a:rPr lang="zh-CN" altLang="en-US" smtClean="0">
-                <a:solidFill>
-                  <a:srgbClr val="000000"/>
-                </a:solidFill>
-              </a:rPr>
-              <a:pPr/>
-              <a:t>14</a:t>
-            </a:fld>
-            <a:endParaRPr lang="zh-CN" altLang="en-US">
-              <a:solidFill>
-                <a:srgbClr val="000000"/>
-              </a:solidFill>
-            </a:endParaRPr>
-          </a:p>
-        </p:txBody>
-      </p:sp>
-    </p:spTree>
-    <p:extLst>
-      <p:ext uri="{BB962C8B-B14F-4D97-AF65-F5344CB8AC3E}">
-        <p14:creationId xmlns:p14="http://schemas.microsoft.com/office/powerpoint/2010/main" val="3530001779"/>
       </p:ext>
     </p:extLst>
   </p:cSld>
@@ -8287,7 +8355,7 @@
           <p:cNvPr id="2" name="标题 1">
             <a:extLst>
               <a:ext uri="{FF2B5EF4-FFF2-40B4-BE49-F238E27FC236}">
-                <a16:creationId xmlns:a16="http://schemas.microsoft.com/office/drawing/2014/main" id="{308A463E-16DA-409E-B7E9-A66FFE1EFDE1}"/>
+                <a16:creationId xmlns:a16="http://schemas.microsoft.com/office/drawing/2014/main" id="{1130B7D0-43F1-4891-984E-E93FB2B8B6AC}"/>
               </a:ext>
             </a:extLst>
           </p:cNvPr>
@@ -8295,7 +8363,7 @@
             <a:spLocks noGrp="1"/>
           </p:cNvSpPr>
           <p:nvPr>
-            <p:ph type="title"/>
+            <p:ph type="ctrTitle"/>
           </p:nvPr>
         </p:nvSpPr>
         <p:spPr/>
@@ -8304,22 +8372,64 @@
           <a:lstStyle/>
           <a:p>
             <a:r>
+              <a:rPr lang="zh-CN" altLang="en-US"/>
+              <a:t>服务器端</a:t>
+            </a:r>
+            <a:r>
               <a:rPr lang="en-US" altLang="zh-CN"/>
-              <a:t>Server</a:t>
-            </a:r>
+              <a:t>Server -- Stub</a:t>
+            </a:r>
+            <a:endParaRPr lang="zh-CN" altLang="en-US"/>
+          </a:p>
+        </p:txBody>
+      </p:sp>
+      <p:sp>
+        <p:nvSpPr>
+          <p:cNvPr id="3" name="副标题 2">
+            <a:extLst>
+              <a:ext uri="{FF2B5EF4-FFF2-40B4-BE49-F238E27FC236}">
+                <a16:creationId xmlns:a16="http://schemas.microsoft.com/office/drawing/2014/main" id="{F90B2864-7D68-4272-A432-32715ECB79FE}"/>
+              </a:ext>
+            </a:extLst>
+          </p:cNvPr>
+          <p:cNvSpPr>
+            <a:spLocks noGrp="1"/>
+          </p:cNvSpPr>
+          <p:nvPr>
+            <p:ph type="subTitle" idx="1"/>
+          </p:nvPr>
+        </p:nvSpPr>
+        <p:spPr>
+          <a:xfrm>
+            <a:off x="685800" y="2571750"/>
+            <a:ext cx="7772400" cy="1200150"/>
+          </a:xfrm>
+        </p:spPr>
+        <p:txBody>
+          <a:bodyPr/>
+          <a:lstStyle/>
+          <a:p>
             <a:r>
               <a:rPr lang="zh-CN" altLang="en-US"/>
-              <a:t>端注册服务对象</a:t>
-            </a:r>
-          </a:p>
-        </p:txBody>
-      </p:sp>
-      <p:sp>
-        <p:nvSpPr>
-          <p:cNvPr id="3" name="日期占位符 2">
-            <a:extLst>
-              <a:ext uri="{FF2B5EF4-FFF2-40B4-BE49-F238E27FC236}">
-                <a16:creationId xmlns:a16="http://schemas.microsoft.com/office/drawing/2014/main" id="{09E2A2C3-7CC6-4888-A546-F72733702928}"/>
+              <a:t>服务器端是真正实施</a:t>
+            </a:r>
+            <a:r>
+              <a:rPr lang="en-US" altLang="zh-CN"/>
+              <a:t>COMO</a:t>
+            </a:r>
+            <a:r>
+              <a:rPr lang="zh-CN" altLang="en-US"/>
+              <a:t>构件运行时服务的，也就是程序的逻辑功能是在这里执行的。</a:t>
+            </a:r>
+          </a:p>
+        </p:txBody>
+      </p:sp>
+      <p:sp>
+        <p:nvSpPr>
+          <p:cNvPr id="4" name="日期占位符 3">
+            <a:extLst>
+              <a:ext uri="{FF2B5EF4-FFF2-40B4-BE49-F238E27FC236}">
+                <a16:creationId xmlns:a16="http://schemas.microsoft.com/office/drawing/2014/main" id="{F87EAC34-1706-4D07-88E0-69B8253B3F94}"/>
               </a:ext>
             </a:extLst>
           </p:cNvPr>
@@ -8335,14 +8445,14 @@
           <a:bodyPr/>
           <a:lstStyle/>
           <a:p>
-            <a:fld id="{C8218E9C-D97C-46B7-9115-F8A90873817C}" type="datetime1">
+            <a:fld id="{12D1B8E7-F47C-47D8-B811-1B6D096B8720}" type="datetime1">
               <a:rPr lang="zh-CN" altLang="en-US" smtClean="0">
                 <a:solidFill>
                   <a:srgbClr val="000000"/>
                 </a:solidFill>
               </a:rPr>
               <a:pPr/>
-              <a:t>2021/2/26</a:t>
+              <a:t>2022/4/7</a:t>
             </a:fld>
             <a:endParaRPr lang="zh-CN" altLang="en-US">
               <a:solidFill>
@@ -8354,10 +8464,10 @@
       </p:sp>
       <p:sp>
         <p:nvSpPr>
-          <p:cNvPr id="4" name="页脚占位符 3">
-            <a:extLst>
-              <a:ext uri="{FF2B5EF4-FFF2-40B4-BE49-F238E27FC236}">
-                <a16:creationId xmlns:a16="http://schemas.microsoft.com/office/drawing/2014/main" id="{3D946B75-A3C8-4D97-A1B1-F2A48D7FFB35}"/>
+          <p:cNvPr id="5" name="页脚占位符 4">
+            <a:extLst>
+              <a:ext uri="{FF2B5EF4-FFF2-40B4-BE49-F238E27FC236}">
+                <a16:creationId xmlns:a16="http://schemas.microsoft.com/office/drawing/2014/main" id="{D5E6CA98-2203-4F89-B6B1-F6AC23519BE7}"/>
               </a:ext>
             </a:extLst>
           </p:cNvPr>
@@ -8386,10 +8496,10 @@
       </p:sp>
       <p:sp>
         <p:nvSpPr>
-          <p:cNvPr id="5" name="灯片编号占位符 4">
-            <a:extLst>
-              <a:ext uri="{FF2B5EF4-FFF2-40B4-BE49-F238E27FC236}">
-                <a16:creationId xmlns:a16="http://schemas.microsoft.com/office/drawing/2014/main" id="{C4E8C0B9-D056-4FB4-8A4B-E5923CE77176}"/>
+          <p:cNvPr id="6" name="灯片编号占位符 5">
+            <a:extLst>
+              <a:ext uri="{FF2B5EF4-FFF2-40B4-BE49-F238E27FC236}">
+                <a16:creationId xmlns:a16="http://schemas.microsoft.com/office/drawing/2014/main" id="{21E11E3C-D4A1-42A8-97EE-A4D070E14C84}"/>
               </a:ext>
             </a:extLst>
           </p:cNvPr>
@@ -8422,264 +8532,10 @@
           </a:p>
         </p:txBody>
       </p:sp>
-      <p:sp>
-        <p:nvSpPr>
-          <p:cNvPr id="6" name="矩形 5">
-            <a:extLst>
-              <a:ext uri="{FF2B5EF4-FFF2-40B4-BE49-F238E27FC236}">
-                <a16:creationId xmlns:a16="http://schemas.microsoft.com/office/drawing/2014/main" id="{8FC93572-56DD-4A55-9311-D810CF88AA8C}"/>
-              </a:ext>
-            </a:extLst>
-          </p:cNvPr>
-          <p:cNvSpPr/>
-          <p:nvPr/>
-        </p:nvSpPr>
-        <p:spPr>
-          <a:xfrm>
-            <a:off x="574675" y="1347614"/>
-            <a:ext cx="4572000" cy="276999"/>
-          </a:xfrm>
-          <a:prstGeom prst="rect">
-            <a:avLst/>
-          </a:prstGeom>
-        </p:spPr>
-        <p:txBody>
-          <a:bodyPr>
-            <a:spAutoFit/>
-          </a:bodyPr>
-          <a:lstStyle/>
-          <a:p>
-            <a:pPr marL="352425" indent="-352425" fontAlgn="base">
-              <a:spcBef>
-                <a:spcPct val="20000"/>
-              </a:spcBef>
-              <a:spcAft>
-                <a:spcPct val="0"/>
-              </a:spcAft>
-              <a:buClr>
-                <a:schemeClr val="accent2"/>
-              </a:buClr>
-              <a:buFont typeface="Wingdings" panose="05000000000000000000" pitchFamily="2" charset="2"/>
-              <a:buChar char="o"/>
-            </a:pPr>
-            <a:r>
-              <a:rPr lang="zh-CN" altLang="en-US" sz="1200"/>
-              <a:t>/como/como/test/runtime/rpc/service/main.cpp</a:t>
-            </a:r>
-          </a:p>
-        </p:txBody>
-      </p:sp>
-      <p:pic>
-        <p:nvPicPr>
-          <p:cNvPr id="7" name="图片 6">
-            <a:extLst>
-              <a:ext uri="{FF2B5EF4-FFF2-40B4-BE49-F238E27FC236}">
-                <a16:creationId xmlns:a16="http://schemas.microsoft.com/office/drawing/2014/main" id="{C2027168-EEE9-4354-A34C-626B803A0B86}"/>
-              </a:ext>
-            </a:extLst>
-          </p:cNvPr>
-          <p:cNvPicPr>
-            <a:picLocks noChangeAspect="1"/>
-          </p:cNvPicPr>
-          <p:nvPr/>
-        </p:nvPicPr>
-        <p:blipFill>
-          <a:blip r:embed="rId2"/>
-          <a:stretch>
-            <a:fillRect/>
-          </a:stretch>
-        </p:blipFill>
-        <p:spPr>
-          <a:xfrm>
-            <a:off x="682670" y="1570683"/>
-            <a:ext cx="4034578" cy="3017291"/>
-          </a:xfrm>
-          <a:prstGeom prst="rect">
-            <a:avLst/>
-          </a:prstGeom>
-        </p:spPr>
-      </p:pic>
-      <p:sp>
-        <p:nvSpPr>
-          <p:cNvPr id="8" name="矩形 7">
-            <a:extLst>
-              <a:ext uri="{FF2B5EF4-FFF2-40B4-BE49-F238E27FC236}">
-                <a16:creationId xmlns:a16="http://schemas.microsoft.com/office/drawing/2014/main" id="{44F94CC5-0A7D-4A2B-B021-E2FF1728F44C}"/>
-              </a:ext>
-            </a:extLst>
-          </p:cNvPr>
-          <p:cNvSpPr/>
-          <p:nvPr/>
-        </p:nvSpPr>
-        <p:spPr>
-          <a:xfrm>
-            <a:off x="4932040" y="1624613"/>
-            <a:ext cx="2016224" cy="276999"/>
-          </a:xfrm>
-          <a:prstGeom prst="rect">
-            <a:avLst/>
-          </a:prstGeom>
-        </p:spPr>
-        <p:txBody>
-          <a:bodyPr wrap="square">
-            <a:spAutoFit/>
-          </a:bodyPr>
-          <a:lstStyle/>
-          <a:p>
-            <a:pPr marL="171450" indent="-171450">
-              <a:buFont typeface="Arial" panose="020B0604020202020204" pitchFamily="34" charset="0"/>
-              <a:buChar char="•"/>
-            </a:pPr>
-            <a:r>
-              <a:rPr lang="en-US" altLang="zh-CN" sz="1200">
-                <a:latin typeface="等线" panose="02010600030101010101" pitchFamily="2" charset="-122"/>
-                <a:ea typeface="等线" panose="02010600030101010101" pitchFamily="2" charset="-122"/>
-              </a:rPr>
-              <a:t>COMO</a:t>
-            </a:r>
-            <a:r>
-              <a:rPr lang="zh-CN" altLang="en-US" sz="1200">
-                <a:latin typeface="等线" panose="02010600030101010101" pitchFamily="2" charset="-122"/>
-                <a:ea typeface="等线" panose="02010600030101010101" pitchFamily="2" charset="-122"/>
-              </a:rPr>
-              <a:t>机制</a:t>
-            </a:r>
-            <a:r>
-              <a:rPr lang="en-US" altLang="zh-CN" sz="1200">
-                <a:latin typeface="等线" panose="02010600030101010101" pitchFamily="2" charset="-122"/>
-                <a:ea typeface="等线" panose="02010600030101010101" pitchFamily="2" charset="-122"/>
-              </a:rPr>
-              <a:t>New</a:t>
-            </a:r>
-            <a:r>
-              <a:rPr lang="zh-CN" altLang="en-US" sz="1200">
-                <a:latin typeface="等线" panose="02010600030101010101" pitchFamily="2" charset="-122"/>
-                <a:ea typeface="等线" panose="02010600030101010101" pitchFamily="2" charset="-122"/>
-              </a:rPr>
-              <a:t>出对象</a:t>
-            </a:r>
-          </a:p>
-        </p:txBody>
-      </p:sp>
-      <p:sp>
-        <p:nvSpPr>
-          <p:cNvPr id="9" name="矩形 8">
-            <a:extLst>
-              <a:ext uri="{FF2B5EF4-FFF2-40B4-BE49-F238E27FC236}">
-                <a16:creationId xmlns:a16="http://schemas.microsoft.com/office/drawing/2014/main" id="{56CC2B2A-A38A-4800-9DCC-942F3B5F014F}"/>
-              </a:ext>
-            </a:extLst>
-          </p:cNvPr>
-          <p:cNvSpPr/>
-          <p:nvPr/>
-        </p:nvSpPr>
-        <p:spPr>
-          <a:xfrm>
-            <a:off x="4932040" y="3251443"/>
-            <a:ext cx="1799980" cy="276999"/>
-          </a:xfrm>
-          <a:prstGeom prst="rect">
-            <a:avLst/>
-          </a:prstGeom>
-        </p:spPr>
-        <p:txBody>
-          <a:bodyPr wrap="none">
-            <a:spAutoFit/>
-          </a:bodyPr>
-          <a:lstStyle/>
-          <a:p>
-            <a:pPr marL="352425" indent="-352425" fontAlgn="base">
-              <a:spcBef>
-                <a:spcPct val="20000"/>
-              </a:spcBef>
-              <a:spcAft>
-                <a:spcPct val="0"/>
-              </a:spcAft>
-              <a:buClr>
-                <a:schemeClr val="accent2"/>
-              </a:buClr>
-              <a:buFont typeface="Wingdings" panose="05000000000000000000" pitchFamily="2" charset="2"/>
-              <a:buChar char="o"/>
-            </a:pPr>
-            <a:r>
-              <a:rPr lang="zh-CN" altLang="en-US" sz="1200"/>
-              <a:t>RPCTestUnit.cpp</a:t>
-            </a:r>
-          </a:p>
-        </p:txBody>
-      </p:sp>
-      <p:pic>
-        <p:nvPicPr>
-          <p:cNvPr id="10" name="图片 9">
-            <a:extLst>
-              <a:ext uri="{FF2B5EF4-FFF2-40B4-BE49-F238E27FC236}">
-                <a16:creationId xmlns:a16="http://schemas.microsoft.com/office/drawing/2014/main" id="{919F8D39-E196-4FB2-819B-D7115F0D5F43}"/>
-              </a:ext>
-            </a:extLst>
-          </p:cNvPr>
-          <p:cNvPicPr>
-            <a:picLocks noChangeAspect="1"/>
-          </p:cNvPicPr>
-          <p:nvPr/>
-        </p:nvPicPr>
-        <p:blipFill>
-          <a:blip r:embed="rId3"/>
-          <a:stretch>
-            <a:fillRect/>
-          </a:stretch>
-        </p:blipFill>
-        <p:spPr>
-          <a:xfrm>
-            <a:off x="4967815" y="3713108"/>
-            <a:ext cx="4187620" cy="874866"/>
-          </a:xfrm>
-          <a:prstGeom prst="rect">
-            <a:avLst/>
-          </a:prstGeom>
-        </p:spPr>
-      </p:pic>
-      <p:sp>
-        <p:nvSpPr>
-          <p:cNvPr id="11" name="矩形 10">
-            <a:extLst>
-              <a:ext uri="{FF2B5EF4-FFF2-40B4-BE49-F238E27FC236}">
-                <a16:creationId xmlns:a16="http://schemas.microsoft.com/office/drawing/2014/main" id="{203F1A4C-7037-4E06-8EC1-500AC01002F0}"/>
-              </a:ext>
-            </a:extLst>
-          </p:cNvPr>
-          <p:cNvSpPr/>
-          <p:nvPr/>
-        </p:nvSpPr>
-        <p:spPr>
-          <a:xfrm>
-            <a:off x="6553200" y="3066777"/>
-            <a:ext cx="2484685" cy="646331"/>
-          </a:xfrm>
-          <a:prstGeom prst="rect">
-            <a:avLst/>
-          </a:prstGeom>
-        </p:spPr>
-        <p:txBody>
-          <a:bodyPr wrap="square">
-            <a:spAutoFit/>
-          </a:bodyPr>
-          <a:lstStyle/>
-          <a:p>
-            <a:r>
-              <a:rPr lang="zh-CN" altLang="en-US">
-                <a:solidFill>
-                  <a:srgbClr val="FF0000"/>
-                </a:solidFill>
-              </a:rPr>
-              <a:t>COMO的New与C++的new是不同的</a:t>
-            </a:r>
-          </a:p>
-        </p:txBody>
-      </p:sp>
     </p:spTree>
     <p:extLst>
       <p:ext uri="{BB962C8B-B14F-4D97-AF65-F5344CB8AC3E}">
-        <p14:creationId xmlns:p14="http://schemas.microsoft.com/office/powerpoint/2010/main" val="989620971"/>
+        <p14:creationId xmlns:p14="http://schemas.microsoft.com/office/powerpoint/2010/main" val="3530001779"/>
       </p:ext>
     </p:extLst>
   </p:cSld>
@@ -8735,14 +8591,6 @@
               <a:rPr lang="zh-CN" altLang="en-US"/>
               <a:t>端注册服务对象</a:t>
             </a:r>
-            <a:br>
-              <a:rPr lang="en-US" altLang="zh-CN"/>
-            </a:br>
-            <a:r>
-              <a:rPr lang="en-US" altLang="zh-CN" sz="1800"/>
-              <a:t>ServiceManager::AddService</a:t>
-            </a:r>
-            <a:endParaRPr lang="zh-CN" altLang="en-US" sz="1800"/>
           </a:p>
         </p:txBody>
       </p:sp>
@@ -8774,7 +8622,7 @@
                 </a:solidFill>
               </a:rPr>
               <a:pPr/>
-              <a:t>2021/2/26</a:t>
+              <a:t>2022/4/7</a:t>
             </a:fld>
             <a:endParaRPr lang="zh-CN" altLang="en-US">
               <a:solidFill>
@@ -8845,6 +8693,438 @@
               </a:rPr>
               <a:pPr/>
               <a:t>16</a:t>
+            </a:fld>
+            <a:endParaRPr lang="zh-CN" altLang="en-US">
+              <a:solidFill>
+                <a:srgbClr val="000000"/>
+              </a:solidFill>
+            </a:endParaRPr>
+          </a:p>
+        </p:txBody>
+      </p:sp>
+      <p:sp>
+        <p:nvSpPr>
+          <p:cNvPr id="6" name="矩形 5">
+            <a:extLst>
+              <a:ext uri="{FF2B5EF4-FFF2-40B4-BE49-F238E27FC236}">
+                <a16:creationId xmlns:a16="http://schemas.microsoft.com/office/drawing/2014/main" id="{8FC93572-56DD-4A55-9311-D810CF88AA8C}"/>
+              </a:ext>
+            </a:extLst>
+          </p:cNvPr>
+          <p:cNvSpPr/>
+          <p:nvPr/>
+        </p:nvSpPr>
+        <p:spPr>
+          <a:xfrm>
+            <a:off x="574675" y="1347614"/>
+            <a:ext cx="4572000" cy="276999"/>
+          </a:xfrm>
+          <a:prstGeom prst="rect">
+            <a:avLst/>
+          </a:prstGeom>
+        </p:spPr>
+        <p:txBody>
+          <a:bodyPr>
+            <a:spAutoFit/>
+          </a:bodyPr>
+          <a:lstStyle/>
+          <a:p>
+            <a:pPr marL="352425" indent="-352425" fontAlgn="base">
+              <a:spcBef>
+                <a:spcPct val="20000"/>
+              </a:spcBef>
+              <a:spcAft>
+                <a:spcPct val="0"/>
+              </a:spcAft>
+              <a:buClr>
+                <a:schemeClr val="accent2"/>
+              </a:buClr>
+              <a:buFont typeface="Wingdings" panose="05000000000000000000" pitchFamily="2" charset="2"/>
+              <a:buChar char="o"/>
+            </a:pPr>
+            <a:r>
+              <a:rPr lang="zh-CN" altLang="en-US" sz="1200"/>
+              <a:t>/como/como/test/runtime/rpc/service/main.cpp</a:t>
+            </a:r>
+          </a:p>
+        </p:txBody>
+      </p:sp>
+      <p:pic>
+        <p:nvPicPr>
+          <p:cNvPr id="7" name="图片 6">
+            <a:extLst>
+              <a:ext uri="{FF2B5EF4-FFF2-40B4-BE49-F238E27FC236}">
+                <a16:creationId xmlns:a16="http://schemas.microsoft.com/office/drawing/2014/main" id="{C2027168-EEE9-4354-A34C-626B803A0B86}"/>
+              </a:ext>
+            </a:extLst>
+          </p:cNvPr>
+          <p:cNvPicPr>
+            <a:picLocks noChangeAspect="1"/>
+          </p:cNvPicPr>
+          <p:nvPr/>
+        </p:nvPicPr>
+        <p:blipFill>
+          <a:blip r:embed="rId2"/>
+          <a:stretch>
+            <a:fillRect/>
+          </a:stretch>
+        </p:blipFill>
+        <p:spPr>
+          <a:xfrm>
+            <a:off x="682670" y="1570683"/>
+            <a:ext cx="4034578" cy="3017291"/>
+          </a:xfrm>
+          <a:prstGeom prst="rect">
+            <a:avLst/>
+          </a:prstGeom>
+        </p:spPr>
+      </p:pic>
+      <p:sp>
+        <p:nvSpPr>
+          <p:cNvPr id="8" name="矩形 7">
+            <a:extLst>
+              <a:ext uri="{FF2B5EF4-FFF2-40B4-BE49-F238E27FC236}">
+                <a16:creationId xmlns:a16="http://schemas.microsoft.com/office/drawing/2014/main" id="{44F94CC5-0A7D-4A2B-B021-E2FF1728F44C}"/>
+              </a:ext>
+            </a:extLst>
+          </p:cNvPr>
+          <p:cNvSpPr/>
+          <p:nvPr/>
+        </p:nvSpPr>
+        <p:spPr>
+          <a:xfrm>
+            <a:off x="4932040" y="1624613"/>
+            <a:ext cx="2016224" cy="276999"/>
+          </a:xfrm>
+          <a:prstGeom prst="rect">
+            <a:avLst/>
+          </a:prstGeom>
+        </p:spPr>
+        <p:txBody>
+          <a:bodyPr wrap="square">
+            <a:spAutoFit/>
+          </a:bodyPr>
+          <a:lstStyle/>
+          <a:p>
+            <a:pPr marL="171450" indent="-171450">
+              <a:buFont typeface="Arial" panose="020B0604020202020204" pitchFamily="34" charset="0"/>
+              <a:buChar char="•"/>
+            </a:pPr>
+            <a:r>
+              <a:rPr lang="en-US" altLang="zh-CN" sz="1200">
+                <a:latin typeface="等线" panose="02010600030101010101" pitchFamily="2" charset="-122"/>
+                <a:ea typeface="等线" panose="02010600030101010101" pitchFamily="2" charset="-122"/>
+              </a:rPr>
+              <a:t>COMO</a:t>
+            </a:r>
+            <a:r>
+              <a:rPr lang="zh-CN" altLang="en-US" sz="1200">
+                <a:latin typeface="等线" panose="02010600030101010101" pitchFamily="2" charset="-122"/>
+                <a:ea typeface="等线" panose="02010600030101010101" pitchFamily="2" charset="-122"/>
+              </a:rPr>
+              <a:t>机制</a:t>
+            </a:r>
+            <a:r>
+              <a:rPr lang="en-US" altLang="zh-CN" sz="1200">
+                <a:latin typeface="等线" panose="02010600030101010101" pitchFamily="2" charset="-122"/>
+                <a:ea typeface="等线" panose="02010600030101010101" pitchFamily="2" charset="-122"/>
+              </a:rPr>
+              <a:t>New</a:t>
+            </a:r>
+            <a:r>
+              <a:rPr lang="zh-CN" altLang="en-US" sz="1200">
+                <a:latin typeface="等线" panose="02010600030101010101" pitchFamily="2" charset="-122"/>
+                <a:ea typeface="等线" panose="02010600030101010101" pitchFamily="2" charset="-122"/>
+              </a:rPr>
+              <a:t>出对象</a:t>
+            </a:r>
+          </a:p>
+        </p:txBody>
+      </p:sp>
+      <p:sp>
+        <p:nvSpPr>
+          <p:cNvPr id="9" name="矩形 8">
+            <a:extLst>
+              <a:ext uri="{FF2B5EF4-FFF2-40B4-BE49-F238E27FC236}">
+                <a16:creationId xmlns:a16="http://schemas.microsoft.com/office/drawing/2014/main" id="{56CC2B2A-A38A-4800-9DCC-942F3B5F014F}"/>
+              </a:ext>
+            </a:extLst>
+          </p:cNvPr>
+          <p:cNvSpPr/>
+          <p:nvPr/>
+        </p:nvSpPr>
+        <p:spPr>
+          <a:xfrm>
+            <a:off x="4932040" y="3251443"/>
+            <a:ext cx="1799980" cy="276999"/>
+          </a:xfrm>
+          <a:prstGeom prst="rect">
+            <a:avLst/>
+          </a:prstGeom>
+        </p:spPr>
+        <p:txBody>
+          <a:bodyPr wrap="none">
+            <a:spAutoFit/>
+          </a:bodyPr>
+          <a:lstStyle/>
+          <a:p>
+            <a:pPr marL="352425" indent="-352425" fontAlgn="base">
+              <a:spcBef>
+                <a:spcPct val="20000"/>
+              </a:spcBef>
+              <a:spcAft>
+                <a:spcPct val="0"/>
+              </a:spcAft>
+              <a:buClr>
+                <a:schemeClr val="accent2"/>
+              </a:buClr>
+              <a:buFont typeface="Wingdings" panose="05000000000000000000" pitchFamily="2" charset="2"/>
+              <a:buChar char="o"/>
+            </a:pPr>
+            <a:r>
+              <a:rPr lang="zh-CN" altLang="en-US" sz="1200"/>
+              <a:t>RPCTestUnit.cpp</a:t>
+            </a:r>
+          </a:p>
+        </p:txBody>
+      </p:sp>
+      <p:pic>
+        <p:nvPicPr>
+          <p:cNvPr id="10" name="图片 9">
+            <a:extLst>
+              <a:ext uri="{FF2B5EF4-FFF2-40B4-BE49-F238E27FC236}">
+                <a16:creationId xmlns:a16="http://schemas.microsoft.com/office/drawing/2014/main" id="{919F8D39-E196-4FB2-819B-D7115F0D5F43}"/>
+              </a:ext>
+            </a:extLst>
+          </p:cNvPr>
+          <p:cNvPicPr>
+            <a:picLocks noChangeAspect="1"/>
+          </p:cNvPicPr>
+          <p:nvPr/>
+        </p:nvPicPr>
+        <p:blipFill>
+          <a:blip r:embed="rId3"/>
+          <a:stretch>
+            <a:fillRect/>
+          </a:stretch>
+        </p:blipFill>
+        <p:spPr>
+          <a:xfrm>
+            <a:off x="4967815" y="3713108"/>
+            <a:ext cx="4187620" cy="874866"/>
+          </a:xfrm>
+          <a:prstGeom prst="rect">
+            <a:avLst/>
+          </a:prstGeom>
+        </p:spPr>
+      </p:pic>
+      <p:sp>
+        <p:nvSpPr>
+          <p:cNvPr id="11" name="矩形 10">
+            <a:extLst>
+              <a:ext uri="{FF2B5EF4-FFF2-40B4-BE49-F238E27FC236}">
+                <a16:creationId xmlns:a16="http://schemas.microsoft.com/office/drawing/2014/main" id="{203F1A4C-7037-4E06-8EC1-500AC01002F0}"/>
+              </a:ext>
+            </a:extLst>
+          </p:cNvPr>
+          <p:cNvSpPr/>
+          <p:nvPr/>
+        </p:nvSpPr>
+        <p:spPr>
+          <a:xfrm>
+            <a:off x="6553200" y="3066777"/>
+            <a:ext cx="2484685" cy="646331"/>
+          </a:xfrm>
+          <a:prstGeom prst="rect">
+            <a:avLst/>
+          </a:prstGeom>
+        </p:spPr>
+        <p:txBody>
+          <a:bodyPr wrap="square">
+            <a:spAutoFit/>
+          </a:bodyPr>
+          <a:lstStyle/>
+          <a:p>
+            <a:r>
+              <a:rPr lang="zh-CN" altLang="en-US">
+                <a:solidFill>
+                  <a:srgbClr val="FF0000"/>
+                </a:solidFill>
+              </a:rPr>
+              <a:t>COMO的New与C++的new是不同的</a:t>
+            </a:r>
+          </a:p>
+        </p:txBody>
+      </p:sp>
+    </p:spTree>
+    <p:extLst>
+      <p:ext uri="{BB962C8B-B14F-4D97-AF65-F5344CB8AC3E}">
+        <p14:creationId xmlns:p14="http://schemas.microsoft.com/office/powerpoint/2010/main" val="989620971"/>
+      </p:ext>
+    </p:extLst>
+  </p:cSld>
+  <p:clrMapOvr>
+    <a:masterClrMapping/>
+  </p:clrMapOvr>
+</p:sld>
+</file>
+
+<file path=ppt/slides/slide17.xml><?xml version="1.0" encoding="utf-8"?>
+<p:sld xmlns:a="http://schemas.openxmlformats.org/drawingml/2006/main" xmlns:r="http://schemas.openxmlformats.org/officeDocument/2006/relationships" xmlns:p="http://schemas.openxmlformats.org/presentationml/2006/main">
+  <p:cSld>
+    <p:spTree>
+      <p:nvGrpSpPr>
+        <p:cNvPr id="1" name=""/>
+        <p:cNvGrpSpPr/>
+        <p:nvPr/>
+      </p:nvGrpSpPr>
+      <p:grpSpPr>
+        <a:xfrm>
+          <a:off x="0" y="0"/>
+          <a:ext cx="0" cy="0"/>
+          <a:chOff x="0" y="0"/>
+          <a:chExt cx="0" cy="0"/>
+        </a:xfrm>
+      </p:grpSpPr>
+      <p:sp>
+        <p:nvSpPr>
+          <p:cNvPr id="2" name="标题 1">
+            <a:extLst>
+              <a:ext uri="{FF2B5EF4-FFF2-40B4-BE49-F238E27FC236}">
+                <a16:creationId xmlns:a16="http://schemas.microsoft.com/office/drawing/2014/main" id="{308A463E-16DA-409E-B7E9-A66FFE1EFDE1}"/>
+              </a:ext>
+            </a:extLst>
+          </p:cNvPr>
+          <p:cNvSpPr>
+            <a:spLocks noGrp="1"/>
+          </p:cNvSpPr>
+          <p:nvPr>
+            <p:ph type="title"/>
+          </p:nvPr>
+        </p:nvSpPr>
+        <p:spPr/>
+        <p:txBody>
+          <a:bodyPr/>
+          <a:lstStyle/>
+          <a:p>
+            <a:r>
+              <a:rPr lang="en-US" altLang="zh-CN"/>
+              <a:t>Server</a:t>
+            </a:r>
+            <a:r>
+              <a:rPr lang="zh-CN" altLang="en-US"/>
+              <a:t>端注册服务对象</a:t>
+            </a:r>
+            <a:br>
+              <a:rPr lang="en-US" altLang="zh-CN"/>
+            </a:br>
+            <a:r>
+              <a:rPr lang="en-US" altLang="zh-CN" sz="1800"/>
+              <a:t>ServiceManager::AddService</a:t>
+            </a:r>
+            <a:endParaRPr lang="zh-CN" altLang="en-US" sz="1800"/>
+          </a:p>
+        </p:txBody>
+      </p:sp>
+      <p:sp>
+        <p:nvSpPr>
+          <p:cNvPr id="3" name="日期占位符 2">
+            <a:extLst>
+              <a:ext uri="{FF2B5EF4-FFF2-40B4-BE49-F238E27FC236}">
+                <a16:creationId xmlns:a16="http://schemas.microsoft.com/office/drawing/2014/main" id="{09E2A2C3-7CC6-4888-A546-F72733702928}"/>
+              </a:ext>
+            </a:extLst>
+          </p:cNvPr>
+          <p:cNvSpPr>
+            <a:spLocks noGrp="1"/>
+          </p:cNvSpPr>
+          <p:nvPr>
+            <p:ph type="dt" sz="half" idx="10"/>
+          </p:nvPr>
+        </p:nvSpPr>
+        <p:spPr/>
+        <p:txBody>
+          <a:bodyPr/>
+          <a:lstStyle/>
+          <a:p>
+            <a:fld id="{C8218E9C-D97C-46B7-9115-F8A90873817C}" type="datetime1">
+              <a:rPr lang="zh-CN" altLang="en-US" smtClean="0">
+                <a:solidFill>
+                  <a:srgbClr val="000000"/>
+                </a:solidFill>
+              </a:rPr>
+              <a:pPr/>
+              <a:t>2022/4/7</a:t>
+            </a:fld>
+            <a:endParaRPr lang="zh-CN" altLang="en-US">
+              <a:solidFill>
+                <a:srgbClr val="000000"/>
+              </a:solidFill>
+            </a:endParaRPr>
+          </a:p>
+        </p:txBody>
+      </p:sp>
+      <p:sp>
+        <p:nvSpPr>
+          <p:cNvPr id="4" name="页脚占位符 3">
+            <a:extLst>
+              <a:ext uri="{FF2B5EF4-FFF2-40B4-BE49-F238E27FC236}">
+                <a16:creationId xmlns:a16="http://schemas.microsoft.com/office/drawing/2014/main" id="{3D946B75-A3C8-4D97-A1B1-F2A48D7FFB35}"/>
+              </a:ext>
+            </a:extLst>
+          </p:cNvPr>
+          <p:cNvSpPr>
+            <a:spLocks noGrp="1"/>
+          </p:cNvSpPr>
+          <p:nvPr>
+            <p:ph type="ftr" sz="quarter" idx="11"/>
+          </p:nvPr>
+        </p:nvSpPr>
+        <p:spPr/>
+        <p:txBody>
+          <a:bodyPr/>
+          <a:lstStyle/>
+          <a:p>
+            <a:r>
+              <a:rPr lang="zh-CN" altLang="en-US">
+                <a:solidFill>
+                  <a:srgbClr val="000000"/>
+                </a:solidFill>
+              </a:rPr>
+              <a:t>同济大学电子与信息工程学院 裴喜龙</a:t>
+            </a:r>
+          </a:p>
+        </p:txBody>
+      </p:sp>
+      <p:sp>
+        <p:nvSpPr>
+          <p:cNvPr id="5" name="灯片编号占位符 4">
+            <a:extLst>
+              <a:ext uri="{FF2B5EF4-FFF2-40B4-BE49-F238E27FC236}">
+                <a16:creationId xmlns:a16="http://schemas.microsoft.com/office/drawing/2014/main" id="{C4E8C0B9-D056-4FB4-8A4B-E5923CE77176}"/>
+              </a:ext>
+            </a:extLst>
+          </p:cNvPr>
+          <p:cNvSpPr>
+            <a:spLocks noGrp="1"/>
+          </p:cNvSpPr>
+          <p:nvPr>
+            <p:ph type="sldNum" sz="quarter" idx="12"/>
+          </p:nvPr>
+        </p:nvSpPr>
+        <p:spPr/>
+        <p:txBody>
+          <a:bodyPr/>
+          <a:lstStyle/>
+          <a:p>
+            <a:fld id="{C3E0ADDA-F6F8-47AE-B57D-5BE0E215DE8A}" type="slidenum">
+              <a:rPr lang="zh-CN" altLang="en-US" smtClean="0">
+                <a:solidFill>
+                  <a:srgbClr val="000000"/>
+                </a:solidFill>
+              </a:rPr>
+              <a:pPr/>
+              <a:t>17</a:t>
             </a:fld>
             <a:endParaRPr lang="zh-CN" altLang="en-US">
               <a:solidFill>
@@ -9154,7 +9434,7 @@
 </p:sld>
 </file>
 
-<file path=ppt/slides/slide17.xml><?xml version="1.0" encoding="utf-8"?>
+<file path=ppt/slides/slide18.xml><?xml version="1.0" encoding="utf-8"?>
 <p:sld xmlns:a="http://schemas.openxmlformats.org/drawingml/2006/main" xmlns:r="http://schemas.openxmlformats.org/officeDocument/2006/relationships" xmlns:p="http://schemas.openxmlformats.org/presentationml/2006/main">
   <p:cSld>
     <p:spTree>
@@ -9239,7 +9519,7 @@
                 </a:solidFill>
               </a:rPr>
               <a:pPr/>
-              <a:t>2021/2/26</a:t>
+              <a:t>2022/4/7</a:t>
             </a:fld>
             <a:endParaRPr lang="zh-CN" altLang="en-US">
               <a:solidFill>
@@ -9309,7 +9589,7 @@
                 </a:solidFill>
               </a:rPr>
               <a:pPr/>
-              <a:t>17</a:t>
+              <a:t>18</a:t>
             </a:fld>
             <a:endParaRPr lang="zh-CN" altLang="en-US">
               <a:solidFill>
@@ -9648,7 +9928,7 @@
 </p:sld>
 </file>
 
-<file path=ppt/slides/slide18.xml><?xml version="1.0" encoding="utf-8"?>
+<file path=ppt/slides/slide19.xml><?xml version="1.0" encoding="utf-8"?>
 <p:sld xmlns:a="http://schemas.openxmlformats.org/drawingml/2006/main" xmlns:r="http://schemas.openxmlformats.org/officeDocument/2006/relationships" xmlns:p="http://schemas.openxmlformats.org/presentationml/2006/main">
   <p:cSld>
     <p:spTree>
@@ -9733,7 +10013,7 @@
                 </a:solidFill>
               </a:rPr>
               <a:pPr/>
-              <a:t>2021/2/26</a:t>
+              <a:t>2022/4/7</a:t>
             </a:fld>
             <a:endParaRPr lang="zh-CN" altLang="en-US">
               <a:solidFill>
@@ -9803,7 +10083,7 @@
                 </a:solidFill>
               </a:rPr>
               <a:pPr/>
-              <a:t>18</a:t>
+              <a:t>19</a:t>
             </a:fld>
             <a:endParaRPr lang="zh-CN" altLang="en-US">
               <a:solidFill>
@@ -10048,438 +10328,6 @@
 </p:sld>
 </file>
 
-<file path=ppt/slides/slide19.xml><?xml version="1.0" encoding="utf-8"?>
-<p:sld xmlns:a="http://schemas.openxmlformats.org/drawingml/2006/main" xmlns:r="http://schemas.openxmlformats.org/officeDocument/2006/relationships" xmlns:p="http://schemas.openxmlformats.org/presentationml/2006/main">
-  <p:cSld>
-    <p:spTree>
-      <p:nvGrpSpPr>
-        <p:cNvPr id="1" name=""/>
-        <p:cNvGrpSpPr/>
-        <p:nvPr/>
-      </p:nvGrpSpPr>
-      <p:grpSpPr>
-        <a:xfrm>
-          <a:off x="0" y="0"/>
-          <a:ext cx="0" cy="0"/>
-          <a:chOff x="0" y="0"/>
-          <a:chExt cx="0" cy="0"/>
-        </a:xfrm>
-      </p:grpSpPr>
-      <p:sp>
-        <p:nvSpPr>
-          <p:cNvPr id="2" name="标题 1">
-            <a:extLst>
-              <a:ext uri="{FF2B5EF4-FFF2-40B4-BE49-F238E27FC236}">
-                <a16:creationId xmlns:a16="http://schemas.microsoft.com/office/drawing/2014/main" id="{1130B7D0-43F1-4891-984E-E93FB2B8B6AC}"/>
-              </a:ext>
-            </a:extLst>
-          </p:cNvPr>
-          <p:cNvSpPr>
-            <a:spLocks noGrp="1"/>
-          </p:cNvSpPr>
-          <p:nvPr>
-            <p:ph type="ctrTitle"/>
-          </p:nvPr>
-        </p:nvSpPr>
-        <p:spPr/>
-        <p:txBody>
-          <a:bodyPr/>
-          <a:lstStyle/>
-          <a:p>
-            <a:r>
-              <a:rPr lang="zh-CN" altLang="en-US"/>
-              <a:t>服务管理</a:t>
-            </a:r>
-            <a:r>
-              <a:rPr lang="en-US" altLang="zh-CN"/>
-              <a:t>ServiceManager</a:t>
-            </a:r>
-          </a:p>
-        </p:txBody>
-      </p:sp>
-      <p:sp>
-        <p:nvSpPr>
-          <p:cNvPr id="4" name="日期占位符 3">
-            <a:extLst>
-              <a:ext uri="{FF2B5EF4-FFF2-40B4-BE49-F238E27FC236}">
-                <a16:creationId xmlns:a16="http://schemas.microsoft.com/office/drawing/2014/main" id="{F87EAC34-1706-4D07-88E0-69B8253B3F94}"/>
-              </a:ext>
-            </a:extLst>
-          </p:cNvPr>
-          <p:cNvSpPr>
-            <a:spLocks noGrp="1"/>
-          </p:cNvSpPr>
-          <p:nvPr>
-            <p:ph type="dt" sz="half" idx="10"/>
-          </p:nvPr>
-        </p:nvSpPr>
-        <p:spPr/>
-        <p:txBody>
-          <a:bodyPr/>
-          <a:lstStyle/>
-          <a:p>
-            <a:fld id="{12D1B8E7-F47C-47D8-B811-1B6D096B8720}" type="datetime1">
-              <a:rPr lang="zh-CN" altLang="en-US" smtClean="0">
-                <a:solidFill>
-                  <a:srgbClr val="000000"/>
-                </a:solidFill>
-              </a:rPr>
-              <a:pPr/>
-              <a:t>2021/2/26</a:t>
-            </a:fld>
-            <a:endParaRPr lang="zh-CN" altLang="en-US">
-              <a:solidFill>
-                <a:srgbClr val="000000"/>
-              </a:solidFill>
-            </a:endParaRPr>
-          </a:p>
-        </p:txBody>
-      </p:sp>
-      <p:sp>
-        <p:nvSpPr>
-          <p:cNvPr id="5" name="页脚占位符 4">
-            <a:extLst>
-              <a:ext uri="{FF2B5EF4-FFF2-40B4-BE49-F238E27FC236}">
-                <a16:creationId xmlns:a16="http://schemas.microsoft.com/office/drawing/2014/main" id="{D5E6CA98-2203-4F89-B6B1-F6AC23519BE7}"/>
-              </a:ext>
-            </a:extLst>
-          </p:cNvPr>
-          <p:cNvSpPr>
-            <a:spLocks noGrp="1"/>
-          </p:cNvSpPr>
-          <p:nvPr>
-            <p:ph type="ftr" sz="quarter" idx="11"/>
-          </p:nvPr>
-        </p:nvSpPr>
-        <p:spPr/>
-        <p:txBody>
-          <a:bodyPr/>
-          <a:lstStyle/>
-          <a:p>
-            <a:r>
-              <a:rPr lang="zh-CN" altLang="en-US">
-                <a:solidFill>
-                  <a:srgbClr val="000000"/>
-                </a:solidFill>
-              </a:rPr>
-              <a:t>同济大学电子与信息工程学院 裴喜龙</a:t>
-            </a:r>
-          </a:p>
-        </p:txBody>
-      </p:sp>
-      <p:sp>
-        <p:nvSpPr>
-          <p:cNvPr id="6" name="灯片编号占位符 5">
-            <a:extLst>
-              <a:ext uri="{FF2B5EF4-FFF2-40B4-BE49-F238E27FC236}">
-                <a16:creationId xmlns:a16="http://schemas.microsoft.com/office/drawing/2014/main" id="{21E11E3C-D4A1-42A8-97EE-A4D070E14C84}"/>
-              </a:ext>
-            </a:extLst>
-          </p:cNvPr>
-          <p:cNvSpPr>
-            <a:spLocks noGrp="1"/>
-          </p:cNvSpPr>
-          <p:nvPr>
-            <p:ph type="sldNum" sz="quarter" idx="12"/>
-          </p:nvPr>
-        </p:nvSpPr>
-        <p:spPr/>
-        <p:txBody>
-          <a:bodyPr/>
-          <a:lstStyle/>
-          <a:p>
-            <a:fld id="{C3E0ADDA-F6F8-47AE-B57D-5BE0E215DE8A}" type="slidenum">
-              <a:rPr lang="zh-CN" altLang="en-US" smtClean="0">
-                <a:solidFill>
-                  <a:srgbClr val="000000"/>
-                </a:solidFill>
-              </a:rPr>
-              <a:pPr/>
-              <a:t>19</a:t>
-            </a:fld>
-            <a:endParaRPr lang="zh-CN" altLang="en-US">
-              <a:solidFill>
-                <a:srgbClr val="000000"/>
-              </a:solidFill>
-            </a:endParaRPr>
-          </a:p>
-        </p:txBody>
-      </p:sp>
-      <p:sp>
-        <p:nvSpPr>
-          <p:cNvPr id="9" name="副标题 2">
-            <a:extLst>
-              <a:ext uri="{FF2B5EF4-FFF2-40B4-BE49-F238E27FC236}">
-                <a16:creationId xmlns:a16="http://schemas.microsoft.com/office/drawing/2014/main" id="{8EEF5263-D899-45DB-84DB-385B9FD0C922}"/>
-              </a:ext>
-            </a:extLst>
-          </p:cNvPr>
-          <p:cNvSpPr txBox="1">
-            <a:spLocks/>
-          </p:cNvSpPr>
-          <p:nvPr/>
-        </p:nvSpPr>
-        <p:spPr bwMode="auto">
-          <a:xfrm>
-            <a:off x="679151" y="2771776"/>
-            <a:ext cx="7772400" cy="1200150"/>
-          </a:xfrm>
-          <a:prstGeom prst="rect">
-            <a:avLst/>
-          </a:prstGeom>
-          <a:noFill/>
-          <a:ln>
-            <a:noFill/>
-          </a:ln>
-          <a:effectLst/>
-          <a:extLst>
-            <a:ext uri="{909E8E84-426E-40DD-AFC4-6F175D3DCCD1}">
-              <a14:hiddenFill xmlns:a14="http://schemas.microsoft.com/office/drawing/2010/main">
-                <a:solidFill>
-                  <a:schemeClr val="accent1"/>
-                </a:solidFill>
-              </a14:hiddenFill>
-            </a:ext>
-            <a:ext uri="{91240B29-F687-4F45-9708-019B960494DF}">
-              <a14:hiddenLine xmlns:a14="http://schemas.microsoft.com/office/drawing/2010/main" w="9525">
-                <a:solidFill>
-                  <a:schemeClr val="tx1"/>
-                </a:solidFill>
-                <a:miter lim="800000"/>
-                <a:headEnd/>
-                <a:tailEnd/>
-              </a14:hiddenLine>
-            </a:ext>
-            <a:ext uri="{AF507438-7753-43E0-B8FC-AC1667EBCBE1}">
-              <a14:hiddenEffects xmlns:a14="http://schemas.microsoft.com/office/drawing/2010/main">
-                <a:effectLst>
-                  <a:outerShdw dist="35921" dir="2700000" algn="ctr" rotWithShape="0">
-                    <a:schemeClr val="bg2"/>
-                  </a:outerShdw>
-                </a:effectLst>
-              </a14:hiddenEffects>
-            </a:ext>
-          </a:extLst>
-        </p:spPr>
-        <p:txBody>
-          <a:bodyPr vert="horz" wrap="square" lIns="68580" tIns="34290" rIns="68580" bIns="34290" numCol="1" anchor="t" anchorCtr="0" compatLnSpc="1">
-            <a:prstTxWarp prst="textNoShape">
-              <a:avLst/>
-            </a:prstTxWarp>
-          </a:bodyPr>
-          <a:lstStyle>
-            <a:lvl1pPr marL="0" indent="0" algn="l" rtl="0" eaLnBrk="1" fontAlgn="base" hangingPunct="1">
-              <a:spcBef>
-                <a:spcPct val="20000"/>
-              </a:spcBef>
-              <a:spcAft>
-                <a:spcPct val="0"/>
-              </a:spcAft>
-              <a:buClr>
-                <a:schemeClr val="accent2"/>
-              </a:buClr>
-              <a:buFont typeface="Wingdings" pitchFamily="2" charset="2"/>
-              <a:buNone/>
-              <a:defRPr sz="2100">
-                <a:solidFill>
-                  <a:schemeClr val="tx1"/>
-                </a:solidFill>
-                <a:latin typeface="+mn-lt"/>
-                <a:ea typeface="+mn-ea"/>
-                <a:cs typeface="+mn-cs"/>
-              </a:defRPr>
-            </a:lvl1pPr>
-            <a:lvl2pPr marL="681038" indent="-327422" algn="l" rtl="0" eaLnBrk="1" fontAlgn="base" hangingPunct="1">
-              <a:spcBef>
-                <a:spcPct val="20000"/>
-              </a:spcBef>
-              <a:spcAft>
-                <a:spcPct val="0"/>
-              </a:spcAft>
-              <a:buClr>
-                <a:schemeClr val="accent2"/>
-              </a:buClr>
-              <a:buFont typeface="Wingdings" panose="05000000000000000000" pitchFamily="2" charset="2"/>
-              <a:buChar char="n"/>
-              <a:defRPr sz="2000">
-                <a:solidFill>
-                  <a:schemeClr val="tx1"/>
-                </a:solidFill>
-                <a:latin typeface="+mn-lt"/>
-                <a:ea typeface="+mn-ea"/>
-              </a:defRPr>
-            </a:lvl2pPr>
-            <a:lvl3pPr marL="978694" indent="-296466" algn="l" rtl="0" eaLnBrk="1" fontAlgn="base" hangingPunct="1">
-              <a:spcBef>
-                <a:spcPct val="20000"/>
-              </a:spcBef>
-              <a:spcAft>
-                <a:spcPct val="0"/>
-              </a:spcAft>
-              <a:buClr>
-                <a:schemeClr val="accent2"/>
-              </a:buClr>
-              <a:buFont typeface="Wingdings" panose="05000000000000000000" pitchFamily="2" charset="2"/>
-              <a:buChar char="o"/>
-              <a:defRPr sz="1700">
-                <a:solidFill>
-                  <a:schemeClr val="tx1"/>
-                </a:solidFill>
-                <a:latin typeface="+mn-lt"/>
-                <a:ea typeface="+mn-ea"/>
-              </a:defRPr>
-            </a:lvl3pPr>
-            <a:lvl4pPr marL="1270397" indent="-290513" algn="l" rtl="0" eaLnBrk="1" fontAlgn="base" hangingPunct="1">
-              <a:spcBef>
-                <a:spcPct val="20000"/>
-              </a:spcBef>
-              <a:spcAft>
-                <a:spcPct val="0"/>
-              </a:spcAft>
-              <a:buClr>
-                <a:schemeClr val="accent2"/>
-              </a:buClr>
-              <a:buFont typeface="Wingdings" panose="05000000000000000000" pitchFamily="2" charset="2"/>
-              <a:buChar char="n"/>
-              <a:defRPr sz="1500">
-                <a:solidFill>
-                  <a:schemeClr val="tx1"/>
-                </a:solidFill>
-                <a:latin typeface="+mn-lt"/>
-                <a:ea typeface="+mn-ea"/>
-              </a:defRPr>
-            </a:lvl4pPr>
-            <a:lvl5pPr marL="1570435" indent="-298847" algn="l" rtl="0" eaLnBrk="1" fontAlgn="base" hangingPunct="1">
-              <a:spcBef>
-                <a:spcPct val="25000"/>
-              </a:spcBef>
-              <a:spcAft>
-                <a:spcPct val="0"/>
-              </a:spcAft>
-              <a:buClr>
-                <a:schemeClr val="accent2"/>
-              </a:buClr>
-              <a:buFont typeface="Wingdings" panose="05000000000000000000" pitchFamily="2" charset="2"/>
-              <a:buChar char="§"/>
-              <a:defRPr sz="1500">
-                <a:solidFill>
-                  <a:schemeClr val="tx1"/>
-                </a:solidFill>
-                <a:latin typeface="+mn-lt"/>
-                <a:ea typeface="+mn-ea"/>
-              </a:defRPr>
-            </a:lvl5pPr>
-            <a:lvl6pPr marL="1913335" indent="-298847" algn="l" rtl="0" eaLnBrk="1" fontAlgn="base" hangingPunct="1">
-              <a:spcBef>
-                <a:spcPct val="25000"/>
-              </a:spcBef>
-              <a:spcAft>
-                <a:spcPct val="0"/>
-              </a:spcAft>
-              <a:buClr>
-                <a:schemeClr val="accent2"/>
-              </a:buClr>
-              <a:buFont typeface="Wingdings" pitchFamily="2" charset="2"/>
-              <a:buChar char="§"/>
-              <a:defRPr sz="1500">
-                <a:solidFill>
-                  <a:schemeClr val="tx1"/>
-                </a:solidFill>
-                <a:latin typeface="+mn-lt"/>
-                <a:ea typeface="+mn-ea"/>
-              </a:defRPr>
-            </a:lvl6pPr>
-            <a:lvl7pPr marL="2256235" indent="-298847" algn="l" rtl="0" eaLnBrk="1" fontAlgn="base" hangingPunct="1">
-              <a:spcBef>
-                <a:spcPct val="25000"/>
-              </a:spcBef>
-              <a:spcAft>
-                <a:spcPct val="0"/>
-              </a:spcAft>
-              <a:buClr>
-                <a:schemeClr val="accent2"/>
-              </a:buClr>
-              <a:buFont typeface="Wingdings" pitchFamily="2" charset="2"/>
-              <a:buChar char="§"/>
-              <a:defRPr sz="1500">
-                <a:solidFill>
-                  <a:schemeClr val="tx1"/>
-                </a:solidFill>
-                <a:latin typeface="+mn-lt"/>
-                <a:ea typeface="+mn-ea"/>
-              </a:defRPr>
-            </a:lvl7pPr>
-            <a:lvl8pPr marL="2599135" indent="-298847" algn="l" rtl="0" eaLnBrk="1" fontAlgn="base" hangingPunct="1">
-              <a:spcBef>
-                <a:spcPct val="25000"/>
-              </a:spcBef>
-              <a:spcAft>
-                <a:spcPct val="0"/>
-              </a:spcAft>
-              <a:buClr>
-                <a:schemeClr val="accent2"/>
-              </a:buClr>
-              <a:buFont typeface="Wingdings" pitchFamily="2" charset="2"/>
-              <a:buChar char="§"/>
-              <a:defRPr sz="1500">
-                <a:solidFill>
-                  <a:schemeClr val="tx1"/>
-                </a:solidFill>
-                <a:latin typeface="+mn-lt"/>
-                <a:ea typeface="+mn-ea"/>
-              </a:defRPr>
-            </a:lvl8pPr>
-            <a:lvl9pPr marL="2942035" indent="-298847" algn="l" rtl="0" eaLnBrk="1" fontAlgn="base" hangingPunct="1">
-              <a:spcBef>
-                <a:spcPct val="25000"/>
-              </a:spcBef>
-              <a:spcAft>
-                <a:spcPct val="0"/>
-              </a:spcAft>
-              <a:buClr>
-                <a:schemeClr val="accent2"/>
-              </a:buClr>
-              <a:buFont typeface="Wingdings" pitchFamily="2" charset="2"/>
-              <a:buChar char="§"/>
-              <a:defRPr sz="1500">
-                <a:solidFill>
-                  <a:schemeClr val="tx1"/>
-                </a:solidFill>
-                <a:latin typeface="+mn-lt"/>
-                <a:ea typeface="+mn-ea"/>
-              </a:defRPr>
-            </a:lvl9pPr>
-          </a:lstStyle>
-          <a:p>
-            <a:pPr defTabSz="914400"/>
-            <a:r>
-              <a:rPr lang="zh-CN" altLang="en-US" kern="0"/>
-              <a:t>服务管理是对所有远程</a:t>
-            </a:r>
-            <a:r>
-              <a:rPr lang="en-US" altLang="zh-CN" kern="0"/>
-              <a:t>COMO</a:t>
-            </a:r>
-            <a:r>
-              <a:rPr lang="zh-CN" altLang="en-US" kern="0"/>
-              <a:t>服务对象进行管理的进程。</a:t>
-            </a:r>
-          </a:p>
-        </p:txBody>
-      </p:sp>
-    </p:spTree>
-    <p:extLst>
-      <p:ext uri="{BB962C8B-B14F-4D97-AF65-F5344CB8AC3E}">
-        <p14:creationId xmlns:p14="http://schemas.microsoft.com/office/powerpoint/2010/main" val="694166983"/>
-      </p:ext>
-    </p:extLst>
-  </p:cSld>
-  <p:clrMapOvr>
-    <a:masterClrMapping/>
-  </p:clrMapOvr>
-</p:sld>
-</file>
-
 <file path=ppt/slides/slide2.xml><?xml version="1.0" encoding="utf-8"?>
 <p:sld xmlns:a="http://schemas.openxmlformats.org/drawingml/2006/main" xmlns:r="http://schemas.openxmlformats.org/officeDocument/2006/relationships" xmlns:p="http://schemas.openxmlformats.org/presentationml/2006/main">
   <p:cSld>
@@ -10590,7 +10438,7 @@
             </a:r>
             <a:r>
               <a:rPr lang="en-US" altLang="zh-CN"/>
-              <a:t>D-Bbus/IBinder</a:t>
+              <a:t>D-Bbus/IBinder/ZeroMQ</a:t>
             </a:r>
             <a:endParaRPr lang="zh-CN" altLang="en-US"/>
           </a:p>
@@ -10624,7 +10472,7 @@
                 </a:solidFill>
               </a:rPr>
               <a:pPr/>
-              <a:t>2021/2/26</a:t>
+              <a:t>2022/4/7</a:t>
             </a:fld>
             <a:endParaRPr lang="zh-CN" altLang="en-US">
               <a:solidFill>
@@ -10739,7 +10587,7 @@
           <p:cNvPr id="2" name="标题 1">
             <a:extLst>
               <a:ext uri="{FF2B5EF4-FFF2-40B4-BE49-F238E27FC236}">
-                <a16:creationId xmlns:a16="http://schemas.microsoft.com/office/drawing/2014/main" id="{308A463E-16DA-409E-B7E9-A66FFE1EFDE1}"/>
+                <a16:creationId xmlns:a16="http://schemas.microsoft.com/office/drawing/2014/main" id="{1130B7D0-43F1-4891-984E-E93FB2B8B6AC}"/>
               </a:ext>
             </a:extLst>
           </p:cNvPr>
@@ -10747,7 +10595,7 @@
             <a:spLocks noGrp="1"/>
           </p:cNvSpPr>
           <p:nvPr>
-            <p:ph type="title"/>
+            <p:ph type="ctrTitle"/>
           </p:nvPr>
         </p:nvSpPr>
         <p:spPr/>
@@ -10763,16 +10611,15 @@
               <a:rPr lang="en-US" altLang="zh-CN"/>
               <a:t>ServiceManager</a:t>
             </a:r>
-            <a:endParaRPr lang="zh-CN" altLang="en-US" sz="1800"/>
-          </a:p>
-        </p:txBody>
-      </p:sp>
-      <p:sp>
-        <p:nvSpPr>
-          <p:cNvPr id="3" name="日期占位符 2">
-            <a:extLst>
-              <a:ext uri="{FF2B5EF4-FFF2-40B4-BE49-F238E27FC236}">
-                <a16:creationId xmlns:a16="http://schemas.microsoft.com/office/drawing/2014/main" id="{09E2A2C3-7CC6-4888-A546-F72733702928}"/>
+          </a:p>
+        </p:txBody>
+      </p:sp>
+      <p:sp>
+        <p:nvSpPr>
+          <p:cNvPr id="4" name="日期占位符 3">
+            <a:extLst>
+              <a:ext uri="{FF2B5EF4-FFF2-40B4-BE49-F238E27FC236}">
+                <a16:creationId xmlns:a16="http://schemas.microsoft.com/office/drawing/2014/main" id="{F87EAC34-1706-4D07-88E0-69B8253B3F94}"/>
               </a:ext>
             </a:extLst>
           </p:cNvPr>
@@ -10788,14 +10635,14 @@
           <a:bodyPr/>
           <a:lstStyle/>
           <a:p>
-            <a:fld id="{C8218E9C-D97C-46B7-9115-F8A90873817C}" type="datetime1">
+            <a:fld id="{12D1B8E7-F47C-47D8-B811-1B6D096B8720}" type="datetime1">
               <a:rPr lang="zh-CN" altLang="en-US" smtClean="0">
                 <a:solidFill>
                   <a:srgbClr val="000000"/>
                 </a:solidFill>
               </a:rPr>
               <a:pPr/>
-              <a:t>2021/2/26</a:t>
+              <a:t>2022/4/7</a:t>
             </a:fld>
             <a:endParaRPr lang="zh-CN" altLang="en-US">
               <a:solidFill>
@@ -10807,10 +10654,10 @@
       </p:sp>
       <p:sp>
         <p:nvSpPr>
-          <p:cNvPr id="4" name="页脚占位符 3">
-            <a:extLst>
-              <a:ext uri="{FF2B5EF4-FFF2-40B4-BE49-F238E27FC236}">
-                <a16:creationId xmlns:a16="http://schemas.microsoft.com/office/drawing/2014/main" id="{3D946B75-A3C8-4D97-A1B1-F2A48D7FFB35}"/>
+          <p:cNvPr id="5" name="页脚占位符 4">
+            <a:extLst>
+              <a:ext uri="{FF2B5EF4-FFF2-40B4-BE49-F238E27FC236}">
+                <a16:creationId xmlns:a16="http://schemas.microsoft.com/office/drawing/2014/main" id="{D5E6CA98-2203-4F89-B6B1-F6AC23519BE7}"/>
               </a:ext>
             </a:extLst>
           </p:cNvPr>
@@ -10839,10 +10686,10 @@
       </p:sp>
       <p:sp>
         <p:nvSpPr>
-          <p:cNvPr id="5" name="灯片编号占位符 4">
-            <a:extLst>
-              <a:ext uri="{FF2B5EF4-FFF2-40B4-BE49-F238E27FC236}">
-                <a16:creationId xmlns:a16="http://schemas.microsoft.com/office/drawing/2014/main" id="{C4E8C0B9-D056-4FB4-8A4B-E5923CE77176}"/>
+          <p:cNvPr id="6" name="灯片编号占位符 5">
+            <a:extLst>
+              <a:ext uri="{FF2B5EF4-FFF2-40B4-BE49-F238E27FC236}">
+                <a16:creationId xmlns:a16="http://schemas.microsoft.com/office/drawing/2014/main" id="{21E11E3C-D4A1-42A8-97EE-A4D070E14C84}"/>
               </a:ext>
             </a:extLst>
           </p:cNvPr>
@@ -10866,6 +10713,439 @@
               </a:rPr>
               <a:pPr/>
               <a:t>20</a:t>
+            </a:fld>
+            <a:endParaRPr lang="zh-CN" altLang="en-US">
+              <a:solidFill>
+                <a:srgbClr val="000000"/>
+              </a:solidFill>
+            </a:endParaRPr>
+          </a:p>
+        </p:txBody>
+      </p:sp>
+      <p:sp>
+        <p:nvSpPr>
+          <p:cNvPr id="9" name="副标题 2">
+            <a:extLst>
+              <a:ext uri="{FF2B5EF4-FFF2-40B4-BE49-F238E27FC236}">
+                <a16:creationId xmlns:a16="http://schemas.microsoft.com/office/drawing/2014/main" id="{8EEF5263-D899-45DB-84DB-385B9FD0C922}"/>
+              </a:ext>
+            </a:extLst>
+          </p:cNvPr>
+          <p:cNvSpPr txBox="1">
+            <a:spLocks/>
+          </p:cNvSpPr>
+          <p:nvPr/>
+        </p:nvSpPr>
+        <p:spPr bwMode="auto">
+          <a:xfrm>
+            <a:off x="679151" y="2771776"/>
+            <a:ext cx="7772400" cy="1200150"/>
+          </a:xfrm>
+          <a:prstGeom prst="rect">
+            <a:avLst/>
+          </a:prstGeom>
+          <a:noFill/>
+          <a:ln>
+            <a:noFill/>
+          </a:ln>
+          <a:effectLst/>
+          <a:extLst>
+            <a:ext uri="{909E8E84-426E-40DD-AFC4-6F175D3DCCD1}">
+              <a14:hiddenFill xmlns:a14="http://schemas.microsoft.com/office/drawing/2010/main">
+                <a:solidFill>
+                  <a:schemeClr val="accent1"/>
+                </a:solidFill>
+              </a14:hiddenFill>
+            </a:ext>
+            <a:ext uri="{91240B29-F687-4F45-9708-019B960494DF}">
+              <a14:hiddenLine xmlns:a14="http://schemas.microsoft.com/office/drawing/2010/main" w="9525">
+                <a:solidFill>
+                  <a:schemeClr val="tx1"/>
+                </a:solidFill>
+                <a:miter lim="800000"/>
+                <a:headEnd/>
+                <a:tailEnd/>
+              </a14:hiddenLine>
+            </a:ext>
+            <a:ext uri="{AF507438-7753-43E0-B8FC-AC1667EBCBE1}">
+              <a14:hiddenEffects xmlns:a14="http://schemas.microsoft.com/office/drawing/2010/main">
+                <a:effectLst>
+                  <a:outerShdw dist="35921" dir="2700000" algn="ctr" rotWithShape="0">
+                    <a:schemeClr val="bg2"/>
+                  </a:outerShdw>
+                </a:effectLst>
+              </a14:hiddenEffects>
+            </a:ext>
+          </a:extLst>
+        </p:spPr>
+        <p:txBody>
+          <a:bodyPr vert="horz" wrap="square" lIns="68580" tIns="34290" rIns="68580" bIns="34290" numCol="1" anchor="t" anchorCtr="0" compatLnSpc="1">
+            <a:prstTxWarp prst="textNoShape">
+              <a:avLst/>
+            </a:prstTxWarp>
+          </a:bodyPr>
+          <a:lstStyle>
+            <a:lvl1pPr marL="0" indent="0" algn="l" rtl="0" eaLnBrk="1" fontAlgn="base" hangingPunct="1">
+              <a:spcBef>
+                <a:spcPct val="20000"/>
+              </a:spcBef>
+              <a:spcAft>
+                <a:spcPct val="0"/>
+              </a:spcAft>
+              <a:buClr>
+                <a:schemeClr val="accent2"/>
+              </a:buClr>
+              <a:buFont typeface="Wingdings" pitchFamily="2" charset="2"/>
+              <a:buNone/>
+              <a:defRPr sz="2100">
+                <a:solidFill>
+                  <a:schemeClr val="tx1"/>
+                </a:solidFill>
+                <a:latin typeface="+mn-lt"/>
+                <a:ea typeface="+mn-ea"/>
+                <a:cs typeface="+mn-cs"/>
+              </a:defRPr>
+            </a:lvl1pPr>
+            <a:lvl2pPr marL="681038" indent="-327422" algn="l" rtl="0" eaLnBrk="1" fontAlgn="base" hangingPunct="1">
+              <a:spcBef>
+                <a:spcPct val="20000"/>
+              </a:spcBef>
+              <a:spcAft>
+                <a:spcPct val="0"/>
+              </a:spcAft>
+              <a:buClr>
+                <a:schemeClr val="accent2"/>
+              </a:buClr>
+              <a:buFont typeface="Wingdings" panose="05000000000000000000" pitchFamily="2" charset="2"/>
+              <a:buChar char="n"/>
+              <a:defRPr sz="2000">
+                <a:solidFill>
+                  <a:schemeClr val="tx1"/>
+                </a:solidFill>
+                <a:latin typeface="+mn-lt"/>
+                <a:ea typeface="+mn-ea"/>
+              </a:defRPr>
+            </a:lvl2pPr>
+            <a:lvl3pPr marL="978694" indent="-296466" algn="l" rtl="0" eaLnBrk="1" fontAlgn="base" hangingPunct="1">
+              <a:spcBef>
+                <a:spcPct val="20000"/>
+              </a:spcBef>
+              <a:spcAft>
+                <a:spcPct val="0"/>
+              </a:spcAft>
+              <a:buClr>
+                <a:schemeClr val="accent2"/>
+              </a:buClr>
+              <a:buFont typeface="Wingdings" panose="05000000000000000000" pitchFamily="2" charset="2"/>
+              <a:buChar char="o"/>
+              <a:defRPr sz="1700">
+                <a:solidFill>
+                  <a:schemeClr val="tx1"/>
+                </a:solidFill>
+                <a:latin typeface="+mn-lt"/>
+                <a:ea typeface="+mn-ea"/>
+              </a:defRPr>
+            </a:lvl3pPr>
+            <a:lvl4pPr marL="1270397" indent="-290513" algn="l" rtl="0" eaLnBrk="1" fontAlgn="base" hangingPunct="1">
+              <a:spcBef>
+                <a:spcPct val="20000"/>
+              </a:spcBef>
+              <a:spcAft>
+                <a:spcPct val="0"/>
+              </a:spcAft>
+              <a:buClr>
+                <a:schemeClr val="accent2"/>
+              </a:buClr>
+              <a:buFont typeface="Wingdings" panose="05000000000000000000" pitchFamily="2" charset="2"/>
+              <a:buChar char="n"/>
+              <a:defRPr sz="1500">
+                <a:solidFill>
+                  <a:schemeClr val="tx1"/>
+                </a:solidFill>
+                <a:latin typeface="+mn-lt"/>
+                <a:ea typeface="+mn-ea"/>
+              </a:defRPr>
+            </a:lvl4pPr>
+            <a:lvl5pPr marL="1570435" indent="-298847" algn="l" rtl="0" eaLnBrk="1" fontAlgn="base" hangingPunct="1">
+              <a:spcBef>
+                <a:spcPct val="25000"/>
+              </a:spcBef>
+              <a:spcAft>
+                <a:spcPct val="0"/>
+              </a:spcAft>
+              <a:buClr>
+                <a:schemeClr val="accent2"/>
+              </a:buClr>
+              <a:buFont typeface="Wingdings" panose="05000000000000000000" pitchFamily="2" charset="2"/>
+              <a:buChar char="§"/>
+              <a:defRPr sz="1500">
+                <a:solidFill>
+                  <a:schemeClr val="tx1"/>
+                </a:solidFill>
+                <a:latin typeface="+mn-lt"/>
+                <a:ea typeface="+mn-ea"/>
+              </a:defRPr>
+            </a:lvl5pPr>
+            <a:lvl6pPr marL="1913335" indent="-298847" algn="l" rtl="0" eaLnBrk="1" fontAlgn="base" hangingPunct="1">
+              <a:spcBef>
+                <a:spcPct val="25000"/>
+              </a:spcBef>
+              <a:spcAft>
+                <a:spcPct val="0"/>
+              </a:spcAft>
+              <a:buClr>
+                <a:schemeClr val="accent2"/>
+              </a:buClr>
+              <a:buFont typeface="Wingdings" pitchFamily="2" charset="2"/>
+              <a:buChar char="§"/>
+              <a:defRPr sz="1500">
+                <a:solidFill>
+                  <a:schemeClr val="tx1"/>
+                </a:solidFill>
+                <a:latin typeface="+mn-lt"/>
+                <a:ea typeface="+mn-ea"/>
+              </a:defRPr>
+            </a:lvl6pPr>
+            <a:lvl7pPr marL="2256235" indent="-298847" algn="l" rtl="0" eaLnBrk="1" fontAlgn="base" hangingPunct="1">
+              <a:spcBef>
+                <a:spcPct val="25000"/>
+              </a:spcBef>
+              <a:spcAft>
+                <a:spcPct val="0"/>
+              </a:spcAft>
+              <a:buClr>
+                <a:schemeClr val="accent2"/>
+              </a:buClr>
+              <a:buFont typeface="Wingdings" pitchFamily="2" charset="2"/>
+              <a:buChar char="§"/>
+              <a:defRPr sz="1500">
+                <a:solidFill>
+                  <a:schemeClr val="tx1"/>
+                </a:solidFill>
+                <a:latin typeface="+mn-lt"/>
+                <a:ea typeface="+mn-ea"/>
+              </a:defRPr>
+            </a:lvl7pPr>
+            <a:lvl8pPr marL="2599135" indent="-298847" algn="l" rtl="0" eaLnBrk="1" fontAlgn="base" hangingPunct="1">
+              <a:spcBef>
+                <a:spcPct val="25000"/>
+              </a:spcBef>
+              <a:spcAft>
+                <a:spcPct val="0"/>
+              </a:spcAft>
+              <a:buClr>
+                <a:schemeClr val="accent2"/>
+              </a:buClr>
+              <a:buFont typeface="Wingdings" pitchFamily="2" charset="2"/>
+              <a:buChar char="§"/>
+              <a:defRPr sz="1500">
+                <a:solidFill>
+                  <a:schemeClr val="tx1"/>
+                </a:solidFill>
+                <a:latin typeface="+mn-lt"/>
+                <a:ea typeface="+mn-ea"/>
+              </a:defRPr>
+            </a:lvl8pPr>
+            <a:lvl9pPr marL="2942035" indent="-298847" algn="l" rtl="0" eaLnBrk="1" fontAlgn="base" hangingPunct="1">
+              <a:spcBef>
+                <a:spcPct val="25000"/>
+              </a:spcBef>
+              <a:spcAft>
+                <a:spcPct val="0"/>
+              </a:spcAft>
+              <a:buClr>
+                <a:schemeClr val="accent2"/>
+              </a:buClr>
+              <a:buFont typeface="Wingdings" pitchFamily="2" charset="2"/>
+              <a:buChar char="§"/>
+              <a:defRPr sz="1500">
+                <a:solidFill>
+                  <a:schemeClr val="tx1"/>
+                </a:solidFill>
+                <a:latin typeface="+mn-lt"/>
+                <a:ea typeface="+mn-ea"/>
+              </a:defRPr>
+            </a:lvl9pPr>
+          </a:lstStyle>
+          <a:p>
+            <a:pPr defTabSz="914400"/>
+            <a:r>
+              <a:rPr lang="zh-CN" altLang="en-US" kern="0"/>
+              <a:t>服务管理是对所有远程</a:t>
+            </a:r>
+            <a:r>
+              <a:rPr lang="en-US" altLang="zh-CN" kern="0"/>
+              <a:t>COMO</a:t>
+            </a:r>
+            <a:r>
+              <a:rPr lang="zh-CN" altLang="en-US" kern="0"/>
+              <a:t>服务对象进行管理的进程。</a:t>
+            </a:r>
+          </a:p>
+        </p:txBody>
+      </p:sp>
+    </p:spTree>
+    <p:extLst>
+      <p:ext uri="{BB962C8B-B14F-4D97-AF65-F5344CB8AC3E}">
+        <p14:creationId xmlns:p14="http://schemas.microsoft.com/office/powerpoint/2010/main" val="694166983"/>
+      </p:ext>
+    </p:extLst>
+  </p:cSld>
+  <p:clrMapOvr>
+    <a:masterClrMapping/>
+  </p:clrMapOvr>
+</p:sld>
+</file>
+
+<file path=ppt/slides/slide21.xml><?xml version="1.0" encoding="utf-8"?>
+<p:sld xmlns:a="http://schemas.openxmlformats.org/drawingml/2006/main" xmlns:r="http://schemas.openxmlformats.org/officeDocument/2006/relationships" xmlns:p="http://schemas.openxmlformats.org/presentationml/2006/main">
+  <p:cSld>
+    <p:spTree>
+      <p:nvGrpSpPr>
+        <p:cNvPr id="1" name=""/>
+        <p:cNvGrpSpPr/>
+        <p:nvPr/>
+      </p:nvGrpSpPr>
+      <p:grpSpPr>
+        <a:xfrm>
+          <a:off x="0" y="0"/>
+          <a:ext cx="0" cy="0"/>
+          <a:chOff x="0" y="0"/>
+          <a:chExt cx="0" cy="0"/>
+        </a:xfrm>
+      </p:grpSpPr>
+      <p:sp>
+        <p:nvSpPr>
+          <p:cNvPr id="2" name="标题 1">
+            <a:extLst>
+              <a:ext uri="{FF2B5EF4-FFF2-40B4-BE49-F238E27FC236}">
+                <a16:creationId xmlns:a16="http://schemas.microsoft.com/office/drawing/2014/main" id="{308A463E-16DA-409E-B7E9-A66FFE1EFDE1}"/>
+              </a:ext>
+            </a:extLst>
+          </p:cNvPr>
+          <p:cNvSpPr>
+            <a:spLocks noGrp="1"/>
+          </p:cNvSpPr>
+          <p:nvPr>
+            <p:ph type="title"/>
+          </p:nvPr>
+        </p:nvSpPr>
+        <p:spPr/>
+        <p:txBody>
+          <a:bodyPr/>
+          <a:lstStyle/>
+          <a:p>
+            <a:r>
+              <a:rPr lang="zh-CN" altLang="en-US"/>
+              <a:t>服务管理</a:t>
+            </a:r>
+            <a:r>
+              <a:rPr lang="en-US" altLang="zh-CN"/>
+              <a:t>ServiceManager</a:t>
+            </a:r>
+            <a:endParaRPr lang="zh-CN" altLang="en-US" sz="1800"/>
+          </a:p>
+        </p:txBody>
+      </p:sp>
+      <p:sp>
+        <p:nvSpPr>
+          <p:cNvPr id="3" name="日期占位符 2">
+            <a:extLst>
+              <a:ext uri="{FF2B5EF4-FFF2-40B4-BE49-F238E27FC236}">
+                <a16:creationId xmlns:a16="http://schemas.microsoft.com/office/drawing/2014/main" id="{09E2A2C3-7CC6-4888-A546-F72733702928}"/>
+              </a:ext>
+            </a:extLst>
+          </p:cNvPr>
+          <p:cNvSpPr>
+            <a:spLocks noGrp="1"/>
+          </p:cNvSpPr>
+          <p:nvPr>
+            <p:ph type="dt" sz="half" idx="10"/>
+          </p:nvPr>
+        </p:nvSpPr>
+        <p:spPr/>
+        <p:txBody>
+          <a:bodyPr/>
+          <a:lstStyle/>
+          <a:p>
+            <a:fld id="{C8218E9C-D97C-46B7-9115-F8A90873817C}" type="datetime1">
+              <a:rPr lang="zh-CN" altLang="en-US" smtClean="0">
+                <a:solidFill>
+                  <a:srgbClr val="000000"/>
+                </a:solidFill>
+              </a:rPr>
+              <a:pPr/>
+              <a:t>2022/4/7</a:t>
+            </a:fld>
+            <a:endParaRPr lang="zh-CN" altLang="en-US">
+              <a:solidFill>
+                <a:srgbClr val="000000"/>
+              </a:solidFill>
+            </a:endParaRPr>
+          </a:p>
+        </p:txBody>
+      </p:sp>
+      <p:sp>
+        <p:nvSpPr>
+          <p:cNvPr id="4" name="页脚占位符 3">
+            <a:extLst>
+              <a:ext uri="{FF2B5EF4-FFF2-40B4-BE49-F238E27FC236}">
+                <a16:creationId xmlns:a16="http://schemas.microsoft.com/office/drawing/2014/main" id="{3D946B75-A3C8-4D97-A1B1-F2A48D7FFB35}"/>
+              </a:ext>
+            </a:extLst>
+          </p:cNvPr>
+          <p:cNvSpPr>
+            <a:spLocks noGrp="1"/>
+          </p:cNvSpPr>
+          <p:nvPr>
+            <p:ph type="ftr" sz="quarter" idx="11"/>
+          </p:nvPr>
+        </p:nvSpPr>
+        <p:spPr/>
+        <p:txBody>
+          <a:bodyPr/>
+          <a:lstStyle/>
+          <a:p>
+            <a:r>
+              <a:rPr lang="zh-CN" altLang="en-US">
+                <a:solidFill>
+                  <a:srgbClr val="000000"/>
+                </a:solidFill>
+              </a:rPr>
+              <a:t>同济大学电子与信息工程学院 裴喜龙</a:t>
+            </a:r>
+          </a:p>
+        </p:txBody>
+      </p:sp>
+      <p:sp>
+        <p:nvSpPr>
+          <p:cNvPr id="5" name="灯片编号占位符 4">
+            <a:extLst>
+              <a:ext uri="{FF2B5EF4-FFF2-40B4-BE49-F238E27FC236}">
+                <a16:creationId xmlns:a16="http://schemas.microsoft.com/office/drawing/2014/main" id="{C4E8C0B9-D056-4FB4-8A4B-E5923CE77176}"/>
+              </a:ext>
+            </a:extLst>
+          </p:cNvPr>
+          <p:cNvSpPr>
+            <a:spLocks noGrp="1"/>
+          </p:cNvSpPr>
+          <p:nvPr>
+            <p:ph type="sldNum" sz="quarter" idx="12"/>
+          </p:nvPr>
+        </p:nvSpPr>
+        <p:spPr/>
+        <p:txBody>
+          <a:bodyPr/>
+          <a:lstStyle/>
+          <a:p>
+            <a:fld id="{C3E0ADDA-F6F8-47AE-B57D-5BE0E215DE8A}" type="slidenum">
+              <a:rPr lang="zh-CN" altLang="en-US" smtClean="0">
+                <a:solidFill>
+                  <a:srgbClr val="000000"/>
+                </a:solidFill>
+              </a:rPr>
+              <a:pPr/>
+              <a:t>21</a:t>
             </a:fld>
             <a:endParaRPr lang="zh-CN" altLang="en-US">
               <a:solidFill>
@@ -11033,454 +11313,6 @@
 </p:sld>
 </file>
 
-<file path=ppt/slides/slide21.xml><?xml version="1.0" encoding="utf-8"?>
-<p:sld xmlns:a="http://schemas.openxmlformats.org/drawingml/2006/main" xmlns:r="http://schemas.openxmlformats.org/officeDocument/2006/relationships" xmlns:p="http://schemas.openxmlformats.org/presentationml/2006/main">
-  <p:cSld>
-    <p:spTree>
-      <p:nvGrpSpPr>
-        <p:cNvPr id="1" name=""/>
-        <p:cNvGrpSpPr/>
-        <p:nvPr/>
-      </p:nvGrpSpPr>
-      <p:grpSpPr>
-        <a:xfrm>
-          <a:off x="0" y="0"/>
-          <a:ext cx="0" cy="0"/>
-          <a:chOff x="0" y="0"/>
-          <a:chExt cx="0" cy="0"/>
-        </a:xfrm>
-      </p:grpSpPr>
-      <p:sp>
-        <p:nvSpPr>
-          <p:cNvPr id="2" name="标题 1">
-            <a:extLst>
-              <a:ext uri="{FF2B5EF4-FFF2-40B4-BE49-F238E27FC236}">
-                <a16:creationId xmlns:a16="http://schemas.microsoft.com/office/drawing/2014/main" id="{830ABB8D-9A32-4DB4-8880-FE025AF2EA63}"/>
-              </a:ext>
-            </a:extLst>
-          </p:cNvPr>
-          <p:cNvSpPr>
-            <a:spLocks noGrp="1"/>
-          </p:cNvSpPr>
-          <p:nvPr>
-            <p:ph type="title"/>
-          </p:nvPr>
-        </p:nvSpPr>
-        <p:spPr/>
-        <p:txBody>
-          <a:bodyPr/>
-          <a:lstStyle/>
-          <a:p>
-            <a:r>
-              <a:rPr lang="en-US" altLang="zh-CN"/>
-              <a:t>D-Bus/IBinder RPC</a:t>
-            </a:r>
-            <a:r>
-              <a:rPr lang="zh-CN" altLang="en-US"/>
-              <a:t>机制简介</a:t>
-            </a:r>
-          </a:p>
-        </p:txBody>
-      </p:sp>
-      <p:sp>
-        <p:nvSpPr>
-          <p:cNvPr id="3" name="日期占位符 2">
-            <a:extLst>
-              <a:ext uri="{FF2B5EF4-FFF2-40B4-BE49-F238E27FC236}">
-                <a16:creationId xmlns:a16="http://schemas.microsoft.com/office/drawing/2014/main" id="{02542E93-90EC-49A7-8A2F-BCFE86776715}"/>
-              </a:ext>
-            </a:extLst>
-          </p:cNvPr>
-          <p:cNvSpPr>
-            <a:spLocks noGrp="1"/>
-          </p:cNvSpPr>
-          <p:nvPr>
-            <p:ph type="dt" sz="half" idx="10"/>
-          </p:nvPr>
-        </p:nvSpPr>
-        <p:spPr/>
-        <p:txBody>
-          <a:bodyPr/>
-          <a:lstStyle/>
-          <a:p>
-            <a:fld id="{C8218E9C-D97C-46B7-9115-F8A90873817C}" type="datetime1">
-              <a:rPr lang="zh-CN" altLang="en-US" smtClean="0">
-                <a:solidFill>
-                  <a:srgbClr val="000000"/>
-                </a:solidFill>
-              </a:rPr>
-              <a:pPr/>
-              <a:t>2021/2/26</a:t>
-            </a:fld>
-            <a:endParaRPr lang="zh-CN" altLang="en-US">
-              <a:solidFill>
-                <a:srgbClr val="000000"/>
-              </a:solidFill>
-            </a:endParaRPr>
-          </a:p>
-        </p:txBody>
-      </p:sp>
-      <p:sp>
-        <p:nvSpPr>
-          <p:cNvPr id="4" name="页脚占位符 3">
-            <a:extLst>
-              <a:ext uri="{FF2B5EF4-FFF2-40B4-BE49-F238E27FC236}">
-                <a16:creationId xmlns:a16="http://schemas.microsoft.com/office/drawing/2014/main" id="{C59335BE-7D47-47CE-8C29-3B1B0116A2E2}"/>
-              </a:ext>
-            </a:extLst>
-          </p:cNvPr>
-          <p:cNvSpPr>
-            <a:spLocks noGrp="1"/>
-          </p:cNvSpPr>
-          <p:nvPr>
-            <p:ph type="ftr" sz="quarter" idx="11"/>
-          </p:nvPr>
-        </p:nvSpPr>
-        <p:spPr/>
-        <p:txBody>
-          <a:bodyPr/>
-          <a:lstStyle/>
-          <a:p>
-            <a:r>
-              <a:rPr lang="zh-CN" altLang="en-US">
-                <a:solidFill>
-                  <a:srgbClr val="000000"/>
-                </a:solidFill>
-              </a:rPr>
-              <a:t>同济大学电子与信息工程学院 裴喜龙</a:t>
-            </a:r>
-          </a:p>
-        </p:txBody>
-      </p:sp>
-      <p:sp>
-        <p:nvSpPr>
-          <p:cNvPr id="5" name="灯片编号占位符 4">
-            <a:extLst>
-              <a:ext uri="{FF2B5EF4-FFF2-40B4-BE49-F238E27FC236}">
-                <a16:creationId xmlns:a16="http://schemas.microsoft.com/office/drawing/2014/main" id="{8B95508A-BD5D-4836-A2B6-76E5719427FC}"/>
-              </a:ext>
-            </a:extLst>
-          </p:cNvPr>
-          <p:cNvSpPr>
-            <a:spLocks noGrp="1"/>
-          </p:cNvSpPr>
-          <p:nvPr>
-            <p:ph type="sldNum" sz="quarter" idx="12"/>
-          </p:nvPr>
-        </p:nvSpPr>
-        <p:spPr/>
-        <p:txBody>
-          <a:bodyPr/>
-          <a:lstStyle/>
-          <a:p>
-            <a:fld id="{C3E0ADDA-F6F8-47AE-B57D-5BE0E215DE8A}" type="slidenum">
-              <a:rPr lang="zh-CN" altLang="en-US" smtClean="0">
-                <a:solidFill>
-                  <a:srgbClr val="000000"/>
-                </a:solidFill>
-              </a:rPr>
-              <a:pPr/>
-              <a:t>21</a:t>
-            </a:fld>
-            <a:endParaRPr lang="zh-CN" altLang="en-US">
-              <a:solidFill>
-                <a:srgbClr val="000000"/>
-              </a:solidFill>
-            </a:endParaRPr>
-          </a:p>
-        </p:txBody>
-      </p:sp>
-      <p:sp>
-        <p:nvSpPr>
-          <p:cNvPr id="6" name="矩形 5">
-            <a:extLst>
-              <a:ext uri="{FF2B5EF4-FFF2-40B4-BE49-F238E27FC236}">
-                <a16:creationId xmlns:a16="http://schemas.microsoft.com/office/drawing/2014/main" id="{27F3234A-40B9-4DE2-BA23-FDCBFB90FC4D}"/>
-              </a:ext>
-            </a:extLst>
-          </p:cNvPr>
-          <p:cNvSpPr/>
-          <p:nvPr/>
-        </p:nvSpPr>
-        <p:spPr>
-          <a:xfrm>
-            <a:off x="685800" y="2139702"/>
-            <a:ext cx="8001000" cy="923330"/>
-          </a:xfrm>
-          <a:prstGeom prst="rect">
-            <a:avLst/>
-          </a:prstGeom>
-        </p:spPr>
-        <p:txBody>
-          <a:bodyPr wrap="square">
-            <a:spAutoFit/>
-          </a:bodyPr>
-          <a:lstStyle/>
-          <a:p>
-            <a:r>
-              <a:rPr lang="en-US" altLang="zh-CN">
-                <a:solidFill>
-                  <a:srgbClr val="4D5156"/>
-                </a:solidFill>
-                <a:latin typeface="arial" panose="020B0604020202020204" pitchFamily="34" charset="0"/>
-              </a:rPr>
-              <a:t>D-Bus</a:t>
-            </a:r>
-            <a:r>
-              <a:rPr lang="zh-CN" altLang="en-US">
-                <a:solidFill>
-                  <a:srgbClr val="4D5156"/>
-                </a:solidFill>
-                <a:latin typeface="arial" panose="020B0604020202020204" pitchFamily="34" charset="0"/>
-              </a:rPr>
-              <a:t>是一个进程间通信及远程过程调用机制，可以让多个不同的计算机程序在同一台电脑上同时进行通信。</a:t>
-            </a:r>
-            <a:r>
-              <a:rPr lang="en-US" altLang="zh-CN">
-                <a:solidFill>
-                  <a:srgbClr val="4D5156"/>
-                </a:solidFill>
-                <a:latin typeface="arial" panose="020B0604020202020204" pitchFamily="34" charset="0"/>
-              </a:rPr>
-              <a:t>D-Bus</a:t>
-            </a:r>
-            <a:r>
-              <a:rPr lang="zh-CN" altLang="en-US">
-                <a:solidFill>
-                  <a:srgbClr val="4D5156"/>
-                </a:solidFill>
-                <a:latin typeface="arial" panose="020B0604020202020204" pitchFamily="34" charset="0"/>
-              </a:rPr>
-              <a:t>作为</a:t>
-            </a:r>
-            <a:r>
-              <a:rPr lang="en-US" altLang="zh-CN">
-                <a:solidFill>
-                  <a:srgbClr val="4D5156"/>
-                </a:solidFill>
-                <a:latin typeface="arial" panose="020B0604020202020204" pitchFamily="34" charset="0"/>
-              </a:rPr>
-              <a:t>freedesktop.org</a:t>
-            </a:r>
-            <a:r>
-              <a:rPr lang="zh-CN" altLang="en-US">
-                <a:solidFill>
-                  <a:srgbClr val="4D5156"/>
-                </a:solidFill>
-                <a:latin typeface="arial" panose="020B0604020202020204" pitchFamily="34" charset="0"/>
-              </a:rPr>
-              <a:t>项目的一部分，其设计目的是使</a:t>
-            </a:r>
-            <a:r>
-              <a:rPr lang="en-US" altLang="zh-CN">
-                <a:solidFill>
-                  <a:srgbClr val="4D5156"/>
-                </a:solidFill>
-                <a:latin typeface="arial" panose="020B0604020202020204" pitchFamily="34" charset="0"/>
-              </a:rPr>
-              <a:t>Linux</a:t>
-            </a:r>
-            <a:r>
-              <a:rPr lang="zh-CN" altLang="en-US">
-                <a:solidFill>
-                  <a:srgbClr val="4D5156"/>
-                </a:solidFill>
-                <a:latin typeface="arial" panose="020B0604020202020204" pitchFamily="34" charset="0"/>
-              </a:rPr>
-              <a:t>桌面环境提供的服务标准化。</a:t>
-            </a:r>
-            <a:endParaRPr lang="zh-CN" altLang="en-US"/>
-          </a:p>
-        </p:txBody>
-      </p:sp>
-      <p:sp>
-        <p:nvSpPr>
-          <p:cNvPr id="7" name="矩形 6">
-            <a:extLst>
-              <a:ext uri="{FF2B5EF4-FFF2-40B4-BE49-F238E27FC236}">
-                <a16:creationId xmlns:a16="http://schemas.microsoft.com/office/drawing/2014/main" id="{FE05ADFF-78AD-483E-A7A5-3B5DCB3B8FFC}"/>
-              </a:ext>
-            </a:extLst>
-          </p:cNvPr>
-          <p:cNvSpPr/>
-          <p:nvPr/>
-        </p:nvSpPr>
-        <p:spPr>
-          <a:xfrm>
-            <a:off x="685800" y="3099329"/>
-            <a:ext cx="7889875" cy="1200329"/>
-          </a:xfrm>
-          <a:prstGeom prst="rect">
-            <a:avLst/>
-          </a:prstGeom>
-        </p:spPr>
-        <p:txBody>
-          <a:bodyPr wrap="square">
-            <a:spAutoFit/>
-          </a:bodyPr>
-          <a:lstStyle/>
-          <a:p>
-            <a:r>
-              <a:rPr lang="en-US" altLang="zh-CN">
-                <a:solidFill>
-                  <a:srgbClr val="4D5156"/>
-                </a:solidFill>
-                <a:latin typeface="arial" panose="020B0604020202020204" pitchFamily="34" charset="0"/>
-              </a:rPr>
-              <a:t>OpenBinder</a:t>
-            </a:r>
-            <a:r>
-              <a:rPr lang="zh-CN" altLang="en-US">
-                <a:solidFill>
-                  <a:srgbClr val="4D5156"/>
-                </a:solidFill>
-                <a:latin typeface="arial" panose="020B0604020202020204" pitchFamily="34" charset="0"/>
-              </a:rPr>
-              <a:t>是用于进程间通信的系统。它由</a:t>
-            </a:r>
-            <a:r>
-              <a:rPr lang="en-US" altLang="zh-CN">
-                <a:solidFill>
-                  <a:srgbClr val="4D5156"/>
-                </a:solidFill>
-                <a:latin typeface="arial" panose="020B0604020202020204" pitchFamily="34" charset="0"/>
-              </a:rPr>
-              <a:t>Be Inc.</a:t>
-            </a:r>
-            <a:r>
-              <a:rPr lang="zh-CN" altLang="en-US">
-                <a:solidFill>
-                  <a:srgbClr val="4D5156"/>
-                </a:solidFill>
-                <a:latin typeface="arial" panose="020B0604020202020204" pitchFamily="34" charset="0"/>
-              </a:rPr>
-              <a:t>和</a:t>
-            </a:r>
-            <a:r>
-              <a:rPr lang="en-US" altLang="zh-CN">
-                <a:solidFill>
-                  <a:srgbClr val="4D5156"/>
-                </a:solidFill>
-                <a:latin typeface="arial" panose="020B0604020202020204" pitchFamily="34" charset="0"/>
-              </a:rPr>
-              <a:t>Palm</a:t>
-            </a:r>
-            <a:r>
-              <a:rPr lang="zh-CN" altLang="en-US">
-                <a:solidFill>
-                  <a:srgbClr val="4D5156"/>
-                </a:solidFill>
-                <a:latin typeface="arial" panose="020B0604020202020204" pitchFamily="34" charset="0"/>
-              </a:rPr>
-              <a:t>，</a:t>
-            </a:r>
-            <a:r>
-              <a:rPr lang="en-US" altLang="zh-CN">
-                <a:solidFill>
-                  <a:srgbClr val="4D5156"/>
-                </a:solidFill>
-                <a:latin typeface="arial" panose="020B0604020202020204" pitchFamily="34" charset="0"/>
-              </a:rPr>
-              <a:t>Inc.</a:t>
-            </a:r>
-            <a:r>
-              <a:rPr lang="zh-CN" altLang="en-US">
-                <a:solidFill>
-                  <a:srgbClr val="4D5156"/>
-                </a:solidFill>
-                <a:latin typeface="arial" panose="020B0604020202020204" pitchFamily="34" charset="0"/>
-              </a:rPr>
-              <a:t>开发，是</a:t>
-            </a:r>
-            <a:r>
-              <a:rPr lang="en-US" altLang="zh-CN">
-                <a:solidFill>
-                  <a:srgbClr val="4D5156"/>
-                </a:solidFill>
-                <a:latin typeface="arial" panose="020B0604020202020204" pitchFamily="34" charset="0"/>
-              </a:rPr>
-              <a:t>Google</a:t>
-            </a:r>
-            <a:r>
-              <a:rPr lang="zh-CN" altLang="en-US">
-                <a:solidFill>
-                  <a:srgbClr val="4D5156"/>
-                </a:solidFill>
-                <a:latin typeface="arial" panose="020B0604020202020204" pitchFamily="34" charset="0"/>
-              </a:rPr>
-              <a:t>开发的</a:t>
-            </a:r>
-            <a:r>
-              <a:rPr lang="en-US" altLang="zh-CN">
-                <a:solidFill>
-                  <a:srgbClr val="4D5156"/>
-                </a:solidFill>
-                <a:latin typeface="arial" panose="020B0604020202020204" pitchFamily="34" charset="0"/>
-              </a:rPr>
-              <a:t>Android</a:t>
-            </a:r>
-            <a:r>
-              <a:rPr lang="zh-CN" altLang="en-US">
-                <a:solidFill>
-                  <a:srgbClr val="4D5156"/>
-                </a:solidFill>
-                <a:latin typeface="arial" panose="020B0604020202020204" pitchFamily="34" charset="0"/>
-              </a:rPr>
-              <a:t>操作系统中现在使用的</a:t>
-            </a:r>
-            <a:r>
-              <a:rPr lang="en-US" altLang="zh-CN">
-                <a:solidFill>
-                  <a:srgbClr val="4D5156"/>
-                </a:solidFill>
-                <a:latin typeface="arial" panose="020B0604020202020204" pitchFamily="34" charset="0"/>
-              </a:rPr>
-              <a:t>Binder</a:t>
-            </a:r>
-            <a:r>
-              <a:rPr lang="zh-CN" altLang="en-US">
-                <a:solidFill>
-                  <a:srgbClr val="4D5156"/>
-                </a:solidFill>
-                <a:latin typeface="arial" panose="020B0604020202020204" pitchFamily="34" charset="0"/>
-              </a:rPr>
-              <a:t>框架的基础。</a:t>
-            </a:r>
-            <a:r>
-              <a:rPr lang="en-US" altLang="zh-CN">
-                <a:solidFill>
-                  <a:srgbClr val="4D5156"/>
-                </a:solidFill>
-                <a:latin typeface="arial" panose="020B0604020202020204" pitchFamily="34" charset="0"/>
-              </a:rPr>
-              <a:t>OpenBinder</a:t>
-            </a:r>
-            <a:r>
-              <a:rPr lang="zh-CN" altLang="en-US">
-                <a:solidFill>
-                  <a:srgbClr val="4D5156"/>
-                </a:solidFill>
-                <a:latin typeface="arial" panose="020B0604020202020204" pitchFamily="34" charset="0"/>
-              </a:rPr>
-              <a:t>允许进程显示可由其他线程调用的接口。每个进程都维护一个线程池，该线程池可用于服务此类请求。</a:t>
-            </a:r>
-            <a:endParaRPr lang="zh-CN" altLang="en-US"/>
-          </a:p>
-        </p:txBody>
-      </p:sp>
-    </p:spTree>
-    <p:extLst>
-      <p:ext uri="{BB962C8B-B14F-4D97-AF65-F5344CB8AC3E}">
-        <p14:creationId xmlns:p14="http://schemas.microsoft.com/office/powerpoint/2010/main" val="2068468542"/>
-      </p:ext>
-    </p:extLst>
-  </p:cSld>
-  <p:clrMapOvr>
-    <a:masterClrMapping/>
-  </p:clrMapOvr>
-</p:sld>
-</file>
-
 <file path=ppt/slides/slide22.xml><?xml version="1.0" encoding="utf-8"?>
 <p:sld xmlns:a="http://schemas.openxmlformats.org/drawingml/2006/main" xmlns:r="http://schemas.openxmlformats.org/officeDocument/2006/relationships" xmlns:p="http://schemas.openxmlformats.org/presentationml/2006/main">
   <p:cSld>
@@ -11521,20 +11353,12 @@
           <a:p>
             <a:r>
               <a:rPr lang="en-US" altLang="zh-CN"/>
-              <a:t>COMO RPC</a:t>
+              <a:t>D-Bus/IBinder RPC</a:t>
             </a:r>
             <a:r>
               <a:rPr lang="zh-CN" altLang="en-US"/>
-              <a:t>实验</a:t>
-            </a:r>
-            <a:br>
-              <a:rPr lang="en-US" altLang="zh-CN"/>
-            </a:br>
-            <a:r>
-              <a:rPr lang="en-US" altLang="zh-CN" sz="1800"/>
-              <a:t>src:$/como/test/runtime/rpc</a:t>
-            </a:r>
-            <a:endParaRPr lang="zh-CN" altLang="en-US" sz="1800"/>
+              <a:t>机制简介</a:t>
+            </a:r>
           </a:p>
         </p:txBody>
       </p:sp>
@@ -11566,7 +11390,7 @@
                 </a:solidFill>
               </a:rPr>
               <a:pPr/>
-              <a:t>2021/2/26</a:t>
+              <a:t>2022/4/7</a:t>
             </a:fld>
             <a:endParaRPr lang="zh-CN" altLang="en-US">
               <a:solidFill>
@@ -11637,6 +11461,462 @@
               </a:rPr>
               <a:pPr/>
               <a:t>22</a:t>
+            </a:fld>
+            <a:endParaRPr lang="zh-CN" altLang="en-US">
+              <a:solidFill>
+                <a:srgbClr val="000000"/>
+              </a:solidFill>
+            </a:endParaRPr>
+          </a:p>
+        </p:txBody>
+      </p:sp>
+      <p:sp>
+        <p:nvSpPr>
+          <p:cNvPr id="6" name="矩形 5">
+            <a:extLst>
+              <a:ext uri="{FF2B5EF4-FFF2-40B4-BE49-F238E27FC236}">
+                <a16:creationId xmlns:a16="http://schemas.microsoft.com/office/drawing/2014/main" id="{27F3234A-40B9-4DE2-BA23-FDCBFB90FC4D}"/>
+              </a:ext>
+            </a:extLst>
+          </p:cNvPr>
+          <p:cNvSpPr/>
+          <p:nvPr/>
+        </p:nvSpPr>
+        <p:spPr>
+          <a:xfrm>
+            <a:off x="685800" y="2139702"/>
+            <a:ext cx="8001000" cy="923330"/>
+          </a:xfrm>
+          <a:prstGeom prst="rect">
+            <a:avLst/>
+          </a:prstGeom>
+        </p:spPr>
+        <p:txBody>
+          <a:bodyPr wrap="square">
+            <a:spAutoFit/>
+          </a:bodyPr>
+          <a:lstStyle/>
+          <a:p>
+            <a:r>
+              <a:rPr lang="en-US" altLang="zh-CN">
+                <a:solidFill>
+                  <a:srgbClr val="4D5156"/>
+                </a:solidFill>
+                <a:latin typeface="arial" panose="020B0604020202020204" pitchFamily="34" charset="0"/>
+              </a:rPr>
+              <a:t>D-Bus</a:t>
+            </a:r>
+            <a:r>
+              <a:rPr lang="zh-CN" altLang="en-US">
+                <a:solidFill>
+                  <a:srgbClr val="4D5156"/>
+                </a:solidFill>
+                <a:latin typeface="arial" panose="020B0604020202020204" pitchFamily="34" charset="0"/>
+              </a:rPr>
+              <a:t>是一个进程间通信及远程过程调用机制，可以让多个不同的计算机程序在同一台电脑上同时进行通信。</a:t>
+            </a:r>
+            <a:r>
+              <a:rPr lang="en-US" altLang="zh-CN">
+                <a:solidFill>
+                  <a:srgbClr val="4D5156"/>
+                </a:solidFill>
+                <a:latin typeface="arial" panose="020B0604020202020204" pitchFamily="34" charset="0"/>
+              </a:rPr>
+              <a:t>D-Bus</a:t>
+            </a:r>
+            <a:r>
+              <a:rPr lang="zh-CN" altLang="en-US">
+                <a:solidFill>
+                  <a:srgbClr val="4D5156"/>
+                </a:solidFill>
+                <a:latin typeface="arial" panose="020B0604020202020204" pitchFamily="34" charset="0"/>
+              </a:rPr>
+              <a:t>作为</a:t>
+            </a:r>
+            <a:r>
+              <a:rPr lang="en-US" altLang="zh-CN">
+                <a:solidFill>
+                  <a:srgbClr val="4D5156"/>
+                </a:solidFill>
+                <a:latin typeface="arial" panose="020B0604020202020204" pitchFamily="34" charset="0"/>
+              </a:rPr>
+              <a:t>freedesktop.org</a:t>
+            </a:r>
+            <a:r>
+              <a:rPr lang="zh-CN" altLang="en-US">
+                <a:solidFill>
+                  <a:srgbClr val="4D5156"/>
+                </a:solidFill>
+                <a:latin typeface="arial" panose="020B0604020202020204" pitchFamily="34" charset="0"/>
+              </a:rPr>
+              <a:t>项目的一部分，其设计目的是使</a:t>
+            </a:r>
+            <a:r>
+              <a:rPr lang="en-US" altLang="zh-CN">
+                <a:solidFill>
+                  <a:srgbClr val="4D5156"/>
+                </a:solidFill>
+                <a:latin typeface="arial" panose="020B0604020202020204" pitchFamily="34" charset="0"/>
+              </a:rPr>
+              <a:t>Linux</a:t>
+            </a:r>
+            <a:r>
+              <a:rPr lang="zh-CN" altLang="en-US">
+                <a:solidFill>
+                  <a:srgbClr val="4D5156"/>
+                </a:solidFill>
+                <a:latin typeface="arial" panose="020B0604020202020204" pitchFamily="34" charset="0"/>
+              </a:rPr>
+              <a:t>桌面环境提供的服务标准化。</a:t>
+            </a:r>
+            <a:endParaRPr lang="zh-CN" altLang="en-US"/>
+          </a:p>
+        </p:txBody>
+      </p:sp>
+      <p:sp>
+        <p:nvSpPr>
+          <p:cNvPr id="7" name="矩形 6">
+            <a:extLst>
+              <a:ext uri="{FF2B5EF4-FFF2-40B4-BE49-F238E27FC236}">
+                <a16:creationId xmlns:a16="http://schemas.microsoft.com/office/drawing/2014/main" id="{FE05ADFF-78AD-483E-A7A5-3B5DCB3B8FFC}"/>
+              </a:ext>
+            </a:extLst>
+          </p:cNvPr>
+          <p:cNvSpPr/>
+          <p:nvPr/>
+        </p:nvSpPr>
+        <p:spPr>
+          <a:xfrm>
+            <a:off x="685800" y="3099329"/>
+            <a:ext cx="7889875" cy="1200329"/>
+          </a:xfrm>
+          <a:prstGeom prst="rect">
+            <a:avLst/>
+          </a:prstGeom>
+        </p:spPr>
+        <p:txBody>
+          <a:bodyPr wrap="square">
+            <a:spAutoFit/>
+          </a:bodyPr>
+          <a:lstStyle/>
+          <a:p>
+            <a:r>
+              <a:rPr lang="en-US" altLang="zh-CN">
+                <a:solidFill>
+                  <a:srgbClr val="4D5156"/>
+                </a:solidFill>
+                <a:latin typeface="arial" panose="020B0604020202020204" pitchFamily="34" charset="0"/>
+              </a:rPr>
+              <a:t>OpenBinder</a:t>
+            </a:r>
+            <a:r>
+              <a:rPr lang="zh-CN" altLang="en-US">
+                <a:solidFill>
+                  <a:srgbClr val="4D5156"/>
+                </a:solidFill>
+                <a:latin typeface="arial" panose="020B0604020202020204" pitchFamily="34" charset="0"/>
+              </a:rPr>
+              <a:t>是用于进程间通信的系统。它由</a:t>
+            </a:r>
+            <a:r>
+              <a:rPr lang="en-US" altLang="zh-CN">
+                <a:solidFill>
+                  <a:srgbClr val="4D5156"/>
+                </a:solidFill>
+                <a:latin typeface="arial" panose="020B0604020202020204" pitchFamily="34" charset="0"/>
+              </a:rPr>
+              <a:t>Be Inc.</a:t>
+            </a:r>
+            <a:r>
+              <a:rPr lang="zh-CN" altLang="en-US">
+                <a:solidFill>
+                  <a:srgbClr val="4D5156"/>
+                </a:solidFill>
+                <a:latin typeface="arial" panose="020B0604020202020204" pitchFamily="34" charset="0"/>
+              </a:rPr>
+              <a:t>和</a:t>
+            </a:r>
+            <a:r>
+              <a:rPr lang="en-US" altLang="zh-CN">
+                <a:solidFill>
+                  <a:srgbClr val="4D5156"/>
+                </a:solidFill>
+                <a:latin typeface="arial" panose="020B0604020202020204" pitchFamily="34" charset="0"/>
+              </a:rPr>
+              <a:t>Palm</a:t>
+            </a:r>
+            <a:r>
+              <a:rPr lang="zh-CN" altLang="en-US">
+                <a:solidFill>
+                  <a:srgbClr val="4D5156"/>
+                </a:solidFill>
+                <a:latin typeface="arial" panose="020B0604020202020204" pitchFamily="34" charset="0"/>
+              </a:rPr>
+              <a:t>，</a:t>
+            </a:r>
+            <a:r>
+              <a:rPr lang="en-US" altLang="zh-CN">
+                <a:solidFill>
+                  <a:srgbClr val="4D5156"/>
+                </a:solidFill>
+                <a:latin typeface="arial" panose="020B0604020202020204" pitchFamily="34" charset="0"/>
+              </a:rPr>
+              <a:t>Inc.</a:t>
+            </a:r>
+            <a:r>
+              <a:rPr lang="zh-CN" altLang="en-US">
+                <a:solidFill>
+                  <a:srgbClr val="4D5156"/>
+                </a:solidFill>
+                <a:latin typeface="arial" panose="020B0604020202020204" pitchFamily="34" charset="0"/>
+              </a:rPr>
+              <a:t>开发，是</a:t>
+            </a:r>
+            <a:r>
+              <a:rPr lang="en-US" altLang="zh-CN">
+                <a:solidFill>
+                  <a:srgbClr val="4D5156"/>
+                </a:solidFill>
+                <a:latin typeface="arial" panose="020B0604020202020204" pitchFamily="34" charset="0"/>
+              </a:rPr>
+              <a:t>Google</a:t>
+            </a:r>
+            <a:r>
+              <a:rPr lang="zh-CN" altLang="en-US">
+                <a:solidFill>
+                  <a:srgbClr val="4D5156"/>
+                </a:solidFill>
+                <a:latin typeface="arial" panose="020B0604020202020204" pitchFamily="34" charset="0"/>
+              </a:rPr>
+              <a:t>开发的</a:t>
+            </a:r>
+            <a:r>
+              <a:rPr lang="en-US" altLang="zh-CN">
+                <a:solidFill>
+                  <a:srgbClr val="4D5156"/>
+                </a:solidFill>
+                <a:latin typeface="arial" panose="020B0604020202020204" pitchFamily="34" charset="0"/>
+              </a:rPr>
+              <a:t>Android</a:t>
+            </a:r>
+            <a:r>
+              <a:rPr lang="zh-CN" altLang="en-US">
+                <a:solidFill>
+                  <a:srgbClr val="4D5156"/>
+                </a:solidFill>
+                <a:latin typeface="arial" panose="020B0604020202020204" pitchFamily="34" charset="0"/>
+              </a:rPr>
+              <a:t>操作系统中现在使用的</a:t>
+            </a:r>
+            <a:r>
+              <a:rPr lang="en-US" altLang="zh-CN">
+                <a:solidFill>
+                  <a:srgbClr val="4D5156"/>
+                </a:solidFill>
+                <a:latin typeface="arial" panose="020B0604020202020204" pitchFamily="34" charset="0"/>
+              </a:rPr>
+              <a:t>Binder</a:t>
+            </a:r>
+            <a:r>
+              <a:rPr lang="zh-CN" altLang="en-US">
+                <a:solidFill>
+                  <a:srgbClr val="4D5156"/>
+                </a:solidFill>
+                <a:latin typeface="arial" panose="020B0604020202020204" pitchFamily="34" charset="0"/>
+              </a:rPr>
+              <a:t>框架的基础。</a:t>
+            </a:r>
+            <a:r>
+              <a:rPr lang="en-US" altLang="zh-CN">
+                <a:solidFill>
+                  <a:srgbClr val="4D5156"/>
+                </a:solidFill>
+                <a:latin typeface="arial" panose="020B0604020202020204" pitchFamily="34" charset="0"/>
+              </a:rPr>
+              <a:t>OpenBinder</a:t>
+            </a:r>
+            <a:r>
+              <a:rPr lang="zh-CN" altLang="en-US">
+                <a:solidFill>
+                  <a:srgbClr val="4D5156"/>
+                </a:solidFill>
+                <a:latin typeface="arial" panose="020B0604020202020204" pitchFamily="34" charset="0"/>
+              </a:rPr>
+              <a:t>允许进程显示可由其他线程调用的接口。每个进程都维护一个线程池，该线程池可用于服务此类请求。</a:t>
+            </a:r>
+            <a:endParaRPr lang="zh-CN" altLang="en-US"/>
+          </a:p>
+        </p:txBody>
+      </p:sp>
+    </p:spTree>
+    <p:extLst>
+      <p:ext uri="{BB962C8B-B14F-4D97-AF65-F5344CB8AC3E}">
+        <p14:creationId xmlns:p14="http://schemas.microsoft.com/office/powerpoint/2010/main" val="2068468542"/>
+      </p:ext>
+    </p:extLst>
+  </p:cSld>
+  <p:clrMapOvr>
+    <a:masterClrMapping/>
+  </p:clrMapOvr>
+</p:sld>
+</file>
+
+<file path=ppt/slides/slide23.xml><?xml version="1.0" encoding="utf-8"?>
+<p:sld xmlns:a="http://schemas.openxmlformats.org/drawingml/2006/main" xmlns:r="http://schemas.openxmlformats.org/officeDocument/2006/relationships" xmlns:p="http://schemas.openxmlformats.org/presentationml/2006/main">
+  <p:cSld>
+    <p:spTree>
+      <p:nvGrpSpPr>
+        <p:cNvPr id="1" name=""/>
+        <p:cNvGrpSpPr/>
+        <p:nvPr/>
+      </p:nvGrpSpPr>
+      <p:grpSpPr>
+        <a:xfrm>
+          <a:off x="0" y="0"/>
+          <a:ext cx="0" cy="0"/>
+          <a:chOff x="0" y="0"/>
+          <a:chExt cx="0" cy="0"/>
+        </a:xfrm>
+      </p:grpSpPr>
+      <p:sp>
+        <p:nvSpPr>
+          <p:cNvPr id="2" name="标题 1">
+            <a:extLst>
+              <a:ext uri="{FF2B5EF4-FFF2-40B4-BE49-F238E27FC236}">
+                <a16:creationId xmlns:a16="http://schemas.microsoft.com/office/drawing/2014/main" id="{830ABB8D-9A32-4DB4-8880-FE025AF2EA63}"/>
+              </a:ext>
+            </a:extLst>
+          </p:cNvPr>
+          <p:cNvSpPr>
+            <a:spLocks noGrp="1"/>
+          </p:cNvSpPr>
+          <p:nvPr>
+            <p:ph type="title"/>
+          </p:nvPr>
+        </p:nvSpPr>
+        <p:spPr/>
+        <p:txBody>
+          <a:bodyPr/>
+          <a:lstStyle/>
+          <a:p>
+            <a:r>
+              <a:rPr lang="en-US" altLang="zh-CN"/>
+              <a:t>COMO RPC</a:t>
+            </a:r>
+            <a:r>
+              <a:rPr lang="zh-CN" altLang="en-US"/>
+              <a:t>实验</a:t>
+            </a:r>
+            <a:br>
+              <a:rPr lang="en-US" altLang="zh-CN"/>
+            </a:br>
+            <a:r>
+              <a:rPr lang="en-US" altLang="zh-CN" sz="1800"/>
+              <a:t>src:$/como/test/runtime/rpc</a:t>
+            </a:r>
+            <a:endParaRPr lang="zh-CN" altLang="en-US" sz="1800"/>
+          </a:p>
+        </p:txBody>
+      </p:sp>
+      <p:sp>
+        <p:nvSpPr>
+          <p:cNvPr id="3" name="日期占位符 2">
+            <a:extLst>
+              <a:ext uri="{FF2B5EF4-FFF2-40B4-BE49-F238E27FC236}">
+                <a16:creationId xmlns:a16="http://schemas.microsoft.com/office/drawing/2014/main" id="{02542E93-90EC-49A7-8A2F-BCFE86776715}"/>
+              </a:ext>
+            </a:extLst>
+          </p:cNvPr>
+          <p:cNvSpPr>
+            <a:spLocks noGrp="1"/>
+          </p:cNvSpPr>
+          <p:nvPr>
+            <p:ph type="dt" sz="half" idx="10"/>
+          </p:nvPr>
+        </p:nvSpPr>
+        <p:spPr/>
+        <p:txBody>
+          <a:bodyPr/>
+          <a:lstStyle/>
+          <a:p>
+            <a:fld id="{C8218E9C-D97C-46B7-9115-F8A90873817C}" type="datetime1">
+              <a:rPr lang="zh-CN" altLang="en-US" smtClean="0">
+                <a:solidFill>
+                  <a:srgbClr val="000000"/>
+                </a:solidFill>
+              </a:rPr>
+              <a:pPr/>
+              <a:t>2022/4/7</a:t>
+            </a:fld>
+            <a:endParaRPr lang="zh-CN" altLang="en-US">
+              <a:solidFill>
+                <a:srgbClr val="000000"/>
+              </a:solidFill>
+            </a:endParaRPr>
+          </a:p>
+        </p:txBody>
+      </p:sp>
+      <p:sp>
+        <p:nvSpPr>
+          <p:cNvPr id="4" name="页脚占位符 3">
+            <a:extLst>
+              <a:ext uri="{FF2B5EF4-FFF2-40B4-BE49-F238E27FC236}">
+                <a16:creationId xmlns:a16="http://schemas.microsoft.com/office/drawing/2014/main" id="{C59335BE-7D47-47CE-8C29-3B1B0116A2E2}"/>
+              </a:ext>
+            </a:extLst>
+          </p:cNvPr>
+          <p:cNvSpPr>
+            <a:spLocks noGrp="1"/>
+          </p:cNvSpPr>
+          <p:nvPr>
+            <p:ph type="ftr" sz="quarter" idx="11"/>
+          </p:nvPr>
+        </p:nvSpPr>
+        <p:spPr/>
+        <p:txBody>
+          <a:bodyPr/>
+          <a:lstStyle/>
+          <a:p>
+            <a:r>
+              <a:rPr lang="zh-CN" altLang="en-US">
+                <a:solidFill>
+                  <a:srgbClr val="000000"/>
+                </a:solidFill>
+              </a:rPr>
+              <a:t>同济大学电子与信息工程学院 裴喜龙</a:t>
+            </a:r>
+          </a:p>
+        </p:txBody>
+      </p:sp>
+      <p:sp>
+        <p:nvSpPr>
+          <p:cNvPr id="5" name="灯片编号占位符 4">
+            <a:extLst>
+              <a:ext uri="{FF2B5EF4-FFF2-40B4-BE49-F238E27FC236}">
+                <a16:creationId xmlns:a16="http://schemas.microsoft.com/office/drawing/2014/main" id="{8B95508A-BD5D-4836-A2B6-76E5719427FC}"/>
+              </a:ext>
+            </a:extLst>
+          </p:cNvPr>
+          <p:cNvSpPr>
+            <a:spLocks noGrp="1"/>
+          </p:cNvSpPr>
+          <p:nvPr>
+            <p:ph type="sldNum" sz="quarter" idx="12"/>
+          </p:nvPr>
+        </p:nvSpPr>
+        <p:spPr/>
+        <p:txBody>
+          <a:bodyPr/>
+          <a:lstStyle/>
+          <a:p>
+            <a:fld id="{C3E0ADDA-F6F8-47AE-B57D-5BE0E215DE8A}" type="slidenum">
+              <a:rPr lang="zh-CN" altLang="en-US" smtClean="0">
+                <a:solidFill>
+                  <a:srgbClr val="000000"/>
+                </a:solidFill>
+              </a:rPr>
+              <a:pPr/>
+              <a:t>23</a:t>
             </a:fld>
             <a:endParaRPr lang="zh-CN" altLang="en-US">
               <a:solidFill>
@@ -12103,7 +12383,7 @@
 </p:sld>
 </file>
 
-<file path=ppt/slides/slide23.xml><?xml version="1.0" encoding="utf-8"?>
+<file path=ppt/slides/slide24.xml><?xml version="1.0" encoding="utf-8"?>
 <p:sld xmlns:a="http://schemas.openxmlformats.org/drawingml/2006/main" xmlns:r="http://schemas.openxmlformats.org/officeDocument/2006/relationships" xmlns:p="http://schemas.openxmlformats.org/presentationml/2006/main">
   <p:cSld>
     <p:spTree>
@@ -12188,7 +12468,7 @@
                 </a:solidFill>
               </a:rPr>
               <a:pPr/>
-              <a:t>2021/2/26</a:t>
+              <a:t>2022/4/7</a:t>
             </a:fld>
             <a:endParaRPr lang="zh-CN" altLang="en-US">
               <a:solidFill>
@@ -12258,7 +12538,7 @@
                 </a:solidFill>
               </a:rPr>
               <a:pPr/>
-              <a:t>23</a:t>
+              <a:t>24</a:t>
             </a:fld>
             <a:endParaRPr lang="zh-CN" altLang="en-US">
               <a:solidFill>
@@ -12437,7 +12717,7 @@
                 </a:solidFill>
               </a:rPr>
               <a:pPr/>
-              <a:t>2021/2/26</a:t>
+              <a:t>2022/4/7</a:t>
             </a:fld>
             <a:endParaRPr lang="zh-CN" altLang="en-US">
               <a:solidFill>
@@ -12786,7 +13066,23 @@
             </a:r>
             <a:r>
               <a:rPr lang="zh-CN" altLang="zh-CN"/>
-              <a:t>对象流程调用示意图</a:t>
+              <a:t>对象</a:t>
+            </a:r>
+            <a:r>
+              <a:rPr lang="zh-CN" altLang="en-US"/>
+              <a:t>远</a:t>
+            </a:r>
+            <a:r>
+              <a:rPr lang="zh-CN" altLang="zh-CN"/>
+              <a:t>程调用</a:t>
+            </a:r>
+            <a:r>
+              <a:rPr lang="en-US" altLang="zh-CN"/>
+              <a:t>RPC</a:t>
+            </a:r>
+            <a:r>
+              <a:rPr lang="zh-CN" altLang="zh-CN"/>
+              <a:t>示意图</a:t>
             </a:r>
             <a:endParaRPr lang="zh-CN" altLang="en-US"/>
           </a:p>
@@ -12820,7 +13116,7 @@
                 </a:solidFill>
               </a:rPr>
               <a:pPr/>
-              <a:t>2021/2/26</a:t>
+              <a:t>2022/4/7</a:t>
             </a:fld>
             <a:endParaRPr lang="zh-CN" altLang="en-US">
               <a:solidFill>
@@ -12997,7 +13293,7 @@
           <a:graphicData uri="http://schemas.openxmlformats.org/presentationml/2006/ole">
             <mc:AlternateContent xmlns:mc="http://schemas.openxmlformats.org/markup-compatibility/2006">
               <mc:Choice xmlns:v="urn:schemas-microsoft-com:vml" Requires="v">
-                <p:oleObj spid="_x0000_s1133" name="Visio" r:id="rId3" imgW="4125485" imgH="1874914" progId="Visio.Drawing.11">
+                <p:oleObj spid="_x0000_s1136" name="Visio" r:id="rId3" imgW="4125485" imgH="1874914" progId="Visio.Drawing.11">
                   <p:embed/>
                 </p:oleObj>
               </mc:Choice>
@@ -13359,7 +13655,7 @@
           <p:cNvPr id="2" name="标题 1">
             <a:extLst>
               <a:ext uri="{FF2B5EF4-FFF2-40B4-BE49-F238E27FC236}">
-                <a16:creationId xmlns:a16="http://schemas.microsoft.com/office/drawing/2014/main" id="{1130B7D0-43F1-4891-984E-E93FB2B8B6AC}"/>
+                <a16:creationId xmlns:a16="http://schemas.microsoft.com/office/drawing/2014/main" id="{30C9C6A1-8899-41C8-A49B-72D20C2BDC14}"/>
               </a:ext>
             </a:extLst>
           </p:cNvPr>
@@ -13367,7 +13663,7 @@
             <a:spLocks noGrp="1"/>
           </p:cNvSpPr>
           <p:nvPr>
-            <p:ph type="ctrTitle"/>
+            <p:ph type="title"/>
           </p:nvPr>
         </p:nvSpPr>
         <p:spPr/>
@@ -13376,23 +13672,22 @@
           <a:lstStyle/>
           <a:p>
             <a:r>
+              <a:rPr lang="en-US" altLang="zh-CN"/>
+              <a:t>COMO RPC</a:t>
+            </a:r>
+            <a:r>
               <a:rPr lang="zh-CN" altLang="en-US"/>
-              <a:t>客户端</a:t>
-            </a:r>
-            <a:r>
-              <a:rPr lang="en-US" altLang="zh-CN"/>
-              <a:t>Client -- Proxy</a:t>
-            </a:r>
-            <a:endParaRPr lang="zh-CN" altLang="en-US"/>
-          </a:p>
-        </p:txBody>
-      </p:sp>
-      <p:sp>
-        <p:nvSpPr>
-          <p:cNvPr id="3" name="副标题 2">
-            <a:extLst>
-              <a:ext uri="{FF2B5EF4-FFF2-40B4-BE49-F238E27FC236}">
-                <a16:creationId xmlns:a16="http://schemas.microsoft.com/office/drawing/2014/main" id="{F90B2864-7D68-4272-A432-32715ECB79FE}"/>
+              <a:t>的程序实现原理</a:t>
+            </a:r>
+          </a:p>
+        </p:txBody>
+      </p:sp>
+      <p:sp>
+        <p:nvSpPr>
+          <p:cNvPr id="3" name="日期占位符 2">
+            <a:extLst>
+              <a:ext uri="{FF2B5EF4-FFF2-40B4-BE49-F238E27FC236}">
+                <a16:creationId xmlns:a16="http://schemas.microsoft.com/office/drawing/2014/main" id="{CBC443B6-D626-4522-AF9E-64F86BD18EAC}"/>
               </a:ext>
             </a:extLst>
           </p:cNvPr>
@@ -13400,86 +13695,22 @@
             <a:spLocks noGrp="1"/>
           </p:cNvSpPr>
           <p:nvPr>
-            <p:ph type="subTitle" idx="1"/>
-          </p:nvPr>
-        </p:nvSpPr>
-        <p:spPr>
-          <a:xfrm>
-            <a:off x="685800" y="2571750"/>
-            <a:ext cx="7772400" cy="1200150"/>
-          </a:xfrm>
-        </p:spPr>
+            <p:ph type="dt" sz="half" idx="10"/>
+          </p:nvPr>
+        </p:nvSpPr>
+        <p:spPr/>
         <p:txBody>
           <a:bodyPr/>
           <a:lstStyle/>
           <a:p>
-            <a:pPr marL="342900" indent="-342900">
-              <a:buFont typeface="Arial" panose="020B0604020202020204" pitchFamily="34" charset="0"/>
-              <a:buChar char="•"/>
-            </a:pPr>
-            <a:r>
-              <a:rPr lang="zh-CN" altLang="en-US"/>
-              <a:t>客户端是引用服务的一端。</a:t>
-            </a:r>
-            <a:endParaRPr lang="en-US" altLang="zh-CN"/>
-          </a:p>
-          <a:p>
-            <a:pPr marL="342900" indent="-342900">
-              <a:buFont typeface="Arial" panose="020B0604020202020204" pitchFamily="34" charset="0"/>
-              <a:buChar char="•"/>
-            </a:pPr>
-            <a:r>
-              <a:rPr lang="zh-CN" altLang="en-US"/>
-              <a:t>通过这个机制，不只是让</a:t>
-            </a:r>
-            <a:r>
-              <a:rPr lang="en-US" altLang="zh-CN"/>
-              <a:t>C++</a:t>
-            </a:r>
-            <a:r>
-              <a:rPr lang="zh-CN" altLang="en-US"/>
-              <a:t>程序得以使用</a:t>
-            </a:r>
-            <a:r>
-              <a:rPr lang="en-US" altLang="zh-CN"/>
-              <a:t>COMO</a:t>
-            </a:r>
-            <a:r>
-              <a:rPr lang="zh-CN" altLang="en-US"/>
-              <a:t>构件服务，实现多语言的绑定也是很容易的。</a:t>
-            </a:r>
-          </a:p>
-        </p:txBody>
-      </p:sp>
-      <p:sp>
-        <p:nvSpPr>
-          <p:cNvPr id="4" name="日期占位符 3">
-            <a:extLst>
-              <a:ext uri="{FF2B5EF4-FFF2-40B4-BE49-F238E27FC236}">
-                <a16:creationId xmlns:a16="http://schemas.microsoft.com/office/drawing/2014/main" id="{F87EAC34-1706-4D07-88E0-69B8253B3F94}"/>
-              </a:ext>
-            </a:extLst>
-          </p:cNvPr>
-          <p:cNvSpPr>
-            <a:spLocks noGrp="1"/>
-          </p:cNvSpPr>
-          <p:nvPr>
-            <p:ph type="dt" sz="half" idx="10"/>
-          </p:nvPr>
-        </p:nvSpPr>
-        <p:spPr/>
-        <p:txBody>
-          <a:bodyPr/>
-          <a:lstStyle/>
-          <a:p>
-            <a:fld id="{12D1B8E7-F47C-47D8-B811-1B6D096B8720}" type="datetime1">
+            <a:fld id="{C8218E9C-D97C-46B7-9115-F8A90873817C}" type="datetime1">
               <a:rPr lang="zh-CN" altLang="en-US" smtClean="0">
                 <a:solidFill>
                   <a:srgbClr val="000000"/>
                 </a:solidFill>
               </a:rPr>
               <a:pPr/>
-              <a:t>2021/2/26</a:t>
+              <a:t>2022/4/7</a:t>
             </a:fld>
             <a:endParaRPr lang="zh-CN" altLang="en-US">
               <a:solidFill>
@@ -13491,10 +13722,10 @@
       </p:sp>
       <p:sp>
         <p:nvSpPr>
-          <p:cNvPr id="5" name="页脚占位符 4">
-            <a:extLst>
-              <a:ext uri="{FF2B5EF4-FFF2-40B4-BE49-F238E27FC236}">
-                <a16:creationId xmlns:a16="http://schemas.microsoft.com/office/drawing/2014/main" id="{D5E6CA98-2203-4F89-B6B1-F6AC23519BE7}"/>
+          <p:cNvPr id="4" name="页脚占位符 3">
+            <a:extLst>
+              <a:ext uri="{FF2B5EF4-FFF2-40B4-BE49-F238E27FC236}">
+                <a16:creationId xmlns:a16="http://schemas.microsoft.com/office/drawing/2014/main" id="{DEBEDA72-22D0-4772-B4A2-5342D90BAFBA}"/>
               </a:ext>
             </a:extLst>
           </p:cNvPr>
@@ -13523,10 +13754,10 @@
       </p:sp>
       <p:sp>
         <p:nvSpPr>
-          <p:cNvPr id="6" name="灯片编号占位符 5">
-            <a:extLst>
-              <a:ext uri="{FF2B5EF4-FFF2-40B4-BE49-F238E27FC236}">
-                <a16:creationId xmlns:a16="http://schemas.microsoft.com/office/drawing/2014/main" id="{21E11E3C-D4A1-42A8-97EE-A4D070E14C84}"/>
+          <p:cNvPr id="5" name="灯片编号占位符 4">
+            <a:extLst>
+              <a:ext uri="{FF2B5EF4-FFF2-40B4-BE49-F238E27FC236}">
+                <a16:creationId xmlns:a16="http://schemas.microsoft.com/office/drawing/2014/main" id="{50B6BCE4-7B6D-49CF-88F5-EACD99BD01D7}"/>
               </a:ext>
             </a:extLst>
           </p:cNvPr>
@@ -13559,10 +13790,536 @@
           </a:p>
         </p:txBody>
       </p:sp>
+      <p:sp>
+        <p:nvSpPr>
+          <p:cNvPr id="6" name="Rectangle 2">
+            <a:extLst>
+              <a:ext uri="{FF2B5EF4-FFF2-40B4-BE49-F238E27FC236}">
+                <a16:creationId xmlns:a16="http://schemas.microsoft.com/office/drawing/2014/main" id="{A3B69D18-18AE-4372-BA49-3BC617EB9734}"/>
+              </a:ext>
+            </a:extLst>
+          </p:cNvPr>
+          <p:cNvSpPr>
+            <a:spLocks noChangeArrowheads="1"/>
+          </p:cNvSpPr>
+          <p:nvPr/>
+        </p:nvSpPr>
+        <p:spPr bwMode="auto">
+          <a:xfrm>
+            <a:off x="609600" y="1779662"/>
+            <a:ext cx="9144000" cy="0"/>
+          </a:xfrm>
+          <a:prstGeom prst="rect">
+            <a:avLst/>
+          </a:prstGeom>
+          <a:noFill/>
+          <a:ln>
+            <a:noFill/>
+          </a:ln>
+          <a:effectLst/>
+          <a:extLst>
+            <a:ext uri="{909E8E84-426E-40DD-AFC4-6F175D3DCCD1}">
+              <a14:hiddenFill xmlns:a14="http://schemas.microsoft.com/office/drawing/2010/main">
+                <a:solidFill>
+                  <a:schemeClr val="accent1"/>
+                </a:solidFill>
+              </a14:hiddenFill>
+            </a:ext>
+            <a:ext uri="{91240B29-F687-4F45-9708-019B960494DF}">
+              <a14:hiddenLine xmlns:a14="http://schemas.microsoft.com/office/drawing/2010/main" w="9525">
+                <a:solidFill>
+                  <a:schemeClr val="tx1"/>
+                </a:solidFill>
+                <a:miter lim="800000"/>
+                <a:headEnd/>
+                <a:tailEnd/>
+              </a14:hiddenLine>
+            </a:ext>
+            <a:ext uri="{AF507438-7753-43E0-B8FC-AC1667EBCBE1}">
+              <a14:hiddenEffects xmlns:a14="http://schemas.microsoft.com/office/drawing/2010/main">
+                <a:effectLst>
+                  <a:outerShdw dist="35921" dir="2700000" algn="ctr" rotWithShape="0">
+                    <a:schemeClr val="bg2"/>
+                  </a:outerShdw>
+                </a:effectLst>
+              </a14:hiddenEffects>
+            </a:ext>
+          </a:extLst>
+        </p:spPr>
+        <p:txBody>
+          <a:bodyPr vert="horz" wrap="none" lIns="91440" tIns="45720" rIns="91440" bIns="45720" numCol="1" anchor="ctr" anchorCtr="0" compatLnSpc="1">
+            <a:prstTxWarp prst="textNoShape">
+              <a:avLst/>
+            </a:prstTxWarp>
+            <a:spAutoFit/>
+          </a:bodyPr>
+          <a:lstStyle/>
+          <a:p>
+            <a:endParaRPr lang="zh-CN" altLang="en-US"/>
+          </a:p>
+        </p:txBody>
+      </p:sp>
+      <p:graphicFrame>
+        <p:nvGraphicFramePr>
+          <p:cNvPr id="7" name="对象 6">
+            <a:extLst>
+              <a:ext uri="{FF2B5EF4-FFF2-40B4-BE49-F238E27FC236}">
+                <a16:creationId xmlns:a16="http://schemas.microsoft.com/office/drawing/2014/main" id="{9370540D-C826-4A13-8860-94B304D8E23E}"/>
+              </a:ext>
+            </a:extLst>
+          </p:cNvPr>
+          <p:cNvGraphicFramePr>
+            <a:graphicFrameLocks noChangeAspect="1"/>
+          </p:cNvGraphicFramePr>
+          <p:nvPr>
+            <p:extLst/>
+          </p:nvPr>
+        </p:nvGraphicFramePr>
+        <p:xfrm>
+          <a:off x="129392" y="1694360"/>
+          <a:ext cx="4122738" cy="1874837"/>
+        </p:xfrm>
+        <a:graphic>
+          <a:graphicData uri="http://schemas.openxmlformats.org/presentationml/2006/ole">
+            <mc:AlternateContent xmlns:mc="http://schemas.openxmlformats.org/markup-compatibility/2006">
+              <mc:Choice xmlns:v="urn:schemas-microsoft-com:vml" Requires="v">
+                <p:oleObj spid="_x0000_s2051" name="Visio" r:id="rId3" imgW="4125485" imgH="1874914" progId="Visio.Drawing.11">
+                  <p:embed/>
+                </p:oleObj>
+              </mc:Choice>
+              <mc:Fallback>
+                <p:oleObj name="Visio" r:id="rId3" imgW="4125485" imgH="1874914" progId="Visio.Drawing.11">
+                  <p:embed/>
+                  <p:pic>
+                    <p:nvPicPr>
+                      <p:cNvPr id="7" name="对象 6">
+                        <a:extLst>
+                          <a:ext uri="{FF2B5EF4-FFF2-40B4-BE49-F238E27FC236}">
+                            <a16:creationId xmlns:a16="http://schemas.microsoft.com/office/drawing/2014/main" id="{9370540D-C826-4A13-8860-94B304D8E23E}"/>
+                          </a:ext>
+                        </a:extLst>
+                      </p:cNvPr>
+                      <p:cNvPicPr>
+                        <a:picLocks noChangeAspect="1" noChangeArrowheads="1"/>
+                      </p:cNvPicPr>
+                      <p:nvPr/>
+                    </p:nvPicPr>
+                    <p:blipFill>
+                      <a:blip r:embed="rId4">
+                        <a:extLst>
+                          <a:ext uri="{28A0092B-C50C-407E-A947-70E740481C1C}">
+                            <a14:useLocalDpi xmlns:a14="http://schemas.microsoft.com/office/drawing/2010/main" val="0"/>
+                          </a:ext>
+                        </a:extLst>
+                      </a:blip>
+                      <a:srcRect/>
+                      <a:stretch>
+                        <a:fillRect/>
+                      </a:stretch>
+                    </p:blipFill>
+                    <p:spPr bwMode="auto">
+                      <a:xfrm>
+                        <a:off x="129392" y="1694360"/>
+                        <a:ext cx="4122738" cy="1874837"/>
+                      </a:xfrm>
+                      <a:prstGeom prst="rect">
+                        <a:avLst/>
+                      </a:prstGeom>
+                      <a:noFill/>
+                      <a:extLst>
+                        <a:ext uri="{909E8E84-426E-40DD-AFC4-6F175D3DCCD1}">
+                          <a14:hiddenFill xmlns:a14="http://schemas.microsoft.com/office/drawing/2010/main">
+                            <a:solidFill>
+                              <a:srgbClr val="FFFFFF"/>
+                            </a:solidFill>
+                          </a14:hiddenFill>
+                        </a:ext>
+                      </a:extLst>
+                    </p:spPr>
+                  </p:pic>
+                </p:oleObj>
+              </mc:Fallback>
+            </mc:AlternateContent>
+          </a:graphicData>
+        </a:graphic>
+      </p:graphicFrame>
+      <p:sp>
+        <p:nvSpPr>
+          <p:cNvPr id="8" name="矩形 7">
+            <a:extLst>
+              <a:ext uri="{FF2B5EF4-FFF2-40B4-BE49-F238E27FC236}">
+                <a16:creationId xmlns:a16="http://schemas.microsoft.com/office/drawing/2014/main" id="{A8A32F32-1A23-4489-8019-395BD669C0C2}"/>
+              </a:ext>
+            </a:extLst>
+          </p:cNvPr>
+          <p:cNvSpPr/>
+          <p:nvPr/>
+        </p:nvSpPr>
+        <p:spPr>
+          <a:xfrm>
+            <a:off x="4572001" y="1327800"/>
+            <a:ext cx="4392488" cy="3069623"/>
+          </a:xfrm>
+          <a:prstGeom prst="rect">
+            <a:avLst/>
+          </a:prstGeom>
+        </p:spPr>
+        <p:txBody>
+          <a:bodyPr wrap="square">
+            <a:spAutoFit/>
+          </a:bodyPr>
+          <a:lstStyle/>
+          <a:p>
+            <a:pPr>
+              <a:lnSpc>
+                <a:spcPct val="125000"/>
+              </a:lnSpc>
+              <a:spcAft>
+                <a:spcPts val="0"/>
+              </a:spcAft>
+            </a:pPr>
+            <a:r>
+              <a:rPr lang="en-US" altLang="zh-CN" sz="1200">
+                <a:latin typeface="Times New Roman" panose="02020603050405020304" pitchFamily="18" charset="0"/>
+                <a:ea typeface="宋体" panose="02010600030101010101" pitchFamily="2" charset="-122"/>
+              </a:rPr>
+              <a:t>COMO RPC</a:t>
+            </a:r>
+            <a:r>
+              <a:rPr lang="zh-CN" altLang="en-US" sz="1200">
+                <a:latin typeface="Times New Roman" panose="02020603050405020304" pitchFamily="18" charset="0"/>
+                <a:ea typeface="宋体" panose="02010600030101010101" pitchFamily="2" charset="-122"/>
+              </a:rPr>
+              <a:t>机制中，代理对象</a:t>
+            </a:r>
+            <a:r>
+              <a:rPr lang="en-US" altLang="zh-CN" sz="1200">
+                <a:latin typeface="Times New Roman" panose="02020603050405020304" pitchFamily="18" charset="0"/>
+                <a:ea typeface="宋体" panose="02010600030101010101" pitchFamily="2" charset="-122"/>
+              </a:rPr>
+              <a:t>Proxy</a:t>
+            </a:r>
+            <a:r>
+              <a:rPr lang="zh-CN" altLang="en-US" sz="1200">
+                <a:latin typeface="Times New Roman" panose="02020603050405020304" pitchFamily="18" charset="0"/>
+                <a:ea typeface="宋体" panose="02010600030101010101" pitchFamily="2" charset="-122"/>
+              </a:rPr>
+              <a:t>和存根对象</a:t>
+            </a:r>
+            <a:r>
+              <a:rPr lang="en-US" altLang="zh-CN" sz="1200">
+                <a:latin typeface="Times New Roman" panose="02020603050405020304" pitchFamily="18" charset="0"/>
+                <a:ea typeface="宋体" panose="02010600030101010101" pitchFamily="2" charset="-122"/>
+              </a:rPr>
+              <a:t>Stub</a:t>
+            </a:r>
+            <a:r>
+              <a:rPr lang="zh-CN" altLang="en-US" sz="1200">
+                <a:latin typeface="Times New Roman" panose="02020603050405020304" pitchFamily="18" charset="0"/>
+                <a:ea typeface="宋体" panose="02010600030101010101" pitchFamily="2" charset="-122"/>
+              </a:rPr>
+              <a:t>，都是“服务构件”的剪影，而不是完整的快照，所以</a:t>
+            </a:r>
+            <a:r>
+              <a:rPr lang="en-US" altLang="zh-CN" sz="1200">
+                <a:latin typeface="Times New Roman" panose="02020603050405020304" pitchFamily="18" charset="0"/>
+                <a:ea typeface="宋体" panose="02010600030101010101" pitchFamily="2" charset="-122"/>
+              </a:rPr>
+              <a:t>C++</a:t>
+            </a:r>
+            <a:r>
+              <a:rPr lang="zh-CN" altLang="en-US" sz="1200">
+                <a:latin typeface="Times New Roman" panose="02020603050405020304" pitchFamily="18" charset="0"/>
+                <a:ea typeface="宋体" panose="02010600030101010101" pitchFamily="2" charset="-122"/>
+              </a:rPr>
+              <a:t>自己的虚函数定义并不干扰</a:t>
+            </a:r>
+            <a:r>
+              <a:rPr lang="en-US" altLang="zh-CN" sz="1200">
+                <a:latin typeface="Times New Roman" panose="02020603050405020304" pitchFamily="18" charset="0"/>
+                <a:ea typeface="宋体" panose="02010600030101010101" pitchFamily="2" charset="-122"/>
+              </a:rPr>
+              <a:t>COMO</a:t>
+            </a:r>
+            <a:r>
+              <a:rPr lang="zh-CN" altLang="en-US" sz="1200">
+                <a:latin typeface="Times New Roman" panose="02020603050405020304" pitchFamily="18" charset="0"/>
+                <a:ea typeface="宋体" panose="02010600030101010101" pitchFamily="2" charset="-122"/>
+              </a:rPr>
+              <a:t>构件的运行。</a:t>
+            </a:r>
+            <a:endParaRPr lang="en-US" altLang="zh-CN" sz="1200">
+              <a:latin typeface="Times New Roman" panose="02020603050405020304" pitchFamily="18" charset="0"/>
+              <a:ea typeface="宋体" panose="02010600030101010101" pitchFamily="2" charset="-122"/>
+            </a:endParaRPr>
+          </a:p>
+          <a:p>
+            <a:pPr>
+              <a:lnSpc>
+                <a:spcPct val="125000"/>
+              </a:lnSpc>
+              <a:spcAft>
+                <a:spcPts val="0"/>
+              </a:spcAft>
+            </a:pPr>
+            <a:endParaRPr lang="en-US" altLang="zh-CN" sz="1200">
+              <a:effectLst/>
+              <a:latin typeface="Times New Roman" panose="02020603050405020304" pitchFamily="18" charset="0"/>
+              <a:ea typeface="宋体" panose="02010600030101010101" pitchFamily="2" charset="-122"/>
+            </a:endParaRPr>
+          </a:p>
+          <a:p>
+            <a:pPr>
+              <a:lnSpc>
+                <a:spcPct val="125000"/>
+              </a:lnSpc>
+              <a:spcAft>
+                <a:spcPts val="0"/>
+              </a:spcAft>
+            </a:pPr>
+            <a:r>
+              <a:rPr lang="zh-CN" altLang="en-US" sz="1200">
+                <a:latin typeface="Times New Roman" panose="02020603050405020304" pitchFamily="18" charset="0"/>
+                <a:ea typeface="宋体" panose="02010600030101010101" pitchFamily="2" charset="-122"/>
+              </a:rPr>
+              <a:t>实施这个剪影的是接口（</a:t>
+            </a:r>
+            <a:r>
+              <a:rPr lang="en-US" altLang="zh-CN" sz="1200">
+                <a:latin typeface="Times New Roman" panose="02020603050405020304" pitchFamily="18" charset="0"/>
+                <a:ea typeface="宋体" panose="02010600030101010101" pitchFamily="2" charset="-122"/>
+              </a:rPr>
+              <a:t>Interface</a:t>
+            </a:r>
+            <a:r>
+              <a:rPr lang="zh-CN" altLang="en-US" sz="1200">
+                <a:latin typeface="Times New Roman" panose="02020603050405020304" pitchFamily="18" charset="0"/>
+                <a:ea typeface="宋体" panose="02010600030101010101" pitchFamily="2" charset="-122"/>
+              </a:rPr>
+              <a:t>），构件类</a:t>
+            </a:r>
+            <a:r>
+              <a:rPr lang="en-US" altLang="zh-CN" sz="1200">
+                <a:latin typeface="Times New Roman" panose="02020603050405020304" pitchFamily="18" charset="0"/>
+                <a:ea typeface="宋体" panose="02010600030101010101" pitchFamily="2" charset="-122"/>
+              </a:rPr>
+              <a:t>coclass</a:t>
+            </a:r>
+            <a:r>
+              <a:rPr lang="zh-CN" altLang="en-US" sz="1200">
+                <a:latin typeface="Times New Roman" panose="02020603050405020304" pitchFamily="18" charset="0"/>
+                <a:ea typeface="宋体" panose="02010600030101010101" pitchFamily="2" charset="-122"/>
+              </a:rPr>
+              <a:t>是由接口组成的，每个构件类、接口有自己的与</a:t>
+            </a:r>
+            <a:r>
+              <a:rPr lang="en-US" altLang="zh-CN" sz="1200">
+                <a:latin typeface="Times New Roman" panose="02020603050405020304" pitchFamily="18" charset="0"/>
+                <a:ea typeface="宋体" panose="02010600030101010101" pitchFamily="2" charset="-122"/>
+              </a:rPr>
+              <a:t>C++</a:t>
+            </a:r>
+            <a:r>
+              <a:rPr lang="zh-CN" altLang="en-US" sz="1200">
+                <a:latin typeface="Times New Roman" panose="02020603050405020304" pitchFamily="18" charset="0"/>
+                <a:ea typeface="宋体" panose="02010600030101010101" pitchFamily="2" charset="-122"/>
+              </a:rPr>
+              <a:t>一致的名字，也有一个</a:t>
+            </a:r>
+            <a:r>
+              <a:rPr lang="en-US" altLang="zh-CN" sz="1200">
+                <a:latin typeface="Times New Roman" panose="02020603050405020304" pitchFamily="18" charset="0"/>
+                <a:ea typeface="宋体" panose="02010600030101010101" pitchFamily="2" charset="-122"/>
+              </a:rPr>
+              <a:t>128 bit</a:t>
+            </a:r>
+            <a:r>
+              <a:rPr lang="zh-CN" altLang="en-US" sz="1200">
+                <a:latin typeface="Times New Roman" panose="02020603050405020304" pitchFamily="18" charset="0"/>
+                <a:ea typeface="宋体" panose="02010600030101010101" pitchFamily="2" charset="-122"/>
+              </a:rPr>
+              <a:t>的</a:t>
+            </a:r>
+            <a:r>
+              <a:rPr lang="en-US" altLang="zh-CN" sz="1200">
+                <a:latin typeface="Times New Roman" panose="02020603050405020304" pitchFamily="18" charset="0"/>
+                <a:ea typeface="宋体" panose="02010600030101010101" pitchFamily="2" charset="-122"/>
+              </a:rPr>
+              <a:t>UUID(Universal Unique Identifier) </a:t>
+            </a:r>
+            <a:r>
+              <a:rPr lang="zh-CN" altLang="en-US" sz="1200">
+                <a:latin typeface="Times New Roman" panose="02020603050405020304" pitchFamily="18" charset="0"/>
+                <a:ea typeface="宋体" panose="02010600030101010101" pitchFamily="2" charset="-122"/>
+              </a:rPr>
+              <a:t>，构件类</a:t>
+            </a:r>
+            <a:r>
+              <a:rPr lang="en-US" altLang="zh-CN" sz="1200">
+                <a:latin typeface="Times New Roman" panose="02020603050405020304" pitchFamily="18" charset="0"/>
+                <a:ea typeface="宋体" panose="02010600030101010101" pitchFamily="2" charset="-122"/>
+              </a:rPr>
+              <a:t>coclass</a:t>
+            </a:r>
+            <a:r>
+              <a:rPr lang="zh-CN" altLang="en-US" sz="1200">
+                <a:latin typeface="Times New Roman" panose="02020603050405020304" pitchFamily="18" charset="0"/>
+                <a:ea typeface="宋体" panose="02010600030101010101" pitchFamily="2" charset="-122"/>
+              </a:rPr>
+              <a:t>与</a:t>
+            </a:r>
+            <a:r>
+              <a:rPr lang="en-US" altLang="zh-CN" sz="1200">
+                <a:latin typeface="Times New Roman" panose="02020603050405020304" pitchFamily="18" charset="0"/>
+                <a:ea typeface="宋体" panose="02010600030101010101" pitchFamily="2" charset="-122"/>
+              </a:rPr>
+              <a:t>C++</a:t>
+            </a:r>
+            <a:r>
+              <a:rPr lang="zh-CN" altLang="en-US" sz="1200">
+                <a:latin typeface="Times New Roman" panose="02020603050405020304" pitchFamily="18" charset="0"/>
+                <a:ea typeface="宋体" panose="02010600030101010101" pitchFamily="2" charset="-122"/>
+              </a:rPr>
+              <a:t>只有一个约定，第一个接口（虚表）是 </a:t>
+            </a:r>
+            <a:r>
+              <a:rPr lang="en-US" altLang="zh-CN" sz="1200">
+                <a:latin typeface="Times New Roman" panose="02020603050405020304" pitchFamily="18" charset="0"/>
+                <a:ea typeface="宋体" panose="02010600030101010101" pitchFamily="2" charset="-122"/>
+              </a:rPr>
+              <a:t>IInterface</a:t>
+            </a:r>
+            <a:r>
+              <a:rPr lang="zh-CN" altLang="en-US" sz="1200">
+                <a:latin typeface="Times New Roman" panose="02020603050405020304" pitchFamily="18" charset="0"/>
+                <a:ea typeface="宋体" panose="02010600030101010101" pitchFamily="2" charset="-122"/>
+              </a:rPr>
+              <a:t>（</a:t>
+            </a:r>
+            <a:r>
+              <a:rPr lang="en-US" altLang="zh-CN" sz="1200">
+                <a:latin typeface="Times New Roman" panose="02020603050405020304" pitchFamily="18" charset="0"/>
+                <a:ea typeface="宋体" panose="02010600030101010101" pitchFamily="2" charset="-122"/>
+              </a:rPr>
+              <a:t>COMO</a:t>
+            </a:r>
+            <a:r>
+              <a:rPr lang="zh-CN" altLang="en-US" sz="1200">
+                <a:latin typeface="Times New Roman" panose="02020603050405020304" pitchFamily="18" charset="0"/>
+                <a:ea typeface="宋体" panose="02010600030101010101" pitchFamily="2" charset="-122"/>
+              </a:rPr>
+              <a:t>定义的一个数据结构 </a:t>
+            </a:r>
+            <a:r>
+              <a:rPr lang="en-US" altLang="zh-CN" sz="1200">
+                <a:latin typeface="Times New Roman" panose="02020603050405020304" pitchFamily="18" charset="0"/>
+                <a:ea typeface="宋体" panose="02010600030101010101" pitchFamily="2" charset="-122"/>
+              </a:rPr>
+              <a:t>https://gitee.com/tjopenlab/como/blob/master/como/runtime/comotypes.h </a:t>
+            </a:r>
+            <a:r>
+              <a:rPr lang="zh-CN" altLang="en-US" sz="1200">
+                <a:latin typeface="Times New Roman" panose="02020603050405020304" pitchFamily="18" charset="0"/>
+                <a:ea typeface="宋体" panose="02010600030101010101" pitchFamily="2" charset="-122"/>
+              </a:rPr>
+              <a:t>），其它都是从这个接口计算（</a:t>
+            </a:r>
+            <a:r>
+              <a:rPr lang="en-US" altLang="zh-CN" sz="1200">
+                <a:latin typeface="Times New Roman" panose="02020603050405020304" pitchFamily="18" charset="0"/>
+                <a:ea typeface="宋体" panose="02010600030101010101" pitchFamily="2" charset="-122"/>
+              </a:rPr>
+              <a:t>Probe</a:t>
+            </a:r>
+            <a:r>
+              <a:rPr lang="zh-CN" altLang="en-US" sz="1200">
+                <a:latin typeface="Times New Roman" panose="02020603050405020304" pitchFamily="18" charset="0"/>
+                <a:ea typeface="宋体" panose="02010600030101010101" pitchFamily="2" charset="-122"/>
+              </a:rPr>
+              <a:t>）得到的，而</a:t>
+            </a:r>
+            <a:r>
+              <a:rPr lang="en-US" altLang="zh-CN" sz="1200">
+                <a:latin typeface="Times New Roman" panose="02020603050405020304" pitchFamily="18" charset="0"/>
+                <a:ea typeface="宋体" panose="02010600030101010101" pitchFamily="2" charset="-122"/>
+              </a:rPr>
+              <a:t>Probe</a:t>
+            </a:r>
+            <a:r>
+              <a:rPr lang="zh-CN" altLang="en-US" sz="1200">
+                <a:latin typeface="Times New Roman" panose="02020603050405020304" pitchFamily="18" charset="0"/>
+                <a:ea typeface="宋体" panose="02010600030101010101" pitchFamily="2" charset="-122"/>
+              </a:rPr>
+              <a:t>依赖的是接口的</a:t>
+            </a:r>
+            <a:r>
+              <a:rPr lang="en-US" altLang="zh-CN" sz="1200">
+                <a:latin typeface="Times New Roman" panose="02020603050405020304" pitchFamily="18" charset="0"/>
+                <a:ea typeface="宋体" panose="02010600030101010101" pitchFamily="2" charset="-122"/>
+              </a:rPr>
+              <a:t>UUID</a:t>
+            </a:r>
+            <a:r>
+              <a:rPr lang="zh-CN" altLang="en-US" sz="1200">
+                <a:latin typeface="Times New Roman" panose="02020603050405020304" pitchFamily="18" charset="0"/>
+                <a:ea typeface="宋体" panose="02010600030101010101" pitchFamily="2" charset="-122"/>
+              </a:rPr>
+              <a:t>，一个与接口名字（通过</a:t>
+            </a:r>
+            <a:r>
+              <a:rPr lang="en-US" altLang="zh-CN" sz="1200">
+                <a:latin typeface="Times New Roman" panose="02020603050405020304" pitchFamily="18" charset="0"/>
+                <a:ea typeface="宋体" panose="02010600030101010101" pitchFamily="2" charset="-122"/>
+              </a:rPr>
+              <a:t>hash</a:t>
+            </a:r>
+            <a:r>
+              <a:rPr lang="zh-CN" altLang="en-US" sz="1200">
+                <a:latin typeface="Times New Roman" panose="02020603050405020304" pitchFamily="18" charset="0"/>
+                <a:ea typeface="宋体" panose="02010600030101010101" pitchFamily="2" charset="-122"/>
+              </a:rPr>
+              <a:t>计算得到 </a:t>
+            </a:r>
+            <a:r>
+              <a:rPr lang="en-US" altLang="zh-CN" sz="1200">
+                <a:latin typeface="Times New Roman" panose="02020603050405020304" pitchFamily="18" charset="0"/>
+                <a:ea typeface="宋体" panose="02010600030101010101" pitchFamily="2" charset="-122"/>
+              </a:rPr>
+              <a:t>https://gitee.com/tjopenlab/comouuid </a:t>
+            </a:r>
+            <a:r>
+              <a:rPr lang="zh-CN" altLang="en-US" sz="1200">
+                <a:latin typeface="Times New Roman" panose="02020603050405020304" pitchFamily="18" charset="0"/>
+                <a:ea typeface="宋体" panose="02010600030101010101" pitchFamily="2" charset="-122"/>
+              </a:rPr>
+              <a:t>）一一对应的一个</a:t>
+            </a:r>
+            <a:r>
+              <a:rPr lang="en-US" altLang="zh-CN" sz="1200">
+                <a:latin typeface="Times New Roman" panose="02020603050405020304" pitchFamily="18" charset="0"/>
+                <a:ea typeface="宋体" panose="02010600030101010101" pitchFamily="2" charset="-122"/>
+              </a:rPr>
+              <a:t>128</a:t>
+            </a:r>
+            <a:r>
+              <a:rPr lang="zh-CN" altLang="en-US" sz="1200">
+                <a:latin typeface="Times New Roman" panose="02020603050405020304" pitchFamily="18" charset="0"/>
+                <a:ea typeface="宋体" panose="02010600030101010101" pitchFamily="2" charset="-122"/>
+              </a:rPr>
+              <a:t>位数。</a:t>
+            </a:r>
+            <a:endParaRPr lang="zh-CN" altLang="zh-CN" sz="1200">
+              <a:effectLst/>
+              <a:latin typeface="Times New Roman" panose="02020603050405020304" pitchFamily="18" charset="0"/>
+              <a:ea typeface="宋体" panose="02010600030101010101" pitchFamily="2" charset="-122"/>
+            </a:endParaRPr>
+          </a:p>
+        </p:txBody>
+      </p:sp>
     </p:spTree>
     <p:extLst>
       <p:ext uri="{BB962C8B-B14F-4D97-AF65-F5344CB8AC3E}">
-        <p14:creationId xmlns:p14="http://schemas.microsoft.com/office/powerpoint/2010/main" val="3669258170"/>
+        <p14:creationId xmlns:p14="http://schemas.microsoft.com/office/powerpoint/2010/main" val="971366582"/>
       </p:ext>
     </p:extLst>
   </p:cSld>
@@ -13594,7 +14351,7 @@
           <p:cNvPr id="2" name="标题 1">
             <a:extLst>
               <a:ext uri="{FF2B5EF4-FFF2-40B4-BE49-F238E27FC236}">
-                <a16:creationId xmlns:a16="http://schemas.microsoft.com/office/drawing/2014/main" id="{C37E8559-87F4-4870-90AC-F2C5EF694579}"/>
+                <a16:creationId xmlns:a16="http://schemas.microsoft.com/office/drawing/2014/main" id="{1130B7D0-43F1-4891-984E-E93FB2B8B6AC}"/>
               </a:ext>
             </a:extLst>
           </p:cNvPr>
@@ -13602,7 +14359,7 @@
             <a:spLocks noGrp="1"/>
           </p:cNvSpPr>
           <p:nvPr>
-            <p:ph type="title"/>
+            <p:ph type="ctrTitle"/>
           </p:nvPr>
         </p:nvSpPr>
         <p:spPr/>
@@ -13616,7 +14373,7 @@
             </a:r>
             <a:r>
               <a:rPr lang="en-US" altLang="zh-CN"/>
-              <a:t>Client</a:t>
+              <a:t>Client -- Proxy</a:t>
             </a:r>
             <a:endParaRPr lang="zh-CN" altLang="en-US"/>
           </a:p>
@@ -13624,10 +14381,10 @@
       </p:sp>
       <p:sp>
         <p:nvSpPr>
-          <p:cNvPr id="3" name="内容占位符 2">
-            <a:extLst>
-              <a:ext uri="{FF2B5EF4-FFF2-40B4-BE49-F238E27FC236}">
-                <a16:creationId xmlns:a16="http://schemas.microsoft.com/office/drawing/2014/main" id="{FAF4651B-EAC9-4A97-94EF-2F99C11A4A31}"/>
+          <p:cNvPr id="3" name="副标题 2">
+            <a:extLst>
+              <a:ext uri="{FF2B5EF4-FFF2-40B4-BE49-F238E27FC236}">
+                <a16:creationId xmlns:a16="http://schemas.microsoft.com/office/drawing/2014/main" id="{F90B2864-7D68-4272-A432-32715ECB79FE}"/>
               </a:ext>
             </a:extLst>
           </p:cNvPr>
@@ -13635,7 +14392,71 @@
             <a:spLocks noGrp="1"/>
           </p:cNvSpPr>
           <p:nvPr>
-            <p:ph idx="1"/>
+            <p:ph type="subTitle" idx="1"/>
+          </p:nvPr>
+        </p:nvSpPr>
+        <p:spPr>
+          <a:xfrm>
+            <a:off x="685800" y="2571750"/>
+            <a:ext cx="7772400" cy="1200150"/>
+          </a:xfrm>
+        </p:spPr>
+        <p:txBody>
+          <a:bodyPr/>
+          <a:lstStyle/>
+          <a:p>
+            <a:pPr marL="342900" indent="-342900">
+              <a:buFont typeface="Arial" panose="020B0604020202020204" pitchFamily="34" charset="0"/>
+              <a:buChar char="•"/>
+            </a:pPr>
+            <a:r>
+              <a:rPr lang="zh-CN" altLang="en-US"/>
+              <a:t>客户端是引用服务的一端。</a:t>
+            </a:r>
+            <a:endParaRPr lang="en-US" altLang="zh-CN"/>
+          </a:p>
+          <a:p>
+            <a:pPr marL="342900" indent="-342900">
+              <a:buFont typeface="Arial" panose="020B0604020202020204" pitchFamily="34" charset="0"/>
+              <a:buChar char="•"/>
+            </a:pPr>
+            <a:r>
+              <a:rPr lang="zh-CN" altLang="en-US"/>
+              <a:t>通过这个机制，不只是让</a:t>
+            </a:r>
+            <a:r>
+              <a:rPr lang="en-US" altLang="zh-CN"/>
+              <a:t>C++</a:t>
+            </a:r>
+            <a:r>
+              <a:rPr lang="zh-CN" altLang="en-US"/>
+              <a:t>程序得以使用</a:t>
+            </a:r>
+            <a:r>
+              <a:rPr lang="en-US" altLang="zh-CN"/>
+              <a:t>COMO</a:t>
+            </a:r>
+            <a:r>
+              <a:rPr lang="zh-CN" altLang="en-US"/>
+              <a:t>构件服务，实现多语言的绑定也是很容易的。</a:t>
+            </a:r>
+          </a:p>
+        </p:txBody>
+      </p:sp>
+      <p:sp>
+        <p:nvSpPr>
+          <p:cNvPr id="4" name="日期占位符 3">
+            <a:extLst>
+              <a:ext uri="{FF2B5EF4-FFF2-40B4-BE49-F238E27FC236}">
+                <a16:creationId xmlns:a16="http://schemas.microsoft.com/office/drawing/2014/main" id="{F87EAC34-1706-4D07-88E0-69B8253B3F94}"/>
+              </a:ext>
+            </a:extLst>
+          </p:cNvPr>
+          <p:cNvSpPr>
+            <a:spLocks noGrp="1"/>
+          </p:cNvSpPr>
+          <p:nvPr>
+            <p:ph type="dt" sz="half" idx="10"/>
           </p:nvPr>
         </p:nvSpPr>
         <p:spPr/>
@@ -13643,49 +14464,14 @@
           <a:bodyPr/>
           <a:lstStyle/>
           <a:p>
-            <a:r>
-              <a:rPr lang="zh-CN" altLang="en-US" sz="1200"/>
-              <a:t>源码：</a:t>
-            </a:r>
-            <a:r>
-              <a:rPr lang="en-US" altLang="zh-CN" sz="1200"/>
-              <a:t>/como/como/test/runtime/rpc/client/main.cpp </a:t>
-            </a:r>
-          </a:p>
-          <a:p>
-            <a:endParaRPr lang="zh-CN" altLang="en-US"/>
-          </a:p>
-        </p:txBody>
-      </p:sp>
-      <p:sp>
-        <p:nvSpPr>
-          <p:cNvPr id="4" name="日期占位符 3">
-            <a:extLst>
-              <a:ext uri="{FF2B5EF4-FFF2-40B4-BE49-F238E27FC236}">
-                <a16:creationId xmlns:a16="http://schemas.microsoft.com/office/drawing/2014/main" id="{93827E35-D2B1-4ABA-9FCC-3F6BE0532941}"/>
-              </a:ext>
-            </a:extLst>
-          </p:cNvPr>
-          <p:cNvSpPr>
-            <a:spLocks noGrp="1"/>
-          </p:cNvSpPr>
-          <p:nvPr>
-            <p:ph type="dt" sz="half" idx="10"/>
-          </p:nvPr>
-        </p:nvSpPr>
-        <p:spPr/>
-        <p:txBody>
-          <a:bodyPr/>
-          <a:lstStyle/>
-          <a:p>
-            <a:fld id="{A058C3EE-7F92-4C34-8E4D-F4AB6C7888FF}" type="datetime1">
+            <a:fld id="{12D1B8E7-F47C-47D8-B811-1B6D096B8720}" type="datetime1">
               <a:rPr lang="zh-CN" altLang="en-US" smtClean="0">
                 <a:solidFill>
                   <a:srgbClr val="000000"/>
                 </a:solidFill>
               </a:rPr>
               <a:pPr/>
-              <a:t>2021/2/26</a:t>
+              <a:t>2022/4/7</a:t>
             </a:fld>
             <a:endParaRPr lang="zh-CN" altLang="en-US">
               <a:solidFill>
@@ -13700,7 +14486,7 @@
           <p:cNvPr id="5" name="页脚占位符 4">
             <a:extLst>
               <a:ext uri="{FF2B5EF4-FFF2-40B4-BE49-F238E27FC236}">
-                <a16:creationId xmlns:a16="http://schemas.microsoft.com/office/drawing/2014/main" id="{399BFAC3-DF7B-478C-9F01-BFDF6BF6D69C}"/>
+                <a16:creationId xmlns:a16="http://schemas.microsoft.com/office/drawing/2014/main" id="{D5E6CA98-2203-4F89-B6B1-F6AC23519BE7}"/>
               </a:ext>
             </a:extLst>
           </p:cNvPr>
@@ -13732,7 +14518,7 @@
           <p:cNvPr id="6" name="灯片编号占位符 5">
             <a:extLst>
               <a:ext uri="{FF2B5EF4-FFF2-40B4-BE49-F238E27FC236}">
-                <a16:creationId xmlns:a16="http://schemas.microsoft.com/office/drawing/2014/main" id="{18F7491C-7BC6-4873-B436-7D1E2B637B8D}"/>
+                <a16:creationId xmlns:a16="http://schemas.microsoft.com/office/drawing/2014/main" id="{21E11E3C-D4A1-42A8-97EE-A4D070E14C84}"/>
               </a:ext>
             </a:extLst>
           </p:cNvPr>
@@ -13756,6 +14542,212 @@
               </a:rPr>
               <a:pPr/>
               <a:t>6</a:t>
+            </a:fld>
+            <a:endParaRPr lang="zh-CN" altLang="en-US">
+              <a:solidFill>
+                <a:srgbClr val="000000"/>
+              </a:solidFill>
+            </a:endParaRPr>
+          </a:p>
+        </p:txBody>
+      </p:sp>
+    </p:spTree>
+    <p:extLst>
+      <p:ext uri="{BB962C8B-B14F-4D97-AF65-F5344CB8AC3E}">
+        <p14:creationId xmlns:p14="http://schemas.microsoft.com/office/powerpoint/2010/main" val="3669258170"/>
+      </p:ext>
+    </p:extLst>
+  </p:cSld>
+  <p:clrMapOvr>
+    <a:masterClrMapping/>
+  </p:clrMapOvr>
+</p:sld>
+</file>
+
+<file path=ppt/slides/slide7.xml><?xml version="1.0" encoding="utf-8"?>
+<p:sld xmlns:a="http://schemas.openxmlformats.org/drawingml/2006/main" xmlns:r="http://schemas.openxmlformats.org/officeDocument/2006/relationships" xmlns:p="http://schemas.openxmlformats.org/presentationml/2006/main">
+  <p:cSld>
+    <p:spTree>
+      <p:nvGrpSpPr>
+        <p:cNvPr id="1" name=""/>
+        <p:cNvGrpSpPr/>
+        <p:nvPr/>
+      </p:nvGrpSpPr>
+      <p:grpSpPr>
+        <a:xfrm>
+          <a:off x="0" y="0"/>
+          <a:ext cx="0" cy="0"/>
+          <a:chOff x="0" y="0"/>
+          <a:chExt cx="0" cy="0"/>
+        </a:xfrm>
+      </p:grpSpPr>
+      <p:sp>
+        <p:nvSpPr>
+          <p:cNvPr id="2" name="标题 1">
+            <a:extLst>
+              <a:ext uri="{FF2B5EF4-FFF2-40B4-BE49-F238E27FC236}">
+                <a16:creationId xmlns:a16="http://schemas.microsoft.com/office/drawing/2014/main" id="{C37E8559-87F4-4870-90AC-F2C5EF694579}"/>
+              </a:ext>
+            </a:extLst>
+          </p:cNvPr>
+          <p:cNvSpPr>
+            <a:spLocks noGrp="1"/>
+          </p:cNvSpPr>
+          <p:nvPr>
+            <p:ph type="title"/>
+          </p:nvPr>
+        </p:nvSpPr>
+        <p:spPr/>
+        <p:txBody>
+          <a:bodyPr/>
+          <a:lstStyle/>
+          <a:p>
+            <a:r>
+              <a:rPr lang="zh-CN" altLang="en-US"/>
+              <a:t>客户端</a:t>
+            </a:r>
+            <a:r>
+              <a:rPr lang="en-US" altLang="zh-CN"/>
+              <a:t>Client</a:t>
+            </a:r>
+            <a:endParaRPr lang="zh-CN" altLang="en-US"/>
+          </a:p>
+        </p:txBody>
+      </p:sp>
+      <p:sp>
+        <p:nvSpPr>
+          <p:cNvPr id="3" name="内容占位符 2">
+            <a:extLst>
+              <a:ext uri="{FF2B5EF4-FFF2-40B4-BE49-F238E27FC236}">
+                <a16:creationId xmlns:a16="http://schemas.microsoft.com/office/drawing/2014/main" id="{FAF4651B-EAC9-4A97-94EF-2F99C11A4A31}"/>
+              </a:ext>
+            </a:extLst>
+          </p:cNvPr>
+          <p:cNvSpPr>
+            <a:spLocks noGrp="1"/>
+          </p:cNvSpPr>
+          <p:nvPr>
+            <p:ph idx="1"/>
+          </p:nvPr>
+        </p:nvSpPr>
+        <p:spPr/>
+        <p:txBody>
+          <a:bodyPr/>
+          <a:lstStyle/>
+          <a:p>
+            <a:r>
+              <a:rPr lang="zh-CN" altLang="en-US" sz="1200"/>
+              <a:t>源码：</a:t>
+            </a:r>
+            <a:r>
+              <a:rPr lang="en-US" altLang="zh-CN" sz="1200"/>
+              <a:t>/como/como/test/runtime/rpc/client/main.cpp </a:t>
+            </a:r>
+          </a:p>
+          <a:p>
+            <a:endParaRPr lang="zh-CN" altLang="en-US"/>
+          </a:p>
+        </p:txBody>
+      </p:sp>
+      <p:sp>
+        <p:nvSpPr>
+          <p:cNvPr id="4" name="日期占位符 3">
+            <a:extLst>
+              <a:ext uri="{FF2B5EF4-FFF2-40B4-BE49-F238E27FC236}">
+                <a16:creationId xmlns:a16="http://schemas.microsoft.com/office/drawing/2014/main" id="{93827E35-D2B1-4ABA-9FCC-3F6BE0532941}"/>
+              </a:ext>
+            </a:extLst>
+          </p:cNvPr>
+          <p:cNvSpPr>
+            <a:spLocks noGrp="1"/>
+          </p:cNvSpPr>
+          <p:nvPr>
+            <p:ph type="dt" sz="half" idx="10"/>
+          </p:nvPr>
+        </p:nvSpPr>
+        <p:spPr/>
+        <p:txBody>
+          <a:bodyPr/>
+          <a:lstStyle/>
+          <a:p>
+            <a:fld id="{A058C3EE-7F92-4C34-8E4D-F4AB6C7888FF}" type="datetime1">
+              <a:rPr lang="zh-CN" altLang="en-US" smtClean="0">
+                <a:solidFill>
+                  <a:srgbClr val="000000"/>
+                </a:solidFill>
+              </a:rPr>
+              <a:pPr/>
+              <a:t>2022/4/7</a:t>
+            </a:fld>
+            <a:endParaRPr lang="zh-CN" altLang="en-US">
+              <a:solidFill>
+                <a:srgbClr val="000000"/>
+              </a:solidFill>
+            </a:endParaRPr>
+          </a:p>
+        </p:txBody>
+      </p:sp>
+      <p:sp>
+        <p:nvSpPr>
+          <p:cNvPr id="5" name="页脚占位符 4">
+            <a:extLst>
+              <a:ext uri="{FF2B5EF4-FFF2-40B4-BE49-F238E27FC236}">
+                <a16:creationId xmlns:a16="http://schemas.microsoft.com/office/drawing/2014/main" id="{399BFAC3-DF7B-478C-9F01-BFDF6BF6D69C}"/>
+              </a:ext>
+            </a:extLst>
+          </p:cNvPr>
+          <p:cNvSpPr>
+            <a:spLocks noGrp="1"/>
+          </p:cNvSpPr>
+          <p:nvPr>
+            <p:ph type="ftr" sz="quarter" idx="11"/>
+          </p:nvPr>
+        </p:nvSpPr>
+        <p:spPr/>
+        <p:txBody>
+          <a:bodyPr/>
+          <a:lstStyle/>
+          <a:p>
+            <a:r>
+              <a:rPr lang="zh-CN" altLang="en-US">
+                <a:solidFill>
+                  <a:srgbClr val="000000"/>
+                </a:solidFill>
+              </a:rPr>
+              <a:t>同济大学电子与信息工程学院 裴喜龙</a:t>
+            </a:r>
+          </a:p>
+        </p:txBody>
+      </p:sp>
+      <p:sp>
+        <p:nvSpPr>
+          <p:cNvPr id="6" name="灯片编号占位符 5">
+            <a:extLst>
+              <a:ext uri="{FF2B5EF4-FFF2-40B4-BE49-F238E27FC236}">
+                <a16:creationId xmlns:a16="http://schemas.microsoft.com/office/drawing/2014/main" id="{18F7491C-7BC6-4873-B436-7D1E2B637B8D}"/>
+              </a:ext>
+            </a:extLst>
+          </p:cNvPr>
+          <p:cNvSpPr>
+            <a:spLocks noGrp="1"/>
+          </p:cNvSpPr>
+          <p:nvPr>
+            <p:ph type="sldNum" sz="quarter" idx="12"/>
+          </p:nvPr>
+        </p:nvSpPr>
+        <p:spPr/>
+        <p:txBody>
+          <a:bodyPr/>
+          <a:lstStyle/>
+          <a:p>
+            <a:fld id="{C3E0ADDA-F6F8-47AE-B57D-5BE0E215DE8A}" type="slidenum">
+              <a:rPr lang="zh-CN" altLang="en-US" smtClean="0">
+                <a:solidFill>
+                  <a:srgbClr val="000000"/>
+                </a:solidFill>
+              </a:rPr>
+              <a:pPr/>
+              <a:t>7</a:t>
             </a:fld>
             <a:endParaRPr lang="zh-CN" altLang="en-US">
               <a:solidFill>
@@ -13808,7 +14800,7 @@
 </p:sld>
 </file>
 
-<file path=ppt/slides/slide7.xml><?xml version="1.0" encoding="utf-8"?>
+<file path=ppt/slides/slide8.xml><?xml version="1.0" encoding="utf-8"?>
 <p:sld xmlns:a="http://schemas.openxmlformats.org/drawingml/2006/main" xmlns:r="http://schemas.openxmlformats.org/officeDocument/2006/relationships" xmlns:p="http://schemas.openxmlformats.org/presentationml/2006/main">
   <p:cSld>
     <p:spTree>
@@ -13934,7 +14926,7 @@
                 </a:solidFill>
               </a:rPr>
               <a:pPr/>
-              <a:t>2021/2/26</a:t>
+              <a:t>2022/4/7</a:t>
             </a:fld>
             <a:endParaRPr lang="zh-CN" altLang="en-US">
               <a:solidFill>
@@ -14004,7 +14996,7 @@
                 </a:solidFill>
               </a:rPr>
               <a:pPr/>
-              <a:t>7</a:t>
+              <a:t>8</a:t>
             </a:fld>
             <a:endParaRPr lang="zh-CN" altLang="en-US">
               <a:solidFill>
@@ -14087,7 +15079,7 @@
 </p:sld>
 </file>
 
-<file path=ppt/slides/slide8.xml><?xml version="1.0" encoding="utf-8"?>
+<file path=ppt/slides/slide9.xml><?xml version="1.0" encoding="utf-8"?>
 <p:sld xmlns:a="http://schemas.openxmlformats.org/drawingml/2006/main" xmlns:r="http://schemas.openxmlformats.org/officeDocument/2006/relationships" xmlns:p="http://schemas.openxmlformats.org/presentationml/2006/main">
   <p:cSld>
     <p:spTree>
@@ -14213,7 +15205,7 @@
                 </a:solidFill>
               </a:rPr>
               <a:pPr/>
-              <a:t>2021/2/26</a:t>
+              <a:t>2022/4/7</a:t>
             </a:fld>
             <a:endParaRPr lang="zh-CN" altLang="en-US">
               <a:solidFill>
@@ -14283,7 +15275,7 @@
                 </a:solidFill>
               </a:rPr>
               <a:pPr/>
-              <a:t>8</a:t>
+              <a:t>9</a:t>
             </a:fld>
             <a:endParaRPr lang="zh-CN" altLang="en-US">
               <a:solidFill>
@@ -14327,285 +15319,6 @@
     <p:extLst>
       <p:ext uri="{BB962C8B-B14F-4D97-AF65-F5344CB8AC3E}">
         <p14:creationId xmlns:p14="http://schemas.microsoft.com/office/powerpoint/2010/main" val="1408424338"/>
-      </p:ext>
-    </p:extLst>
-  </p:cSld>
-  <p:clrMapOvr>
-    <a:masterClrMapping/>
-  </p:clrMapOvr>
-</p:sld>
-</file>
-
-<file path=ppt/slides/slide9.xml><?xml version="1.0" encoding="utf-8"?>
-<p:sld xmlns:a="http://schemas.openxmlformats.org/drawingml/2006/main" xmlns:r="http://schemas.openxmlformats.org/officeDocument/2006/relationships" xmlns:p="http://schemas.openxmlformats.org/presentationml/2006/main">
-  <p:cSld>
-    <p:spTree>
-      <p:nvGrpSpPr>
-        <p:cNvPr id="1" name=""/>
-        <p:cNvGrpSpPr/>
-        <p:nvPr/>
-      </p:nvGrpSpPr>
-      <p:grpSpPr>
-        <a:xfrm>
-          <a:off x="0" y="0"/>
-          <a:ext cx="0" cy="0"/>
-          <a:chOff x="0" y="0"/>
-          <a:chExt cx="0" cy="0"/>
-        </a:xfrm>
-      </p:grpSpPr>
-      <p:sp>
-        <p:nvSpPr>
-          <p:cNvPr id="2" name="标题 1">
-            <a:extLst>
-              <a:ext uri="{FF2B5EF4-FFF2-40B4-BE49-F238E27FC236}">
-                <a16:creationId xmlns:a16="http://schemas.microsoft.com/office/drawing/2014/main" id="{C37E8559-87F4-4870-90AC-F2C5EF694579}"/>
-              </a:ext>
-            </a:extLst>
-          </p:cNvPr>
-          <p:cNvSpPr>
-            <a:spLocks noGrp="1"/>
-          </p:cNvSpPr>
-          <p:nvPr>
-            <p:ph type="title"/>
-          </p:nvPr>
-        </p:nvSpPr>
-        <p:spPr/>
-        <p:txBody>
-          <a:bodyPr/>
-          <a:lstStyle/>
-          <a:p>
-            <a:r>
-              <a:rPr lang="en-US" altLang="zh-CN"/>
-              <a:t>GetService</a:t>
-            </a:r>
-            <a:r>
-              <a:rPr lang="zh-CN" altLang="en-US"/>
-              <a:t>中的</a:t>
-            </a:r>
-            <a:r>
-              <a:rPr lang="en-US" altLang="zh-CN"/>
-              <a:t>obj</a:t>
-            </a:r>
-            <a:r>
-              <a:rPr lang="zh-CN" altLang="en-US"/>
-              <a:t>哪里来的？</a:t>
-            </a:r>
-            <a:br>
-              <a:rPr lang="en-US" altLang="zh-CN"/>
-            </a:br>
-            <a:r>
-              <a:rPr lang="en-US" altLang="zh-CN" sz="1800"/>
-              <a:t>UnmarshalInterface()</a:t>
-            </a:r>
-            <a:endParaRPr lang="zh-CN" altLang="en-US" sz="1800"/>
-          </a:p>
-        </p:txBody>
-      </p:sp>
-      <p:sp>
-        <p:nvSpPr>
-          <p:cNvPr id="3" name="内容占位符 2">
-            <a:extLst>
-              <a:ext uri="{FF2B5EF4-FFF2-40B4-BE49-F238E27FC236}">
-                <a16:creationId xmlns:a16="http://schemas.microsoft.com/office/drawing/2014/main" id="{FAF4651B-EAC9-4A97-94EF-2F99C11A4A31}"/>
-              </a:ext>
-            </a:extLst>
-          </p:cNvPr>
-          <p:cNvSpPr>
-            <a:spLocks noGrp="1"/>
-          </p:cNvSpPr>
-          <p:nvPr>
-            <p:ph idx="1"/>
-          </p:nvPr>
-        </p:nvSpPr>
-        <p:spPr/>
-        <p:txBody>
-          <a:bodyPr/>
-          <a:lstStyle/>
-          <a:p>
-            <a:r>
-              <a:rPr lang="zh-CN" altLang="en-US" sz="1200"/>
-              <a:t>源码：</a:t>
-            </a:r>
-            <a:r>
-              <a:rPr lang="pt-BR" altLang="zh-CN" sz="1200"/>
-              <a:t>/como/como/como/runtime/rpc/dbus/CDBusChannelFactory.cpp</a:t>
-            </a:r>
-            <a:endParaRPr lang="zh-CN" altLang="en-US"/>
-          </a:p>
-        </p:txBody>
-      </p:sp>
-      <p:sp>
-        <p:nvSpPr>
-          <p:cNvPr id="4" name="日期占位符 3">
-            <a:extLst>
-              <a:ext uri="{FF2B5EF4-FFF2-40B4-BE49-F238E27FC236}">
-                <a16:creationId xmlns:a16="http://schemas.microsoft.com/office/drawing/2014/main" id="{93827E35-D2B1-4ABA-9FCC-3F6BE0532941}"/>
-              </a:ext>
-            </a:extLst>
-          </p:cNvPr>
-          <p:cNvSpPr>
-            <a:spLocks noGrp="1"/>
-          </p:cNvSpPr>
-          <p:nvPr>
-            <p:ph type="dt" sz="half" idx="10"/>
-          </p:nvPr>
-        </p:nvSpPr>
-        <p:spPr/>
-        <p:txBody>
-          <a:bodyPr/>
-          <a:lstStyle/>
-          <a:p>
-            <a:fld id="{A058C3EE-7F92-4C34-8E4D-F4AB6C7888FF}" type="datetime1">
-              <a:rPr lang="zh-CN" altLang="en-US" smtClean="0">
-                <a:solidFill>
-                  <a:srgbClr val="000000"/>
-                </a:solidFill>
-              </a:rPr>
-              <a:pPr/>
-              <a:t>2021/2/26</a:t>
-            </a:fld>
-            <a:endParaRPr lang="zh-CN" altLang="en-US">
-              <a:solidFill>
-                <a:srgbClr val="000000"/>
-              </a:solidFill>
-            </a:endParaRPr>
-          </a:p>
-        </p:txBody>
-      </p:sp>
-      <p:sp>
-        <p:nvSpPr>
-          <p:cNvPr id="5" name="页脚占位符 4">
-            <a:extLst>
-              <a:ext uri="{FF2B5EF4-FFF2-40B4-BE49-F238E27FC236}">
-                <a16:creationId xmlns:a16="http://schemas.microsoft.com/office/drawing/2014/main" id="{399BFAC3-DF7B-478C-9F01-BFDF6BF6D69C}"/>
-              </a:ext>
-            </a:extLst>
-          </p:cNvPr>
-          <p:cNvSpPr>
-            <a:spLocks noGrp="1"/>
-          </p:cNvSpPr>
-          <p:nvPr>
-            <p:ph type="ftr" sz="quarter" idx="11"/>
-          </p:nvPr>
-        </p:nvSpPr>
-        <p:spPr/>
-        <p:txBody>
-          <a:bodyPr/>
-          <a:lstStyle/>
-          <a:p>
-            <a:r>
-              <a:rPr lang="zh-CN" altLang="en-US">
-                <a:solidFill>
-                  <a:srgbClr val="000000"/>
-                </a:solidFill>
-              </a:rPr>
-              <a:t>同济大学电子与信息工程学院 裴喜龙</a:t>
-            </a:r>
-          </a:p>
-        </p:txBody>
-      </p:sp>
-      <p:sp>
-        <p:nvSpPr>
-          <p:cNvPr id="6" name="灯片编号占位符 5">
-            <a:extLst>
-              <a:ext uri="{FF2B5EF4-FFF2-40B4-BE49-F238E27FC236}">
-                <a16:creationId xmlns:a16="http://schemas.microsoft.com/office/drawing/2014/main" id="{18F7491C-7BC6-4873-B436-7D1E2B637B8D}"/>
-              </a:ext>
-            </a:extLst>
-          </p:cNvPr>
-          <p:cNvSpPr>
-            <a:spLocks noGrp="1"/>
-          </p:cNvSpPr>
-          <p:nvPr>
-            <p:ph type="sldNum" sz="quarter" idx="12"/>
-          </p:nvPr>
-        </p:nvSpPr>
-        <p:spPr/>
-        <p:txBody>
-          <a:bodyPr/>
-          <a:lstStyle/>
-          <a:p>
-            <a:fld id="{C3E0ADDA-F6F8-47AE-B57D-5BE0E215DE8A}" type="slidenum">
-              <a:rPr lang="zh-CN" altLang="en-US" smtClean="0">
-                <a:solidFill>
-                  <a:srgbClr val="000000"/>
-                </a:solidFill>
-              </a:rPr>
-              <a:pPr/>
-              <a:t>9</a:t>
-            </a:fld>
-            <a:endParaRPr lang="zh-CN" altLang="en-US">
-              <a:solidFill>
-                <a:srgbClr val="000000"/>
-              </a:solidFill>
-            </a:endParaRPr>
-          </a:p>
-        </p:txBody>
-      </p:sp>
-      <p:pic>
-        <p:nvPicPr>
-          <p:cNvPr id="7" name="图片 6">
-            <a:extLst>
-              <a:ext uri="{FF2B5EF4-FFF2-40B4-BE49-F238E27FC236}">
-                <a16:creationId xmlns:a16="http://schemas.microsoft.com/office/drawing/2014/main" id="{C1629205-5FA1-4DC4-9658-D2E699C83436}"/>
-              </a:ext>
-            </a:extLst>
-          </p:cNvPr>
-          <p:cNvPicPr>
-            <a:picLocks noChangeAspect="1"/>
-          </p:cNvPicPr>
-          <p:nvPr/>
-        </p:nvPicPr>
-        <p:blipFill>
-          <a:blip r:embed="rId2"/>
-          <a:stretch>
-            <a:fillRect/>
-          </a:stretch>
-        </p:blipFill>
-        <p:spPr>
-          <a:xfrm>
-            <a:off x="614879" y="1635646"/>
-            <a:ext cx="4495775" cy="603673"/>
-          </a:xfrm>
-          <a:prstGeom prst="rect">
-            <a:avLst/>
-          </a:prstGeom>
-        </p:spPr>
-      </p:pic>
-      <p:pic>
-        <p:nvPicPr>
-          <p:cNvPr id="8" name="图片 7">
-            <a:extLst>
-              <a:ext uri="{FF2B5EF4-FFF2-40B4-BE49-F238E27FC236}">
-                <a16:creationId xmlns:a16="http://schemas.microsoft.com/office/drawing/2014/main" id="{13BBB6AC-E0E9-453E-94EC-43880623C8FA}"/>
-              </a:ext>
-            </a:extLst>
-          </p:cNvPr>
-          <p:cNvPicPr>
-            <a:picLocks noChangeAspect="1"/>
-          </p:cNvPicPr>
-          <p:nvPr/>
-        </p:nvPicPr>
-        <p:blipFill>
-          <a:blip r:embed="rId3"/>
-          <a:stretch>
-            <a:fillRect/>
-          </a:stretch>
-        </p:blipFill>
-        <p:spPr>
-          <a:xfrm>
-            <a:off x="5110654" y="1625971"/>
-            <a:ext cx="3973850" cy="2973413"/>
-          </a:xfrm>
-          <a:prstGeom prst="rect">
-            <a:avLst/>
-          </a:prstGeom>
-        </p:spPr>
-      </p:pic>
-    </p:spTree>
-    <p:extLst>
-      <p:ext uri="{BB962C8B-B14F-4D97-AF65-F5344CB8AC3E}">
-        <p14:creationId xmlns:p14="http://schemas.microsoft.com/office/powerpoint/2010/main" val="720592719"/>
       </p:ext>
     </p:extLst>
   </p:cSld>
